--- a/docs/slide_07_05_24.pptx
+++ b/docs/slide_07_05_24.pptx
@@ -298,7 +298,7 @@
                     <a:cs typeface="+mn-cs"/>
                   </a:defRPr>
                 </a:pPr>
-                <a:endParaRPr lang="en-US"/>
+                <a:endParaRPr lang="en-IL"/>
               </a:p>
             </c:txPr>
             <c:showLegendKey val="0"/>
@@ -584,7 +584,7 @@
                 <a:cs typeface="+mn-cs"/>
               </a:defRPr>
             </a:pPr>
-            <a:endParaRPr lang="en-US"/>
+            <a:endParaRPr lang="en-IL"/>
           </a:p>
         </c:txPr>
         <c:crossAx val="783900431"/>
@@ -598,6 +598,8 @@
         <c:axId val="783900431"/>
         <c:scaling>
           <c:orientation val="minMax"/>
+          <c:max val="45490"/>
+          <c:min val="45410"/>
         </c:scaling>
         <c:delete val="0"/>
         <c:axPos val="t"/>
@@ -643,7 +645,7 @@
                 <a:cs typeface="+mn-cs"/>
               </a:defRPr>
             </a:pPr>
-            <a:endParaRPr lang="en-US"/>
+            <a:endParaRPr lang="en-IL"/>
           </a:p>
         </c:txPr>
         <c:crossAx val="589457456"/>
@@ -685,7 +687,7 @@
               <a:cs typeface="+mn-cs"/>
             </a:defRPr>
           </a:pPr>
-          <a:endParaRPr lang="en-US"/>
+          <a:endParaRPr lang="en-IL"/>
         </a:p>
       </c:txPr>
     </c:legend>
@@ -714,7 +716,7 @@
       <a:pPr>
         <a:defRPr/>
       </a:pPr>
-      <a:endParaRPr lang="en-US"/>
+      <a:endParaRPr lang="en-IL"/>
     </a:p>
   </c:txPr>
   <c:externalData r:id="rId3">
@@ -2217,10 +2219,10 @@
             <a:defRPr b="1"/>
           </a:pPr>
           <a:r>
-            <a:rPr lang="en-US" b="1" i="0"/>
+            <a:rPr lang="en-US" b="1" i="0" dirty="0"/>
             <a:t>Completion of Main Functionalities</a:t>
           </a:r>
-          <a:endParaRPr lang="en-US"/>
+          <a:endParaRPr lang="en-US" dirty="0"/>
         </a:p>
       </dgm:t>
     </dgm:pt>
@@ -2259,10 +2261,10 @@
             </a:lnSpc>
           </a:pPr>
           <a:r>
-            <a:rPr lang="en-US" b="0" i="0"/>
+            <a:rPr lang="en-US" b="0" i="0" dirty="0"/>
             <a:t>Finalize the implementation of all main functionalities outlined in the project requirements.</a:t>
           </a:r>
-          <a:endParaRPr lang="en-US"/>
+          <a:endParaRPr lang="en-US" dirty="0"/>
         </a:p>
       </dgm:t>
     </dgm:pt>
@@ -2344,10 +2346,10 @@
             <a:defRPr b="1"/>
           </a:pPr>
           <a:r>
-            <a:rPr lang="en-US" b="1" i="0"/>
+            <a:rPr lang="en-US" b="1" i="0" dirty="0"/>
             <a:t>Finalization of User Interface (UI)</a:t>
           </a:r>
-          <a:endParaRPr lang="en-US"/>
+          <a:endParaRPr lang="en-US" dirty="0"/>
         </a:p>
       </dgm:t>
     </dgm:pt>
@@ -2386,10 +2388,10 @@
             </a:lnSpc>
           </a:pPr>
           <a:r>
-            <a:rPr lang="en-US" b="0" i="0"/>
+            <a:rPr lang="en-US" b="0" i="0" dirty="0"/>
             <a:t>Complete the design and implementation of remaining UI elements.</a:t>
           </a:r>
-          <a:endParaRPr lang="en-US"/>
+          <a:endParaRPr lang="en-US" dirty="0"/>
         </a:p>
       </dgm:t>
     </dgm:pt>
@@ -2428,10 +2430,10 @@
             </a:lnSpc>
           </a:pPr>
           <a:r>
-            <a:rPr lang="en-US" b="0" i="0"/>
+            <a:rPr lang="en-US" b="0" i="0" dirty="0"/>
             <a:t>Ensure that the UI is intuitive, user-friendly, and consistent across all screens.</a:t>
           </a:r>
-          <a:endParaRPr lang="en-US"/>
+          <a:endParaRPr lang="en-US" dirty="0"/>
         </a:p>
       </dgm:t>
     </dgm:pt>
@@ -2471,10 +2473,10 @@
             <a:defRPr b="1"/>
           </a:pPr>
           <a:r>
-            <a:rPr lang="en-US" b="1" i="0"/>
+            <a:rPr lang="en-US" b="1" i="0" dirty="0"/>
             <a:t>Improvement of Database (DB)</a:t>
           </a:r>
-          <a:endParaRPr lang="en-US"/>
+          <a:endParaRPr lang="en-US" dirty="0"/>
         </a:p>
       </dgm:t>
     </dgm:pt>
@@ -2513,10 +2515,10 @@
             </a:lnSpc>
           </a:pPr>
           <a:r>
-            <a:rPr lang="en-US" b="0" i="0"/>
+            <a:rPr lang="en-US" b="0" i="0" dirty="0"/>
             <a:t>Review and enhance the current database design to optimize performance and scalability.</a:t>
           </a:r>
-          <a:endParaRPr lang="en-US"/>
+          <a:endParaRPr lang="en-US" dirty="0"/>
         </a:p>
       </dgm:t>
     </dgm:pt>
@@ -2927,10 +2929,10 @@
             <a:defRPr b="1"/>
           </a:pPr>
           <a:r>
-            <a:rPr lang="en-US" sz="1700" b="1" i="0" kern="1200"/>
+            <a:rPr lang="en-US" sz="1700" b="1" i="0" kern="1200" dirty="0"/>
             <a:t>Completion of Main Functionalities</a:t>
           </a:r>
-          <a:endParaRPr lang="en-US" sz="1700" kern="1200"/>
+          <a:endParaRPr lang="en-US" sz="1700" kern="1200" dirty="0"/>
         </a:p>
       </dsp:txBody>
       <dsp:txXfrm>
@@ -2988,10 +2990,10 @@
             <a:buNone/>
           </a:pPr>
           <a:r>
-            <a:rPr lang="en-US" sz="1300" b="0" i="0" kern="1200"/>
+            <a:rPr lang="en-US" sz="1300" b="0" i="0" kern="1200" dirty="0"/>
             <a:t>Finalize the implementation of all main functionalities outlined in the project requirements.</a:t>
           </a:r>
-          <a:endParaRPr lang="en-US" sz="1300" kern="1200"/>
+          <a:endParaRPr lang="en-US" sz="1300" kern="1200" dirty="0"/>
         </a:p>
         <a:p>
           <a:pPr marL="0" lvl="0" indent="0" algn="ctr" defTabSz="577850">
@@ -3119,10 +3121,10 @@
             <a:defRPr b="1"/>
           </a:pPr>
           <a:r>
-            <a:rPr lang="en-US" sz="1700" b="1" i="0" kern="1200"/>
+            <a:rPr lang="en-US" sz="1700" b="1" i="0" kern="1200" dirty="0"/>
             <a:t>Finalization of User Interface (UI)</a:t>
           </a:r>
-          <a:endParaRPr lang="en-US" sz="1700" kern="1200"/>
+          <a:endParaRPr lang="en-US" sz="1700" kern="1200" dirty="0"/>
         </a:p>
       </dsp:txBody>
       <dsp:txXfrm>
@@ -3180,10 +3182,10 @@
             <a:buNone/>
           </a:pPr>
           <a:r>
-            <a:rPr lang="en-US" sz="1300" b="0" i="0" kern="1200"/>
+            <a:rPr lang="en-US" sz="1300" b="0" i="0" kern="1200" dirty="0"/>
             <a:t>Complete the design and implementation of remaining UI elements.</a:t>
           </a:r>
-          <a:endParaRPr lang="en-US" sz="1300" kern="1200"/>
+          <a:endParaRPr lang="en-US" sz="1300" kern="1200" dirty="0"/>
         </a:p>
         <a:p>
           <a:pPr marL="0" lvl="0" indent="0" algn="ctr" defTabSz="577850">
@@ -3199,10 +3201,10 @@
             <a:buNone/>
           </a:pPr>
           <a:r>
-            <a:rPr lang="en-US" sz="1300" b="0" i="0" kern="1200"/>
+            <a:rPr lang="en-US" sz="1300" b="0" i="0" kern="1200" dirty="0"/>
             <a:t>Ensure that the UI is intuitive, user-friendly, and consistent across all screens.</a:t>
           </a:r>
-          <a:endParaRPr lang="en-US" sz="1300" kern="1200"/>
+          <a:endParaRPr lang="en-US" sz="1300" kern="1200" dirty="0"/>
         </a:p>
       </dsp:txBody>
       <dsp:txXfrm>
@@ -3311,10 +3313,10 @@
             <a:defRPr b="1"/>
           </a:pPr>
           <a:r>
-            <a:rPr lang="en-US" sz="1700" b="1" i="0" kern="1200"/>
+            <a:rPr lang="en-US" sz="1700" b="1" i="0" kern="1200" dirty="0"/>
             <a:t>Improvement of Database (DB)</a:t>
           </a:r>
-          <a:endParaRPr lang="en-US" sz="1700" kern="1200"/>
+          <a:endParaRPr lang="en-US" sz="1700" kern="1200" dirty="0"/>
         </a:p>
       </dsp:txBody>
       <dsp:txXfrm>
@@ -3372,10 +3374,10 @@
             <a:buNone/>
           </a:pPr>
           <a:r>
-            <a:rPr lang="en-US" sz="1300" b="0" i="0" kern="1200"/>
+            <a:rPr lang="en-US" sz="1300" b="0" i="0" kern="1200" dirty="0"/>
             <a:t>Review and enhance the current database design to optimize performance and scalability.</a:t>
           </a:r>
-          <a:endParaRPr lang="en-US" sz="1300" kern="1200"/>
+          <a:endParaRPr lang="en-US" sz="1300" kern="1200" dirty="0"/>
         </a:p>
         <a:p>
           <a:pPr marL="0" lvl="0" indent="0" algn="ctr" defTabSz="577850">
@@ -4723,7 +4725,7 @@
           <a:p>
             <a:fld id="{2AC67E65-3FEC-47E0-B720-65A7A1F63DEE}" type="datetimeFigureOut">
               <a:rPr lang="en-IL" smtClean="0"/>
-              <a:t>05/06/2024</a:t>
+              <a:t>06/05/2024</a:t>
             </a:fld>
             <a:endParaRPr lang="en-IL"/>
           </a:p>
@@ -11544,51 +11546,6 @@
           <a:chExt cx="0" cy="0"/>
         </a:xfrm>
       </p:grpSpPr>
-      <p:cxnSp>
-        <p:nvCxnSpPr>
-          <p:cNvPr id="5" name="Straight Connector 4">
-            <a:extLst>
-              <a:ext uri="{FF2B5EF4-FFF2-40B4-BE49-F238E27FC236}">
-                <a16:creationId xmlns:a16="http://schemas.microsoft.com/office/drawing/2014/main" id="{B8533644-4D04-9B4F-01B5-6BAECACB18A2}"/>
-              </a:ext>
-            </a:extLst>
-          </p:cNvPr>
-          <p:cNvCxnSpPr>
-            <a:cxnSpLocks/>
-          </p:cNvCxnSpPr>
-          <p:nvPr/>
-        </p:nvCxnSpPr>
-        <p:spPr>
-          <a:xfrm>
-            <a:off x="6135255" y="951345"/>
-            <a:ext cx="0" cy="581891"/>
-          </a:xfrm>
-          <a:prstGeom prst="line">
-            <a:avLst/>
-          </a:prstGeom>
-          <a:ln w="57150">
-            <a:solidFill>
-              <a:schemeClr val="bg2">
-                <a:lumMod val="25000"/>
-              </a:schemeClr>
-            </a:solidFill>
-          </a:ln>
-        </p:spPr>
-        <p:style>
-          <a:lnRef idx="1">
-            <a:schemeClr val="accent1"/>
-          </a:lnRef>
-          <a:fillRef idx="0">
-            <a:schemeClr val="accent1"/>
-          </a:fillRef>
-          <a:effectRef idx="0">
-            <a:schemeClr val="accent1"/>
-          </a:effectRef>
-          <a:fontRef idx="minor">
-            <a:schemeClr val="tx1"/>
-          </a:fontRef>
-        </p:style>
-      </p:cxnSp>
       <p:sp>
         <p:nvSpPr>
           <p:cNvPr id="2" name="Title 1">
@@ -12381,15 +12338,6 @@
 </file>
 
 <file path=customXml/item2.xml><?xml version="1.0" encoding="utf-8"?>
-<?mso-contentType ?>
-<FormTemplates xmlns="http://schemas.microsoft.com/sharepoint/v3/contenttype/forms">
-  <Display>DocumentLibraryForm</Display>
-  <Edit>DocumentLibraryForm</Edit>
-  <New>DocumentLibraryForm</New>
-</FormTemplates>
-</file>
-
-<file path=customXml/item3.xml><?xml version="1.0" encoding="utf-8"?>
 <ct:contentTypeSchema xmlns:ct="http://schemas.microsoft.com/office/2006/metadata/contentType" xmlns:ma="http://schemas.microsoft.com/office/2006/metadata/properties/metaAttributes" ct:_="" ma:_="" ma:contentTypeName="מסמך" ma:contentTypeID="0x0101001EA59A15987AE144A254FC4106E321C8" ma:contentTypeVersion="0" ma:contentTypeDescription="צור מסמך חדש." ma:contentTypeScope="" ma:versionID="ac5e564299d3b42ba03881e8c53bf074">
   <xsd:schema xmlns:xsd="http://www.w3.org/2001/XMLSchema" xmlns:xs="http://www.w3.org/2001/XMLSchema" xmlns:p="http://schemas.microsoft.com/office/2006/metadata/properties" targetNamespace="http://schemas.microsoft.com/office/2006/metadata/properties" ma:root="true" ma:fieldsID="b37cfc545645a8cf67766586f7122ed1">
     <xsd:element name="properties">
@@ -12503,6 +12451,15 @@
 </ct:contentTypeSchema>
 </file>
 
+<file path=customXml/item3.xml><?xml version="1.0" encoding="utf-8"?>
+<?mso-contentType ?>
+<FormTemplates xmlns="http://schemas.microsoft.com/sharepoint/v3/contenttype/forms">
+  <Display>DocumentLibraryForm</Display>
+  <Edit>DocumentLibraryForm</Edit>
+  <New>DocumentLibraryForm</New>
+</FormTemplates>
+</file>
+
 <file path=customXml/itemProps1.xml><?xml version="1.0" encoding="utf-8"?>
 <ds:datastoreItem xmlns:ds="http://schemas.openxmlformats.org/officeDocument/2006/customXml" ds:itemID="{0C7BE171-BD1C-498E-8814-0CE2416DE5AE}">
   <ds:schemaRefs>
@@ -12513,14 +12470,6 @@
 </file>
 
 <file path=customXml/itemProps2.xml><?xml version="1.0" encoding="utf-8"?>
-<ds:datastoreItem xmlns:ds="http://schemas.openxmlformats.org/officeDocument/2006/customXml" ds:itemID="{78044AE5-62BD-4847-9366-F16F3787C79C}">
-  <ds:schemaRefs>
-    <ds:schemaRef ds:uri="http://schemas.microsoft.com/sharepoint/v3/contenttype/forms"/>
-  </ds:schemaRefs>
-</ds:datastoreItem>
-</file>
-
-<file path=customXml/itemProps3.xml><?xml version="1.0" encoding="utf-8"?>
 <ds:datastoreItem xmlns:ds="http://schemas.openxmlformats.org/officeDocument/2006/customXml" ds:itemID="{AEFC6045-F173-4449-8223-138CC82507B1}">
   <ds:schemaRefs>
     <ds:schemaRef ds:uri="http://schemas.microsoft.com/office/2006/metadata/contentType"/>
@@ -12536,6 +12485,14 @@
 </ds:datastoreItem>
 </file>
 
+<file path=customXml/itemProps3.xml><?xml version="1.0" encoding="utf-8"?>
+<ds:datastoreItem xmlns:ds="http://schemas.openxmlformats.org/officeDocument/2006/customXml" ds:itemID="{78044AE5-62BD-4847-9366-F16F3787C79C}">
+  <ds:schemaRefs>
+    <ds:schemaRef ds:uri="http://schemas.microsoft.com/sharepoint/v3/contenttype/forms"/>
+  </ds:schemaRefs>
+</ds:datastoreItem>
+</file>
+
 <file path=docMetadata/LabelInfo.xml><?xml version="1.0" encoding="utf-8"?>
 <clbl:labelList xmlns:clbl="http://schemas.microsoft.com/office/2020/mipLabelMetadata">
   <clbl:label id="{f42aa342-8706-4288-bd11-ebb85995028c}" enabled="1" method="Standard" siteId="{72f988bf-86f1-41af-91ab-2d7cd011db47}" contentBits="0" removed="0"/>

--- a/docs/slide_07_05_24.pptx
+++ b/docs/slide_07_05_24.pptx
@@ -5,7 +5,7 @@
     <p:sldMasterId id="2147483648" r:id="rId4"/>
   </p:sldMasterIdLst>
   <p:notesMasterIdLst>
-    <p:notesMasterId r:id="rId12"/>
+    <p:notesMasterId r:id="rId17"/>
   </p:notesMasterIdLst>
   <p:sldIdLst>
     <p:sldId id="269" r:id="rId5"/>
@@ -14,7 +14,12 @@
     <p:sldId id="260" r:id="rId8"/>
     <p:sldId id="278" r:id="rId9"/>
     <p:sldId id="293" r:id="rId10"/>
-    <p:sldId id="294" r:id="rId11"/>
+    <p:sldId id="300" r:id="rId11"/>
+    <p:sldId id="301" r:id="rId12"/>
+    <p:sldId id="303" r:id="rId13"/>
+    <p:sldId id="304" r:id="rId14"/>
+    <p:sldId id="305" r:id="rId15"/>
+    <p:sldId id="306" r:id="rId16"/>
   </p:sldIdLst>
   <p:sldSz cx="12192000" cy="6858000"/>
   <p:notesSz cx="6858000" cy="9144000"/>
@@ -119,1155 +124,6 @@
     </p:ext>
   </p:extLst>
 </p:presentation>
-</file>
-
-<file path=ppt/charts/chart1.xml><?xml version="1.0" encoding="utf-8"?>
-<c:chartSpace xmlns:c="http://schemas.openxmlformats.org/drawingml/2006/chart" xmlns:a="http://schemas.openxmlformats.org/drawingml/2006/main" xmlns:r="http://schemas.openxmlformats.org/officeDocument/2006/relationships" xmlns:c16r2="http://schemas.microsoft.com/office/drawing/2015/06/chart">
-  <c:date1904 val="0"/>
-  <c:lang val="en-US"/>
-  <c:roundedCorners val="0"/>
-  <mc:AlternateContent xmlns:mc="http://schemas.openxmlformats.org/markup-compatibility/2006">
-    <mc:Choice xmlns:c14="http://schemas.microsoft.com/office/drawing/2007/8/2/chart" Requires="c14">
-      <c14:style val="102"/>
-    </mc:Choice>
-    <mc:Fallback>
-      <c:style val="2"/>
-    </mc:Fallback>
-  </mc:AlternateContent>
-  <c:chart>
-    <c:autoTitleDeleted val="0"/>
-    <c:plotArea>
-      <c:layout/>
-      <c:barChart>
-        <c:barDir val="bar"/>
-        <c:grouping val="stacked"/>
-        <c:varyColors val="0"/>
-        <c:ser>
-          <c:idx val="0"/>
-          <c:order val="0"/>
-          <c:tx>
-            <c:strRef>
-              <c:f>Sheet1!$B$1</c:f>
-              <c:strCache>
-                <c:ptCount val="1"/>
-                <c:pt idx="0">
-                  <c:v>Start date</c:v>
-                </c:pt>
-              </c:strCache>
-            </c:strRef>
-          </c:tx>
-          <c:spPr>
-            <a:noFill/>
-            <a:ln>
-              <a:noFill/>
-            </a:ln>
-            <a:effectLst/>
-          </c:spPr>
-          <c:invertIfNegative val="0"/>
-          <c:cat>
-            <c:strRef>
-              <c:f>Sheet1!$A$2:$A$10</c:f>
-              <c:strCache>
-                <c:ptCount val="9"/>
-                <c:pt idx="0">
-                  <c:v>Finish programming all object hierarchy</c:v>
-                </c:pt>
-                <c:pt idx="1">
-                  <c:v>Implement DAL</c:v>
-                </c:pt>
-                <c:pt idx="2">
-                  <c:v>UI re-design</c:v>
-                </c:pt>
-                <c:pt idx="3">
-                  <c:v>Task flow testing</c:v>
-                </c:pt>
-                <c:pt idx="4">
-                  <c:v>Exan production</c:v>
-                </c:pt>
-                <c:pt idx="5">
-                  <c:v>Task distribution algorithm</c:v>
-                </c:pt>
-                <c:pt idx="6">
-                  <c:v>Version control implementation</c:v>
-                </c:pt>
-                <c:pt idx="7">
-                  <c:v>Work statistics gathering</c:v>
-                </c:pt>
-                <c:pt idx="8">
-                  <c:v>Test and fix</c:v>
-                </c:pt>
-              </c:strCache>
-            </c:strRef>
-          </c:cat>
-          <c:val>
-            <c:numRef>
-              <c:f>Sheet1!$B$2:$B$10</c:f>
-              <c:numCache>
-                <c:formatCode>dd/mm/yy;@</c:formatCode>
-                <c:ptCount val="9"/>
-                <c:pt idx="0">
-                  <c:v>45413</c:v>
-                </c:pt>
-                <c:pt idx="1">
-                  <c:v>45419</c:v>
-                </c:pt>
-                <c:pt idx="2">
-                  <c:v>45422</c:v>
-                </c:pt>
-                <c:pt idx="3">
-                  <c:v>45444</c:v>
-                </c:pt>
-                <c:pt idx="4">
-                  <c:v>45458</c:v>
-                </c:pt>
-                <c:pt idx="5">
-                  <c:v>45465</c:v>
-                </c:pt>
-                <c:pt idx="6">
-                  <c:v>45468</c:v>
-                </c:pt>
-                <c:pt idx="7">
-                  <c:v>45470</c:v>
-                </c:pt>
-                <c:pt idx="8">
-                  <c:v>45474</c:v>
-                </c:pt>
-              </c:numCache>
-            </c:numRef>
-          </c:val>
-          <c:extLst>
-            <c:ext xmlns:c16="http://schemas.microsoft.com/office/drawing/2014/chart" uri="{C3380CC4-5D6E-409C-BE32-E72D297353CC}">
-              <c16:uniqueId val="{00000000-6A94-4A27-B91B-CAAD5B4EF3CF}"/>
-            </c:ext>
-          </c:extLst>
-        </c:ser>
-        <c:ser>
-          <c:idx val="2"/>
-          <c:order val="2"/>
-          <c:tx>
-            <c:strRef>
-              <c:f>Sheet1!$D$1</c:f>
-              <c:strCache>
-                <c:ptCount val="1"/>
-                <c:pt idx="0">
-                  <c:v>Duration</c:v>
-                </c:pt>
-              </c:strCache>
-            </c:strRef>
-          </c:tx>
-          <c:spPr>
-            <a:solidFill>
-              <a:schemeClr val="bg2">
-                <a:lumMod val="90000"/>
-              </a:schemeClr>
-            </a:solidFill>
-            <a:ln>
-              <a:noFill/>
-            </a:ln>
-            <a:effectLst/>
-          </c:spPr>
-          <c:invertIfNegative val="0"/>
-          <c:dLbls>
-            <c:spPr>
-              <a:solidFill>
-                <a:schemeClr val="bg2">
-                  <a:lumMod val="90000"/>
-                </a:schemeClr>
-              </a:solidFill>
-              <a:ln>
-                <a:noFill/>
-              </a:ln>
-              <a:effectLst/>
-            </c:spPr>
-            <c:txPr>
-              <a:bodyPr rot="0" spcFirstLastPara="1" vertOverflow="ellipsis" vert="horz" wrap="square" lIns="38100" tIns="19050" rIns="38100" bIns="19050" anchor="ctr" anchorCtr="1">
-                <a:spAutoFit/>
-              </a:bodyPr>
-              <a:lstStyle/>
-              <a:p>
-                <a:pPr>
-                  <a:defRPr sz="1197" b="0" i="0" u="none" strike="noStrike" kern="1200" baseline="0">
-                    <a:solidFill>
-                      <a:schemeClr val="tx1">
-                        <a:lumMod val="75000"/>
-                        <a:lumOff val="25000"/>
-                      </a:schemeClr>
-                    </a:solidFill>
-                    <a:latin typeface="+mn-lt"/>
-                    <a:ea typeface="+mn-ea"/>
-                    <a:cs typeface="+mn-cs"/>
-                  </a:defRPr>
-                </a:pPr>
-                <a:endParaRPr lang="en-IL"/>
-              </a:p>
-            </c:txPr>
-            <c:showLegendKey val="0"/>
-            <c:showVal val="1"/>
-            <c:showCatName val="0"/>
-            <c:showSerName val="0"/>
-            <c:showPercent val="0"/>
-            <c:showBubbleSize val="0"/>
-            <c:showLeaderLines val="0"/>
-            <c:extLst>
-              <c:ext xmlns:c15="http://schemas.microsoft.com/office/drawing/2012/chart" uri="{CE6537A1-D6FC-4f65-9D91-7224C49458BB}">
-                <c15:showLeaderLines val="1"/>
-                <c15:leaderLines>
-                  <c:spPr>
-                    <a:ln w="9525" cap="flat" cmpd="sng" algn="ctr">
-                      <a:solidFill>
-                        <a:schemeClr val="tx1">
-                          <a:lumMod val="35000"/>
-                          <a:lumOff val="65000"/>
-                        </a:schemeClr>
-                      </a:solidFill>
-                      <a:round/>
-                    </a:ln>
-                    <a:effectLst/>
-                  </c:spPr>
-                </c15:leaderLines>
-              </c:ext>
-            </c:extLst>
-          </c:dLbls>
-          <c:cat>
-            <c:strRef>
-              <c:f>Sheet1!$A$2:$A$10</c:f>
-              <c:strCache>
-                <c:ptCount val="9"/>
-                <c:pt idx="0">
-                  <c:v>Finish programming all object hierarchy</c:v>
-                </c:pt>
-                <c:pt idx="1">
-                  <c:v>Implement DAL</c:v>
-                </c:pt>
-                <c:pt idx="2">
-                  <c:v>UI re-design</c:v>
-                </c:pt>
-                <c:pt idx="3">
-                  <c:v>Task flow testing</c:v>
-                </c:pt>
-                <c:pt idx="4">
-                  <c:v>Exan production</c:v>
-                </c:pt>
-                <c:pt idx="5">
-                  <c:v>Task distribution algorithm</c:v>
-                </c:pt>
-                <c:pt idx="6">
-                  <c:v>Version control implementation</c:v>
-                </c:pt>
-                <c:pt idx="7">
-                  <c:v>Work statistics gathering</c:v>
-                </c:pt>
-                <c:pt idx="8">
-                  <c:v>Test and fix</c:v>
-                </c:pt>
-              </c:strCache>
-            </c:strRef>
-          </c:cat>
-          <c:val>
-            <c:numRef>
-              <c:f>Sheet1!$D$2:$D$10</c:f>
-              <c:numCache>
-                <c:formatCode>General</c:formatCode>
-                <c:ptCount val="9"/>
-                <c:pt idx="0">
-                  <c:v>10</c:v>
-                </c:pt>
-                <c:pt idx="1">
-                  <c:v>4</c:v>
-                </c:pt>
-                <c:pt idx="2">
-                  <c:v>22</c:v>
-                </c:pt>
-                <c:pt idx="3">
-                  <c:v>14</c:v>
-                </c:pt>
-                <c:pt idx="4">
-                  <c:v>7</c:v>
-                </c:pt>
-                <c:pt idx="5">
-                  <c:v>10</c:v>
-                </c:pt>
-                <c:pt idx="6">
-                  <c:v>7</c:v>
-                </c:pt>
-                <c:pt idx="7">
-                  <c:v>7</c:v>
-                </c:pt>
-                <c:pt idx="8">
-                  <c:v>16</c:v>
-                </c:pt>
-              </c:numCache>
-            </c:numRef>
-          </c:val>
-          <c:extLst>
-            <c:ext xmlns:c16="http://schemas.microsoft.com/office/drawing/2014/chart" uri="{C3380CC4-5D6E-409C-BE32-E72D297353CC}">
-              <c16:uniqueId val="{00000001-6A94-4A27-B91B-CAAD5B4EF3CF}"/>
-            </c:ext>
-          </c:extLst>
-        </c:ser>
-        <c:dLbls>
-          <c:showLegendKey val="0"/>
-          <c:showVal val="0"/>
-          <c:showCatName val="0"/>
-          <c:showSerName val="0"/>
-          <c:showPercent val="0"/>
-          <c:showBubbleSize val="0"/>
-        </c:dLbls>
-        <c:gapWidth val="150"/>
-        <c:overlap val="100"/>
-        <c:axId val="589457456"/>
-        <c:axId val="783900431"/>
-        <c:extLst>
-          <c:ext xmlns:c15="http://schemas.microsoft.com/office/drawing/2012/chart" uri="{02D57815-91ED-43cb-92C2-25804820EDAC}">
-            <c15:filteredBarSeries>
-              <c15:ser>
-                <c:idx val="1"/>
-                <c:order val="1"/>
-                <c:tx>
-                  <c:strRef>
-                    <c:extLst>
-                      <c:ext uri="{02D57815-91ED-43cb-92C2-25804820EDAC}">
-                        <c15:formulaRef>
-                          <c15:sqref>Sheet1!$C$1</c15:sqref>
-                        </c15:formulaRef>
-                      </c:ext>
-                    </c:extLst>
-                    <c:strCache>
-                      <c:ptCount val="1"/>
-                      <c:pt idx="0">
-                        <c:v>End date</c:v>
-                      </c:pt>
-                    </c:strCache>
-                  </c:strRef>
-                </c:tx>
-                <c:spPr>
-                  <a:solidFill>
-                    <a:schemeClr val="accent2"/>
-                  </a:solidFill>
-                  <a:ln>
-                    <a:noFill/>
-                  </a:ln>
-                  <a:effectLst/>
-                </c:spPr>
-                <c:invertIfNegative val="0"/>
-                <c:cat>
-                  <c:strRef>
-                    <c:extLst>
-                      <c:ext uri="{02D57815-91ED-43cb-92C2-25804820EDAC}">
-                        <c15:formulaRef>
-                          <c15:sqref>Sheet1!$A$2:$A$10</c15:sqref>
-                        </c15:formulaRef>
-                      </c:ext>
-                    </c:extLst>
-                    <c:strCache>
-                      <c:ptCount val="9"/>
-                      <c:pt idx="0">
-                        <c:v>Finish programming all object hierarchy</c:v>
-                      </c:pt>
-                      <c:pt idx="1">
-                        <c:v>Implement DAL</c:v>
-                      </c:pt>
-                      <c:pt idx="2">
-                        <c:v>UI re-design</c:v>
-                      </c:pt>
-                      <c:pt idx="3">
-                        <c:v>Task flow testing</c:v>
-                      </c:pt>
-                      <c:pt idx="4">
-                        <c:v>Exan production</c:v>
-                      </c:pt>
-                      <c:pt idx="5">
-                        <c:v>Task distribution algorithm</c:v>
-                      </c:pt>
-                      <c:pt idx="6">
-                        <c:v>Version control implementation</c:v>
-                      </c:pt>
-                      <c:pt idx="7">
-                        <c:v>Work statistics gathering</c:v>
-                      </c:pt>
-                      <c:pt idx="8">
-                        <c:v>Test and fix</c:v>
-                      </c:pt>
-                    </c:strCache>
-                  </c:strRef>
-                </c:cat>
-                <c:val>
-                  <c:numRef>
-                    <c:extLst>
-                      <c:ext uri="{02D57815-91ED-43cb-92C2-25804820EDAC}">
-                        <c15:formulaRef>
-                          <c15:sqref>Sheet1!$C$2:$C$10</c15:sqref>
-                        </c15:formulaRef>
-                      </c:ext>
-                    </c:extLst>
-                    <c:numCache>
-                      <c:formatCode>dd/mm/yy;@</c:formatCode>
-                      <c:ptCount val="9"/>
-                      <c:pt idx="0">
-                        <c:v>45422</c:v>
-                      </c:pt>
-                      <c:pt idx="1">
-                        <c:v>45422</c:v>
-                      </c:pt>
-                      <c:pt idx="2">
-                        <c:v>45443</c:v>
-                      </c:pt>
-                      <c:pt idx="3">
-                        <c:v>45457</c:v>
-                      </c:pt>
-                      <c:pt idx="4">
-                        <c:v>45464</c:v>
-                      </c:pt>
-                      <c:pt idx="5">
-                        <c:v>45475</c:v>
-                      </c:pt>
-                      <c:pt idx="6">
-                        <c:v>45475</c:v>
-                      </c:pt>
-                      <c:pt idx="7">
-                        <c:v>45477</c:v>
-                      </c:pt>
-                      <c:pt idx="8">
-                        <c:v>45489</c:v>
-                      </c:pt>
-                    </c:numCache>
-                  </c:numRef>
-                </c:val>
-                <c:extLst>
-                  <c:ext xmlns:c16="http://schemas.microsoft.com/office/drawing/2014/chart" uri="{C3380CC4-5D6E-409C-BE32-E72D297353CC}">
-                    <c16:uniqueId val="{00000002-6A94-4A27-B91B-CAAD5B4EF3CF}"/>
-                  </c:ext>
-                </c:extLst>
-              </c15:ser>
-            </c15:filteredBarSeries>
-          </c:ext>
-        </c:extLst>
-      </c:barChart>
-      <c:catAx>
-        <c:axId val="589457456"/>
-        <c:scaling>
-          <c:orientation val="maxMin"/>
-        </c:scaling>
-        <c:delete val="0"/>
-        <c:axPos val="l"/>
-        <c:numFmt formatCode="General" sourceLinked="1"/>
-        <c:majorTickMark val="none"/>
-        <c:minorTickMark val="none"/>
-        <c:tickLblPos val="nextTo"/>
-        <c:spPr>
-          <a:noFill/>
-          <a:ln w="9525" cap="flat" cmpd="sng" algn="ctr">
-            <a:solidFill>
-              <a:schemeClr val="tx1">
-                <a:lumMod val="15000"/>
-                <a:lumOff val="85000"/>
-              </a:schemeClr>
-            </a:solidFill>
-            <a:round/>
-          </a:ln>
-          <a:effectLst/>
-        </c:spPr>
-        <c:txPr>
-          <a:bodyPr rot="-60000000" spcFirstLastPara="1" vertOverflow="ellipsis" vert="horz" wrap="square" anchor="ctr" anchorCtr="1"/>
-          <a:lstStyle/>
-          <a:p>
-            <a:pPr>
-              <a:defRPr sz="1197" b="0" i="0" u="none" strike="noStrike" kern="1200" baseline="0">
-                <a:solidFill>
-                  <a:schemeClr val="tx1">
-                    <a:lumMod val="65000"/>
-                    <a:lumOff val="35000"/>
-                  </a:schemeClr>
-                </a:solidFill>
-                <a:latin typeface="+mn-lt"/>
-                <a:ea typeface="+mn-ea"/>
-                <a:cs typeface="+mn-cs"/>
-              </a:defRPr>
-            </a:pPr>
-            <a:endParaRPr lang="en-IL"/>
-          </a:p>
-        </c:txPr>
-        <c:crossAx val="783900431"/>
-        <c:crosses val="autoZero"/>
-        <c:auto val="1"/>
-        <c:lblAlgn val="ctr"/>
-        <c:lblOffset val="100"/>
-        <c:noMultiLvlLbl val="0"/>
-      </c:catAx>
-      <c:valAx>
-        <c:axId val="783900431"/>
-        <c:scaling>
-          <c:orientation val="minMax"/>
-          <c:max val="45490"/>
-          <c:min val="45410"/>
-        </c:scaling>
-        <c:delete val="0"/>
-        <c:axPos val="t"/>
-        <c:majorGridlines>
-          <c:spPr>
-            <a:ln w="9525" cap="flat" cmpd="sng" algn="ctr">
-              <a:solidFill>
-                <a:schemeClr val="tx1">
-                  <a:lumMod val="15000"/>
-                  <a:lumOff val="85000"/>
-                </a:schemeClr>
-              </a:solidFill>
-              <a:round/>
-            </a:ln>
-            <a:effectLst/>
-          </c:spPr>
-        </c:majorGridlines>
-        <c:numFmt formatCode="dd/mm/yy;@" sourceLinked="1"/>
-        <c:majorTickMark val="none"/>
-        <c:minorTickMark val="none"/>
-        <c:tickLblPos val="nextTo"/>
-        <c:spPr>
-          <a:noFill/>
-          <a:ln>
-            <a:noFill/>
-          </a:ln>
-          <a:effectLst/>
-        </c:spPr>
-        <c:txPr>
-          <a:bodyPr rot="-60000000" spcFirstLastPara="1" vertOverflow="ellipsis" vert="horz" wrap="square" anchor="ctr" anchorCtr="1"/>
-          <a:lstStyle/>
-          <a:p>
-            <a:pPr>
-              <a:defRPr sz="1197" b="0" i="0" u="none" strike="noStrike" kern="1200" baseline="0">
-                <a:solidFill>
-                  <a:schemeClr val="tx1">
-                    <a:lumMod val="65000"/>
-                    <a:lumOff val="35000"/>
-                  </a:schemeClr>
-                </a:solidFill>
-                <a:latin typeface="+mn-lt"/>
-                <a:ea typeface="+mn-ea"/>
-                <a:cs typeface="+mn-cs"/>
-              </a:defRPr>
-            </a:pPr>
-            <a:endParaRPr lang="en-IL"/>
-          </a:p>
-        </c:txPr>
-        <c:crossAx val="589457456"/>
-        <c:crosses val="autoZero"/>
-        <c:crossBetween val="between"/>
-      </c:valAx>
-      <c:spPr>
-        <a:noFill/>
-        <a:ln>
-          <a:noFill/>
-        </a:ln>
-        <a:effectLst/>
-      </c:spPr>
-    </c:plotArea>
-    <c:legend>
-      <c:legendPos val="b"/>
-      <c:overlay val="0"/>
-      <c:spPr>
-        <a:noFill/>
-        <a:ln>
-          <a:noFill/>
-        </a:ln>
-        <a:effectLst/>
-      </c:spPr>
-      <c:txPr>
-        <a:bodyPr rot="0" spcFirstLastPara="1" vertOverflow="ellipsis" vert="horz" wrap="square" anchor="ctr" anchorCtr="1"/>
-        <a:lstStyle/>
-        <a:p>
-          <a:pPr>
-            <a:defRPr sz="1197" b="0" i="0" u="none" strike="noStrike" kern="1200" baseline="0">
-              <a:solidFill>
-                <a:schemeClr val="tx1">
-                  <a:lumMod val="65000"/>
-                  <a:lumOff val="35000"/>
-                </a:schemeClr>
-              </a:solidFill>
-              <a:latin typeface="+mn-lt"/>
-              <a:ea typeface="+mn-ea"/>
-              <a:cs typeface="+mn-cs"/>
-            </a:defRPr>
-          </a:pPr>
-          <a:endParaRPr lang="en-IL"/>
-        </a:p>
-      </c:txPr>
-    </c:legend>
-    <c:plotVisOnly val="1"/>
-    <c:dispBlanksAs val="gap"/>
-    <c:extLst>
-      <c:ext xmlns:c16r3="http://schemas.microsoft.com/office/drawing/2017/03/chart" uri="{56B9EC1D-385E-4148-901F-78D8002777C0}">
-        <c16r3:dataDisplayOptions16>
-          <c16r3:dispNaAsBlank val="1"/>
-        </c16r3:dataDisplayOptions16>
-      </c:ext>
-    </c:extLst>
-    <c:showDLblsOverMax val="0"/>
-  </c:chart>
-  <c:spPr>
-    <a:noFill/>
-    <a:ln>
-      <a:noFill/>
-    </a:ln>
-    <a:effectLst/>
-  </c:spPr>
-  <c:txPr>
-    <a:bodyPr/>
-    <a:lstStyle/>
-    <a:p>
-      <a:pPr>
-        <a:defRPr/>
-      </a:pPr>
-      <a:endParaRPr lang="en-IL"/>
-    </a:p>
-  </c:txPr>
-  <c:externalData r:id="rId3">
-    <c:autoUpdate val="0"/>
-  </c:externalData>
-</c:chartSpace>
-</file>
-
-<file path=ppt/charts/colors1.xml><?xml version="1.0" encoding="utf-8"?>
-<cs:colorStyle xmlns:cs="http://schemas.microsoft.com/office/drawing/2012/chartStyle" xmlns:a="http://schemas.openxmlformats.org/drawingml/2006/main" meth="cycle" id="10">
-  <a:schemeClr val="accent1"/>
-  <a:schemeClr val="accent2"/>
-  <a:schemeClr val="accent3"/>
-  <a:schemeClr val="accent4"/>
-  <a:schemeClr val="accent5"/>
-  <a:schemeClr val="accent6"/>
-  <cs:variation/>
-  <cs:variation>
-    <a:lumMod val="60000"/>
-  </cs:variation>
-  <cs:variation>
-    <a:lumMod val="80000"/>
-    <a:lumOff val="20000"/>
-  </cs:variation>
-  <cs:variation>
-    <a:lumMod val="80000"/>
-  </cs:variation>
-  <cs:variation>
-    <a:lumMod val="60000"/>
-    <a:lumOff val="40000"/>
-  </cs:variation>
-  <cs:variation>
-    <a:lumMod val="50000"/>
-  </cs:variation>
-  <cs:variation>
-    <a:lumMod val="70000"/>
-    <a:lumOff val="30000"/>
-  </cs:variation>
-  <cs:variation>
-    <a:lumMod val="70000"/>
-  </cs:variation>
-  <cs:variation>
-    <a:lumMod val="50000"/>
-    <a:lumOff val="50000"/>
-  </cs:variation>
-</cs:colorStyle>
-</file>
-
-<file path=ppt/charts/style1.xml><?xml version="1.0" encoding="utf-8"?>
-<cs:chartStyle xmlns:cs="http://schemas.microsoft.com/office/drawing/2012/chartStyle" xmlns:a="http://schemas.openxmlformats.org/drawingml/2006/main" id="297">
-  <cs:axisTitle>
-    <cs:lnRef idx="0"/>
-    <cs:fillRef idx="0"/>
-    <cs:effectRef idx="0"/>
-    <cs:fontRef idx="minor">
-      <a:schemeClr val="tx1">
-        <a:lumMod val="65000"/>
-        <a:lumOff val="35000"/>
-      </a:schemeClr>
-    </cs:fontRef>
-    <cs:defRPr sz="1330" kern="1200"/>
-  </cs:axisTitle>
-  <cs:categoryAxis>
-    <cs:lnRef idx="0"/>
-    <cs:fillRef idx="0"/>
-    <cs:effectRef idx="0"/>
-    <cs:fontRef idx="minor">
-      <a:schemeClr val="tx1">
-        <a:lumMod val="65000"/>
-        <a:lumOff val="35000"/>
-      </a:schemeClr>
-    </cs:fontRef>
-    <cs:spPr>
-      <a:ln w="9525" cap="flat" cmpd="sng" algn="ctr">
-        <a:solidFill>
-          <a:schemeClr val="tx1">
-            <a:lumMod val="15000"/>
-            <a:lumOff val="85000"/>
-          </a:schemeClr>
-        </a:solidFill>
-        <a:round/>
-      </a:ln>
-    </cs:spPr>
-    <cs:defRPr sz="1197" kern="1200"/>
-  </cs:categoryAxis>
-  <cs:chartArea mods="allowNoFillOverride allowNoLineOverride">
-    <cs:lnRef idx="0"/>
-    <cs:fillRef idx="0"/>
-    <cs:effectRef idx="0"/>
-    <cs:fontRef idx="minor">
-      <a:schemeClr val="tx1"/>
-    </cs:fontRef>
-    <cs:spPr>
-      <a:solidFill>
-        <a:schemeClr val="bg1"/>
-      </a:solidFill>
-      <a:ln w="9525" cap="flat" cmpd="sng" algn="ctr">
-        <a:solidFill>
-          <a:schemeClr val="tx1">
-            <a:lumMod val="15000"/>
-            <a:lumOff val="85000"/>
-          </a:schemeClr>
-        </a:solidFill>
-        <a:round/>
-      </a:ln>
-    </cs:spPr>
-    <cs:defRPr sz="1330" kern="1200"/>
-  </cs:chartArea>
-  <cs:dataLabel>
-    <cs:lnRef idx="0"/>
-    <cs:fillRef idx="0"/>
-    <cs:effectRef idx="0"/>
-    <cs:fontRef idx="minor">
-      <a:schemeClr val="tx1">
-        <a:lumMod val="75000"/>
-        <a:lumOff val="25000"/>
-      </a:schemeClr>
-    </cs:fontRef>
-    <cs:defRPr sz="1197" kern="1200"/>
-  </cs:dataLabel>
-  <cs:dataLabelCallout>
-    <cs:lnRef idx="0"/>
-    <cs:fillRef idx="0"/>
-    <cs:effectRef idx="0"/>
-    <cs:fontRef idx="minor">
-      <a:schemeClr val="dk1">
-        <a:lumMod val="65000"/>
-        <a:lumOff val="35000"/>
-      </a:schemeClr>
-    </cs:fontRef>
-    <cs:spPr>
-      <a:solidFill>
-        <a:schemeClr val="lt1"/>
-      </a:solidFill>
-      <a:ln>
-        <a:solidFill>
-          <a:schemeClr val="dk1">
-            <a:lumMod val="25000"/>
-            <a:lumOff val="75000"/>
-          </a:schemeClr>
-        </a:solidFill>
-      </a:ln>
-    </cs:spPr>
-    <cs:defRPr sz="1197" kern="1200"/>
-    <cs:bodyPr rot="0" spcFirstLastPara="1" vertOverflow="clip" horzOverflow="clip" vert="horz" wrap="square" lIns="36576" tIns="18288" rIns="36576" bIns="18288" anchor="ctr" anchorCtr="1">
-      <a:spAutoFit/>
-    </cs:bodyPr>
-  </cs:dataLabelCallout>
-  <cs:dataPoint>
-    <cs:lnRef idx="0"/>
-    <cs:fillRef idx="1">
-      <cs:styleClr val="auto"/>
-    </cs:fillRef>
-    <cs:effectRef idx="0"/>
-    <cs:fontRef idx="minor">
-      <a:schemeClr val="tx1"/>
-    </cs:fontRef>
-  </cs:dataPoint>
-  <cs:dataPoint3D>
-    <cs:lnRef idx="0"/>
-    <cs:fillRef idx="1">
-      <cs:styleClr val="auto"/>
-    </cs:fillRef>
-    <cs:effectRef idx="0"/>
-    <cs:fontRef idx="minor">
-      <a:schemeClr val="tx1"/>
-    </cs:fontRef>
-  </cs:dataPoint3D>
-  <cs:dataPointLine>
-    <cs:lnRef idx="0">
-      <cs:styleClr val="auto"/>
-    </cs:lnRef>
-    <cs:fillRef idx="1"/>
-    <cs:effectRef idx="0"/>
-    <cs:fontRef idx="minor">
-      <a:schemeClr val="tx1"/>
-    </cs:fontRef>
-    <cs:spPr>
-      <a:ln w="28575" cap="rnd">
-        <a:solidFill>
-          <a:schemeClr val="phClr"/>
-        </a:solidFill>
-        <a:round/>
-      </a:ln>
-    </cs:spPr>
-  </cs:dataPointLine>
-  <cs:dataPointMarker>
-    <cs:lnRef idx="0">
-      <cs:styleClr val="auto"/>
-    </cs:lnRef>
-    <cs:fillRef idx="1">
-      <cs:styleClr val="auto"/>
-    </cs:fillRef>
-    <cs:effectRef idx="0"/>
-    <cs:fontRef idx="minor">
-      <a:schemeClr val="tx1"/>
-    </cs:fontRef>
-    <cs:spPr>
-      <a:ln w="9525">
-        <a:solidFill>
-          <a:schemeClr val="phClr"/>
-        </a:solidFill>
-      </a:ln>
-    </cs:spPr>
-  </cs:dataPointMarker>
-  <cs:dataPointMarkerLayout symbol="circle" size="5"/>
-  <cs:dataPointWireframe>
-    <cs:lnRef idx="0">
-      <cs:styleClr val="auto"/>
-    </cs:lnRef>
-    <cs:fillRef idx="1"/>
-    <cs:effectRef idx="0"/>
-    <cs:fontRef idx="minor">
-      <a:schemeClr val="tx1"/>
-    </cs:fontRef>
-    <cs:spPr>
-      <a:ln w="9525" cap="rnd">
-        <a:solidFill>
-          <a:schemeClr val="phClr"/>
-        </a:solidFill>
-        <a:round/>
-      </a:ln>
-    </cs:spPr>
-  </cs:dataPointWireframe>
-  <cs:dataTable>
-    <cs:lnRef idx="0"/>
-    <cs:fillRef idx="0"/>
-    <cs:effectRef idx="0"/>
-    <cs:fontRef idx="minor">
-      <a:schemeClr val="tx1">
-        <a:lumMod val="65000"/>
-        <a:lumOff val="35000"/>
-      </a:schemeClr>
-    </cs:fontRef>
-    <cs:spPr>
-      <a:noFill/>
-      <a:ln w="9525" cap="flat" cmpd="sng" algn="ctr">
-        <a:solidFill>
-          <a:schemeClr val="tx1">
-            <a:lumMod val="15000"/>
-            <a:lumOff val="85000"/>
-          </a:schemeClr>
-        </a:solidFill>
-        <a:round/>
-      </a:ln>
-    </cs:spPr>
-    <cs:defRPr sz="1197" kern="1200"/>
-  </cs:dataTable>
-  <cs:downBar>
-    <cs:lnRef idx="0"/>
-    <cs:fillRef idx="0"/>
-    <cs:effectRef idx="0"/>
-    <cs:fontRef idx="minor">
-      <a:schemeClr val="tx1"/>
-    </cs:fontRef>
-    <cs:spPr>
-      <a:solidFill>
-        <a:schemeClr val="dk1">
-          <a:lumMod val="75000"/>
-          <a:lumOff val="25000"/>
-        </a:schemeClr>
-      </a:solidFill>
-      <a:ln w="9525" cap="flat" cmpd="sng" algn="ctr">
-        <a:solidFill>
-          <a:schemeClr val="tx1">
-            <a:lumMod val="65000"/>
-            <a:lumOff val="35000"/>
-          </a:schemeClr>
-        </a:solidFill>
-        <a:round/>
-      </a:ln>
-    </cs:spPr>
-  </cs:downBar>
-  <cs:dropLine>
-    <cs:lnRef idx="0"/>
-    <cs:fillRef idx="0"/>
-    <cs:effectRef idx="0"/>
-    <cs:fontRef idx="minor">
-      <a:schemeClr val="tx1"/>
-    </cs:fontRef>
-    <cs:spPr>
-      <a:ln w="9525" cap="flat" cmpd="sng" algn="ctr">
-        <a:solidFill>
-          <a:schemeClr val="tx1">
-            <a:lumMod val="35000"/>
-            <a:lumOff val="65000"/>
-          </a:schemeClr>
-        </a:solidFill>
-        <a:round/>
-      </a:ln>
-    </cs:spPr>
-  </cs:dropLine>
-  <cs:errorBar>
-    <cs:lnRef idx="0"/>
-    <cs:fillRef idx="0"/>
-    <cs:effectRef idx="0"/>
-    <cs:fontRef idx="minor">
-      <a:schemeClr val="tx1"/>
-    </cs:fontRef>
-    <cs:spPr>
-      <a:ln w="9525" cap="flat" cmpd="sng" algn="ctr">
-        <a:solidFill>
-          <a:schemeClr val="tx1">
-            <a:lumMod val="65000"/>
-            <a:lumOff val="35000"/>
-          </a:schemeClr>
-        </a:solidFill>
-        <a:round/>
-      </a:ln>
-    </cs:spPr>
-  </cs:errorBar>
-  <cs:floor>
-    <cs:lnRef idx="0"/>
-    <cs:fillRef idx="0"/>
-    <cs:effectRef idx="0"/>
-    <cs:fontRef idx="minor">
-      <a:schemeClr val="tx1"/>
-    </cs:fontRef>
-    <cs:spPr>
-      <a:noFill/>
-      <a:ln>
-        <a:noFill/>
-      </a:ln>
-    </cs:spPr>
-  </cs:floor>
-  <cs:gridlineMajor>
-    <cs:lnRef idx="0"/>
-    <cs:fillRef idx="0"/>
-    <cs:effectRef idx="0"/>
-    <cs:fontRef idx="minor">
-      <a:schemeClr val="tx1"/>
-    </cs:fontRef>
-    <cs:spPr>
-      <a:ln w="9525" cap="flat" cmpd="sng" algn="ctr">
-        <a:solidFill>
-          <a:schemeClr val="tx1">
-            <a:lumMod val="15000"/>
-            <a:lumOff val="85000"/>
-          </a:schemeClr>
-        </a:solidFill>
-        <a:round/>
-      </a:ln>
-    </cs:spPr>
-  </cs:gridlineMajor>
-  <cs:gridlineMinor>
-    <cs:lnRef idx="0"/>
-    <cs:fillRef idx="0"/>
-    <cs:effectRef idx="0"/>
-    <cs:fontRef idx="minor">
-      <a:schemeClr val="tx1"/>
-    </cs:fontRef>
-    <cs:spPr>
-      <a:ln w="9525" cap="flat" cmpd="sng" algn="ctr">
-        <a:solidFill>
-          <a:schemeClr val="tx1">
-            <a:lumMod val="5000"/>
-            <a:lumOff val="95000"/>
-          </a:schemeClr>
-        </a:solidFill>
-        <a:round/>
-      </a:ln>
-    </cs:spPr>
-  </cs:gridlineMinor>
-  <cs:hiLoLine>
-    <cs:lnRef idx="0"/>
-    <cs:fillRef idx="0"/>
-    <cs:effectRef idx="0"/>
-    <cs:fontRef idx="minor">
-      <a:schemeClr val="tx1"/>
-    </cs:fontRef>
-    <cs:spPr>
-      <a:ln w="9525" cap="flat" cmpd="sng" algn="ctr">
-        <a:solidFill>
-          <a:schemeClr val="tx1">
-            <a:lumMod val="50000"/>
-            <a:lumOff val="50000"/>
-          </a:schemeClr>
-        </a:solidFill>
-        <a:round/>
-      </a:ln>
-    </cs:spPr>
-  </cs:hiLoLine>
-  <cs:leaderLine>
-    <cs:lnRef idx="0"/>
-    <cs:fillRef idx="0"/>
-    <cs:effectRef idx="0"/>
-    <cs:fontRef idx="minor">
-      <a:schemeClr val="tx1"/>
-    </cs:fontRef>
-    <cs:spPr>
-      <a:ln w="9525" cap="flat" cmpd="sng" algn="ctr">
-        <a:solidFill>
-          <a:schemeClr val="tx1">
-            <a:lumMod val="35000"/>
-            <a:lumOff val="65000"/>
-          </a:schemeClr>
-        </a:solidFill>
-        <a:round/>
-      </a:ln>
-    </cs:spPr>
-  </cs:leaderLine>
-  <cs:legend>
-    <cs:lnRef idx="0"/>
-    <cs:fillRef idx="0"/>
-    <cs:effectRef idx="0"/>
-    <cs:fontRef idx="minor">
-      <a:schemeClr val="tx1">
-        <a:lumMod val="65000"/>
-        <a:lumOff val="35000"/>
-      </a:schemeClr>
-    </cs:fontRef>
-    <cs:defRPr sz="1197" kern="1200"/>
-  </cs:legend>
-  <cs:plotArea mods="allowNoFillOverride allowNoLineOverride">
-    <cs:lnRef idx="0"/>
-    <cs:fillRef idx="0"/>
-    <cs:effectRef idx="0"/>
-    <cs:fontRef idx="minor">
-      <a:schemeClr val="tx1"/>
-    </cs:fontRef>
-  </cs:plotArea>
-  <cs:plotArea3D mods="allowNoFillOverride allowNoLineOverride">
-    <cs:lnRef idx="0"/>
-    <cs:fillRef idx="0"/>
-    <cs:effectRef idx="0"/>
-    <cs:fontRef idx="minor">
-      <a:schemeClr val="tx1"/>
-    </cs:fontRef>
-  </cs:plotArea3D>
-  <cs:seriesAxis>
-    <cs:lnRef idx="0"/>
-    <cs:fillRef idx="0"/>
-    <cs:effectRef idx="0"/>
-    <cs:fontRef idx="minor">
-      <a:schemeClr val="tx1">
-        <a:lumMod val="65000"/>
-        <a:lumOff val="35000"/>
-      </a:schemeClr>
-    </cs:fontRef>
-    <cs:defRPr sz="1197" kern="1200"/>
-  </cs:seriesAxis>
-  <cs:seriesLine>
-    <cs:lnRef idx="0"/>
-    <cs:fillRef idx="0"/>
-    <cs:effectRef idx="0"/>
-    <cs:fontRef idx="minor">
-      <a:schemeClr val="tx1"/>
-    </cs:fontRef>
-    <cs:spPr>
-      <a:ln w="9525" cap="flat" cmpd="sng" algn="ctr">
-        <a:solidFill>
-          <a:schemeClr val="tx1">
-            <a:lumMod val="35000"/>
-            <a:lumOff val="65000"/>
-          </a:schemeClr>
-        </a:solidFill>
-        <a:round/>
-      </a:ln>
-    </cs:spPr>
-  </cs:seriesLine>
-  <cs:title>
-    <cs:lnRef idx="0"/>
-    <cs:fillRef idx="0"/>
-    <cs:effectRef idx="0"/>
-    <cs:fontRef idx="minor">
-      <a:schemeClr val="tx1">
-        <a:lumMod val="65000"/>
-        <a:lumOff val="35000"/>
-      </a:schemeClr>
-    </cs:fontRef>
-    <cs:defRPr sz="1862" b="0" kern="1200" spc="0" baseline="0"/>
-  </cs:title>
-  <cs:trendline>
-    <cs:lnRef idx="0">
-      <cs:styleClr val="auto"/>
-    </cs:lnRef>
-    <cs:fillRef idx="0"/>
-    <cs:effectRef idx="0"/>
-    <cs:fontRef idx="minor">
-      <a:schemeClr val="tx1"/>
-    </cs:fontRef>
-    <cs:spPr>
-      <a:ln w="19050" cap="rnd">
-        <a:solidFill>
-          <a:schemeClr val="phClr"/>
-        </a:solidFill>
-        <a:prstDash val="sysDot"/>
-      </a:ln>
-    </cs:spPr>
-  </cs:trendline>
-  <cs:trendlineLabel>
-    <cs:lnRef idx="0"/>
-    <cs:fillRef idx="0"/>
-    <cs:effectRef idx="0"/>
-    <cs:fontRef idx="minor">
-      <a:schemeClr val="tx1">
-        <a:lumMod val="65000"/>
-        <a:lumOff val="35000"/>
-      </a:schemeClr>
-    </cs:fontRef>
-    <cs:defRPr sz="1197" kern="1200"/>
-  </cs:trendlineLabel>
-  <cs:upBar>
-    <cs:lnRef idx="0"/>
-    <cs:fillRef idx="0"/>
-    <cs:effectRef idx="0"/>
-    <cs:fontRef idx="minor">
-      <a:schemeClr val="tx1"/>
-    </cs:fontRef>
-    <cs:spPr>
-      <a:solidFill>
-        <a:schemeClr val="lt1"/>
-      </a:solidFill>
-      <a:ln w="9525" cap="flat" cmpd="sng" algn="ctr">
-        <a:solidFill>
-          <a:schemeClr val="tx1">
-            <a:lumMod val="65000"/>
-            <a:lumOff val="35000"/>
-          </a:schemeClr>
-        </a:solidFill>
-        <a:round/>
-      </a:ln>
-    </cs:spPr>
-  </cs:upBar>
-  <cs:valueAxis>
-    <cs:lnRef idx="0"/>
-    <cs:fillRef idx="0"/>
-    <cs:effectRef idx="0"/>
-    <cs:fontRef idx="minor">
-      <a:schemeClr val="tx1">
-        <a:lumMod val="65000"/>
-        <a:lumOff val="35000"/>
-      </a:schemeClr>
-    </cs:fontRef>
-    <cs:defRPr sz="1197" kern="1200"/>
-  </cs:valueAxis>
-  <cs:wall>
-    <cs:lnRef idx="0"/>
-    <cs:fillRef idx="0"/>
-    <cs:effectRef idx="0"/>
-    <cs:fontRef idx="minor">
-      <a:schemeClr val="tx1"/>
-    </cs:fontRef>
-    <cs:spPr>
-      <a:noFill/>
-      <a:ln>
-        <a:noFill/>
-      </a:ln>
-    </cs:spPr>
-  </cs:wall>
-</cs:chartStyle>
 </file>
 
 <file path=ppt/diagrams/colors1.xml><?xml version="1.0" encoding="utf-8"?>
@@ -4725,7 +3581,7 @@
           <a:p>
             <a:fld id="{2AC67E65-3FEC-47E0-B720-65A7A1F63DEE}" type="datetimeFigureOut">
               <a:rPr lang="en-IL" smtClean="0"/>
-              <a:t>06/05/2024</a:t>
+              <a:t>17/06/2024</a:t>
             </a:fld>
             <a:endParaRPr lang="en-IL"/>
           </a:p>
@@ -5226,7 +4082,7 @@
           <a:p>
             <a:fld id="{1F0F17AC-052D-4913-84DF-7CC850F525AA}" type="datetimeFigureOut">
               <a:rPr lang="LID4096" smtClean="0"/>
-              <a:t>05/06/2024</a:t>
+              <a:t>06/17/2024</a:t>
             </a:fld>
             <a:endParaRPr lang="LID4096"/>
           </a:p>
@@ -5426,7 +4282,7 @@
           <a:p>
             <a:fld id="{1F0F17AC-052D-4913-84DF-7CC850F525AA}" type="datetimeFigureOut">
               <a:rPr lang="LID4096" smtClean="0"/>
-              <a:t>05/06/2024</a:t>
+              <a:t>06/17/2024</a:t>
             </a:fld>
             <a:endParaRPr lang="LID4096"/>
           </a:p>
@@ -5636,7 +4492,7 @@
           <a:p>
             <a:fld id="{1F0F17AC-052D-4913-84DF-7CC850F525AA}" type="datetimeFigureOut">
               <a:rPr lang="LID4096" smtClean="0"/>
-              <a:t>05/06/2024</a:t>
+              <a:t>06/17/2024</a:t>
             </a:fld>
             <a:endParaRPr lang="LID4096"/>
           </a:p>
@@ -5836,7 +4692,7 @@
           <a:p>
             <a:fld id="{1F0F17AC-052D-4913-84DF-7CC850F525AA}" type="datetimeFigureOut">
               <a:rPr lang="LID4096" smtClean="0"/>
-              <a:t>05/06/2024</a:t>
+              <a:t>06/17/2024</a:t>
             </a:fld>
             <a:endParaRPr lang="LID4096"/>
           </a:p>
@@ -6112,7 +4968,7 @@
           <a:p>
             <a:fld id="{1F0F17AC-052D-4913-84DF-7CC850F525AA}" type="datetimeFigureOut">
               <a:rPr lang="LID4096" smtClean="0"/>
-              <a:t>05/06/2024</a:t>
+              <a:t>06/17/2024</a:t>
             </a:fld>
             <a:endParaRPr lang="LID4096"/>
           </a:p>
@@ -6380,7 +5236,7 @@
           <a:p>
             <a:fld id="{1F0F17AC-052D-4913-84DF-7CC850F525AA}" type="datetimeFigureOut">
               <a:rPr lang="LID4096" smtClean="0"/>
-              <a:t>05/06/2024</a:t>
+              <a:t>06/17/2024</a:t>
             </a:fld>
             <a:endParaRPr lang="LID4096"/>
           </a:p>
@@ -6795,7 +5651,7 @@
           <a:p>
             <a:fld id="{1F0F17AC-052D-4913-84DF-7CC850F525AA}" type="datetimeFigureOut">
               <a:rPr lang="LID4096" smtClean="0"/>
-              <a:t>05/06/2024</a:t>
+              <a:t>06/17/2024</a:t>
             </a:fld>
             <a:endParaRPr lang="LID4096"/>
           </a:p>
@@ -6937,7 +5793,7 @@
           <a:p>
             <a:fld id="{1F0F17AC-052D-4913-84DF-7CC850F525AA}" type="datetimeFigureOut">
               <a:rPr lang="LID4096" smtClean="0"/>
-              <a:t>05/06/2024</a:t>
+              <a:t>06/17/2024</a:t>
             </a:fld>
             <a:endParaRPr lang="LID4096"/>
           </a:p>
@@ -7050,7 +5906,7 @@
           <a:p>
             <a:fld id="{1F0F17AC-052D-4913-84DF-7CC850F525AA}" type="datetimeFigureOut">
               <a:rPr lang="LID4096" smtClean="0"/>
-              <a:t>05/06/2024</a:t>
+              <a:t>06/17/2024</a:t>
             </a:fld>
             <a:endParaRPr lang="LID4096"/>
           </a:p>
@@ -7363,7 +6219,7 @@
           <a:p>
             <a:fld id="{1F0F17AC-052D-4913-84DF-7CC850F525AA}" type="datetimeFigureOut">
               <a:rPr lang="LID4096" smtClean="0"/>
-              <a:t>05/06/2024</a:t>
+              <a:t>06/17/2024</a:t>
             </a:fld>
             <a:endParaRPr lang="LID4096"/>
           </a:p>
@@ -7652,7 +6508,7 @@
           <a:p>
             <a:fld id="{1F0F17AC-052D-4913-84DF-7CC850F525AA}" type="datetimeFigureOut">
               <a:rPr lang="LID4096" smtClean="0"/>
-              <a:t>05/06/2024</a:t>
+              <a:t>06/17/2024</a:t>
             </a:fld>
             <a:endParaRPr lang="LID4096"/>
           </a:p>
@@ -7895,7 +6751,7 @@
           <a:p>
             <a:fld id="{1F0F17AC-052D-4913-84DF-7CC850F525AA}" type="datetimeFigureOut">
               <a:rPr lang="LID4096" smtClean="0"/>
-              <a:t>05/06/2024</a:t>
+              <a:t>06/17/2024</a:t>
             </a:fld>
             <a:endParaRPr lang="LID4096"/>
           </a:p>
@@ -8881,6 +7737,2294 @@
 </p:sld>
 </file>
 
+<file path=ppt/slides/slide10.xml><?xml version="1.0" encoding="utf-8"?>
+<p:sld xmlns:a="http://schemas.openxmlformats.org/drawingml/2006/main" xmlns:r="http://schemas.openxmlformats.org/officeDocument/2006/relationships" xmlns:p="http://schemas.openxmlformats.org/presentationml/2006/main">
+  <p:cSld>
+    <p:bg>
+      <p:bgPr>
+        <a:solidFill>
+          <a:schemeClr val="bg1"/>
+        </a:solidFill>
+        <a:effectLst/>
+      </p:bgPr>
+    </p:bg>
+    <p:spTree>
+      <p:nvGrpSpPr>
+        <p:cNvPr id="1" name="">
+          <a:extLst>
+            <a:ext uri="{FF2B5EF4-FFF2-40B4-BE49-F238E27FC236}">
+              <a16:creationId xmlns:a16="http://schemas.microsoft.com/office/drawing/2014/main" id="{E41B61D3-2981-898F-AA17-FC292C33E1BF}"/>
+            </a:ext>
+          </a:extLst>
+        </p:cNvPr>
+        <p:cNvGrpSpPr/>
+        <p:nvPr/>
+      </p:nvGrpSpPr>
+      <p:grpSpPr>
+        <a:xfrm>
+          <a:off x="0" y="0"/>
+          <a:ext cx="0" cy="0"/>
+          <a:chOff x="0" y="0"/>
+          <a:chExt cx="0" cy="0"/>
+        </a:xfrm>
+      </p:grpSpPr>
+      <p:sp useBgFill="1">
+        <p:nvSpPr>
+          <p:cNvPr id="22" name="Rectangle 21">
+            <a:extLst>
+              <a:ext uri="{FF2B5EF4-FFF2-40B4-BE49-F238E27FC236}">
+                <a16:creationId xmlns:a16="http://schemas.microsoft.com/office/drawing/2014/main" id="{BACC6370-2D7E-4714-9D71-7542949D7D5D}"/>
+              </a:ext>
+              <a:ext uri="{C183D7F6-B498-43B3-948B-1728B52AA6E4}">
+                <adec:decorative xmlns:adec="http://schemas.microsoft.com/office/drawing/2017/decorative" val="1"/>
+              </a:ext>
+            </a:extLst>
+          </p:cNvPr>
+          <p:cNvSpPr>
+            <a:spLocks noGrp="1" noRot="1" noChangeAspect="1" noMove="1" noResize="1" noEditPoints="1" noAdjustHandles="1" noChangeArrowheads="1" noChangeShapeType="1" noTextEdit="1"/>
+          </p:cNvSpPr>
+          <p:nvPr>
+            <p:extLst>
+              <p:ext uri="{386F3935-93C4-4BCD-93E2-E3B085C9AB24}">
+                <p16:designElem xmlns:p16="http://schemas.microsoft.com/office/powerpoint/2015/main" val="1"/>
+              </p:ext>
+            </p:extLst>
+          </p:nvPr>
+        </p:nvSpPr>
+        <p:spPr>
+          <a:xfrm>
+            <a:off x="0" y="0"/>
+            <a:ext cx="12192000" cy="6858000"/>
+          </a:xfrm>
+          <a:prstGeom prst="rect">
+            <a:avLst/>
+          </a:prstGeom>
+          <a:ln w="12700" cap="flat" cmpd="sng" algn="ctr">
+            <a:noFill/>
+            <a:prstDash val="solid"/>
+            <a:miter lim="800000"/>
+          </a:ln>
+          <a:effectLst/>
+          <a:extLst>
+            <a:ext uri="{91240B29-F687-4F45-9708-019B960494DF}">
+              <a14:hiddenLine xmlns:a14="http://schemas.microsoft.com/office/drawing/2010/main" w="12700" cap="flat" cmpd="sng" algn="ctr">
+                <a:solidFill>
+                  <a:schemeClr val="accent1">
+                    <a:shade val="50000"/>
+                  </a:schemeClr>
+                </a:solidFill>
+                <a:prstDash val="solid"/>
+                <a:miter lim="800000"/>
+              </a14:hiddenLine>
+            </a:ext>
+          </a:extLst>
+        </p:spPr>
+        <p:style>
+          <a:lnRef idx="2">
+            <a:schemeClr val="accent1">
+              <a:shade val="50000"/>
+            </a:schemeClr>
+          </a:lnRef>
+          <a:fillRef idx="1">
+            <a:schemeClr val="accent1"/>
+          </a:fillRef>
+          <a:effectRef idx="0">
+            <a:schemeClr val="accent1"/>
+          </a:effectRef>
+          <a:fontRef idx="minor">
+            <a:schemeClr val="lt1"/>
+          </a:fontRef>
+        </p:style>
+        <p:txBody>
+          <a:bodyPr rtlCol="0" anchor="ctr"/>
+          <a:lstStyle/>
+          <a:p>
+            <a:pPr algn="ctr"/>
+            <a:endParaRPr lang="en-US"/>
+          </a:p>
+        </p:txBody>
+      </p:sp>
+      <p:sp>
+        <p:nvSpPr>
+          <p:cNvPr id="24" name="Rectangle 23">
+            <a:extLst>
+              <a:ext uri="{FF2B5EF4-FFF2-40B4-BE49-F238E27FC236}">
+                <a16:creationId xmlns:a16="http://schemas.microsoft.com/office/drawing/2014/main" id="{F68B3F68-107C-434F-AA38-110D5EA91B85}"/>
+              </a:ext>
+              <a:ext uri="{C183D7F6-B498-43B3-948B-1728B52AA6E4}">
+                <adec:decorative xmlns:adec="http://schemas.microsoft.com/office/drawing/2017/decorative" val="1"/>
+              </a:ext>
+            </a:extLst>
+          </p:cNvPr>
+          <p:cNvSpPr>
+            <a:spLocks noGrp="1" noRot="1" noChangeAspect="1" noMove="1" noResize="1" noEditPoints="1" noAdjustHandles="1" noChangeArrowheads="1" noChangeShapeType="1" noTextEdit="1"/>
+          </p:cNvSpPr>
+          <p:nvPr>
+            <p:extLst>
+              <p:ext uri="{386F3935-93C4-4BCD-93E2-E3B085C9AB24}">
+                <p16:designElem xmlns:p16="http://schemas.microsoft.com/office/powerpoint/2015/main" val="1"/>
+              </p:ext>
+            </p:extLst>
+          </p:nvPr>
+        </p:nvSpPr>
+        <p:spPr>
+          <a:xfrm flipH="1">
+            <a:off x="2" y="0"/>
+            <a:ext cx="12191998" cy="1575955"/>
+          </a:xfrm>
+          <a:prstGeom prst="rect">
+            <a:avLst/>
+          </a:prstGeom>
+          <a:gradFill>
+            <a:gsLst>
+              <a:gs pos="0">
+                <a:srgbClr val="000000">
+                  <a:alpha val="96000"/>
+                </a:srgbClr>
+              </a:gs>
+              <a:gs pos="100000">
+                <a:schemeClr val="accent1">
+                  <a:lumMod val="75000"/>
+                </a:schemeClr>
+              </a:gs>
+            </a:gsLst>
+            <a:lin ang="8400000" scaled="0"/>
+          </a:gradFill>
+          <a:ln>
+            <a:noFill/>
+          </a:ln>
+        </p:spPr>
+        <p:style>
+          <a:lnRef idx="2">
+            <a:schemeClr val="accent1">
+              <a:shade val="50000"/>
+            </a:schemeClr>
+          </a:lnRef>
+          <a:fillRef idx="1">
+            <a:schemeClr val="accent1"/>
+          </a:fillRef>
+          <a:effectRef idx="0">
+            <a:schemeClr val="accent1"/>
+          </a:effectRef>
+          <a:fontRef idx="minor">
+            <a:schemeClr val="lt1"/>
+          </a:fontRef>
+        </p:style>
+        <p:txBody>
+          <a:bodyPr rtlCol="0" anchor="ctr"/>
+          <a:lstStyle/>
+          <a:p>
+            <a:pPr algn="ctr"/>
+            <a:endParaRPr lang="en-US"/>
+          </a:p>
+        </p:txBody>
+      </p:sp>
+      <p:sp>
+        <p:nvSpPr>
+          <p:cNvPr id="26" name="Rectangle 25">
+            <a:extLst>
+              <a:ext uri="{FF2B5EF4-FFF2-40B4-BE49-F238E27FC236}">
+                <a16:creationId xmlns:a16="http://schemas.microsoft.com/office/drawing/2014/main" id="{AAD0DBB9-1A4B-4391-81D4-CB19F9AB918A}"/>
+              </a:ext>
+              <a:ext uri="{C183D7F6-B498-43B3-948B-1728B52AA6E4}">
+                <adec:decorative xmlns:adec="http://schemas.microsoft.com/office/drawing/2017/decorative" val="1"/>
+              </a:ext>
+            </a:extLst>
+          </p:cNvPr>
+          <p:cNvSpPr>
+            <a:spLocks noGrp="1" noRot="1" noChangeAspect="1" noMove="1" noResize="1" noEditPoints="1" noAdjustHandles="1" noChangeArrowheads="1" noChangeShapeType="1" noTextEdit="1"/>
+          </p:cNvSpPr>
+          <p:nvPr>
+            <p:extLst>
+              <p:ext uri="{386F3935-93C4-4BCD-93E2-E3B085C9AB24}">
+                <p16:designElem xmlns:p16="http://schemas.microsoft.com/office/powerpoint/2015/main" val="1"/>
+              </p:ext>
+            </p:extLst>
+          </p:nvPr>
+        </p:nvSpPr>
+        <p:spPr>
+          <a:xfrm rot="10800000" flipH="1">
+            <a:off x="8128857" y="0"/>
+            <a:ext cx="4063143" cy="1576412"/>
+          </a:xfrm>
+          <a:prstGeom prst="rect">
+            <a:avLst/>
+          </a:prstGeom>
+          <a:gradFill>
+            <a:gsLst>
+              <a:gs pos="19000">
+                <a:schemeClr val="accent1">
+                  <a:lumMod val="50000"/>
+                  <a:alpha val="68000"/>
+                </a:schemeClr>
+              </a:gs>
+              <a:gs pos="100000">
+                <a:schemeClr val="accent1">
+                  <a:alpha val="79000"/>
+                </a:schemeClr>
+              </a:gs>
+            </a:gsLst>
+            <a:lin ang="19200000" scaled="0"/>
+          </a:gradFill>
+          <a:ln>
+            <a:noFill/>
+          </a:ln>
+        </p:spPr>
+        <p:style>
+          <a:lnRef idx="2">
+            <a:schemeClr val="accent1">
+              <a:shade val="50000"/>
+            </a:schemeClr>
+          </a:lnRef>
+          <a:fillRef idx="1">
+            <a:schemeClr val="accent1"/>
+          </a:fillRef>
+          <a:effectRef idx="0">
+            <a:schemeClr val="accent1"/>
+          </a:effectRef>
+          <a:fontRef idx="minor">
+            <a:schemeClr val="lt1"/>
+          </a:fontRef>
+        </p:style>
+        <p:txBody>
+          <a:bodyPr rtlCol="0" anchor="ctr"/>
+          <a:lstStyle/>
+          <a:p>
+            <a:pPr algn="ctr"/>
+            <a:endParaRPr lang="en-US"/>
+          </a:p>
+        </p:txBody>
+      </p:sp>
+      <p:sp>
+        <p:nvSpPr>
+          <p:cNvPr id="28" name="Rectangle 27">
+            <a:extLst>
+              <a:ext uri="{FF2B5EF4-FFF2-40B4-BE49-F238E27FC236}">
+                <a16:creationId xmlns:a16="http://schemas.microsoft.com/office/drawing/2014/main" id="{063BBA22-50EA-4C4D-BE05-F1CE4E63AA56}"/>
+              </a:ext>
+              <a:ext uri="{C183D7F6-B498-43B3-948B-1728B52AA6E4}">
+                <adec:decorative xmlns:adec="http://schemas.microsoft.com/office/drawing/2017/decorative" val="1"/>
+              </a:ext>
+            </a:extLst>
+          </p:cNvPr>
+          <p:cNvSpPr>
+            <a:spLocks noGrp="1" noRot="1" noChangeAspect="1" noMove="1" noResize="1" noEditPoints="1" noAdjustHandles="1" noChangeArrowheads="1" noChangeShapeType="1" noTextEdit="1"/>
+          </p:cNvSpPr>
+          <p:nvPr>
+            <p:extLst>
+              <p:ext uri="{386F3935-93C4-4BCD-93E2-E3B085C9AB24}">
+                <p16:designElem xmlns:p16="http://schemas.microsoft.com/office/powerpoint/2015/main" val="1"/>
+              </p:ext>
+            </p:extLst>
+          </p:nvPr>
+        </p:nvSpPr>
+        <p:spPr>
+          <a:xfrm rot="5400000">
+            <a:off x="5307777" y="-5307778"/>
+            <a:ext cx="1576446" cy="12192002"/>
+          </a:xfrm>
+          <a:prstGeom prst="rect">
+            <a:avLst/>
+          </a:prstGeom>
+          <a:gradFill>
+            <a:gsLst>
+              <a:gs pos="23000">
+                <a:schemeClr val="accent1">
+                  <a:alpha val="0"/>
+                </a:schemeClr>
+              </a:gs>
+              <a:gs pos="99000">
+                <a:srgbClr val="000000">
+                  <a:alpha val="74000"/>
+                </a:srgbClr>
+              </a:gs>
+            </a:gsLst>
+            <a:lin ang="20400000" scaled="0"/>
+          </a:gradFill>
+          <a:ln>
+            <a:noFill/>
+          </a:ln>
+        </p:spPr>
+        <p:style>
+          <a:lnRef idx="2">
+            <a:schemeClr val="accent1">
+              <a:shade val="50000"/>
+            </a:schemeClr>
+          </a:lnRef>
+          <a:fillRef idx="1">
+            <a:schemeClr val="accent1"/>
+          </a:fillRef>
+          <a:effectRef idx="0">
+            <a:schemeClr val="accent1"/>
+          </a:effectRef>
+          <a:fontRef idx="minor">
+            <a:schemeClr val="lt1"/>
+          </a:fontRef>
+        </p:style>
+        <p:txBody>
+          <a:bodyPr rtlCol="0" anchor="ctr"/>
+          <a:lstStyle/>
+          <a:p>
+            <a:pPr algn="ctr"/>
+            <a:endParaRPr lang="en-US" dirty="0"/>
+          </a:p>
+        </p:txBody>
+      </p:sp>
+      <p:sp>
+        <p:nvSpPr>
+          <p:cNvPr id="4" name="Content Placeholder 2">
+            <a:extLst>
+              <a:ext uri="{FF2B5EF4-FFF2-40B4-BE49-F238E27FC236}">
+                <a16:creationId xmlns:a16="http://schemas.microsoft.com/office/drawing/2014/main" id="{AFC934D0-625F-6A4C-F462-A659A43F92C0}"/>
+              </a:ext>
+            </a:extLst>
+          </p:cNvPr>
+          <p:cNvSpPr txBox="1">
+            <a:spLocks/>
+          </p:cNvSpPr>
+          <p:nvPr/>
+        </p:nvSpPr>
+        <p:spPr>
+          <a:xfrm>
+            <a:off x="990600" y="2241259"/>
+            <a:ext cx="8897224" cy="4088104"/>
+          </a:xfrm>
+          <a:prstGeom prst="rect">
+            <a:avLst/>
+          </a:prstGeom>
+        </p:spPr>
+        <p:txBody>
+          <a:bodyPr vert="horz" lIns="91440" tIns="45720" rIns="91440" bIns="45720" rtlCol="0">
+            <a:normAutofit/>
+          </a:bodyPr>
+          <a:lstStyle>
+            <a:lvl1pPr marL="228600" indent="-228600" algn="l" defTabSz="914400" rtl="0" eaLnBrk="1" latinLnBrk="0" hangingPunct="1">
+              <a:lnSpc>
+                <a:spcPct val="90000"/>
+              </a:lnSpc>
+              <a:spcBef>
+                <a:spcPts val="1000"/>
+              </a:spcBef>
+              <a:buFont typeface="Arial" panose="020B0604020202020204" pitchFamily="34" charset="0"/>
+              <a:buChar char="•"/>
+              <a:defRPr sz="2800" kern="1200">
+                <a:solidFill>
+                  <a:schemeClr val="tx1"/>
+                </a:solidFill>
+                <a:latin typeface="+mn-lt"/>
+                <a:ea typeface="+mn-ea"/>
+                <a:cs typeface="+mn-cs"/>
+              </a:defRPr>
+            </a:lvl1pPr>
+            <a:lvl2pPr marL="685800" indent="-228600" algn="l" defTabSz="914400" rtl="0" eaLnBrk="1" latinLnBrk="0" hangingPunct="1">
+              <a:lnSpc>
+                <a:spcPct val="90000"/>
+              </a:lnSpc>
+              <a:spcBef>
+                <a:spcPts val="500"/>
+              </a:spcBef>
+              <a:buFont typeface="Arial" panose="020B0604020202020204" pitchFamily="34" charset="0"/>
+              <a:buChar char="•"/>
+              <a:defRPr sz="2400" kern="1200">
+                <a:solidFill>
+                  <a:schemeClr val="tx1"/>
+                </a:solidFill>
+                <a:latin typeface="+mn-lt"/>
+                <a:ea typeface="+mn-ea"/>
+                <a:cs typeface="+mn-cs"/>
+              </a:defRPr>
+            </a:lvl2pPr>
+            <a:lvl3pPr marL="1143000" indent="-228600" algn="l" defTabSz="914400" rtl="0" eaLnBrk="1" latinLnBrk="0" hangingPunct="1">
+              <a:lnSpc>
+                <a:spcPct val="90000"/>
+              </a:lnSpc>
+              <a:spcBef>
+                <a:spcPts val="500"/>
+              </a:spcBef>
+              <a:buFont typeface="Arial" panose="020B0604020202020204" pitchFamily="34" charset="0"/>
+              <a:buChar char="•"/>
+              <a:defRPr sz="2000" kern="1200">
+                <a:solidFill>
+                  <a:schemeClr val="tx1"/>
+                </a:solidFill>
+                <a:latin typeface="+mn-lt"/>
+                <a:ea typeface="+mn-ea"/>
+                <a:cs typeface="+mn-cs"/>
+              </a:defRPr>
+            </a:lvl3pPr>
+            <a:lvl4pPr marL="1600200" indent="-228600" algn="l" defTabSz="914400" rtl="0" eaLnBrk="1" latinLnBrk="0" hangingPunct="1">
+              <a:lnSpc>
+                <a:spcPct val="90000"/>
+              </a:lnSpc>
+              <a:spcBef>
+                <a:spcPts val="500"/>
+              </a:spcBef>
+              <a:buFont typeface="Arial" panose="020B0604020202020204" pitchFamily="34" charset="0"/>
+              <a:buChar char="•"/>
+              <a:defRPr sz="1800" kern="1200">
+                <a:solidFill>
+                  <a:schemeClr val="tx1"/>
+                </a:solidFill>
+                <a:latin typeface="+mn-lt"/>
+                <a:ea typeface="+mn-ea"/>
+                <a:cs typeface="+mn-cs"/>
+              </a:defRPr>
+            </a:lvl4pPr>
+            <a:lvl5pPr marL="2057400" indent="-228600" algn="l" defTabSz="914400" rtl="0" eaLnBrk="1" latinLnBrk="0" hangingPunct="1">
+              <a:lnSpc>
+                <a:spcPct val="90000"/>
+              </a:lnSpc>
+              <a:spcBef>
+                <a:spcPts val="500"/>
+              </a:spcBef>
+              <a:buFont typeface="Arial" panose="020B0604020202020204" pitchFamily="34" charset="0"/>
+              <a:buChar char="•"/>
+              <a:defRPr sz="1800" kern="1200">
+                <a:solidFill>
+                  <a:schemeClr val="tx1"/>
+                </a:solidFill>
+                <a:latin typeface="+mn-lt"/>
+                <a:ea typeface="+mn-ea"/>
+                <a:cs typeface="+mn-cs"/>
+              </a:defRPr>
+            </a:lvl5pPr>
+            <a:lvl6pPr marL="2514600" indent="-228600" algn="l" defTabSz="914400" rtl="0" eaLnBrk="1" latinLnBrk="0" hangingPunct="1">
+              <a:lnSpc>
+                <a:spcPct val="90000"/>
+              </a:lnSpc>
+              <a:spcBef>
+                <a:spcPts val="500"/>
+              </a:spcBef>
+              <a:buFont typeface="Arial" panose="020B0604020202020204" pitchFamily="34" charset="0"/>
+              <a:buChar char="•"/>
+              <a:defRPr sz="1800" kern="1200">
+                <a:solidFill>
+                  <a:schemeClr val="tx1"/>
+                </a:solidFill>
+                <a:latin typeface="+mn-lt"/>
+                <a:ea typeface="+mn-ea"/>
+                <a:cs typeface="+mn-cs"/>
+              </a:defRPr>
+            </a:lvl6pPr>
+            <a:lvl7pPr marL="2971800" indent="-228600" algn="l" defTabSz="914400" rtl="0" eaLnBrk="1" latinLnBrk="0" hangingPunct="1">
+              <a:lnSpc>
+                <a:spcPct val="90000"/>
+              </a:lnSpc>
+              <a:spcBef>
+                <a:spcPts val="500"/>
+              </a:spcBef>
+              <a:buFont typeface="Arial" panose="020B0604020202020204" pitchFamily="34" charset="0"/>
+              <a:buChar char="•"/>
+              <a:defRPr sz="1800" kern="1200">
+                <a:solidFill>
+                  <a:schemeClr val="tx1"/>
+                </a:solidFill>
+                <a:latin typeface="+mn-lt"/>
+                <a:ea typeface="+mn-ea"/>
+                <a:cs typeface="+mn-cs"/>
+              </a:defRPr>
+            </a:lvl7pPr>
+            <a:lvl8pPr marL="3429000" indent="-228600" algn="l" defTabSz="914400" rtl="0" eaLnBrk="1" latinLnBrk="0" hangingPunct="1">
+              <a:lnSpc>
+                <a:spcPct val="90000"/>
+              </a:lnSpc>
+              <a:spcBef>
+                <a:spcPts val="500"/>
+              </a:spcBef>
+              <a:buFont typeface="Arial" panose="020B0604020202020204" pitchFamily="34" charset="0"/>
+              <a:buChar char="•"/>
+              <a:defRPr sz="1800" kern="1200">
+                <a:solidFill>
+                  <a:schemeClr val="tx1"/>
+                </a:solidFill>
+                <a:latin typeface="+mn-lt"/>
+                <a:ea typeface="+mn-ea"/>
+                <a:cs typeface="+mn-cs"/>
+              </a:defRPr>
+            </a:lvl8pPr>
+            <a:lvl9pPr marL="3886200" indent="-228600" algn="l" defTabSz="914400" rtl="0" eaLnBrk="1" latinLnBrk="0" hangingPunct="1">
+              <a:lnSpc>
+                <a:spcPct val="90000"/>
+              </a:lnSpc>
+              <a:spcBef>
+                <a:spcPts val="500"/>
+              </a:spcBef>
+              <a:buFont typeface="Arial" panose="020B0604020202020204" pitchFamily="34" charset="0"/>
+              <a:buChar char="•"/>
+              <a:defRPr sz="1800" kern="1200">
+                <a:solidFill>
+                  <a:schemeClr val="tx1"/>
+                </a:solidFill>
+                <a:latin typeface="+mn-lt"/>
+                <a:ea typeface="+mn-ea"/>
+                <a:cs typeface="+mn-cs"/>
+              </a:defRPr>
+            </a:lvl9pPr>
+          </a:lstStyle>
+          <a:p>
+            <a:pPr marL="0" indent="0">
+              <a:buNone/>
+            </a:pPr>
+            <a:r>
+              <a:rPr lang="en-US" dirty="0"/>
+              <a:t>Finished: yes</a:t>
+            </a:r>
+          </a:p>
+          <a:p>
+            <a:pPr marL="0" indent="0">
+              <a:buNone/>
+            </a:pPr>
+            <a:r>
+              <a:rPr lang="en-US" dirty="0"/>
+              <a:t>Hints: yes, instructed on adding keywords</a:t>
+            </a:r>
+          </a:p>
+          <a:p>
+            <a:pPr marL="0" indent="0">
+              <a:buNone/>
+            </a:pPr>
+            <a:r>
+              <a:rPr lang="en-US" dirty="0"/>
+              <a:t>Time: 10 minutes</a:t>
+            </a:r>
+          </a:p>
+          <a:p>
+            <a:pPr marL="0" indent="0">
+              <a:buNone/>
+            </a:pPr>
+            <a:r>
+              <a:rPr lang="en-US" dirty="0"/>
+              <a:t>Rating: 4</a:t>
+            </a:r>
+          </a:p>
+          <a:p>
+            <a:pPr marL="0" indent="0">
+              <a:buNone/>
+            </a:pPr>
+            <a:r>
+              <a:rPr lang="en-US" dirty="0"/>
+              <a:t>Notes: </a:t>
+            </a:r>
+          </a:p>
+          <a:p>
+            <a:pPr>
+              <a:buFontTx/>
+              <a:buChar char="-"/>
+            </a:pPr>
+            <a:r>
+              <a:rPr lang="en-US" dirty="0"/>
+              <a:t>didn't enter keywords properly</a:t>
+            </a:r>
+          </a:p>
+          <a:p>
+            <a:pPr>
+              <a:buFontTx/>
+              <a:buChar char="-"/>
+            </a:pPr>
+            <a:r>
+              <a:rPr lang="en-US" dirty="0"/>
+              <a:t>took his time and entered values seriously</a:t>
+            </a:r>
+          </a:p>
+          <a:p>
+            <a:pPr>
+              <a:buFontTx/>
+              <a:buChar char="-"/>
+            </a:pPr>
+            <a:r>
+              <a:rPr lang="en-US" dirty="0"/>
+              <a:t>should fix rerouting </a:t>
+            </a:r>
+          </a:p>
+        </p:txBody>
+      </p:sp>
+      <p:sp>
+        <p:nvSpPr>
+          <p:cNvPr id="7" name="Title 1">
+            <a:extLst>
+              <a:ext uri="{FF2B5EF4-FFF2-40B4-BE49-F238E27FC236}">
+                <a16:creationId xmlns:a16="http://schemas.microsoft.com/office/drawing/2014/main" id="{C5A66165-6FC2-DCB7-D069-732603CB4AB8}"/>
+              </a:ext>
+            </a:extLst>
+          </p:cNvPr>
+          <p:cNvSpPr txBox="1">
+            <a:spLocks/>
+          </p:cNvSpPr>
+          <p:nvPr/>
+        </p:nvSpPr>
+        <p:spPr>
+          <a:xfrm>
+            <a:off x="838200" y="269517"/>
+            <a:ext cx="10053763" cy="732967"/>
+          </a:xfrm>
+          <a:prstGeom prst="rect">
+            <a:avLst/>
+          </a:prstGeom>
+        </p:spPr>
+        <p:txBody>
+          <a:bodyPr vert="horz" lIns="91440" tIns="45720" rIns="91440" bIns="45720" rtlCol="0" anchor="b">
+            <a:normAutofit fontScale="55000" lnSpcReduction="20000"/>
+          </a:bodyPr>
+          <a:lstStyle>
+            <a:lvl1pPr algn="l" defTabSz="914400" rtl="0" eaLnBrk="1" latinLnBrk="0" hangingPunct="1">
+              <a:lnSpc>
+                <a:spcPct val="90000"/>
+              </a:lnSpc>
+              <a:spcBef>
+                <a:spcPct val="0"/>
+              </a:spcBef>
+              <a:buNone/>
+              <a:defRPr sz="4400" kern="1200">
+                <a:solidFill>
+                  <a:schemeClr val="tx1"/>
+                </a:solidFill>
+                <a:latin typeface="+mj-lt"/>
+                <a:ea typeface="+mj-ea"/>
+                <a:cs typeface="+mj-cs"/>
+              </a:defRPr>
+            </a:lvl1pPr>
+          </a:lstStyle>
+          <a:p>
+            <a:r>
+              <a:rPr lang="en-US" sz="4800" dirty="0">
+                <a:solidFill>
+                  <a:srgbClr val="FFFFFF"/>
+                </a:solidFill>
+              </a:rPr>
+              <a:t>Task: Browse the Meta-Question database and add a new Meta-Question to the system</a:t>
+            </a:r>
+          </a:p>
+        </p:txBody>
+      </p:sp>
+    </p:spTree>
+    <p:extLst>
+      <p:ext uri="{BB962C8B-B14F-4D97-AF65-F5344CB8AC3E}">
+        <p14:creationId xmlns:p14="http://schemas.microsoft.com/office/powerpoint/2010/main" val="4262099696"/>
+      </p:ext>
+    </p:extLst>
+  </p:cSld>
+  <p:clrMapOvr>
+    <a:masterClrMapping/>
+  </p:clrMapOvr>
+  <p:timing>
+    <p:tnLst>
+      <p:par>
+        <p:cTn id="1" dur="indefinite" restart="never" nodeType="tmRoot">
+          <p:childTnLst>
+            <p:seq concurrent="1" nextAc="seek">
+              <p:cTn id="2" dur="indefinite" nodeType="mainSeq">
+                <p:childTnLst>
+                  <p:par>
+                    <p:cTn id="3" fill="hold">
+                      <p:stCondLst>
+                        <p:cond delay="indefinite"/>
+                        <p:cond evt="onBegin" delay="0">
+                          <p:tn val="2"/>
+                        </p:cond>
+                      </p:stCondLst>
+                      <p:childTnLst>
+                        <p:par>
+                          <p:cTn id="4" fill="hold">
+                            <p:stCondLst>
+                              <p:cond delay="0"/>
+                            </p:stCondLst>
+                            <p:childTnLst>
+                              <p:par>
+                                <p:cTn id="5" presetID="10" presetClass="entr" presetSubtype="0" fill="hold" grpId="0" nodeType="withEffect">
+                                  <p:stCondLst>
+                                    <p:cond delay="500"/>
+                                  </p:stCondLst>
+                                  <p:iterate type="lt">
+                                    <p:tmPct val="10000"/>
+                                  </p:iterate>
+                                  <p:childTnLst>
+                                    <p:set>
+                                      <p:cBhvr>
+                                        <p:cTn id="6" dur="1" fill="hold">
+                                          <p:stCondLst>
+                                            <p:cond delay="0"/>
+                                          </p:stCondLst>
+                                        </p:cTn>
+                                        <p:tgtEl>
+                                          <p:spTgt spid="7"/>
+                                        </p:tgtEl>
+                                        <p:attrNameLst>
+                                          <p:attrName>style.visibility</p:attrName>
+                                        </p:attrNameLst>
+                                      </p:cBhvr>
+                                      <p:to>
+                                        <p:strVal val="visible"/>
+                                      </p:to>
+                                    </p:set>
+                                    <p:animEffect transition="in" filter="fade">
+                                      <p:cBhvr>
+                                        <p:cTn id="7" dur="400"/>
+                                        <p:tgtEl>
+                                          <p:spTgt spid="7"/>
+                                        </p:tgtEl>
+                                      </p:cBhvr>
+                                    </p:animEffect>
+                                  </p:childTnLst>
+                                </p:cTn>
+                              </p:par>
+                            </p:childTnLst>
+                          </p:cTn>
+                        </p:par>
+                      </p:childTnLst>
+                    </p:cTn>
+                  </p:par>
+                </p:childTnLst>
+              </p:cTn>
+              <p:prevCondLst>
+                <p:cond evt="onPrev" delay="0">
+                  <p:tgtEl>
+                    <p:sldTgt/>
+                  </p:tgtEl>
+                </p:cond>
+              </p:prevCondLst>
+              <p:nextCondLst>
+                <p:cond evt="onNext" delay="0">
+                  <p:tgtEl>
+                    <p:sldTgt/>
+                  </p:tgtEl>
+                </p:cond>
+              </p:nextCondLst>
+            </p:seq>
+          </p:childTnLst>
+        </p:cTn>
+      </p:par>
+    </p:tnLst>
+    <p:bldLst>
+      <p:bldP spid="7" grpId="0"/>
+    </p:bldLst>
+  </p:timing>
+</p:sld>
+</file>
+
+<file path=ppt/slides/slide11.xml><?xml version="1.0" encoding="utf-8"?>
+<p:sld xmlns:a="http://schemas.openxmlformats.org/drawingml/2006/main" xmlns:r="http://schemas.openxmlformats.org/officeDocument/2006/relationships" xmlns:p="http://schemas.openxmlformats.org/presentationml/2006/main">
+  <p:cSld>
+    <p:bg>
+      <p:bgPr>
+        <a:solidFill>
+          <a:schemeClr val="bg1"/>
+        </a:solidFill>
+        <a:effectLst/>
+      </p:bgPr>
+    </p:bg>
+    <p:spTree>
+      <p:nvGrpSpPr>
+        <p:cNvPr id="1" name="">
+          <a:extLst>
+            <a:ext uri="{FF2B5EF4-FFF2-40B4-BE49-F238E27FC236}">
+              <a16:creationId xmlns:a16="http://schemas.microsoft.com/office/drawing/2014/main" id="{E41B61D3-2981-898F-AA17-FC292C33E1BF}"/>
+            </a:ext>
+          </a:extLst>
+        </p:cNvPr>
+        <p:cNvGrpSpPr/>
+        <p:nvPr/>
+      </p:nvGrpSpPr>
+      <p:grpSpPr>
+        <a:xfrm>
+          <a:off x="0" y="0"/>
+          <a:ext cx="0" cy="0"/>
+          <a:chOff x="0" y="0"/>
+          <a:chExt cx="0" cy="0"/>
+        </a:xfrm>
+      </p:grpSpPr>
+      <p:sp useBgFill="1">
+        <p:nvSpPr>
+          <p:cNvPr id="22" name="Rectangle 21">
+            <a:extLst>
+              <a:ext uri="{FF2B5EF4-FFF2-40B4-BE49-F238E27FC236}">
+                <a16:creationId xmlns:a16="http://schemas.microsoft.com/office/drawing/2014/main" id="{BACC6370-2D7E-4714-9D71-7542949D7D5D}"/>
+              </a:ext>
+              <a:ext uri="{C183D7F6-B498-43B3-948B-1728B52AA6E4}">
+                <adec:decorative xmlns:adec="http://schemas.microsoft.com/office/drawing/2017/decorative" val="1"/>
+              </a:ext>
+            </a:extLst>
+          </p:cNvPr>
+          <p:cNvSpPr>
+            <a:spLocks noGrp="1" noRot="1" noChangeAspect="1" noMove="1" noResize="1" noEditPoints="1" noAdjustHandles="1" noChangeArrowheads="1" noChangeShapeType="1" noTextEdit="1"/>
+          </p:cNvSpPr>
+          <p:nvPr>
+            <p:extLst>
+              <p:ext uri="{386F3935-93C4-4BCD-93E2-E3B085C9AB24}">
+                <p16:designElem xmlns:p16="http://schemas.microsoft.com/office/powerpoint/2015/main" val="1"/>
+              </p:ext>
+            </p:extLst>
+          </p:nvPr>
+        </p:nvSpPr>
+        <p:spPr>
+          <a:xfrm>
+            <a:off x="0" y="0"/>
+            <a:ext cx="12192000" cy="6858000"/>
+          </a:xfrm>
+          <a:prstGeom prst="rect">
+            <a:avLst/>
+          </a:prstGeom>
+          <a:ln w="12700" cap="flat" cmpd="sng" algn="ctr">
+            <a:noFill/>
+            <a:prstDash val="solid"/>
+            <a:miter lim="800000"/>
+          </a:ln>
+          <a:effectLst/>
+          <a:extLst>
+            <a:ext uri="{91240B29-F687-4F45-9708-019B960494DF}">
+              <a14:hiddenLine xmlns:a14="http://schemas.microsoft.com/office/drawing/2010/main" w="12700" cap="flat" cmpd="sng" algn="ctr">
+                <a:solidFill>
+                  <a:schemeClr val="accent1">
+                    <a:shade val="50000"/>
+                  </a:schemeClr>
+                </a:solidFill>
+                <a:prstDash val="solid"/>
+                <a:miter lim="800000"/>
+              </a14:hiddenLine>
+            </a:ext>
+          </a:extLst>
+        </p:spPr>
+        <p:style>
+          <a:lnRef idx="2">
+            <a:schemeClr val="accent1">
+              <a:shade val="50000"/>
+            </a:schemeClr>
+          </a:lnRef>
+          <a:fillRef idx="1">
+            <a:schemeClr val="accent1"/>
+          </a:fillRef>
+          <a:effectRef idx="0">
+            <a:schemeClr val="accent1"/>
+          </a:effectRef>
+          <a:fontRef idx="minor">
+            <a:schemeClr val="lt1"/>
+          </a:fontRef>
+        </p:style>
+        <p:txBody>
+          <a:bodyPr rtlCol="0" anchor="ctr"/>
+          <a:lstStyle/>
+          <a:p>
+            <a:pPr algn="ctr"/>
+            <a:endParaRPr lang="en-US"/>
+          </a:p>
+        </p:txBody>
+      </p:sp>
+      <p:sp>
+        <p:nvSpPr>
+          <p:cNvPr id="24" name="Rectangle 23">
+            <a:extLst>
+              <a:ext uri="{FF2B5EF4-FFF2-40B4-BE49-F238E27FC236}">
+                <a16:creationId xmlns:a16="http://schemas.microsoft.com/office/drawing/2014/main" id="{F68B3F68-107C-434F-AA38-110D5EA91B85}"/>
+              </a:ext>
+              <a:ext uri="{C183D7F6-B498-43B3-948B-1728B52AA6E4}">
+                <adec:decorative xmlns:adec="http://schemas.microsoft.com/office/drawing/2017/decorative" val="1"/>
+              </a:ext>
+            </a:extLst>
+          </p:cNvPr>
+          <p:cNvSpPr>
+            <a:spLocks noGrp="1" noRot="1" noChangeAspect="1" noMove="1" noResize="1" noEditPoints="1" noAdjustHandles="1" noChangeArrowheads="1" noChangeShapeType="1" noTextEdit="1"/>
+          </p:cNvSpPr>
+          <p:nvPr>
+            <p:extLst>
+              <p:ext uri="{386F3935-93C4-4BCD-93E2-E3B085C9AB24}">
+                <p16:designElem xmlns:p16="http://schemas.microsoft.com/office/powerpoint/2015/main" val="1"/>
+              </p:ext>
+            </p:extLst>
+          </p:nvPr>
+        </p:nvSpPr>
+        <p:spPr>
+          <a:xfrm flipH="1">
+            <a:off x="2" y="0"/>
+            <a:ext cx="12191998" cy="1575955"/>
+          </a:xfrm>
+          <a:prstGeom prst="rect">
+            <a:avLst/>
+          </a:prstGeom>
+          <a:gradFill>
+            <a:gsLst>
+              <a:gs pos="0">
+                <a:srgbClr val="000000">
+                  <a:alpha val="96000"/>
+                </a:srgbClr>
+              </a:gs>
+              <a:gs pos="100000">
+                <a:schemeClr val="accent1">
+                  <a:lumMod val="75000"/>
+                </a:schemeClr>
+              </a:gs>
+            </a:gsLst>
+            <a:lin ang="8400000" scaled="0"/>
+          </a:gradFill>
+          <a:ln>
+            <a:noFill/>
+          </a:ln>
+        </p:spPr>
+        <p:style>
+          <a:lnRef idx="2">
+            <a:schemeClr val="accent1">
+              <a:shade val="50000"/>
+            </a:schemeClr>
+          </a:lnRef>
+          <a:fillRef idx="1">
+            <a:schemeClr val="accent1"/>
+          </a:fillRef>
+          <a:effectRef idx="0">
+            <a:schemeClr val="accent1"/>
+          </a:effectRef>
+          <a:fontRef idx="minor">
+            <a:schemeClr val="lt1"/>
+          </a:fontRef>
+        </p:style>
+        <p:txBody>
+          <a:bodyPr rtlCol="0" anchor="ctr"/>
+          <a:lstStyle/>
+          <a:p>
+            <a:pPr algn="ctr"/>
+            <a:endParaRPr lang="en-US"/>
+          </a:p>
+        </p:txBody>
+      </p:sp>
+      <p:sp>
+        <p:nvSpPr>
+          <p:cNvPr id="26" name="Rectangle 25">
+            <a:extLst>
+              <a:ext uri="{FF2B5EF4-FFF2-40B4-BE49-F238E27FC236}">
+                <a16:creationId xmlns:a16="http://schemas.microsoft.com/office/drawing/2014/main" id="{AAD0DBB9-1A4B-4391-81D4-CB19F9AB918A}"/>
+              </a:ext>
+              <a:ext uri="{C183D7F6-B498-43B3-948B-1728B52AA6E4}">
+                <adec:decorative xmlns:adec="http://schemas.microsoft.com/office/drawing/2017/decorative" val="1"/>
+              </a:ext>
+            </a:extLst>
+          </p:cNvPr>
+          <p:cNvSpPr>
+            <a:spLocks noGrp="1" noRot="1" noChangeAspect="1" noMove="1" noResize="1" noEditPoints="1" noAdjustHandles="1" noChangeArrowheads="1" noChangeShapeType="1" noTextEdit="1"/>
+          </p:cNvSpPr>
+          <p:nvPr>
+            <p:extLst>
+              <p:ext uri="{386F3935-93C4-4BCD-93E2-E3B085C9AB24}">
+                <p16:designElem xmlns:p16="http://schemas.microsoft.com/office/powerpoint/2015/main" val="1"/>
+              </p:ext>
+            </p:extLst>
+          </p:nvPr>
+        </p:nvSpPr>
+        <p:spPr>
+          <a:xfrm rot="10800000" flipH="1">
+            <a:off x="8128857" y="0"/>
+            <a:ext cx="4063143" cy="1576412"/>
+          </a:xfrm>
+          <a:prstGeom prst="rect">
+            <a:avLst/>
+          </a:prstGeom>
+          <a:gradFill>
+            <a:gsLst>
+              <a:gs pos="19000">
+                <a:schemeClr val="accent1">
+                  <a:lumMod val="50000"/>
+                  <a:alpha val="68000"/>
+                </a:schemeClr>
+              </a:gs>
+              <a:gs pos="100000">
+                <a:schemeClr val="accent1">
+                  <a:alpha val="79000"/>
+                </a:schemeClr>
+              </a:gs>
+            </a:gsLst>
+            <a:lin ang="19200000" scaled="0"/>
+          </a:gradFill>
+          <a:ln>
+            <a:noFill/>
+          </a:ln>
+        </p:spPr>
+        <p:style>
+          <a:lnRef idx="2">
+            <a:schemeClr val="accent1">
+              <a:shade val="50000"/>
+            </a:schemeClr>
+          </a:lnRef>
+          <a:fillRef idx="1">
+            <a:schemeClr val="accent1"/>
+          </a:fillRef>
+          <a:effectRef idx="0">
+            <a:schemeClr val="accent1"/>
+          </a:effectRef>
+          <a:fontRef idx="minor">
+            <a:schemeClr val="lt1"/>
+          </a:fontRef>
+        </p:style>
+        <p:txBody>
+          <a:bodyPr rtlCol="0" anchor="ctr"/>
+          <a:lstStyle/>
+          <a:p>
+            <a:pPr algn="ctr"/>
+            <a:endParaRPr lang="en-US"/>
+          </a:p>
+        </p:txBody>
+      </p:sp>
+      <p:sp>
+        <p:nvSpPr>
+          <p:cNvPr id="28" name="Rectangle 27">
+            <a:extLst>
+              <a:ext uri="{FF2B5EF4-FFF2-40B4-BE49-F238E27FC236}">
+                <a16:creationId xmlns:a16="http://schemas.microsoft.com/office/drawing/2014/main" id="{063BBA22-50EA-4C4D-BE05-F1CE4E63AA56}"/>
+              </a:ext>
+              <a:ext uri="{C183D7F6-B498-43B3-948B-1728B52AA6E4}">
+                <adec:decorative xmlns:adec="http://schemas.microsoft.com/office/drawing/2017/decorative" val="1"/>
+              </a:ext>
+            </a:extLst>
+          </p:cNvPr>
+          <p:cNvSpPr>
+            <a:spLocks noGrp="1" noRot="1" noChangeAspect="1" noMove="1" noResize="1" noEditPoints="1" noAdjustHandles="1" noChangeArrowheads="1" noChangeShapeType="1" noTextEdit="1"/>
+          </p:cNvSpPr>
+          <p:nvPr>
+            <p:extLst>
+              <p:ext uri="{386F3935-93C4-4BCD-93E2-E3B085C9AB24}">
+                <p16:designElem xmlns:p16="http://schemas.microsoft.com/office/powerpoint/2015/main" val="1"/>
+              </p:ext>
+            </p:extLst>
+          </p:nvPr>
+        </p:nvSpPr>
+        <p:spPr>
+          <a:xfrm rot="5400000">
+            <a:off x="5307777" y="-5307778"/>
+            <a:ext cx="1576446" cy="12192002"/>
+          </a:xfrm>
+          <a:prstGeom prst="rect">
+            <a:avLst/>
+          </a:prstGeom>
+          <a:gradFill>
+            <a:gsLst>
+              <a:gs pos="23000">
+                <a:schemeClr val="accent1">
+                  <a:alpha val="0"/>
+                </a:schemeClr>
+              </a:gs>
+              <a:gs pos="99000">
+                <a:srgbClr val="000000">
+                  <a:alpha val="74000"/>
+                </a:srgbClr>
+              </a:gs>
+            </a:gsLst>
+            <a:lin ang="20400000" scaled="0"/>
+          </a:gradFill>
+          <a:ln>
+            <a:noFill/>
+          </a:ln>
+        </p:spPr>
+        <p:style>
+          <a:lnRef idx="2">
+            <a:schemeClr val="accent1">
+              <a:shade val="50000"/>
+            </a:schemeClr>
+          </a:lnRef>
+          <a:fillRef idx="1">
+            <a:schemeClr val="accent1"/>
+          </a:fillRef>
+          <a:effectRef idx="0">
+            <a:schemeClr val="accent1"/>
+          </a:effectRef>
+          <a:fontRef idx="minor">
+            <a:schemeClr val="lt1"/>
+          </a:fontRef>
+        </p:style>
+        <p:txBody>
+          <a:bodyPr rtlCol="0" anchor="ctr"/>
+          <a:lstStyle/>
+          <a:p>
+            <a:pPr algn="ctr"/>
+            <a:endParaRPr lang="en-US" dirty="0"/>
+          </a:p>
+        </p:txBody>
+      </p:sp>
+      <p:sp>
+        <p:nvSpPr>
+          <p:cNvPr id="4" name="Content Placeholder 2">
+            <a:extLst>
+              <a:ext uri="{FF2B5EF4-FFF2-40B4-BE49-F238E27FC236}">
+                <a16:creationId xmlns:a16="http://schemas.microsoft.com/office/drawing/2014/main" id="{AFC934D0-625F-6A4C-F462-A659A43F92C0}"/>
+              </a:ext>
+            </a:extLst>
+          </p:cNvPr>
+          <p:cNvSpPr txBox="1">
+            <a:spLocks/>
+          </p:cNvSpPr>
+          <p:nvPr/>
+        </p:nvSpPr>
+        <p:spPr>
+          <a:xfrm>
+            <a:off x="990600" y="2241259"/>
+            <a:ext cx="8897224" cy="4088104"/>
+          </a:xfrm>
+          <a:prstGeom prst="rect">
+            <a:avLst/>
+          </a:prstGeom>
+        </p:spPr>
+        <p:txBody>
+          <a:bodyPr vert="horz" lIns="91440" tIns="45720" rIns="91440" bIns="45720" rtlCol="0">
+            <a:normAutofit/>
+          </a:bodyPr>
+          <a:lstStyle>
+            <a:lvl1pPr marL="228600" indent="-228600" algn="l" defTabSz="914400" rtl="0" eaLnBrk="1" latinLnBrk="0" hangingPunct="1">
+              <a:lnSpc>
+                <a:spcPct val="90000"/>
+              </a:lnSpc>
+              <a:spcBef>
+                <a:spcPts val="1000"/>
+              </a:spcBef>
+              <a:buFont typeface="Arial" panose="020B0604020202020204" pitchFamily="34" charset="0"/>
+              <a:buChar char="•"/>
+              <a:defRPr sz="2800" kern="1200">
+                <a:solidFill>
+                  <a:schemeClr val="tx1"/>
+                </a:solidFill>
+                <a:latin typeface="+mn-lt"/>
+                <a:ea typeface="+mn-ea"/>
+                <a:cs typeface="+mn-cs"/>
+              </a:defRPr>
+            </a:lvl1pPr>
+            <a:lvl2pPr marL="685800" indent="-228600" algn="l" defTabSz="914400" rtl="0" eaLnBrk="1" latinLnBrk="0" hangingPunct="1">
+              <a:lnSpc>
+                <a:spcPct val="90000"/>
+              </a:lnSpc>
+              <a:spcBef>
+                <a:spcPts val="500"/>
+              </a:spcBef>
+              <a:buFont typeface="Arial" panose="020B0604020202020204" pitchFamily="34" charset="0"/>
+              <a:buChar char="•"/>
+              <a:defRPr sz="2400" kern="1200">
+                <a:solidFill>
+                  <a:schemeClr val="tx1"/>
+                </a:solidFill>
+                <a:latin typeface="+mn-lt"/>
+                <a:ea typeface="+mn-ea"/>
+                <a:cs typeface="+mn-cs"/>
+              </a:defRPr>
+            </a:lvl2pPr>
+            <a:lvl3pPr marL="1143000" indent="-228600" algn="l" defTabSz="914400" rtl="0" eaLnBrk="1" latinLnBrk="0" hangingPunct="1">
+              <a:lnSpc>
+                <a:spcPct val="90000"/>
+              </a:lnSpc>
+              <a:spcBef>
+                <a:spcPts val="500"/>
+              </a:spcBef>
+              <a:buFont typeface="Arial" panose="020B0604020202020204" pitchFamily="34" charset="0"/>
+              <a:buChar char="•"/>
+              <a:defRPr sz="2000" kern="1200">
+                <a:solidFill>
+                  <a:schemeClr val="tx1"/>
+                </a:solidFill>
+                <a:latin typeface="+mn-lt"/>
+                <a:ea typeface="+mn-ea"/>
+                <a:cs typeface="+mn-cs"/>
+              </a:defRPr>
+            </a:lvl3pPr>
+            <a:lvl4pPr marL="1600200" indent="-228600" algn="l" defTabSz="914400" rtl="0" eaLnBrk="1" latinLnBrk="0" hangingPunct="1">
+              <a:lnSpc>
+                <a:spcPct val="90000"/>
+              </a:lnSpc>
+              <a:spcBef>
+                <a:spcPts val="500"/>
+              </a:spcBef>
+              <a:buFont typeface="Arial" panose="020B0604020202020204" pitchFamily="34" charset="0"/>
+              <a:buChar char="•"/>
+              <a:defRPr sz="1800" kern="1200">
+                <a:solidFill>
+                  <a:schemeClr val="tx1"/>
+                </a:solidFill>
+                <a:latin typeface="+mn-lt"/>
+                <a:ea typeface="+mn-ea"/>
+                <a:cs typeface="+mn-cs"/>
+              </a:defRPr>
+            </a:lvl4pPr>
+            <a:lvl5pPr marL="2057400" indent="-228600" algn="l" defTabSz="914400" rtl="0" eaLnBrk="1" latinLnBrk="0" hangingPunct="1">
+              <a:lnSpc>
+                <a:spcPct val="90000"/>
+              </a:lnSpc>
+              <a:spcBef>
+                <a:spcPts val="500"/>
+              </a:spcBef>
+              <a:buFont typeface="Arial" panose="020B0604020202020204" pitchFamily="34" charset="0"/>
+              <a:buChar char="•"/>
+              <a:defRPr sz="1800" kern="1200">
+                <a:solidFill>
+                  <a:schemeClr val="tx1"/>
+                </a:solidFill>
+                <a:latin typeface="+mn-lt"/>
+                <a:ea typeface="+mn-ea"/>
+                <a:cs typeface="+mn-cs"/>
+              </a:defRPr>
+            </a:lvl5pPr>
+            <a:lvl6pPr marL="2514600" indent="-228600" algn="l" defTabSz="914400" rtl="0" eaLnBrk="1" latinLnBrk="0" hangingPunct="1">
+              <a:lnSpc>
+                <a:spcPct val="90000"/>
+              </a:lnSpc>
+              <a:spcBef>
+                <a:spcPts val="500"/>
+              </a:spcBef>
+              <a:buFont typeface="Arial" panose="020B0604020202020204" pitchFamily="34" charset="0"/>
+              <a:buChar char="•"/>
+              <a:defRPr sz="1800" kern="1200">
+                <a:solidFill>
+                  <a:schemeClr val="tx1"/>
+                </a:solidFill>
+                <a:latin typeface="+mn-lt"/>
+                <a:ea typeface="+mn-ea"/>
+                <a:cs typeface="+mn-cs"/>
+              </a:defRPr>
+            </a:lvl6pPr>
+            <a:lvl7pPr marL="2971800" indent="-228600" algn="l" defTabSz="914400" rtl="0" eaLnBrk="1" latinLnBrk="0" hangingPunct="1">
+              <a:lnSpc>
+                <a:spcPct val="90000"/>
+              </a:lnSpc>
+              <a:spcBef>
+                <a:spcPts val="500"/>
+              </a:spcBef>
+              <a:buFont typeface="Arial" panose="020B0604020202020204" pitchFamily="34" charset="0"/>
+              <a:buChar char="•"/>
+              <a:defRPr sz="1800" kern="1200">
+                <a:solidFill>
+                  <a:schemeClr val="tx1"/>
+                </a:solidFill>
+                <a:latin typeface="+mn-lt"/>
+                <a:ea typeface="+mn-ea"/>
+                <a:cs typeface="+mn-cs"/>
+              </a:defRPr>
+            </a:lvl7pPr>
+            <a:lvl8pPr marL="3429000" indent="-228600" algn="l" defTabSz="914400" rtl="0" eaLnBrk="1" latinLnBrk="0" hangingPunct="1">
+              <a:lnSpc>
+                <a:spcPct val="90000"/>
+              </a:lnSpc>
+              <a:spcBef>
+                <a:spcPts val="500"/>
+              </a:spcBef>
+              <a:buFont typeface="Arial" panose="020B0604020202020204" pitchFamily="34" charset="0"/>
+              <a:buChar char="•"/>
+              <a:defRPr sz="1800" kern="1200">
+                <a:solidFill>
+                  <a:schemeClr val="tx1"/>
+                </a:solidFill>
+                <a:latin typeface="+mn-lt"/>
+                <a:ea typeface="+mn-ea"/>
+                <a:cs typeface="+mn-cs"/>
+              </a:defRPr>
+            </a:lvl8pPr>
+            <a:lvl9pPr marL="3886200" indent="-228600" algn="l" defTabSz="914400" rtl="0" eaLnBrk="1" latinLnBrk="0" hangingPunct="1">
+              <a:lnSpc>
+                <a:spcPct val="90000"/>
+              </a:lnSpc>
+              <a:spcBef>
+                <a:spcPts val="500"/>
+              </a:spcBef>
+              <a:buFont typeface="Arial" panose="020B0604020202020204" pitchFamily="34" charset="0"/>
+              <a:buChar char="•"/>
+              <a:defRPr sz="1800" kern="1200">
+                <a:solidFill>
+                  <a:schemeClr val="tx1"/>
+                </a:solidFill>
+                <a:latin typeface="+mn-lt"/>
+                <a:ea typeface="+mn-ea"/>
+                <a:cs typeface="+mn-cs"/>
+              </a:defRPr>
+            </a:lvl9pPr>
+          </a:lstStyle>
+          <a:p>
+            <a:pPr marL="0" indent="0">
+              <a:buNone/>
+            </a:pPr>
+            <a:r>
+              <a:rPr lang="en-US" dirty="0"/>
+              <a:t>Finished: no</a:t>
+            </a:r>
+          </a:p>
+          <a:p>
+            <a:pPr marL="0" indent="0">
+              <a:buNone/>
+            </a:pPr>
+            <a:r>
+              <a:rPr lang="en-US" dirty="0"/>
+              <a:t>Hints: no</a:t>
+            </a:r>
+          </a:p>
+          <a:p>
+            <a:pPr marL="0" indent="0">
+              <a:buNone/>
+            </a:pPr>
+            <a:r>
+              <a:rPr lang="en-US" dirty="0"/>
+              <a:t>Time: 0 minutes</a:t>
+            </a:r>
+          </a:p>
+          <a:p>
+            <a:pPr marL="0" indent="0">
+              <a:buNone/>
+            </a:pPr>
+            <a:r>
+              <a:rPr lang="en-US" dirty="0"/>
+              <a:t>Rating: 0</a:t>
+            </a:r>
+          </a:p>
+          <a:p>
+            <a:pPr marL="0" indent="0">
+              <a:buNone/>
+            </a:pPr>
+            <a:r>
+              <a:rPr lang="en-US" dirty="0"/>
+              <a:t>Notes: Due to system bug/crush, task could not be presented and test by the client, a fix and recheck by the user will be done soon</a:t>
+            </a:r>
+          </a:p>
+        </p:txBody>
+      </p:sp>
+      <p:sp>
+        <p:nvSpPr>
+          <p:cNvPr id="7" name="Title 1">
+            <a:extLst>
+              <a:ext uri="{FF2B5EF4-FFF2-40B4-BE49-F238E27FC236}">
+                <a16:creationId xmlns:a16="http://schemas.microsoft.com/office/drawing/2014/main" id="{C5A66165-6FC2-DCB7-D069-732603CB4AB8}"/>
+              </a:ext>
+            </a:extLst>
+          </p:cNvPr>
+          <p:cNvSpPr txBox="1">
+            <a:spLocks/>
+          </p:cNvSpPr>
+          <p:nvPr/>
+        </p:nvSpPr>
+        <p:spPr>
+          <a:xfrm>
+            <a:off x="838200" y="269517"/>
+            <a:ext cx="10053763" cy="732967"/>
+          </a:xfrm>
+          <a:prstGeom prst="rect">
+            <a:avLst/>
+          </a:prstGeom>
+        </p:spPr>
+        <p:txBody>
+          <a:bodyPr vert="horz" lIns="91440" tIns="45720" rIns="91440" bIns="45720" rtlCol="0" anchor="b">
+            <a:normAutofit fontScale="55000" lnSpcReduction="20000"/>
+          </a:bodyPr>
+          <a:lstStyle>
+            <a:lvl1pPr algn="l" defTabSz="914400" rtl="0" eaLnBrk="1" latinLnBrk="0" hangingPunct="1">
+              <a:lnSpc>
+                <a:spcPct val="90000"/>
+              </a:lnSpc>
+              <a:spcBef>
+                <a:spcPct val="0"/>
+              </a:spcBef>
+              <a:buNone/>
+              <a:defRPr sz="4400" kern="1200">
+                <a:solidFill>
+                  <a:schemeClr val="tx1"/>
+                </a:solidFill>
+                <a:latin typeface="+mj-lt"/>
+                <a:ea typeface="+mj-ea"/>
+                <a:cs typeface="+mj-cs"/>
+              </a:defRPr>
+            </a:lvl1pPr>
+          </a:lstStyle>
+          <a:p>
+            <a:r>
+              <a:rPr lang="en-US" sz="4800" dirty="0">
+                <a:solidFill>
+                  <a:srgbClr val="FFFFFF"/>
+                </a:solidFill>
+              </a:rPr>
+              <a:t>Task: Complete day to day tasks such as ‘Add a key’ and ‘Tag am existing answer as key or </a:t>
+            </a:r>
+            <a:r>
+              <a:rPr lang="en-US" sz="4800" dirty="0" err="1">
+                <a:solidFill>
+                  <a:srgbClr val="FFFFFF"/>
+                </a:solidFill>
+              </a:rPr>
+              <a:t>distructor</a:t>
+            </a:r>
+            <a:r>
+              <a:rPr lang="en-US" sz="4800" dirty="0">
+                <a:solidFill>
+                  <a:srgbClr val="FFFFFF"/>
+                </a:solidFill>
+              </a:rPr>
+              <a:t>’</a:t>
+            </a:r>
+          </a:p>
+        </p:txBody>
+      </p:sp>
+    </p:spTree>
+    <p:extLst>
+      <p:ext uri="{BB962C8B-B14F-4D97-AF65-F5344CB8AC3E}">
+        <p14:creationId xmlns:p14="http://schemas.microsoft.com/office/powerpoint/2010/main" val="1157704857"/>
+      </p:ext>
+    </p:extLst>
+  </p:cSld>
+  <p:clrMapOvr>
+    <a:masterClrMapping/>
+  </p:clrMapOvr>
+  <p:timing>
+    <p:tnLst>
+      <p:par>
+        <p:cTn id="1" dur="indefinite" restart="never" nodeType="tmRoot">
+          <p:childTnLst>
+            <p:seq concurrent="1" nextAc="seek">
+              <p:cTn id="2" dur="indefinite" nodeType="mainSeq">
+                <p:childTnLst>
+                  <p:par>
+                    <p:cTn id="3" fill="hold">
+                      <p:stCondLst>
+                        <p:cond delay="indefinite"/>
+                        <p:cond evt="onBegin" delay="0">
+                          <p:tn val="2"/>
+                        </p:cond>
+                      </p:stCondLst>
+                      <p:childTnLst>
+                        <p:par>
+                          <p:cTn id="4" fill="hold">
+                            <p:stCondLst>
+                              <p:cond delay="0"/>
+                            </p:stCondLst>
+                            <p:childTnLst>
+                              <p:par>
+                                <p:cTn id="5" presetID="10" presetClass="entr" presetSubtype="0" fill="hold" grpId="0" nodeType="withEffect">
+                                  <p:stCondLst>
+                                    <p:cond delay="500"/>
+                                  </p:stCondLst>
+                                  <p:iterate type="lt">
+                                    <p:tmPct val="10000"/>
+                                  </p:iterate>
+                                  <p:childTnLst>
+                                    <p:set>
+                                      <p:cBhvr>
+                                        <p:cTn id="6" dur="1" fill="hold">
+                                          <p:stCondLst>
+                                            <p:cond delay="0"/>
+                                          </p:stCondLst>
+                                        </p:cTn>
+                                        <p:tgtEl>
+                                          <p:spTgt spid="7"/>
+                                        </p:tgtEl>
+                                        <p:attrNameLst>
+                                          <p:attrName>style.visibility</p:attrName>
+                                        </p:attrNameLst>
+                                      </p:cBhvr>
+                                      <p:to>
+                                        <p:strVal val="visible"/>
+                                      </p:to>
+                                    </p:set>
+                                    <p:animEffect transition="in" filter="fade">
+                                      <p:cBhvr>
+                                        <p:cTn id="7" dur="400"/>
+                                        <p:tgtEl>
+                                          <p:spTgt spid="7"/>
+                                        </p:tgtEl>
+                                      </p:cBhvr>
+                                    </p:animEffect>
+                                  </p:childTnLst>
+                                </p:cTn>
+                              </p:par>
+                            </p:childTnLst>
+                          </p:cTn>
+                        </p:par>
+                      </p:childTnLst>
+                    </p:cTn>
+                  </p:par>
+                </p:childTnLst>
+              </p:cTn>
+              <p:prevCondLst>
+                <p:cond evt="onPrev" delay="0">
+                  <p:tgtEl>
+                    <p:sldTgt/>
+                  </p:tgtEl>
+                </p:cond>
+              </p:prevCondLst>
+              <p:nextCondLst>
+                <p:cond evt="onNext" delay="0">
+                  <p:tgtEl>
+                    <p:sldTgt/>
+                  </p:tgtEl>
+                </p:cond>
+              </p:nextCondLst>
+            </p:seq>
+          </p:childTnLst>
+        </p:cTn>
+      </p:par>
+    </p:tnLst>
+    <p:bldLst>
+      <p:bldP spid="7" grpId="0"/>
+    </p:bldLst>
+  </p:timing>
+</p:sld>
+</file>
+
+<file path=ppt/slides/slide12.xml><?xml version="1.0" encoding="utf-8"?>
+<p:sld xmlns:a="http://schemas.openxmlformats.org/drawingml/2006/main" xmlns:r="http://schemas.openxmlformats.org/officeDocument/2006/relationships" xmlns:p="http://schemas.openxmlformats.org/presentationml/2006/main">
+  <p:cSld>
+    <p:bg>
+      <p:bgPr>
+        <a:solidFill>
+          <a:schemeClr val="bg1"/>
+        </a:solidFill>
+        <a:effectLst/>
+      </p:bgPr>
+    </p:bg>
+    <p:spTree>
+      <p:nvGrpSpPr>
+        <p:cNvPr id="1" name="">
+          <a:extLst>
+            <a:ext uri="{FF2B5EF4-FFF2-40B4-BE49-F238E27FC236}">
+              <a16:creationId xmlns:a16="http://schemas.microsoft.com/office/drawing/2014/main" id="{E41B61D3-2981-898F-AA17-FC292C33E1BF}"/>
+            </a:ext>
+          </a:extLst>
+        </p:cNvPr>
+        <p:cNvGrpSpPr/>
+        <p:nvPr/>
+      </p:nvGrpSpPr>
+      <p:grpSpPr>
+        <a:xfrm>
+          <a:off x="0" y="0"/>
+          <a:ext cx="0" cy="0"/>
+          <a:chOff x="0" y="0"/>
+          <a:chExt cx="0" cy="0"/>
+        </a:xfrm>
+      </p:grpSpPr>
+      <p:sp useBgFill="1">
+        <p:nvSpPr>
+          <p:cNvPr id="22" name="Rectangle 21">
+            <a:extLst>
+              <a:ext uri="{FF2B5EF4-FFF2-40B4-BE49-F238E27FC236}">
+                <a16:creationId xmlns:a16="http://schemas.microsoft.com/office/drawing/2014/main" id="{BACC6370-2D7E-4714-9D71-7542949D7D5D}"/>
+              </a:ext>
+              <a:ext uri="{C183D7F6-B498-43B3-948B-1728B52AA6E4}">
+                <adec:decorative xmlns:adec="http://schemas.microsoft.com/office/drawing/2017/decorative" val="1"/>
+              </a:ext>
+            </a:extLst>
+          </p:cNvPr>
+          <p:cNvSpPr>
+            <a:spLocks noGrp="1" noRot="1" noChangeAspect="1" noMove="1" noResize="1" noEditPoints="1" noAdjustHandles="1" noChangeArrowheads="1" noChangeShapeType="1" noTextEdit="1"/>
+          </p:cNvSpPr>
+          <p:nvPr>
+            <p:extLst>
+              <p:ext uri="{386F3935-93C4-4BCD-93E2-E3B085C9AB24}">
+                <p16:designElem xmlns:p16="http://schemas.microsoft.com/office/powerpoint/2015/main" val="1"/>
+              </p:ext>
+            </p:extLst>
+          </p:nvPr>
+        </p:nvSpPr>
+        <p:spPr>
+          <a:xfrm>
+            <a:off x="0" y="0"/>
+            <a:ext cx="12192000" cy="6858000"/>
+          </a:xfrm>
+          <a:prstGeom prst="rect">
+            <a:avLst/>
+          </a:prstGeom>
+          <a:ln w="12700" cap="flat" cmpd="sng" algn="ctr">
+            <a:noFill/>
+            <a:prstDash val="solid"/>
+            <a:miter lim="800000"/>
+          </a:ln>
+          <a:effectLst/>
+          <a:extLst>
+            <a:ext uri="{91240B29-F687-4F45-9708-019B960494DF}">
+              <a14:hiddenLine xmlns:a14="http://schemas.microsoft.com/office/drawing/2010/main" w="12700" cap="flat" cmpd="sng" algn="ctr">
+                <a:solidFill>
+                  <a:schemeClr val="accent1">
+                    <a:shade val="50000"/>
+                  </a:schemeClr>
+                </a:solidFill>
+                <a:prstDash val="solid"/>
+                <a:miter lim="800000"/>
+              </a14:hiddenLine>
+            </a:ext>
+          </a:extLst>
+        </p:spPr>
+        <p:style>
+          <a:lnRef idx="2">
+            <a:schemeClr val="accent1">
+              <a:shade val="50000"/>
+            </a:schemeClr>
+          </a:lnRef>
+          <a:fillRef idx="1">
+            <a:schemeClr val="accent1"/>
+          </a:fillRef>
+          <a:effectRef idx="0">
+            <a:schemeClr val="accent1"/>
+          </a:effectRef>
+          <a:fontRef idx="minor">
+            <a:schemeClr val="lt1"/>
+          </a:fontRef>
+        </p:style>
+        <p:txBody>
+          <a:bodyPr rtlCol="0" anchor="ctr"/>
+          <a:lstStyle/>
+          <a:p>
+            <a:pPr algn="ctr"/>
+            <a:endParaRPr lang="en-US"/>
+          </a:p>
+        </p:txBody>
+      </p:sp>
+      <p:sp>
+        <p:nvSpPr>
+          <p:cNvPr id="24" name="Rectangle 23">
+            <a:extLst>
+              <a:ext uri="{FF2B5EF4-FFF2-40B4-BE49-F238E27FC236}">
+                <a16:creationId xmlns:a16="http://schemas.microsoft.com/office/drawing/2014/main" id="{F68B3F68-107C-434F-AA38-110D5EA91B85}"/>
+              </a:ext>
+              <a:ext uri="{C183D7F6-B498-43B3-948B-1728B52AA6E4}">
+                <adec:decorative xmlns:adec="http://schemas.microsoft.com/office/drawing/2017/decorative" val="1"/>
+              </a:ext>
+            </a:extLst>
+          </p:cNvPr>
+          <p:cNvSpPr>
+            <a:spLocks noGrp="1" noRot="1" noChangeAspect="1" noMove="1" noResize="1" noEditPoints="1" noAdjustHandles="1" noChangeArrowheads="1" noChangeShapeType="1" noTextEdit="1"/>
+          </p:cNvSpPr>
+          <p:nvPr>
+            <p:extLst>
+              <p:ext uri="{386F3935-93C4-4BCD-93E2-E3B085C9AB24}">
+                <p16:designElem xmlns:p16="http://schemas.microsoft.com/office/powerpoint/2015/main" val="1"/>
+              </p:ext>
+            </p:extLst>
+          </p:nvPr>
+        </p:nvSpPr>
+        <p:spPr>
+          <a:xfrm flipH="1">
+            <a:off x="2" y="0"/>
+            <a:ext cx="12191998" cy="1575955"/>
+          </a:xfrm>
+          <a:prstGeom prst="rect">
+            <a:avLst/>
+          </a:prstGeom>
+          <a:gradFill>
+            <a:gsLst>
+              <a:gs pos="0">
+                <a:srgbClr val="000000">
+                  <a:alpha val="96000"/>
+                </a:srgbClr>
+              </a:gs>
+              <a:gs pos="100000">
+                <a:schemeClr val="accent1">
+                  <a:lumMod val="75000"/>
+                </a:schemeClr>
+              </a:gs>
+            </a:gsLst>
+            <a:lin ang="8400000" scaled="0"/>
+          </a:gradFill>
+          <a:ln>
+            <a:noFill/>
+          </a:ln>
+        </p:spPr>
+        <p:style>
+          <a:lnRef idx="2">
+            <a:schemeClr val="accent1">
+              <a:shade val="50000"/>
+            </a:schemeClr>
+          </a:lnRef>
+          <a:fillRef idx="1">
+            <a:schemeClr val="accent1"/>
+          </a:fillRef>
+          <a:effectRef idx="0">
+            <a:schemeClr val="accent1"/>
+          </a:effectRef>
+          <a:fontRef idx="minor">
+            <a:schemeClr val="lt1"/>
+          </a:fontRef>
+        </p:style>
+        <p:txBody>
+          <a:bodyPr rtlCol="0" anchor="ctr"/>
+          <a:lstStyle/>
+          <a:p>
+            <a:pPr algn="ctr"/>
+            <a:endParaRPr lang="en-US"/>
+          </a:p>
+        </p:txBody>
+      </p:sp>
+      <p:sp>
+        <p:nvSpPr>
+          <p:cNvPr id="26" name="Rectangle 25">
+            <a:extLst>
+              <a:ext uri="{FF2B5EF4-FFF2-40B4-BE49-F238E27FC236}">
+                <a16:creationId xmlns:a16="http://schemas.microsoft.com/office/drawing/2014/main" id="{AAD0DBB9-1A4B-4391-81D4-CB19F9AB918A}"/>
+              </a:ext>
+              <a:ext uri="{C183D7F6-B498-43B3-948B-1728B52AA6E4}">
+                <adec:decorative xmlns:adec="http://schemas.microsoft.com/office/drawing/2017/decorative" val="1"/>
+              </a:ext>
+            </a:extLst>
+          </p:cNvPr>
+          <p:cNvSpPr>
+            <a:spLocks noGrp="1" noRot="1" noChangeAspect="1" noMove="1" noResize="1" noEditPoints="1" noAdjustHandles="1" noChangeArrowheads="1" noChangeShapeType="1" noTextEdit="1"/>
+          </p:cNvSpPr>
+          <p:nvPr>
+            <p:extLst>
+              <p:ext uri="{386F3935-93C4-4BCD-93E2-E3B085C9AB24}">
+                <p16:designElem xmlns:p16="http://schemas.microsoft.com/office/powerpoint/2015/main" val="1"/>
+              </p:ext>
+            </p:extLst>
+          </p:nvPr>
+        </p:nvSpPr>
+        <p:spPr>
+          <a:xfrm rot="10800000" flipH="1">
+            <a:off x="8128857" y="0"/>
+            <a:ext cx="4063143" cy="1576412"/>
+          </a:xfrm>
+          <a:prstGeom prst="rect">
+            <a:avLst/>
+          </a:prstGeom>
+          <a:gradFill>
+            <a:gsLst>
+              <a:gs pos="19000">
+                <a:schemeClr val="accent1">
+                  <a:lumMod val="50000"/>
+                  <a:alpha val="68000"/>
+                </a:schemeClr>
+              </a:gs>
+              <a:gs pos="100000">
+                <a:schemeClr val="accent1">
+                  <a:alpha val="79000"/>
+                </a:schemeClr>
+              </a:gs>
+            </a:gsLst>
+            <a:lin ang="19200000" scaled="0"/>
+          </a:gradFill>
+          <a:ln>
+            <a:noFill/>
+          </a:ln>
+        </p:spPr>
+        <p:style>
+          <a:lnRef idx="2">
+            <a:schemeClr val="accent1">
+              <a:shade val="50000"/>
+            </a:schemeClr>
+          </a:lnRef>
+          <a:fillRef idx="1">
+            <a:schemeClr val="accent1"/>
+          </a:fillRef>
+          <a:effectRef idx="0">
+            <a:schemeClr val="accent1"/>
+          </a:effectRef>
+          <a:fontRef idx="minor">
+            <a:schemeClr val="lt1"/>
+          </a:fontRef>
+        </p:style>
+        <p:txBody>
+          <a:bodyPr rtlCol="0" anchor="ctr"/>
+          <a:lstStyle/>
+          <a:p>
+            <a:pPr algn="ctr"/>
+            <a:endParaRPr lang="en-US"/>
+          </a:p>
+        </p:txBody>
+      </p:sp>
+      <p:sp>
+        <p:nvSpPr>
+          <p:cNvPr id="28" name="Rectangle 27">
+            <a:extLst>
+              <a:ext uri="{FF2B5EF4-FFF2-40B4-BE49-F238E27FC236}">
+                <a16:creationId xmlns:a16="http://schemas.microsoft.com/office/drawing/2014/main" id="{063BBA22-50EA-4C4D-BE05-F1CE4E63AA56}"/>
+              </a:ext>
+              <a:ext uri="{C183D7F6-B498-43B3-948B-1728B52AA6E4}">
+                <adec:decorative xmlns:adec="http://schemas.microsoft.com/office/drawing/2017/decorative" val="1"/>
+              </a:ext>
+            </a:extLst>
+          </p:cNvPr>
+          <p:cNvSpPr>
+            <a:spLocks noGrp="1" noRot="1" noChangeAspect="1" noMove="1" noResize="1" noEditPoints="1" noAdjustHandles="1" noChangeArrowheads="1" noChangeShapeType="1" noTextEdit="1"/>
+          </p:cNvSpPr>
+          <p:nvPr>
+            <p:extLst>
+              <p:ext uri="{386F3935-93C4-4BCD-93E2-E3B085C9AB24}">
+                <p16:designElem xmlns:p16="http://schemas.microsoft.com/office/powerpoint/2015/main" val="1"/>
+              </p:ext>
+            </p:extLst>
+          </p:nvPr>
+        </p:nvSpPr>
+        <p:spPr>
+          <a:xfrm rot="5400000">
+            <a:off x="5307777" y="-5307778"/>
+            <a:ext cx="1576446" cy="12192002"/>
+          </a:xfrm>
+          <a:prstGeom prst="rect">
+            <a:avLst/>
+          </a:prstGeom>
+          <a:gradFill>
+            <a:gsLst>
+              <a:gs pos="23000">
+                <a:schemeClr val="accent1">
+                  <a:alpha val="0"/>
+                </a:schemeClr>
+              </a:gs>
+              <a:gs pos="99000">
+                <a:srgbClr val="000000">
+                  <a:alpha val="74000"/>
+                </a:srgbClr>
+              </a:gs>
+            </a:gsLst>
+            <a:lin ang="20400000" scaled="0"/>
+          </a:gradFill>
+          <a:ln>
+            <a:noFill/>
+          </a:ln>
+        </p:spPr>
+        <p:style>
+          <a:lnRef idx="2">
+            <a:schemeClr val="accent1">
+              <a:shade val="50000"/>
+            </a:schemeClr>
+          </a:lnRef>
+          <a:fillRef idx="1">
+            <a:schemeClr val="accent1"/>
+          </a:fillRef>
+          <a:effectRef idx="0">
+            <a:schemeClr val="accent1"/>
+          </a:effectRef>
+          <a:fontRef idx="minor">
+            <a:schemeClr val="lt1"/>
+          </a:fontRef>
+        </p:style>
+        <p:txBody>
+          <a:bodyPr rtlCol="0" anchor="ctr"/>
+          <a:lstStyle/>
+          <a:p>
+            <a:pPr algn="ctr"/>
+            <a:endParaRPr lang="en-US" dirty="0"/>
+          </a:p>
+        </p:txBody>
+      </p:sp>
+      <p:sp>
+        <p:nvSpPr>
+          <p:cNvPr id="4" name="Content Placeholder 2">
+            <a:extLst>
+              <a:ext uri="{FF2B5EF4-FFF2-40B4-BE49-F238E27FC236}">
+                <a16:creationId xmlns:a16="http://schemas.microsoft.com/office/drawing/2014/main" id="{AFC934D0-625F-6A4C-F462-A659A43F92C0}"/>
+              </a:ext>
+            </a:extLst>
+          </p:cNvPr>
+          <p:cNvSpPr txBox="1">
+            <a:spLocks/>
+          </p:cNvSpPr>
+          <p:nvPr/>
+        </p:nvSpPr>
+        <p:spPr>
+          <a:xfrm>
+            <a:off x="931877" y="1775669"/>
+            <a:ext cx="8897224" cy="5023607"/>
+          </a:xfrm>
+          <a:prstGeom prst="rect">
+            <a:avLst/>
+          </a:prstGeom>
+        </p:spPr>
+        <p:txBody>
+          <a:bodyPr vert="horz" lIns="91440" tIns="45720" rIns="91440" bIns="45720" rtlCol="0">
+            <a:normAutofit lnSpcReduction="10000"/>
+          </a:bodyPr>
+          <a:lstStyle>
+            <a:lvl1pPr marL="228600" indent="-228600" algn="l" defTabSz="914400" rtl="0" eaLnBrk="1" latinLnBrk="0" hangingPunct="1">
+              <a:lnSpc>
+                <a:spcPct val="90000"/>
+              </a:lnSpc>
+              <a:spcBef>
+                <a:spcPts val="1000"/>
+              </a:spcBef>
+              <a:buFont typeface="Arial" panose="020B0604020202020204" pitchFamily="34" charset="0"/>
+              <a:buChar char="•"/>
+              <a:defRPr sz="2800" kern="1200">
+                <a:solidFill>
+                  <a:schemeClr val="tx1"/>
+                </a:solidFill>
+                <a:latin typeface="+mn-lt"/>
+                <a:ea typeface="+mn-ea"/>
+                <a:cs typeface="+mn-cs"/>
+              </a:defRPr>
+            </a:lvl1pPr>
+            <a:lvl2pPr marL="685800" indent="-228600" algn="l" defTabSz="914400" rtl="0" eaLnBrk="1" latinLnBrk="0" hangingPunct="1">
+              <a:lnSpc>
+                <a:spcPct val="90000"/>
+              </a:lnSpc>
+              <a:spcBef>
+                <a:spcPts val="500"/>
+              </a:spcBef>
+              <a:buFont typeface="Arial" panose="020B0604020202020204" pitchFamily="34" charset="0"/>
+              <a:buChar char="•"/>
+              <a:defRPr sz="2400" kern="1200">
+                <a:solidFill>
+                  <a:schemeClr val="tx1"/>
+                </a:solidFill>
+                <a:latin typeface="+mn-lt"/>
+                <a:ea typeface="+mn-ea"/>
+                <a:cs typeface="+mn-cs"/>
+              </a:defRPr>
+            </a:lvl2pPr>
+            <a:lvl3pPr marL="1143000" indent="-228600" algn="l" defTabSz="914400" rtl="0" eaLnBrk="1" latinLnBrk="0" hangingPunct="1">
+              <a:lnSpc>
+                <a:spcPct val="90000"/>
+              </a:lnSpc>
+              <a:spcBef>
+                <a:spcPts val="500"/>
+              </a:spcBef>
+              <a:buFont typeface="Arial" panose="020B0604020202020204" pitchFamily="34" charset="0"/>
+              <a:buChar char="•"/>
+              <a:defRPr sz="2000" kern="1200">
+                <a:solidFill>
+                  <a:schemeClr val="tx1"/>
+                </a:solidFill>
+                <a:latin typeface="+mn-lt"/>
+                <a:ea typeface="+mn-ea"/>
+                <a:cs typeface="+mn-cs"/>
+              </a:defRPr>
+            </a:lvl3pPr>
+            <a:lvl4pPr marL="1600200" indent="-228600" algn="l" defTabSz="914400" rtl="0" eaLnBrk="1" latinLnBrk="0" hangingPunct="1">
+              <a:lnSpc>
+                <a:spcPct val="90000"/>
+              </a:lnSpc>
+              <a:spcBef>
+                <a:spcPts val="500"/>
+              </a:spcBef>
+              <a:buFont typeface="Arial" panose="020B0604020202020204" pitchFamily="34" charset="0"/>
+              <a:buChar char="•"/>
+              <a:defRPr sz="1800" kern="1200">
+                <a:solidFill>
+                  <a:schemeClr val="tx1"/>
+                </a:solidFill>
+                <a:latin typeface="+mn-lt"/>
+                <a:ea typeface="+mn-ea"/>
+                <a:cs typeface="+mn-cs"/>
+              </a:defRPr>
+            </a:lvl4pPr>
+            <a:lvl5pPr marL="2057400" indent="-228600" algn="l" defTabSz="914400" rtl="0" eaLnBrk="1" latinLnBrk="0" hangingPunct="1">
+              <a:lnSpc>
+                <a:spcPct val="90000"/>
+              </a:lnSpc>
+              <a:spcBef>
+                <a:spcPts val="500"/>
+              </a:spcBef>
+              <a:buFont typeface="Arial" panose="020B0604020202020204" pitchFamily="34" charset="0"/>
+              <a:buChar char="•"/>
+              <a:defRPr sz="1800" kern="1200">
+                <a:solidFill>
+                  <a:schemeClr val="tx1"/>
+                </a:solidFill>
+                <a:latin typeface="+mn-lt"/>
+                <a:ea typeface="+mn-ea"/>
+                <a:cs typeface="+mn-cs"/>
+              </a:defRPr>
+            </a:lvl5pPr>
+            <a:lvl6pPr marL="2514600" indent="-228600" algn="l" defTabSz="914400" rtl="0" eaLnBrk="1" latinLnBrk="0" hangingPunct="1">
+              <a:lnSpc>
+                <a:spcPct val="90000"/>
+              </a:lnSpc>
+              <a:spcBef>
+                <a:spcPts val="500"/>
+              </a:spcBef>
+              <a:buFont typeface="Arial" panose="020B0604020202020204" pitchFamily="34" charset="0"/>
+              <a:buChar char="•"/>
+              <a:defRPr sz="1800" kern="1200">
+                <a:solidFill>
+                  <a:schemeClr val="tx1"/>
+                </a:solidFill>
+                <a:latin typeface="+mn-lt"/>
+                <a:ea typeface="+mn-ea"/>
+                <a:cs typeface="+mn-cs"/>
+              </a:defRPr>
+            </a:lvl6pPr>
+            <a:lvl7pPr marL="2971800" indent="-228600" algn="l" defTabSz="914400" rtl="0" eaLnBrk="1" latinLnBrk="0" hangingPunct="1">
+              <a:lnSpc>
+                <a:spcPct val="90000"/>
+              </a:lnSpc>
+              <a:spcBef>
+                <a:spcPts val="500"/>
+              </a:spcBef>
+              <a:buFont typeface="Arial" panose="020B0604020202020204" pitchFamily="34" charset="0"/>
+              <a:buChar char="•"/>
+              <a:defRPr sz="1800" kern="1200">
+                <a:solidFill>
+                  <a:schemeClr val="tx1"/>
+                </a:solidFill>
+                <a:latin typeface="+mn-lt"/>
+                <a:ea typeface="+mn-ea"/>
+                <a:cs typeface="+mn-cs"/>
+              </a:defRPr>
+            </a:lvl7pPr>
+            <a:lvl8pPr marL="3429000" indent="-228600" algn="l" defTabSz="914400" rtl="0" eaLnBrk="1" latinLnBrk="0" hangingPunct="1">
+              <a:lnSpc>
+                <a:spcPct val="90000"/>
+              </a:lnSpc>
+              <a:spcBef>
+                <a:spcPts val="500"/>
+              </a:spcBef>
+              <a:buFont typeface="Arial" panose="020B0604020202020204" pitchFamily="34" charset="0"/>
+              <a:buChar char="•"/>
+              <a:defRPr sz="1800" kern="1200">
+                <a:solidFill>
+                  <a:schemeClr val="tx1"/>
+                </a:solidFill>
+                <a:latin typeface="+mn-lt"/>
+                <a:ea typeface="+mn-ea"/>
+                <a:cs typeface="+mn-cs"/>
+              </a:defRPr>
+            </a:lvl8pPr>
+            <a:lvl9pPr marL="3886200" indent="-228600" algn="l" defTabSz="914400" rtl="0" eaLnBrk="1" latinLnBrk="0" hangingPunct="1">
+              <a:lnSpc>
+                <a:spcPct val="90000"/>
+              </a:lnSpc>
+              <a:spcBef>
+                <a:spcPts val="500"/>
+              </a:spcBef>
+              <a:buFont typeface="Arial" panose="020B0604020202020204" pitchFamily="34" charset="0"/>
+              <a:buChar char="•"/>
+              <a:defRPr sz="1800" kern="1200">
+                <a:solidFill>
+                  <a:schemeClr val="tx1"/>
+                </a:solidFill>
+                <a:latin typeface="+mn-lt"/>
+                <a:ea typeface="+mn-ea"/>
+                <a:cs typeface="+mn-cs"/>
+              </a:defRPr>
+            </a:lvl9pPr>
+          </a:lstStyle>
+          <a:p>
+            <a:pPr marL="0" indent="0">
+              <a:buNone/>
+            </a:pPr>
+            <a:r>
+              <a:rPr lang="en-US" dirty="0"/>
+              <a:t>Finished: yes</a:t>
+            </a:r>
+          </a:p>
+          <a:p>
+            <a:pPr marL="0" indent="0">
+              <a:buNone/>
+            </a:pPr>
+            <a:r>
+              <a:rPr lang="en-US" dirty="0"/>
+              <a:t>Hints: Yes, explained what each button do, and how to build a complete exam</a:t>
+            </a:r>
+          </a:p>
+          <a:p>
+            <a:pPr marL="0" indent="0">
+              <a:buNone/>
+            </a:pPr>
+            <a:r>
+              <a:rPr lang="en-US" dirty="0"/>
+              <a:t>Time: 8:45 minutes</a:t>
+            </a:r>
+          </a:p>
+          <a:p>
+            <a:pPr marL="0" indent="0">
+              <a:buNone/>
+            </a:pPr>
+            <a:r>
+              <a:rPr lang="en-US" dirty="0"/>
+              <a:t>Rating: 2</a:t>
+            </a:r>
+          </a:p>
+          <a:p>
+            <a:pPr marL="0" indent="0">
+              <a:buNone/>
+            </a:pPr>
+            <a:r>
+              <a:rPr lang="en-US" dirty="0"/>
+              <a:t>Notes:</a:t>
+            </a:r>
+          </a:p>
+          <a:p>
+            <a:pPr marL="0" indent="0">
+              <a:buNone/>
+            </a:pPr>
+            <a:r>
+              <a:rPr lang="en-US" dirty="0"/>
+              <a:t>- Question keys and distractors should be choose randomly </a:t>
+            </a:r>
+          </a:p>
+          <a:p>
+            <a:pPr>
+              <a:buFontTx/>
+              <a:buChar char="-"/>
+            </a:pPr>
+            <a:r>
+              <a:rPr lang="en-US" dirty="0"/>
+              <a:t>Change FE functionality of the buttons</a:t>
+            </a:r>
+          </a:p>
+          <a:p>
+            <a:pPr>
+              <a:buFontTx/>
+              <a:buChar char="-"/>
+            </a:pPr>
+            <a:r>
+              <a:rPr lang="en-US" dirty="0"/>
+              <a:t>Add more functionality to edit and creating an exam</a:t>
+            </a:r>
+            <a:endParaRPr lang="he-IL" dirty="0"/>
+          </a:p>
+          <a:p>
+            <a:pPr>
+              <a:buFontTx/>
+              <a:buChar char="-"/>
+            </a:pPr>
+            <a:r>
+              <a:rPr lang="en-US" dirty="0"/>
+              <a:t>Saving always regenerate the exam, instead of saving in the cache</a:t>
+            </a:r>
+          </a:p>
+        </p:txBody>
+      </p:sp>
+      <p:sp>
+        <p:nvSpPr>
+          <p:cNvPr id="7" name="Title 1">
+            <a:extLst>
+              <a:ext uri="{FF2B5EF4-FFF2-40B4-BE49-F238E27FC236}">
+                <a16:creationId xmlns:a16="http://schemas.microsoft.com/office/drawing/2014/main" id="{C5A66165-6FC2-DCB7-D069-732603CB4AB8}"/>
+              </a:ext>
+            </a:extLst>
+          </p:cNvPr>
+          <p:cNvSpPr txBox="1">
+            <a:spLocks/>
+          </p:cNvSpPr>
+          <p:nvPr/>
+        </p:nvSpPr>
+        <p:spPr>
+          <a:xfrm>
+            <a:off x="838200" y="269517"/>
+            <a:ext cx="10053763" cy="732967"/>
+          </a:xfrm>
+          <a:prstGeom prst="rect">
+            <a:avLst/>
+          </a:prstGeom>
+        </p:spPr>
+        <p:txBody>
+          <a:bodyPr vert="horz" lIns="91440" tIns="45720" rIns="91440" bIns="45720" rtlCol="0" anchor="b">
+            <a:normAutofit lnSpcReduction="10000"/>
+          </a:bodyPr>
+          <a:lstStyle>
+            <a:lvl1pPr algn="l" defTabSz="914400" rtl="0" eaLnBrk="1" latinLnBrk="0" hangingPunct="1">
+              <a:lnSpc>
+                <a:spcPct val="90000"/>
+              </a:lnSpc>
+              <a:spcBef>
+                <a:spcPct val="0"/>
+              </a:spcBef>
+              <a:buNone/>
+              <a:defRPr sz="4400" kern="1200">
+                <a:solidFill>
+                  <a:schemeClr val="tx1"/>
+                </a:solidFill>
+                <a:latin typeface="+mj-lt"/>
+                <a:ea typeface="+mj-ea"/>
+                <a:cs typeface="+mj-cs"/>
+              </a:defRPr>
+            </a:lvl1pPr>
+          </a:lstStyle>
+          <a:p>
+            <a:r>
+              <a:rPr lang="en-US" sz="4800" dirty="0">
+                <a:solidFill>
+                  <a:srgbClr val="FFFFFF"/>
+                </a:solidFill>
+              </a:rPr>
+              <a:t>Task: Build an exam and publish it</a:t>
+            </a:r>
+          </a:p>
+        </p:txBody>
+      </p:sp>
+    </p:spTree>
+    <p:extLst>
+      <p:ext uri="{BB962C8B-B14F-4D97-AF65-F5344CB8AC3E}">
+        <p14:creationId xmlns:p14="http://schemas.microsoft.com/office/powerpoint/2010/main" val="3669300922"/>
+      </p:ext>
+    </p:extLst>
+  </p:cSld>
+  <p:clrMapOvr>
+    <a:masterClrMapping/>
+  </p:clrMapOvr>
+  <p:timing>
+    <p:tnLst>
+      <p:par>
+        <p:cTn id="1" dur="indefinite" restart="never" nodeType="tmRoot">
+          <p:childTnLst>
+            <p:seq concurrent="1" nextAc="seek">
+              <p:cTn id="2" dur="indefinite" nodeType="mainSeq">
+                <p:childTnLst>
+                  <p:par>
+                    <p:cTn id="3" fill="hold">
+                      <p:stCondLst>
+                        <p:cond delay="indefinite"/>
+                        <p:cond evt="onBegin" delay="0">
+                          <p:tn val="2"/>
+                        </p:cond>
+                      </p:stCondLst>
+                      <p:childTnLst>
+                        <p:par>
+                          <p:cTn id="4" fill="hold">
+                            <p:stCondLst>
+                              <p:cond delay="0"/>
+                            </p:stCondLst>
+                            <p:childTnLst>
+                              <p:par>
+                                <p:cTn id="5" presetID="10" presetClass="entr" presetSubtype="0" fill="hold" grpId="0" nodeType="withEffect">
+                                  <p:stCondLst>
+                                    <p:cond delay="500"/>
+                                  </p:stCondLst>
+                                  <p:iterate type="lt">
+                                    <p:tmPct val="10000"/>
+                                  </p:iterate>
+                                  <p:childTnLst>
+                                    <p:set>
+                                      <p:cBhvr>
+                                        <p:cTn id="6" dur="1" fill="hold">
+                                          <p:stCondLst>
+                                            <p:cond delay="0"/>
+                                          </p:stCondLst>
+                                        </p:cTn>
+                                        <p:tgtEl>
+                                          <p:spTgt spid="7"/>
+                                        </p:tgtEl>
+                                        <p:attrNameLst>
+                                          <p:attrName>style.visibility</p:attrName>
+                                        </p:attrNameLst>
+                                      </p:cBhvr>
+                                      <p:to>
+                                        <p:strVal val="visible"/>
+                                      </p:to>
+                                    </p:set>
+                                    <p:animEffect transition="in" filter="fade">
+                                      <p:cBhvr>
+                                        <p:cTn id="7" dur="400"/>
+                                        <p:tgtEl>
+                                          <p:spTgt spid="7"/>
+                                        </p:tgtEl>
+                                      </p:cBhvr>
+                                    </p:animEffect>
+                                  </p:childTnLst>
+                                </p:cTn>
+                              </p:par>
+                            </p:childTnLst>
+                          </p:cTn>
+                        </p:par>
+                      </p:childTnLst>
+                    </p:cTn>
+                  </p:par>
+                </p:childTnLst>
+              </p:cTn>
+              <p:prevCondLst>
+                <p:cond evt="onPrev" delay="0">
+                  <p:tgtEl>
+                    <p:sldTgt/>
+                  </p:tgtEl>
+                </p:cond>
+              </p:prevCondLst>
+              <p:nextCondLst>
+                <p:cond evt="onNext" delay="0">
+                  <p:tgtEl>
+                    <p:sldTgt/>
+                  </p:tgtEl>
+                </p:cond>
+              </p:nextCondLst>
+            </p:seq>
+          </p:childTnLst>
+        </p:cTn>
+      </p:par>
+    </p:tnLst>
+    <p:bldLst>
+      <p:bldP spid="7" grpId="0"/>
+    </p:bldLst>
+  </p:timing>
+</p:sld>
+</file>
+
 <file path=ppt/slides/slide2.xml><?xml version="1.0" encoding="utf-8"?>
 <p:sld xmlns:a="http://schemas.openxmlformats.org/drawingml/2006/main" xmlns:r="http://schemas.openxmlformats.org/officeDocument/2006/relationships" xmlns:p="http://schemas.openxmlformats.org/presentationml/2006/main">
   <p:cSld>
@@ -9677,7 +10821,7 @@
         </p:blipFill>
         <p:spPr>
           <a:xfrm>
-            <a:off x="4851749" y="1196307"/>
+            <a:off x="4902083" y="1213085"/>
             <a:ext cx="6834223" cy="3271884"/>
           </a:xfrm>
           <a:prstGeom prst="rect">
@@ -11408,7 +12552,7 @@
           <a:p>
             <a:pPr algn="l"/>
             <a:r>
-              <a:rPr lang="en-US" sz="4800">
+              <a:rPr lang="en-US" sz="4800" dirty="0">
                 <a:solidFill>
                   <a:srgbClr val="FFFFFF"/>
                 </a:solidFill>
@@ -11526,12 +12670,20 @@
 <file path=ppt/slides/slide7.xml><?xml version="1.0" encoding="utf-8"?>
 <p:sld xmlns:a="http://schemas.openxmlformats.org/drawingml/2006/main" xmlns:r="http://schemas.openxmlformats.org/officeDocument/2006/relationships" xmlns:p="http://schemas.openxmlformats.org/presentationml/2006/main">
   <p:cSld>
+    <p:bg>
+      <p:bgPr>
+        <a:solidFill>
+          <a:schemeClr val="bg1"/>
+        </a:solidFill>
+        <a:effectLst/>
+      </p:bgPr>
+    </p:bg>
     <p:spTree>
       <p:nvGrpSpPr>
         <p:cNvPr id="1" name="">
           <a:extLst>
             <a:ext uri="{FF2B5EF4-FFF2-40B4-BE49-F238E27FC236}">
-              <a16:creationId xmlns:a16="http://schemas.microsoft.com/office/drawing/2014/main" id="{CA010762-D3CE-DC9E-D0DE-A765F8AAE95F}"/>
+              <a16:creationId xmlns:a16="http://schemas.microsoft.com/office/drawing/2014/main" id="{756E7152-B363-1C1C-F993-7E61BFD64AB8}"/>
             </a:ext>
           </a:extLst>
         </p:cNvPr>
@@ -11546,12 +12698,532 @@
           <a:chExt cx="0" cy="0"/>
         </a:xfrm>
       </p:grpSpPr>
+      <p:sp useBgFill="1">
+        <p:nvSpPr>
+          <p:cNvPr id="21" name="Rectangle 20">
+            <a:extLst>
+              <a:ext uri="{FF2B5EF4-FFF2-40B4-BE49-F238E27FC236}">
+                <a16:creationId xmlns:a16="http://schemas.microsoft.com/office/drawing/2014/main" id="{6F5A5072-7B47-4D32-B52A-4EBBF590B8A5}"/>
+              </a:ext>
+              <a:ext uri="{C183D7F6-B498-43B3-948B-1728B52AA6E4}">
+                <adec:decorative xmlns:adec="http://schemas.microsoft.com/office/drawing/2017/decorative" val="1"/>
+              </a:ext>
+            </a:extLst>
+          </p:cNvPr>
+          <p:cNvSpPr>
+            <a:spLocks noGrp="1" noRot="1" noChangeAspect="1" noMove="1" noResize="1" noEditPoints="1" noAdjustHandles="1" noChangeArrowheads="1" noChangeShapeType="1" noTextEdit="1"/>
+          </p:cNvSpPr>
+          <p:nvPr>
+            <p:extLst>
+              <p:ext uri="{386F3935-93C4-4BCD-93E2-E3B085C9AB24}">
+                <p16:designElem xmlns:p16="http://schemas.microsoft.com/office/powerpoint/2015/main" val="1"/>
+              </p:ext>
+            </p:extLst>
+          </p:nvPr>
+        </p:nvSpPr>
+        <p:spPr>
+          <a:xfrm>
+            <a:off x="0" y="0"/>
+            <a:ext cx="12192000" cy="6858000"/>
+          </a:xfrm>
+          <a:prstGeom prst="rect">
+            <a:avLst/>
+          </a:prstGeom>
+          <a:ln w="12700" cap="flat" cmpd="sng" algn="ctr">
+            <a:noFill/>
+            <a:prstDash val="solid"/>
+            <a:miter lim="800000"/>
+          </a:ln>
+          <a:effectLst/>
+          <a:extLst>
+            <a:ext uri="{91240B29-F687-4F45-9708-019B960494DF}">
+              <a14:hiddenLine xmlns:a14="http://schemas.microsoft.com/office/drawing/2010/main" w="12700" cap="flat" cmpd="sng" algn="ctr">
+                <a:solidFill>
+                  <a:schemeClr val="accent1">
+                    <a:shade val="50000"/>
+                  </a:schemeClr>
+                </a:solidFill>
+                <a:prstDash val="solid"/>
+                <a:miter lim="800000"/>
+              </a14:hiddenLine>
+            </a:ext>
+          </a:extLst>
+        </p:spPr>
+        <p:style>
+          <a:lnRef idx="2">
+            <a:schemeClr val="accent1">
+              <a:shade val="50000"/>
+            </a:schemeClr>
+          </a:lnRef>
+          <a:fillRef idx="1">
+            <a:schemeClr val="accent1"/>
+          </a:fillRef>
+          <a:effectRef idx="0">
+            <a:schemeClr val="accent1"/>
+          </a:effectRef>
+          <a:fontRef idx="minor">
+            <a:schemeClr val="lt1"/>
+          </a:fontRef>
+        </p:style>
+        <p:txBody>
+          <a:bodyPr rtlCol="0" anchor="ctr"/>
+          <a:lstStyle/>
+          <a:p>
+            <a:pPr algn="ctr"/>
+            <a:endParaRPr lang="en-US"/>
+          </a:p>
+        </p:txBody>
+      </p:sp>
+      <p:sp>
+        <p:nvSpPr>
+          <p:cNvPr id="23" name="Rectangle 22">
+            <a:extLst>
+              <a:ext uri="{FF2B5EF4-FFF2-40B4-BE49-F238E27FC236}">
+                <a16:creationId xmlns:a16="http://schemas.microsoft.com/office/drawing/2014/main" id="{9715DAF0-AE1B-46C9-8A6B-DB2AA05AB91D}"/>
+              </a:ext>
+              <a:ext uri="{C183D7F6-B498-43B3-948B-1728B52AA6E4}">
+                <adec:decorative xmlns:adec="http://schemas.microsoft.com/office/drawing/2017/decorative" val="1"/>
+              </a:ext>
+            </a:extLst>
+          </p:cNvPr>
+          <p:cNvSpPr>
+            <a:spLocks noGrp="1" noRot="1" noChangeAspect="1" noMove="1" noResize="1" noEditPoints="1" noAdjustHandles="1" noChangeArrowheads="1" noChangeShapeType="1" noTextEdit="1"/>
+          </p:cNvSpPr>
+          <p:nvPr>
+            <p:extLst>
+              <p:ext uri="{386F3935-93C4-4BCD-93E2-E3B085C9AB24}">
+                <p16:designElem xmlns:p16="http://schemas.microsoft.com/office/powerpoint/2015/main" val="1"/>
+              </p:ext>
+            </p:extLst>
+          </p:nvPr>
+        </p:nvSpPr>
+        <p:spPr>
+          <a:xfrm rot="10800000">
+            <a:off x="-2" y="-22693"/>
+            <a:ext cx="12191999" cy="4374129"/>
+          </a:xfrm>
+          <a:prstGeom prst="rect">
+            <a:avLst/>
+          </a:prstGeom>
+          <a:gradFill>
+            <a:gsLst>
+              <a:gs pos="0">
+                <a:schemeClr val="accent1">
+                  <a:lumMod val="75000"/>
+                </a:schemeClr>
+              </a:gs>
+              <a:gs pos="100000">
+                <a:srgbClr val="000000"/>
+              </a:gs>
+            </a:gsLst>
+            <a:lin ang="15000000" scaled="0"/>
+          </a:gradFill>
+          <a:ln>
+            <a:noFill/>
+          </a:ln>
+        </p:spPr>
+        <p:style>
+          <a:lnRef idx="2">
+            <a:schemeClr val="accent1">
+              <a:shade val="50000"/>
+            </a:schemeClr>
+          </a:lnRef>
+          <a:fillRef idx="1">
+            <a:schemeClr val="accent1"/>
+          </a:fillRef>
+          <a:effectRef idx="0">
+            <a:schemeClr val="accent1"/>
+          </a:effectRef>
+          <a:fontRef idx="minor">
+            <a:schemeClr val="lt1"/>
+          </a:fontRef>
+        </p:style>
+        <p:txBody>
+          <a:bodyPr rtlCol="0" anchor="ctr"/>
+          <a:lstStyle/>
+          <a:p>
+            <a:pPr algn="ctr"/>
+            <a:endParaRPr lang="en-US"/>
+          </a:p>
+        </p:txBody>
+      </p:sp>
+      <p:sp>
+        <p:nvSpPr>
+          <p:cNvPr id="25" name="Rectangle 24">
+            <a:extLst>
+              <a:ext uri="{FF2B5EF4-FFF2-40B4-BE49-F238E27FC236}">
+                <a16:creationId xmlns:a16="http://schemas.microsoft.com/office/drawing/2014/main" id="{6016219D-510E-4184-9090-6D5578A87BD1}"/>
+              </a:ext>
+              <a:ext uri="{C183D7F6-B498-43B3-948B-1728B52AA6E4}">
+                <adec:decorative xmlns:adec="http://schemas.microsoft.com/office/drawing/2017/decorative" val="1"/>
+              </a:ext>
+            </a:extLst>
+          </p:cNvPr>
+          <p:cNvSpPr>
+            <a:spLocks noGrp="1" noRot="1" noChangeAspect="1" noMove="1" noResize="1" noEditPoints="1" noAdjustHandles="1" noChangeArrowheads="1" noChangeShapeType="1" noTextEdit="1"/>
+          </p:cNvSpPr>
+          <p:nvPr>
+            <p:extLst>
+              <p:ext uri="{386F3935-93C4-4BCD-93E2-E3B085C9AB24}">
+                <p16:designElem xmlns:p16="http://schemas.microsoft.com/office/powerpoint/2015/main" val="1"/>
+              </p:ext>
+            </p:extLst>
+          </p:nvPr>
+        </p:nvSpPr>
+        <p:spPr>
+          <a:xfrm rot="5400000">
+            <a:off x="3908719" y="-3931841"/>
+            <a:ext cx="4374557" cy="12192000"/>
+          </a:xfrm>
+          <a:prstGeom prst="rect">
+            <a:avLst/>
+          </a:prstGeom>
+          <a:gradFill>
+            <a:gsLst>
+              <a:gs pos="40000">
+                <a:schemeClr val="accent1">
+                  <a:alpha val="0"/>
+                </a:schemeClr>
+              </a:gs>
+              <a:gs pos="100000">
+                <a:schemeClr val="accent1">
+                  <a:lumMod val="75000"/>
+                  <a:alpha val="52000"/>
+                </a:schemeClr>
+              </a:gs>
+            </a:gsLst>
+            <a:lin ang="2400000" scaled="0"/>
+          </a:gradFill>
+          <a:ln>
+            <a:noFill/>
+          </a:ln>
+        </p:spPr>
+        <p:style>
+          <a:lnRef idx="2">
+            <a:schemeClr val="accent1">
+              <a:shade val="50000"/>
+            </a:schemeClr>
+          </a:lnRef>
+          <a:fillRef idx="1">
+            <a:schemeClr val="accent1"/>
+          </a:fillRef>
+          <a:effectRef idx="0">
+            <a:schemeClr val="accent1"/>
+          </a:effectRef>
+          <a:fontRef idx="minor">
+            <a:schemeClr val="lt1"/>
+          </a:fontRef>
+        </p:style>
+        <p:txBody>
+          <a:bodyPr rtlCol="0" anchor="ctr"/>
+          <a:lstStyle/>
+          <a:p>
+            <a:pPr algn="ctr"/>
+            <a:endParaRPr lang="en-US"/>
+          </a:p>
+        </p:txBody>
+      </p:sp>
+      <p:sp>
+        <p:nvSpPr>
+          <p:cNvPr id="27" name="Rectangle 26">
+            <a:extLst>
+              <a:ext uri="{FF2B5EF4-FFF2-40B4-BE49-F238E27FC236}">
+                <a16:creationId xmlns:a16="http://schemas.microsoft.com/office/drawing/2014/main" id="{AFF4A713-7B75-4B21-90D7-5AB19547C728}"/>
+              </a:ext>
+              <a:ext uri="{C183D7F6-B498-43B3-948B-1728B52AA6E4}">
+                <adec:decorative xmlns:adec="http://schemas.microsoft.com/office/drawing/2017/decorative" val="1"/>
+              </a:ext>
+            </a:extLst>
+          </p:cNvPr>
+          <p:cNvSpPr>
+            <a:spLocks noGrp="1" noRot="1" noChangeAspect="1" noMove="1" noResize="1" noEditPoints="1" noAdjustHandles="1" noChangeArrowheads="1" noChangeShapeType="1" noTextEdit="1"/>
+          </p:cNvSpPr>
+          <p:nvPr>
+            <p:extLst>
+              <p:ext uri="{386F3935-93C4-4BCD-93E2-E3B085C9AB24}">
+                <p16:designElem xmlns:p16="http://schemas.microsoft.com/office/powerpoint/2015/main" val="1"/>
+              </p:ext>
+            </p:extLst>
+          </p:nvPr>
+        </p:nvSpPr>
+        <p:spPr>
+          <a:xfrm rot="5400000">
+            <a:off x="4136696" y="-3703868"/>
+            <a:ext cx="4374128" cy="11736479"/>
+          </a:xfrm>
+          <a:prstGeom prst="rect">
+            <a:avLst/>
+          </a:prstGeom>
+          <a:gradFill>
+            <a:gsLst>
+              <a:gs pos="17000">
+                <a:schemeClr val="accent1">
+                  <a:alpha val="0"/>
+                </a:schemeClr>
+              </a:gs>
+              <a:gs pos="100000">
+                <a:srgbClr val="000000">
+                  <a:alpha val="37000"/>
+                </a:srgbClr>
+              </a:gs>
+            </a:gsLst>
+            <a:lin ang="7800000" scaled="0"/>
+          </a:gradFill>
+          <a:ln>
+            <a:noFill/>
+          </a:ln>
+        </p:spPr>
+        <p:style>
+          <a:lnRef idx="2">
+            <a:schemeClr val="accent1">
+              <a:shade val="50000"/>
+            </a:schemeClr>
+          </a:lnRef>
+          <a:fillRef idx="1">
+            <a:schemeClr val="accent1"/>
+          </a:fillRef>
+          <a:effectRef idx="0">
+            <a:schemeClr val="accent1"/>
+          </a:effectRef>
+          <a:fontRef idx="minor">
+            <a:schemeClr val="lt1"/>
+          </a:fontRef>
+        </p:style>
+        <p:txBody>
+          <a:bodyPr rtlCol="0" anchor="ctr"/>
+          <a:lstStyle/>
+          <a:p>
+            <a:pPr algn="ctr"/>
+            <a:endParaRPr lang="en-US"/>
+          </a:p>
+        </p:txBody>
+      </p:sp>
+      <p:sp>
+        <p:nvSpPr>
+          <p:cNvPr id="29" name="Rectangle 28">
+            <a:extLst>
+              <a:ext uri="{FF2B5EF4-FFF2-40B4-BE49-F238E27FC236}">
+                <a16:creationId xmlns:a16="http://schemas.microsoft.com/office/drawing/2014/main" id="{DC631C0B-6DA6-4E57-8231-CE32B3434A7E}"/>
+              </a:ext>
+              <a:ext uri="{C183D7F6-B498-43B3-948B-1728B52AA6E4}">
+                <adec:decorative xmlns:adec="http://schemas.microsoft.com/office/drawing/2017/decorative" val="1"/>
+              </a:ext>
+            </a:extLst>
+          </p:cNvPr>
+          <p:cNvSpPr>
+            <a:spLocks noGrp="1" noRot="1" noChangeAspect="1" noMove="1" noResize="1" noEditPoints="1" noAdjustHandles="1" noChangeArrowheads="1" noChangeShapeType="1" noTextEdit="1"/>
+          </p:cNvSpPr>
+          <p:nvPr>
+            <p:extLst>
+              <p:ext uri="{386F3935-93C4-4BCD-93E2-E3B085C9AB24}">
+                <p16:designElem xmlns:p16="http://schemas.microsoft.com/office/powerpoint/2015/main" val="1"/>
+              </p:ext>
+            </p:extLst>
+          </p:nvPr>
+        </p:nvSpPr>
+        <p:spPr>
+          <a:xfrm>
+            <a:off x="-5" y="-22690"/>
+            <a:ext cx="8542485" cy="4374126"/>
+          </a:xfrm>
+          <a:prstGeom prst="rect">
+            <a:avLst/>
+          </a:prstGeom>
+          <a:gradFill>
+            <a:gsLst>
+              <a:gs pos="0">
+                <a:schemeClr val="accent1">
+                  <a:lumMod val="50000"/>
+                  <a:alpha val="0"/>
+                </a:schemeClr>
+              </a:gs>
+              <a:gs pos="100000">
+                <a:srgbClr val="000000">
+                  <a:alpha val="25000"/>
+                </a:srgbClr>
+              </a:gs>
+            </a:gsLst>
+            <a:lin ang="18600000" scaled="0"/>
+          </a:gradFill>
+          <a:ln>
+            <a:noFill/>
+          </a:ln>
+        </p:spPr>
+        <p:style>
+          <a:lnRef idx="2">
+            <a:schemeClr val="accent1">
+              <a:shade val="50000"/>
+            </a:schemeClr>
+          </a:lnRef>
+          <a:fillRef idx="1">
+            <a:schemeClr val="accent1"/>
+          </a:fillRef>
+          <a:effectRef idx="0">
+            <a:schemeClr val="accent1"/>
+          </a:effectRef>
+          <a:fontRef idx="minor">
+            <a:schemeClr val="lt1"/>
+          </a:fontRef>
+        </p:style>
+        <p:txBody>
+          <a:bodyPr rtlCol="0" anchor="ctr"/>
+          <a:lstStyle/>
+          <a:p>
+            <a:pPr algn="ctr"/>
+            <a:endParaRPr lang="en-US"/>
+          </a:p>
+        </p:txBody>
+      </p:sp>
+      <p:sp>
+        <p:nvSpPr>
+          <p:cNvPr id="31" name="Freeform: Shape 30">
+            <a:extLst>
+              <a:ext uri="{FF2B5EF4-FFF2-40B4-BE49-F238E27FC236}">
+                <a16:creationId xmlns:a16="http://schemas.microsoft.com/office/drawing/2014/main" id="{C29501E6-A978-4A61-9689-9085AF97A53A}"/>
+              </a:ext>
+              <a:ext uri="{C183D7F6-B498-43B3-948B-1728B52AA6E4}">
+                <adec:decorative xmlns:adec="http://schemas.microsoft.com/office/drawing/2017/decorative" val="1"/>
+              </a:ext>
+            </a:extLst>
+          </p:cNvPr>
+          <p:cNvSpPr>
+            <a:spLocks noGrp="1" noRot="1" noChangeAspect="1" noMove="1" noResize="1" noEditPoints="1" noAdjustHandles="1" noChangeArrowheads="1" noChangeShapeType="1" noTextEdit="1"/>
+          </p:cNvSpPr>
+          <p:nvPr>
+            <p:extLst>
+              <p:ext uri="{386F3935-93C4-4BCD-93E2-E3B085C9AB24}">
+                <p16:designElem xmlns:p16="http://schemas.microsoft.com/office/powerpoint/2015/main" val="1"/>
+              </p:ext>
+            </p:extLst>
+          </p:nvPr>
+        </p:nvSpPr>
+        <p:spPr>
+          <a:xfrm rot="12508972">
+            <a:off x="5945431" y="-1032053"/>
+            <a:ext cx="4990147" cy="4439131"/>
+          </a:xfrm>
+          <a:custGeom>
+            <a:avLst/>
+            <a:gdLst>
+              <a:gd name="connsiteX0" fmla="*/ 4990147 w 4990147"/>
+              <a:gd name="connsiteY0" fmla="*/ 2229378 h 4439131"/>
+              <a:gd name="connsiteX1" fmla="*/ 917384 w 4990147"/>
+              <a:gd name="connsiteY1" fmla="*/ 4439131 h 4439131"/>
+              <a:gd name="connsiteX2" fmla="*/ 910814 w 4990147"/>
+              <a:gd name="connsiteY2" fmla="*/ 4434219 h 4439131"/>
+              <a:gd name="connsiteX3" fmla="*/ 0 w 4990147"/>
+              <a:gd name="connsiteY3" fmla="*/ 2502877 h 4439131"/>
+              <a:gd name="connsiteX4" fmla="*/ 2502877 w 4990147"/>
+              <a:gd name="connsiteY4" fmla="*/ 0 h 4439131"/>
+              <a:gd name="connsiteX5" fmla="*/ 4954904 w 4990147"/>
+              <a:gd name="connsiteY5" fmla="*/ 1998460 h 4439131"/>
+            </a:gdLst>
+            <a:ahLst/>
+            <a:cxnLst>
+              <a:cxn ang="0">
+                <a:pos x="connsiteX0" y="connsiteY0"/>
+              </a:cxn>
+              <a:cxn ang="0">
+                <a:pos x="connsiteX1" y="connsiteY1"/>
+              </a:cxn>
+              <a:cxn ang="0">
+                <a:pos x="connsiteX2" y="connsiteY2"/>
+              </a:cxn>
+              <a:cxn ang="0">
+                <a:pos x="connsiteX3" y="connsiteY3"/>
+              </a:cxn>
+              <a:cxn ang="0">
+                <a:pos x="connsiteX4" y="connsiteY4"/>
+              </a:cxn>
+              <a:cxn ang="0">
+                <a:pos x="connsiteX5" y="connsiteY5"/>
+              </a:cxn>
+            </a:cxnLst>
+            <a:rect l="l" t="t" r="r" b="b"/>
+            <a:pathLst>
+              <a:path w="4990147" h="4439131">
+                <a:moveTo>
+                  <a:pt x="4990147" y="2229378"/>
+                </a:moveTo>
+                <a:lnTo>
+                  <a:pt x="917384" y="4439131"/>
+                </a:lnTo>
+                <a:lnTo>
+                  <a:pt x="910814" y="4434219"/>
+                </a:lnTo>
+                <a:cubicBezTo>
+                  <a:pt x="354557" y="3975154"/>
+                  <a:pt x="0" y="3280421"/>
+                  <a:pt x="0" y="2502877"/>
+                </a:cubicBezTo>
+                <a:cubicBezTo>
+                  <a:pt x="0" y="1120576"/>
+                  <a:pt x="1120576" y="0"/>
+                  <a:pt x="2502877" y="0"/>
+                </a:cubicBezTo>
+                <a:cubicBezTo>
+                  <a:pt x="3712390" y="0"/>
+                  <a:pt x="4721520" y="857941"/>
+                  <a:pt x="4954904" y="1998460"/>
+                </a:cubicBezTo>
+                <a:close/>
+              </a:path>
+            </a:pathLst>
+          </a:custGeom>
+          <a:gradFill>
+            <a:gsLst>
+              <a:gs pos="0">
+                <a:schemeClr val="accent1">
+                  <a:alpha val="22000"/>
+                </a:schemeClr>
+              </a:gs>
+              <a:gs pos="87000">
+                <a:schemeClr val="accent1">
+                  <a:lumMod val="60000"/>
+                  <a:lumOff val="40000"/>
+                  <a:alpha val="2000"/>
+                </a:schemeClr>
+              </a:gs>
+            </a:gsLst>
+            <a:lin ang="8400000" scaled="0"/>
+          </a:gradFill>
+          <a:ln>
+            <a:noFill/>
+          </a:ln>
+        </p:spPr>
+        <p:style>
+          <a:lnRef idx="2">
+            <a:schemeClr val="accent1">
+              <a:shade val="50000"/>
+            </a:schemeClr>
+          </a:lnRef>
+          <a:fillRef idx="1">
+            <a:schemeClr val="accent1"/>
+          </a:fillRef>
+          <a:effectRef idx="0">
+            <a:schemeClr val="accent1"/>
+          </a:effectRef>
+          <a:fontRef idx="minor">
+            <a:schemeClr val="lt1"/>
+          </a:fontRef>
+        </p:style>
+        <p:txBody>
+          <a:bodyPr wrap="square" rtlCol="0" anchor="ctr">
+            <a:noAutofit/>
+          </a:bodyPr>
+          <a:lstStyle/>
+          <a:p>
+            <a:pPr algn="ctr"/>
+            <a:endParaRPr lang="en-US" dirty="0"/>
+          </a:p>
+        </p:txBody>
+      </p:sp>
       <p:sp>
         <p:nvSpPr>
           <p:cNvPr id="2" name="Title 1">
             <a:extLst>
               <a:ext uri="{FF2B5EF4-FFF2-40B4-BE49-F238E27FC236}">
-                <a16:creationId xmlns:a16="http://schemas.microsoft.com/office/drawing/2014/main" id="{8430E65A-DEA9-81A4-0523-CE3D251ABFFE}"/>
+                <a16:creationId xmlns:a16="http://schemas.microsoft.com/office/drawing/2014/main" id="{287A03DE-1123-91CE-26BE-143108D13665}"/>
               </a:ext>
             </a:extLst>
           </p:cNvPr>
@@ -11564,62 +13236,760 @@
         </p:nvSpPr>
         <p:spPr>
           <a:xfrm>
-            <a:off x="2555631" y="1441938"/>
-            <a:ext cx="7080738" cy="3974124"/>
+            <a:off x="1314824" y="735106"/>
+            <a:ext cx="10053763" cy="2928470"/>
           </a:xfrm>
         </p:spPr>
         <p:txBody>
-          <a:bodyPr vert="horz" lIns="91440" tIns="45720" rIns="91440" bIns="45720" rtlCol="0" anchor="ctr">
+          <a:bodyPr vert="horz" lIns="91440" tIns="45720" rIns="91440" bIns="45720" rtlCol="0" anchor="b">
             <a:normAutofit/>
           </a:bodyPr>
           <a:lstStyle/>
           <a:p>
-            <a:r>
-              <a:rPr lang="en-US" sz="5400" dirty="0">
-                <a:solidFill>
-                  <a:schemeClr val="bg1">
-                    <a:lumMod val="95000"/>
-                    <a:lumOff val="5000"/>
-                  </a:schemeClr>
-                </a:solidFill>
-              </a:rPr>
-              <a:t>Example of how it looks</a:t>
-            </a:r>
+            <a:pPr algn="l"/>
+            <a:endParaRPr lang="en-US" sz="4800" dirty="0">
+              <a:solidFill>
+                <a:srgbClr val="FFFFFF"/>
+              </a:solidFill>
+            </a:endParaRPr>
           </a:p>
         </p:txBody>
       </p:sp>
-      <p:graphicFrame>
-        <p:nvGraphicFramePr>
-          <p:cNvPr id="3" name="Chart 2">
+      <p:pic>
+        <p:nvPicPr>
+          <p:cNvPr id="5" name="Picture 4">
             <a:extLst>
               <a:ext uri="{FF2B5EF4-FFF2-40B4-BE49-F238E27FC236}">
-                <a16:creationId xmlns:a16="http://schemas.microsoft.com/office/drawing/2014/main" id="{A44C3F7D-C02B-BC7B-50B8-677D8596B2DA}"/>
+                <a16:creationId xmlns:a16="http://schemas.microsoft.com/office/drawing/2014/main" id="{BD9F53F5-E497-96F7-CA35-DE5A59477AFC}"/>
               </a:ext>
             </a:extLst>
           </p:cNvPr>
-          <p:cNvGraphicFramePr/>
+          <p:cNvPicPr>
+            <a:picLocks noChangeAspect="1"/>
+          </p:cNvPicPr>
+          <p:nvPr/>
+        </p:nvPicPr>
+        <p:blipFill>
+          <a:blip r:embed="rId2"/>
+          <a:stretch>
+            <a:fillRect/>
+          </a:stretch>
+        </p:blipFill>
+        <p:spPr>
+          <a:xfrm>
+            <a:off x="-54053" y="-30999"/>
+            <a:ext cx="12245006" cy="6888999"/>
+          </a:xfrm>
+          <a:prstGeom prst="rect">
+            <a:avLst/>
+          </a:prstGeom>
+        </p:spPr>
+      </p:pic>
+    </p:spTree>
+    <p:extLst>
+      <p:ext uri="{BB962C8B-B14F-4D97-AF65-F5344CB8AC3E}">
+        <p14:creationId xmlns:p14="http://schemas.microsoft.com/office/powerpoint/2010/main" val="3057195776"/>
+      </p:ext>
+    </p:extLst>
+  </p:cSld>
+  <p:clrMapOvr>
+    <a:masterClrMapping/>
+  </p:clrMapOvr>
+  <p:timing>
+    <p:tnLst>
+      <p:par>
+        <p:cTn id="1" dur="indefinite" restart="never" nodeType="tmRoot">
+          <p:childTnLst>
+            <p:seq concurrent="1" nextAc="seek">
+              <p:cTn id="2" dur="indefinite" nodeType="mainSeq">
+                <p:childTnLst>
+                  <p:par>
+                    <p:cTn id="3" fill="hold">
+                      <p:stCondLst>
+                        <p:cond delay="indefinite"/>
+                        <p:cond evt="onBegin" delay="0">
+                          <p:tn val="2"/>
+                        </p:cond>
+                      </p:stCondLst>
+                      <p:childTnLst>
+                        <p:par>
+                          <p:cTn id="4" fill="hold">
+                            <p:stCondLst>
+                              <p:cond delay="0"/>
+                            </p:stCondLst>
+                            <p:childTnLst>
+                              <p:par>
+                                <p:cTn id="5" presetID="10" presetClass="entr" presetSubtype="0" fill="hold" grpId="0" nodeType="withEffect" nodePh="1">
+                                  <p:stCondLst>
+                                    <p:cond delay="500"/>
+                                  </p:stCondLst>
+                                  <p:endCondLst>
+                                    <p:cond evt="begin" delay="0">
+                                      <p:tn val="5"/>
+                                    </p:cond>
+                                  </p:endCondLst>
+                                  <p:iterate type="lt">
+                                    <p:tmPct val="10000"/>
+                                  </p:iterate>
+                                  <p:childTnLst>
+                                    <p:set>
+                                      <p:cBhvr>
+                                        <p:cTn id="6" dur="1" fill="hold">
+                                          <p:stCondLst>
+                                            <p:cond delay="0"/>
+                                          </p:stCondLst>
+                                        </p:cTn>
+                                        <p:tgtEl>
+                                          <p:spTgt spid="2"/>
+                                        </p:tgtEl>
+                                        <p:attrNameLst>
+                                          <p:attrName>style.visibility</p:attrName>
+                                        </p:attrNameLst>
+                                      </p:cBhvr>
+                                      <p:to>
+                                        <p:strVal val="visible"/>
+                                      </p:to>
+                                    </p:set>
+                                    <p:animEffect transition="in" filter="fade">
+                                      <p:cBhvr>
+                                        <p:cTn id="7" dur="400"/>
+                                        <p:tgtEl>
+                                          <p:spTgt spid="2"/>
+                                        </p:tgtEl>
+                                      </p:cBhvr>
+                                    </p:animEffect>
+                                  </p:childTnLst>
+                                </p:cTn>
+                              </p:par>
+                            </p:childTnLst>
+                          </p:cTn>
+                        </p:par>
+                      </p:childTnLst>
+                    </p:cTn>
+                  </p:par>
+                </p:childTnLst>
+              </p:cTn>
+              <p:prevCondLst>
+                <p:cond evt="onPrev" delay="0">
+                  <p:tgtEl>
+                    <p:sldTgt/>
+                  </p:tgtEl>
+                </p:cond>
+              </p:prevCondLst>
+              <p:nextCondLst>
+                <p:cond evt="onNext" delay="0">
+                  <p:tgtEl>
+                    <p:sldTgt/>
+                  </p:tgtEl>
+                </p:cond>
+              </p:nextCondLst>
+            </p:seq>
+          </p:childTnLst>
+        </p:cTn>
+      </p:par>
+    </p:tnLst>
+    <p:bldLst>
+      <p:bldP spid="2" grpId="0"/>
+    </p:bldLst>
+  </p:timing>
+</p:sld>
+</file>
+
+<file path=ppt/slides/slide8.xml><?xml version="1.0" encoding="utf-8"?>
+<p:sld xmlns:a="http://schemas.openxmlformats.org/drawingml/2006/main" xmlns:r="http://schemas.openxmlformats.org/officeDocument/2006/relationships" xmlns:p="http://schemas.openxmlformats.org/presentationml/2006/main">
+  <p:cSld>
+    <p:bg>
+      <p:bgPr>
+        <a:solidFill>
+          <a:schemeClr val="bg1"/>
+        </a:solidFill>
+        <a:effectLst/>
+      </p:bgPr>
+    </p:bg>
+    <p:spTree>
+      <p:nvGrpSpPr>
+        <p:cNvPr id="1" name="">
+          <a:extLst>
+            <a:ext uri="{FF2B5EF4-FFF2-40B4-BE49-F238E27FC236}">
+              <a16:creationId xmlns:a16="http://schemas.microsoft.com/office/drawing/2014/main" id="{756E7152-B363-1C1C-F993-7E61BFD64AB8}"/>
+            </a:ext>
+          </a:extLst>
+        </p:cNvPr>
+        <p:cNvGrpSpPr/>
+        <p:nvPr/>
+      </p:nvGrpSpPr>
+      <p:grpSpPr>
+        <a:xfrm>
+          <a:off x="0" y="0"/>
+          <a:ext cx="0" cy="0"/>
+          <a:chOff x="0" y="0"/>
+          <a:chExt cx="0" cy="0"/>
+        </a:xfrm>
+      </p:grpSpPr>
+      <p:sp useBgFill="1">
+        <p:nvSpPr>
+          <p:cNvPr id="21" name="Rectangle 20">
+            <a:extLst>
+              <a:ext uri="{FF2B5EF4-FFF2-40B4-BE49-F238E27FC236}">
+                <a16:creationId xmlns:a16="http://schemas.microsoft.com/office/drawing/2014/main" id="{6F5A5072-7B47-4D32-B52A-4EBBF590B8A5}"/>
+              </a:ext>
+              <a:ext uri="{C183D7F6-B498-43B3-948B-1728B52AA6E4}">
+                <adec:decorative xmlns:adec="http://schemas.microsoft.com/office/drawing/2017/decorative" val="1"/>
+              </a:ext>
+            </a:extLst>
+          </p:cNvPr>
+          <p:cNvSpPr>
+            <a:spLocks noGrp="1" noRot="1" noChangeAspect="1" noMove="1" noResize="1" noEditPoints="1" noAdjustHandles="1" noChangeArrowheads="1" noChangeShapeType="1" noTextEdit="1"/>
+          </p:cNvSpPr>
           <p:nvPr>
             <p:extLst>
-              <p:ext uri="{D42A27DB-BD31-4B8C-83A1-F6EECF244321}">
-                <p14:modId xmlns:p14="http://schemas.microsoft.com/office/powerpoint/2010/main" val="3653655755"/>
+              <p:ext uri="{386F3935-93C4-4BCD-93E2-E3B085C9AB24}">
+                <p16:designElem xmlns:p16="http://schemas.microsoft.com/office/powerpoint/2015/main" val="1"/>
               </p:ext>
             </p:extLst>
           </p:nvPr>
-        </p:nvGraphicFramePr>
-        <p:xfrm>
-          <a:off x="210091" y="564860"/>
-          <a:ext cx="11316928" cy="5418667"/>
-        </p:xfrm>
-        <a:graphic>
-          <a:graphicData uri="http://schemas.openxmlformats.org/drawingml/2006/chart">
-            <c:chart xmlns:c="http://schemas.openxmlformats.org/drawingml/2006/chart" xmlns:r="http://schemas.openxmlformats.org/officeDocument/2006/relationships" r:id="rId2"/>
-          </a:graphicData>
-        </a:graphic>
-      </p:graphicFrame>
+        </p:nvSpPr>
+        <p:spPr>
+          <a:xfrm>
+            <a:off x="0" y="0"/>
+            <a:ext cx="12192000" cy="6858000"/>
+          </a:xfrm>
+          <a:prstGeom prst="rect">
+            <a:avLst/>
+          </a:prstGeom>
+          <a:ln w="12700" cap="flat" cmpd="sng" algn="ctr">
+            <a:noFill/>
+            <a:prstDash val="solid"/>
+            <a:miter lim="800000"/>
+          </a:ln>
+          <a:effectLst/>
+          <a:extLst>
+            <a:ext uri="{91240B29-F687-4F45-9708-019B960494DF}">
+              <a14:hiddenLine xmlns:a14="http://schemas.microsoft.com/office/drawing/2010/main" w="12700" cap="flat" cmpd="sng" algn="ctr">
+                <a:solidFill>
+                  <a:schemeClr val="accent1">
+                    <a:shade val="50000"/>
+                  </a:schemeClr>
+                </a:solidFill>
+                <a:prstDash val="solid"/>
+                <a:miter lim="800000"/>
+              </a14:hiddenLine>
+            </a:ext>
+          </a:extLst>
+        </p:spPr>
+        <p:style>
+          <a:lnRef idx="2">
+            <a:schemeClr val="accent1">
+              <a:shade val="50000"/>
+            </a:schemeClr>
+          </a:lnRef>
+          <a:fillRef idx="1">
+            <a:schemeClr val="accent1"/>
+          </a:fillRef>
+          <a:effectRef idx="0">
+            <a:schemeClr val="accent1"/>
+          </a:effectRef>
+          <a:fontRef idx="minor">
+            <a:schemeClr val="lt1"/>
+          </a:fontRef>
+        </p:style>
+        <p:txBody>
+          <a:bodyPr rtlCol="0" anchor="ctr"/>
+          <a:lstStyle/>
+          <a:p>
+            <a:pPr algn="ctr"/>
+            <a:endParaRPr lang="en-US"/>
+          </a:p>
+        </p:txBody>
+      </p:sp>
+      <p:sp>
+        <p:nvSpPr>
+          <p:cNvPr id="23" name="Rectangle 22">
+            <a:extLst>
+              <a:ext uri="{FF2B5EF4-FFF2-40B4-BE49-F238E27FC236}">
+                <a16:creationId xmlns:a16="http://schemas.microsoft.com/office/drawing/2014/main" id="{9715DAF0-AE1B-46C9-8A6B-DB2AA05AB91D}"/>
+              </a:ext>
+              <a:ext uri="{C183D7F6-B498-43B3-948B-1728B52AA6E4}">
+                <adec:decorative xmlns:adec="http://schemas.microsoft.com/office/drawing/2017/decorative" val="1"/>
+              </a:ext>
+            </a:extLst>
+          </p:cNvPr>
+          <p:cNvSpPr>
+            <a:spLocks noGrp="1" noRot="1" noChangeAspect="1" noMove="1" noResize="1" noEditPoints="1" noAdjustHandles="1" noChangeArrowheads="1" noChangeShapeType="1" noTextEdit="1"/>
+          </p:cNvSpPr>
+          <p:nvPr>
+            <p:extLst>
+              <p:ext uri="{386F3935-93C4-4BCD-93E2-E3B085C9AB24}">
+                <p16:designElem xmlns:p16="http://schemas.microsoft.com/office/powerpoint/2015/main" val="1"/>
+              </p:ext>
+            </p:extLst>
+          </p:nvPr>
+        </p:nvSpPr>
+        <p:spPr>
+          <a:xfrm rot="10800000">
+            <a:off x="-2" y="-22693"/>
+            <a:ext cx="12191999" cy="4374129"/>
+          </a:xfrm>
+          <a:prstGeom prst="rect">
+            <a:avLst/>
+          </a:prstGeom>
+          <a:gradFill>
+            <a:gsLst>
+              <a:gs pos="0">
+                <a:schemeClr val="accent1">
+                  <a:lumMod val="75000"/>
+                </a:schemeClr>
+              </a:gs>
+              <a:gs pos="100000">
+                <a:srgbClr val="000000"/>
+              </a:gs>
+            </a:gsLst>
+            <a:lin ang="15000000" scaled="0"/>
+          </a:gradFill>
+          <a:ln>
+            <a:noFill/>
+          </a:ln>
+        </p:spPr>
+        <p:style>
+          <a:lnRef idx="2">
+            <a:schemeClr val="accent1">
+              <a:shade val="50000"/>
+            </a:schemeClr>
+          </a:lnRef>
+          <a:fillRef idx="1">
+            <a:schemeClr val="accent1"/>
+          </a:fillRef>
+          <a:effectRef idx="0">
+            <a:schemeClr val="accent1"/>
+          </a:effectRef>
+          <a:fontRef idx="minor">
+            <a:schemeClr val="lt1"/>
+          </a:fontRef>
+        </p:style>
+        <p:txBody>
+          <a:bodyPr rtlCol="0" anchor="ctr"/>
+          <a:lstStyle/>
+          <a:p>
+            <a:pPr algn="ctr"/>
+            <a:endParaRPr lang="en-US"/>
+          </a:p>
+        </p:txBody>
+      </p:sp>
+      <p:sp>
+        <p:nvSpPr>
+          <p:cNvPr id="25" name="Rectangle 24">
+            <a:extLst>
+              <a:ext uri="{FF2B5EF4-FFF2-40B4-BE49-F238E27FC236}">
+                <a16:creationId xmlns:a16="http://schemas.microsoft.com/office/drawing/2014/main" id="{6016219D-510E-4184-9090-6D5578A87BD1}"/>
+              </a:ext>
+              <a:ext uri="{C183D7F6-B498-43B3-948B-1728B52AA6E4}">
+                <adec:decorative xmlns:adec="http://schemas.microsoft.com/office/drawing/2017/decorative" val="1"/>
+              </a:ext>
+            </a:extLst>
+          </p:cNvPr>
+          <p:cNvSpPr>
+            <a:spLocks noGrp="1" noRot="1" noChangeAspect="1" noMove="1" noResize="1" noEditPoints="1" noAdjustHandles="1" noChangeArrowheads="1" noChangeShapeType="1" noTextEdit="1"/>
+          </p:cNvSpPr>
+          <p:nvPr>
+            <p:extLst>
+              <p:ext uri="{386F3935-93C4-4BCD-93E2-E3B085C9AB24}">
+                <p16:designElem xmlns:p16="http://schemas.microsoft.com/office/powerpoint/2015/main" val="1"/>
+              </p:ext>
+            </p:extLst>
+          </p:nvPr>
+        </p:nvSpPr>
+        <p:spPr>
+          <a:xfrm rot="5400000">
+            <a:off x="3908719" y="-3931841"/>
+            <a:ext cx="4374557" cy="12192000"/>
+          </a:xfrm>
+          <a:prstGeom prst="rect">
+            <a:avLst/>
+          </a:prstGeom>
+          <a:gradFill>
+            <a:gsLst>
+              <a:gs pos="40000">
+                <a:schemeClr val="accent1">
+                  <a:alpha val="0"/>
+                </a:schemeClr>
+              </a:gs>
+              <a:gs pos="100000">
+                <a:schemeClr val="accent1">
+                  <a:lumMod val="75000"/>
+                  <a:alpha val="52000"/>
+                </a:schemeClr>
+              </a:gs>
+            </a:gsLst>
+            <a:lin ang="2400000" scaled="0"/>
+          </a:gradFill>
+          <a:ln>
+            <a:noFill/>
+          </a:ln>
+        </p:spPr>
+        <p:style>
+          <a:lnRef idx="2">
+            <a:schemeClr val="accent1">
+              <a:shade val="50000"/>
+            </a:schemeClr>
+          </a:lnRef>
+          <a:fillRef idx="1">
+            <a:schemeClr val="accent1"/>
+          </a:fillRef>
+          <a:effectRef idx="0">
+            <a:schemeClr val="accent1"/>
+          </a:effectRef>
+          <a:fontRef idx="minor">
+            <a:schemeClr val="lt1"/>
+          </a:fontRef>
+        </p:style>
+        <p:txBody>
+          <a:bodyPr rtlCol="0" anchor="ctr"/>
+          <a:lstStyle/>
+          <a:p>
+            <a:pPr algn="ctr"/>
+            <a:endParaRPr lang="en-US"/>
+          </a:p>
+        </p:txBody>
+      </p:sp>
+      <p:sp>
+        <p:nvSpPr>
+          <p:cNvPr id="27" name="Rectangle 26">
+            <a:extLst>
+              <a:ext uri="{FF2B5EF4-FFF2-40B4-BE49-F238E27FC236}">
+                <a16:creationId xmlns:a16="http://schemas.microsoft.com/office/drawing/2014/main" id="{AFF4A713-7B75-4B21-90D7-5AB19547C728}"/>
+              </a:ext>
+              <a:ext uri="{C183D7F6-B498-43B3-948B-1728B52AA6E4}">
+                <adec:decorative xmlns:adec="http://schemas.microsoft.com/office/drawing/2017/decorative" val="1"/>
+              </a:ext>
+            </a:extLst>
+          </p:cNvPr>
+          <p:cNvSpPr>
+            <a:spLocks noGrp="1" noRot="1" noChangeAspect="1" noMove="1" noResize="1" noEditPoints="1" noAdjustHandles="1" noChangeArrowheads="1" noChangeShapeType="1" noTextEdit="1"/>
+          </p:cNvSpPr>
+          <p:nvPr>
+            <p:extLst>
+              <p:ext uri="{386F3935-93C4-4BCD-93E2-E3B085C9AB24}">
+                <p16:designElem xmlns:p16="http://schemas.microsoft.com/office/powerpoint/2015/main" val="1"/>
+              </p:ext>
+            </p:extLst>
+          </p:nvPr>
+        </p:nvSpPr>
+        <p:spPr>
+          <a:xfrm rot="5400000">
+            <a:off x="4136696" y="-3703868"/>
+            <a:ext cx="4374128" cy="11736479"/>
+          </a:xfrm>
+          <a:prstGeom prst="rect">
+            <a:avLst/>
+          </a:prstGeom>
+          <a:gradFill>
+            <a:gsLst>
+              <a:gs pos="17000">
+                <a:schemeClr val="accent1">
+                  <a:alpha val="0"/>
+                </a:schemeClr>
+              </a:gs>
+              <a:gs pos="100000">
+                <a:srgbClr val="000000">
+                  <a:alpha val="37000"/>
+                </a:srgbClr>
+              </a:gs>
+            </a:gsLst>
+            <a:lin ang="7800000" scaled="0"/>
+          </a:gradFill>
+          <a:ln>
+            <a:noFill/>
+          </a:ln>
+        </p:spPr>
+        <p:style>
+          <a:lnRef idx="2">
+            <a:schemeClr val="accent1">
+              <a:shade val="50000"/>
+            </a:schemeClr>
+          </a:lnRef>
+          <a:fillRef idx="1">
+            <a:schemeClr val="accent1"/>
+          </a:fillRef>
+          <a:effectRef idx="0">
+            <a:schemeClr val="accent1"/>
+          </a:effectRef>
+          <a:fontRef idx="minor">
+            <a:schemeClr val="lt1"/>
+          </a:fontRef>
+        </p:style>
+        <p:txBody>
+          <a:bodyPr rtlCol="0" anchor="ctr"/>
+          <a:lstStyle/>
+          <a:p>
+            <a:pPr algn="ctr"/>
+            <a:endParaRPr lang="en-US"/>
+          </a:p>
+        </p:txBody>
+      </p:sp>
+      <p:sp>
+        <p:nvSpPr>
+          <p:cNvPr id="29" name="Rectangle 28">
+            <a:extLst>
+              <a:ext uri="{FF2B5EF4-FFF2-40B4-BE49-F238E27FC236}">
+                <a16:creationId xmlns:a16="http://schemas.microsoft.com/office/drawing/2014/main" id="{DC631C0B-6DA6-4E57-8231-CE32B3434A7E}"/>
+              </a:ext>
+              <a:ext uri="{C183D7F6-B498-43B3-948B-1728B52AA6E4}">
+                <adec:decorative xmlns:adec="http://schemas.microsoft.com/office/drawing/2017/decorative" val="1"/>
+              </a:ext>
+            </a:extLst>
+          </p:cNvPr>
+          <p:cNvSpPr>
+            <a:spLocks noGrp="1" noRot="1" noChangeAspect="1" noMove="1" noResize="1" noEditPoints="1" noAdjustHandles="1" noChangeArrowheads="1" noChangeShapeType="1" noTextEdit="1"/>
+          </p:cNvSpPr>
+          <p:nvPr>
+            <p:extLst>
+              <p:ext uri="{386F3935-93C4-4BCD-93E2-E3B085C9AB24}">
+                <p16:designElem xmlns:p16="http://schemas.microsoft.com/office/powerpoint/2015/main" val="1"/>
+              </p:ext>
+            </p:extLst>
+          </p:nvPr>
+        </p:nvSpPr>
+        <p:spPr>
+          <a:xfrm>
+            <a:off x="-5" y="-22690"/>
+            <a:ext cx="8542485" cy="4374126"/>
+          </a:xfrm>
+          <a:prstGeom prst="rect">
+            <a:avLst/>
+          </a:prstGeom>
+          <a:gradFill>
+            <a:gsLst>
+              <a:gs pos="0">
+                <a:schemeClr val="accent1">
+                  <a:lumMod val="50000"/>
+                  <a:alpha val="0"/>
+                </a:schemeClr>
+              </a:gs>
+              <a:gs pos="100000">
+                <a:srgbClr val="000000">
+                  <a:alpha val="25000"/>
+                </a:srgbClr>
+              </a:gs>
+            </a:gsLst>
+            <a:lin ang="18600000" scaled="0"/>
+          </a:gradFill>
+          <a:ln>
+            <a:noFill/>
+          </a:ln>
+        </p:spPr>
+        <p:style>
+          <a:lnRef idx="2">
+            <a:schemeClr val="accent1">
+              <a:shade val="50000"/>
+            </a:schemeClr>
+          </a:lnRef>
+          <a:fillRef idx="1">
+            <a:schemeClr val="accent1"/>
+          </a:fillRef>
+          <a:effectRef idx="0">
+            <a:schemeClr val="accent1"/>
+          </a:effectRef>
+          <a:fontRef idx="minor">
+            <a:schemeClr val="lt1"/>
+          </a:fontRef>
+        </p:style>
+        <p:txBody>
+          <a:bodyPr rtlCol="0" anchor="ctr"/>
+          <a:lstStyle/>
+          <a:p>
+            <a:pPr algn="ctr"/>
+            <a:endParaRPr lang="en-US"/>
+          </a:p>
+        </p:txBody>
+      </p:sp>
+      <p:sp>
+        <p:nvSpPr>
+          <p:cNvPr id="31" name="Freeform: Shape 30">
+            <a:extLst>
+              <a:ext uri="{FF2B5EF4-FFF2-40B4-BE49-F238E27FC236}">
+                <a16:creationId xmlns:a16="http://schemas.microsoft.com/office/drawing/2014/main" id="{C29501E6-A978-4A61-9689-9085AF97A53A}"/>
+              </a:ext>
+              <a:ext uri="{C183D7F6-B498-43B3-948B-1728B52AA6E4}">
+                <adec:decorative xmlns:adec="http://schemas.microsoft.com/office/drawing/2017/decorative" val="1"/>
+              </a:ext>
+            </a:extLst>
+          </p:cNvPr>
+          <p:cNvSpPr>
+            <a:spLocks noGrp="1" noRot="1" noChangeAspect="1" noMove="1" noResize="1" noEditPoints="1" noAdjustHandles="1" noChangeArrowheads="1" noChangeShapeType="1" noTextEdit="1"/>
+          </p:cNvSpPr>
+          <p:nvPr>
+            <p:extLst>
+              <p:ext uri="{386F3935-93C4-4BCD-93E2-E3B085C9AB24}">
+                <p16:designElem xmlns:p16="http://schemas.microsoft.com/office/powerpoint/2015/main" val="1"/>
+              </p:ext>
+            </p:extLst>
+          </p:nvPr>
+        </p:nvSpPr>
+        <p:spPr>
+          <a:xfrm rot="12508972">
+            <a:off x="5945431" y="-1032053"/>
+            <a:ext cx="4990147" cy="4439131"/>
+          </a:xfrm>
+          <a:custGeom>
+            <a:avLst/>
+            <a:gdLst>
+              <a:gd name="connsiteX0" fmla="*/ 4990147 w 4990147"/>
+              <a:gd name="connsiteY0" fmla="*/ 2229378 h 4439131"/>
+              <a:gd name="connsiteX1" fmla="*/ 917384 w 4990147"/>
+              <a:gd name="connsiteY1" fmla="*/ 4439131 h 4439131"/>
+              <a:gd name="connsiteX2" fmla="*/ 910814 w 4990147"/>
+              <a:gd name="connsiteY2" fmla="*/ 4434219 h 4439131"/>
+              <a:gd name="connsiteX3" fmla="*/ 0 w 4990147"/>
+              <a:gd name="connsiteY3" fmla="*/ 2502877 h 4439131"/>
+              <a:gd name="connsiteX4" fmla="*/ 2502877 w 4990147"/>
+              <a:gd name="connsiteY4" fmla="*/ 0 h 4439131"/>
+              <a:gd name="connsiteX5" fmla="*/ 4954904 w 4990147"/>
+              <a:gd name="connsiteY5" fmla="*/ 1998460 h 4439131"/>
+            </a:gdLst>
+            <a:ahLst/>
+            <a:cxnLst>
+              <a:cxn ang="0">
+                <a:pos x="connsiteX0" y="connsiteY0"/>
+              </a:cxn>
+              <a:cxn ang="0">
+                <a:pos x="connsiteX1" y="connsiteY1"/>
+              </a:cxn>
+              <a:cxn ang="0">
+                <a:pos x="connsiteX2" y="connsiteY2"/>
+              </a:cxn>
+              <a:cxn ang="0">
+                <a:pos x="connsiteX3" y="connsiteY3"/>
+              </a:cxn>
+              <a:cxn ang="0">
+                <a:pos x="connsiteX4" y="connsiteY4"/>
+              </a:cxn>
+              <a:cxn ang="0">
+                <a:pos x="connsiteX5" y="connsiteY5"/>
+              </a:cxn>
+            </a:cxnLst>
+            <a:rect l="l" t="t" r="r" b="b"/>
+            <a:pathLst>
+              <a:path w="4990147" h="4439131">
+                <a:moveTo>
+                  <a:pt x="4990147" y="2229378"/>
+                </a:moveTo>
+                <a:lnTo>
+                  <a:pt x="917384" y="4439131"/>
+                </a:lnTo>
+                <a:lnTo>
+                  <a:pt x="910814" y="4434219"/>
+                </a:lnTo>
+                <a:cubicBezTo>
+                  <a:pt x="354557" y="3975154"/>
+                  <a:pt x="0" y="3280421"/>
+                  <a:pt x="0" y="2502877"/>
+                </a:cubicBezTo>
+                <a:cubicBezTo>
+                  <a:pt x="0" y="1120576"/>
+                  <a:pt x="1120576" y="0"/>
+                  <a:pt x="2502877" y="0"/>
+                </a:cubicBezTo>
+                <a:cubicBezTo>
+                  <a:pt x="3712390" y="0"/>
+                  <a:pt x="4721520" y="857941"/>
+                  <a:pt x="4954904" y="1998460"/>
+                </a:cubicBezTo>
+                <a:close/>
+              </a:path>
+            </a:pathLst>
+          </a:custGeom>
+          <a:gradFill>
+            <a:gsLst>
+              <a:gs pos="0">
+                <a:schemeClr val="accent1">
+                  <a:alpha val="22000"/>
+                </a:schemeClr>
+              </a:gs>
+              <a:gs pos="87000">
+                <a:schemeClr val="accent1">
+                  <a:lumMod val="60000"/>
+                  <a:lumOff val="40000"/>
+                  <a:alpha val="2000"/>
+                </a:schemeClr>
+              </a:gs>
+            </a:gsLst>
+            <a:lin ang="8400000" scaled="0"/>
+          </a:gradFill>
+          <a:ln>
+            <a:noFill/>
+          </a:ln>
+        </p:spPr>
+        <p:style>
+          <a:lnRef idx="2">
+            <a:schemeClr val="accent1">
+              <a:shade val="50000"/>
+            </a:schemeClr>
+          </a:lnRef>
+          <a:fillRef idx="1">
+            <a:schemeClr val="accent1"/>
+          </a:fillRef>
+          <a:effectRef idx="0">
+            <a:schemeClr val="accent1"/>
+          </a:effectRef>
+          <a:fontRef idx="minor">
+            <a:schemeClr val="lt1"/>
+          </a:fontRef>
+        </p:style>
+        <p:txBody>
+          <a:bodyPr wrap="square" rtlCol="0" anchor="ctr">
+            <a:noAutofit/>
+          </a:bodyPr>
+          <a:lstStyle/>
+          <a:p>
+            <a:pPr algn="ctr"/>
+            <a:endParaRPr lang="en-US" dirty="0"/>
+          </a:p>
+        </p:txBody>
+      </p:sp>
+      <p:sp>
+        <p:nvSpPr>
+          <p:cNvPr id="2" name="Title 1">
+            <a:extLst>
+              <a:ext uri="{FF2B5EF4-FFF2-40B4-BE49-F238E27FC236}">
+                <a16:creationId xmlns:a16="http://schemas.microsoft.com/office/drawing/2014/main" id="{287A03DE-1123-91CE-26BE-143108D13665}"/>
+              </a:ext>
+            </a:extLst>
+          </p:cNvPr>
+          <p:cNvSpPr>
+            <a:spLocks noGrp="1"/>
+          </p:cNvSpPr>
+          <p:nvPr>
+            <p:ph type="ctrTitle"/>
+          </p:nvPr>
+        </p:nvSpPr>
+        <p:spPr>
+          <a:xfrm>
+            <a:off x="1314824" y="735106"/>
+            <a:ext cx="10053763" cy="2928470"/>
+          </a:xfrm>
+        </p:spPr>
+        <p:txBody>
+          <a:bodyPr vert="horz" lIns="91440" tIns="45720" rIns="91440" bIns="45720" rtlCol="0" anchor="b">
+            <a:normAutofit/>
+          </a:bodyPr>
+          <a:lstStyle/>
+          <a:p>
+            <a:pPr algn="l"/>
+            <a:r>
+              <a:rPr lang="en-US" sz="4800" dirty="0">
+                <a:solidFill>
+                  <a:srgbClr val="FFFFFF"/>
+                </a:solidFill>
+              </a:rPr>
+              <a:t>User Study</a:t>
+            </a:r>
+          </a:p>
+        </p:txBody>
+      </p:sp>
     </p:spTree>
     <p:extLst>
       <p:ext uri="{BB962C8B-B14F-4D97-AF65-F5344CB8AC3E}">
-        <p14:creationId xmlns:p14="http://schemas.microsoft.com/office/powerpoint/2010/main" val="21210004"/>
+        <p14:creationId xmlns:p14="http://schemas.microsoft.com/office/powerpoint/2010/main" val="876094038"/>
       </p:ext>
     </p:extLst>
   </p:cSld>
@@ -11716,6 +14086,760 @@
     </p:tnLst>
     <p:bldLst>
       <p:bldP spid="2" grpId="0"/>
+    </p:bldLst>
+  </p:timing>
+</p:sld>
+</file>
+
+<file path=ppt/slides/slide9.xml><?xml version="1.0" encoding="utf-8"?>
+<p:sld xmlns:a="http://schemas.openxmlformats.org/drawingml/2006/main" xmlns:r="http://schemas.openxmlformats.org/officeDocument/2006/relationships" xmlns:p="http://schemas.openxmlformats.org/presentationml/2006/main">
+  <p:cSld>
+    <p:bg>
+      <p:bgPr>
+        <a:solidFill>
+          <a:schemeClr val="bg1"/>
+        </a:solidFill>
+        <a:effectLst/>
+      </p:bgPr>
+    </p:bg>
+    <p:spTree>
+      <p:nvGrpSpPr>
+        <p:cNvPr id="1" name="">
+          <a:extLst>
+            <a:ext uri="{FF2B5EF4-FFF2-40B4-BE49-F238E27FC236}">
+              <a16:creationId xmlns:a16="http://schemas.microsoft.com/office/drawing/2014/main" id="{E41B61D3-2981-898F-AA17-FC292C33E1BF}"/>
+            </a:ext>
+          </a:extLst>
+        </p:cNvPr>
+        <p:cNvGrpSpPr/>
+        <p:nvPr/>
+      </p:nvGrpSpPr>
+      <p:grpSpPr>
+        <a:xfrm>
+          <a:off x="0" y="0"/>
+          <a:ext cx="0" cy="0"/>
+          <a:chOff x="0" y="0"/>
+          <a:chExt cx="0" cy="0"/>
+        </a:xfrm>
+      </p:grpSpPr>
+      <p:sp useBgFill="1">
+        <p:nvSpPr>
+          <p:cNvPr id="22" name="Rectangle 21">
+            <a:extLst>
+              <a:ext uri="{FF2B5EF4-FFF2-40B4-BE49-F238E27FC236}">
+                <a16:creationId xmlns:a16="http://schemas.microsoft.com/office/drawing/2014/main" id="{BACC6370-2D7E-4714-9D71-7542949D7D5D}"/>
+              </a:ext>
+              <a:ext uri="{C183D7F6-B498-43B3-948B-1728B52AA6E4}">
+                <adec:decorative xmlns:adec="http://schemas.microsoft.com/office/drawing/2017/decorative" val="1"/>
+              </a:ext>
+            </a:extLst>
+          </p:cNvPr>
+          <p:cNvSpPr>
+            <a:spLocks noGrp="1" noRot="1" noChangeAspect="1" noMove="1" noResize="1" noEditPoints="1" noAdjustHandles="1" noChangeArrowheads="1" noChangeShapeType="1" noTextEdit="1"/>
+          </p:cNvSpPr>
+          <p:nvPr>
+            <p:extLst>
+              <p:ext uri="{386F3935-93C4-4BCD-93E2-E3B085C9AB24}">
+                <p16:designElem xmlns:p16="http://schemas.microsoft.com/office/powerpoint/2015/main" val="1"/>
+              </p:ext>
+            </p:extLst>
+          </p:nvPr>
+        </p:nvSpPr>
+        <p:spPr>
+          <a:xfrm>
+            <a:off x="0" y="0"/>
+            <a:ext cx="12192000" cy="6858000"/>
+          </a:xfrm>
+          <a:prstGeom prst="rect">
+            <a:avLst/>
+          </a:prstGeom>
+          <a:ln w="12700" cap="flat" cmpd="sng" algn="ctr">
+            <a:noFill/>
+            <a:prstDash val="solid"/>
+            <a:miter lim="800000"/>
+          </a:ln>
+          <a:effectLst/>
+          <a:extLst>
+            <a:ext uri="{91240B29-F687-4F45-9708-019B960494DF}">
+              <a14:hiddenLine xmlns:a14="http://schemas.microsoft.com/office/drawing/2010/main" w="12700" cap="flat" cmpd="sng" algn="ctr">
+                <a:solidFill>
+                  <a:schemeClr val="accent1">
+                    <a:shade val="50000"/>
+                  </a:schemeClr>
+                </a:solidFill>
+                <a:prstDash val="solid"/>
+                <a:miter lim="800000"/>
+              </a14:hiddenLine>
+            </a:ext>
+          </a:extLst>
+        </p:spPr>
+        <p:style>
+          <a:lnRef idx="2">
+            <a:schemeClr val="accent1">
+              <a:shade val="50000"/>
+            </a:schemeClr>
+          </a:lnRef>
+          <a:fillRef idx="1">
+            <a:schemeClr val="accent1"/>
+          </a:fillRef>
+          <a:effectRef idx="0">
+            <a:schemeClr val="accent1"/>
+          </a:effectRef>
+          <a:fontRef idx="minor">
+            <a:schemeClr val="lt1"/>
+          </a:fontRef>
+        </p:style>
+        <p:txBody>
+          <a:bodyPr rtlCol="0" anchor="ctr"/>
+          <a:lstStyle/>
+          <a:p>
+            <a:pPr algn="ctr"/>
+            <a:endParaRPr lang="en-US"/>
+          </a:p>
+        </p:txBody>
+      </p:sp>
+      <p:sp>
+        <p:nvSpPr>
+          <p:cNvPr id="24" name="Rectangle 23">
+            <a:extLst>
+              <a:ext uri="{FF2B5EF4-FFF2-40B4-BE49-F238E27FC236}">
+                <a16:creationId xmlns:a16="http://schemas.microsoft.com/office/drawing/2014/main" id="{F68B3F68-107C-434F-AA38-110D5EA91B85}"/>
+              </a:ext>
+              <a:ext uri="{C183D7F6-B498-43B3-948B-1728B52AA6E4}">
+                <adec:decorative xmlns:adec="http://schemas.microsoft.com/office/drawing/2017/decorative" val="1"/>
+              </a:ext>
+            </a:extLst>
+          </p:cNvPr>
+          <p:cNvSpPr>
+            <a:spLocks noGrp="1" noRot="1" noChangeAspect="1" noMove="1" noResize="1" noEditPoints="1" noAdjustHandles="1" noChangeArrowheads="1" noChangeShapeType="1" noTextEdit="1"/>
+          </p:cNvSpPr>
+          <p:nvPr>
+            <p:extLst>
+              <p:ext uri="{386F3935-93C4-4BCD-93E2-E3B085C9AB24}">
+                <p16:designElem xmlns:p16="http://schemas.microsoft.com/office/powerpoint/2015/main" val="1"/>
+              </p:ext>
+            </p:extLst>
+          </p:nvPr>
+        </p:nvSpPr>
+        <p:spPr>
+          <a:xfrm flipH="1">
+            <a:off x="2" y="0"/>
+            <a:ext cx="12191998" cy="1575955"/>
+          </a:xfrm>
+          <a:prstGeom prst="rect">
+            <a:avLst/>
+          </a:prstGeom>
+          <a:gradFill>
+            <a:gsLst>
+              <a:gs pos="0">
+                <a:srgbClr val="000000">
+                  <a:alpha val="96000"/>
+                </a:srgbClr>
+              </a:gs>
+              <a:gs pos="100000">
+                <a:schemeClr val="accent1">
+                  <a:lumMod val="75000"/>
+                </a:schemeClr>
+              </a:gs>
+            </a:gsLst>
+            <a:lin ang="8400000" scaled="0"/>
+          </a:gradFill>
+          <a:ln>
+            <a:noFill/>
+          </a:ln>
+        </p:spPr>
+        <p:style>
+          <a:lnRef idx="2">
+            <a:schemeClr val="accent1">
+              <a:shade val="50000"/>
+            </a:schemeClr>
+          </a:lnRef>
+          <a:fillRef idx="1">
+            <a:schemeClr val="accent1"/>
+          </a:fillRef>
+          <a:effectRef idx="0">
+            <a:schemeClr val="accent1"/>
+          </a:effectRef>
+          <a:fontRef idx="minor">
+            <a:schemeClr val="lt1"/>
+          </a:fontRef>
+        </p:style>
+        <p:txBody>
+          <a:bodyPr rtlCol="0" anchor="ctr"/>
+          <a:lstStyle/>
+          <a:p>
+            <a:pPr algn="ctr"/>
+            <a:endParaRPr lang="en-US"/>
+          </a:p>
+        </p:txBody>
+      </p:sp>
+      <p:sp>
+        <p:nvSpPr>
+          <p:cNvPr id="26" name="Rectangle 25">
+            <a:extLst>
+              <a:ext uri="{FF2B5EF4-FFF2-40B4-BE49-F238E27FC236}">
+                <a16:creationId xmlns:a16="http://schemas.microsoft.com/office/drawing/2014/main" id="{AAD0DBB9-1A4B-4391-81D4-CB19F9AB918A}"/>
+              </a:ext>
+              <a:ext uri="{C183D7F6-B498-43B3-948B-1728B52AA6E4}">
+                <adec:decorative xmlns:adec="http://schemas.microsoft.com/office/drawing/2017/decorative" val="1"/>
+              </a:ext>
+            </a:extLst>
+          </p:cNvPr>
+          <p:cNvSpPr>
+            <a:spLocks noGrp="1" noRot="1" noChangeAspect="1" noMove="1" noResize="1" noEditPoints="1" noAdjustHandles="1" noChangeArrowheads="1" noChangeShapeType="1" noTextEdit="1"/>
+          </p:cNvSpPr>
+          <p:nvPr>
+            <p:extLst>
+              <p:ext uri="{386F3935-93C4-4BCD-93E2-E3B085C9AB24}">
+                <p16:designElem xmlns:p16="http://schemas.microsoft.com/office/powerpoint/2015/main" val="1"/>
+              </p:ext>
+            </p:extLst>
+          </p:nvPr>
+        </p:nvSpPr>
+        <p:spPr>
+          <a:xfrm rot="10800000" flipH="1">
+            <a:off x="8128857" y="0"/>
+            <a:ext cx="4063143" cy="1576412"/>
+          </a:xfrm>
+          <a:prstGeom prst="rect">
+            <a:avLst/>
+          </a:prstGeom>
+          <a:gradFill>
+            <a:gsLst>
+              <a:gs pos="19000">
+                <a:schemeClr val="accent1">
+                  <a:lumMod val="50000"/>
+                  <a:alpha val="68000"/>
+                </a:schemeClr>
+              </a:gs>
+              <a:gs pos="100000">
+                <a:schemeClr val="accent1">
+                  <a:alpha val="79000"/>
+                </a:schemeClr>
+              </a:gs>
+            </a:gsLst>
+            <a:lin ang="19200000" scaled="0"/>
+          </a:gradFill>
+          <a:ln>
+            <a:noFill/>
+          </a:ln>
+        </p:spPr>
+        <p:style>
+          <a:lnRef idx="2">
+            <a:schemeClr val="accent1">
+              <a:shade val="50000"/>
+            </a:schemeClr>
+          </a:lnRef>
+          <a:fillRef idx="1">
+            <a:schemeClr val="accent1"/>
+          </a:fillRef>
+          <a:effectRef idx="0">
+            <a:schemeClr val="accent1"/>
+          </a:effectRef>
+          <a:fontRef idx="minor">
+            <a:schemeClr val="lt1"/>
+          </a:fontRef>
+        </p:style>
+        <p:txBody>
+          <a:bodyPr rtlCol="0" anchor="ctr"/>
+          <a:lstStyle/>
+          <a:p>
+            <a:pPr algn="ctr"/>
+            <a:endParaRPr lang="en-US"/>
+          </a:p>
+        </p:txBody>
+      </p:sp>
+      <p:sp>
+        <p:nvSpPr>
+          <p:cNvPr id="28" name="Rectangle 27">
+            <a:extLst>
+              <a:ext uri="{FF2B5EF4-FFF2-40B4-BE49-F238E27FC236}">
+                <a16:creationId xmlns:a16="http://schemas.microsoft.com/office/drawing/2014/main" id="{063BBA22-50EA-4C4D-BE05-F1CE4E63AA56}"/>
+              </a:ext>
+              <a:ext uri="{C183D7F6-B498-43B3-948B-1728B52AA6E4}">
+                <adec:decorative xmlns:adec="http://schemas.microsoft.com/office/drawing/2017/decorative" val="1"/>
+              </a:ext>
+            </a:extLst>
+          </p:cNvPr>
+          <p:cNvSpPr>
+            <a:spLocks noGrp="1" noRot="1" noChangeAspect="1" noMove="1" noResize="1" noEditPoints="1" noAdjustHandles="1" noChangeArrowheads="1" noChangeShapeType="1" noTextEdit="1"/>
+          </p:cNvSpPr>
+          <p:nvPr>
+            <p:extLst>
+              <p:ext uri="{386F3935-93C4-4BCD-93E2-E3B085C9AB24}">
+                <p16:designElem xmlns:p16="http://schemas.microsoft.com/office/powerpoint/2015/main" val="1"/>
+              </p:ext>
+            </p:extLst>
+          </p:nvPr>
+        </p:nvSpPr>
+        <p:spPr>
+          <a:xfrm rot="5400000">
+            <a:off x="5307777" y="-5307778"/>
+            <a:ext cx="1576446" cy="12192002"/>
+          </a:xfrm>
+          <a:prstGeom prst="rect">
+            <a:avLst/>
+          </a:prstGeom>
+          <a:gradFill>
+            <a:gsLst>
+              <a:gs pos="23000">
+                <a:schemeClr val="accent1">
+                  <a:alpha val="0"/>
+                </a:schemeClr>
+              </a:gs>
+              <a:gs pos="99000">
+                <a:srgbClr val="000000">
+                  <a:alpha val="74000"/>
+                </a:srgbClr>
+              </a:gs>
+            </a:gsLst>
+            <a:lin ang="20400000" scaled="0"/>
+          </a:gradFill>
+          <a:ln>
+            <a:noFill/>
+          </a:ln>
+        </p:spPr>
+        <p:style>
+          <a:lnRef idx="2">
+            <a:schemeClr val="accent1">
+              <a:shade val="50000"/>
+            </a:schemeClr>
+          </a:lnRef>
+          <a:fillRef idx="1">
+            <a:schemeClr val="accent1"/>
+          </a:fillRef>
+          <a:effectRef idx="0">
+            <a:schemeClr val="accent1"/>
+          </a:effectRef>
+          <a:fontRef idx="minor">
+            <a:schemeClr val="lt1"/>
+          </a:fontRef>
+        </p:style>
+        <p:txBody>
+          <a:bodyPr rtlCol="0" anchor="ctr"/>
+          <a:lstStyle/>
+          <a:p>
+            <a:pPr algn="ctr"/>
+            <a:endParaRPr lang="en-US" dirty="0"/>
+          </a:p>
+        </p:txBody>
+      </p:sp>
+      <p:sp>
+        <p:nvSpPr>
+          <p:cNvPr id="4" name="Content Placeholder 2">
+            <a:extLst>
+              <a:ext uri="{FF2B5EF4-FFF2-40B4-BE49-F238E27FC236}">
+                <a16:creationId xmlns:a16="http://schemas.microsoft.com/office/drawing/2014/main" id="{AFC934D0-625F-6A4C-F462-A659A43F92C0}"/>
+              </a:ext>
+            </a:extLst>
+          </p:cNvPr>
+          <p:cNvSpPr txBox="1">
+            <a:spLocks/>
+          </p:cNvSpPr>
+          <p:nvPr/>
+        </p:nvSpPr>
+        <p:spPr>
+          <a:xfrm>
+            <a:off x="990600" y="2241259"/>
+            <a:ext cx="8897224" cy="4088104"/>
+          </a:xfrm>
+          <a:prstGeom prst="rect">
+            <a:avLst/>
+          </a:prstGeom>
+        </p:spPr>
+        <p:txBody>
+          <a:bodyPr vert="horz" lIns="91440" tIns="45720" rIns="91440" bIns="45720" rtlCol="0">
+            <a:normAutofit lnSpcReduction="10000"/>
+          </a:bodyPr>
+          <a:lstStyle>
+            <a:lvl1pPr marL="228600" indent="-228600" algn="l" defTabSz="914400" rtl="0" eaLnBrk="1" latinLnBrk="0" hangingPunct="1">
+              <a:lnSpc>
+                <a:spcPct val="90000"/>
+              </a:lnSpc>
+              <a:spcBef>
+                <a:spcPts val="1000"/>
+              </a:spcBef>
+              <a:buFont typeface="Arial" panose="020B0604020202020204" pitchFamily="34" charset="0"/>
+              <a:buChar char="•"/>
+              <a:defRPr sz="2800" kern="1200">
+                <a:solidFill>
+                  <a:schemeClr val="tx1"/>
+                </a:solidFill>
+                <a:latin typeface="+mn-lt"/>
+                <a:ea typeface="+mn-ea"/>
+                <a:cs typeface="+mn-cs"/>
+              </a:defRPr>
+            </a:lvl1pPr>
+            <a:lvl2pPr marL="685800" indent="-228600" algn="l" defTabSz="914400" rtl="0" eaLnBrk="1" latinLnBrk="0" hangingPunct="1">
+              <a:lnSpc>
+                <a:spcPct val="90000"/>
+              </a:lnSpc>
+              <a:spcBef>
+                <a:spcPts val="500"/>
+              </a:spcBef>
+              <a:buFont typeface="Arial" panose="020B0604020202020204" pitchFamily="34" charset="0"/>
+              <a:buChar char="•"/>
+              <a:defRPr sz="2400" kern="1200">
+                <a:solidFill>
+                  <a:schemeClr val="tx1"/>
+                </a:solidFill>
+                <a:latin typeface="+mn-lt"/>
+                <a:ea typeface="+mn-ea"/>
+                <a:cs typeface="+mn-cs"/>
+              </a:defRPr>
+            </a:lvl2pPr>
+            <a:lvl3pPr marL="1143000" indent="-228600" algn="l" defTabSz="914400" rtl="0" eaLnBrk="1" latinLnBrk="0" hangingPunct="1">
+              <a:lnSpc>
+                <a:spcPct val="90000"/>
+              </a:lnSpc>
+              <a:spcBef>
+                <a:spcPts val="500"/>
+              </a:spcBef>
+              <a:buFont typeface="Arial" panose="020B0604020202020204" pitchFamily="34" charset="0"/>
+              <a:buChar char="•"/>
+              <a:defRPr sz="2000" kern="1200">
+                <a:solidFill>
+                  <a:schemeClr val="tx1"/>
+                </a:solidFill>
+                <a:latin typeface="+mn-lt"/>
+                <a:ea typeface="+mn-ea"/>
+                <a:cs typeface="+mn-cs"/>
+              </a:defRPr>
+            </a:lvl3pPr>
+            <a:lvl4pPr marL="1600200" indent="-228600" algn="l" defTabSz="914400" rtl="0" eaLnBrk="1" latinLnBrk="0" hangingPunct="1">
+              <a:lnSpc>
+                <a:spcPct val="90000"/>
+              </a:lnSpc>
+              <a:spcBef>
+                <a:spcPts val="500"/>
+              </a:spcBef>
+              <a:buFont typeface="Arial" panose="020B0604020202020204" pitchFamily="34" charset="0"/>
+              <a:buChar char="•"/>
+              <a:defRPr sz="1800" kern="1200">
+                <a:solidFill>
+                  <a:schemeClr val="tx1"/>
+                </a:solidFill>
+                <a:latin typeface="+mn-lt"/>
+                <a:ea typeface="+mn-ea"/>
+                <a:cs typeface="+mn-cs"/>
+              </a:defRPr>
+            </a:lvl4pPr>
+            <a:lvl5pPr marL="2057400" indent="-228600" algn="l" defTabSz="914400" rtl="0" eaLnBrk="1" latinLnBrk="0" hangingPunct="1">
+              <a:lnSpc>
+                <a:spcPct val="90000"/>
+              </a:lnSpc>
+              <a:spcBef>
+                <a:spcPts val="500"/>
+              </a:spcBef>
+              <a:buFont typeface="Arial" panose="020B0604020202020204" pitchFamily="34" charset="0"/>
+              <a:buChar char="•"/>
+              <a:defRPr sz="1800" kern="1200">
+                <a:solidFill>
+                  <a:schemeClr val="tx1"/>
+                </a:solidFill>
+                <a:latin typeface="+mn-lt"/>
+                <a:ea typeface="+mn-ea"/>
+                <a:cs typeface="+mn-cs"/>
+              </a:defRPr>
+            </a:lvl5pPr>
+            <a:lvl6pPr marL="2514600" indent="-228600" algn="l" defTabSz="914400" rtl="0" eaLnBrk="1" latinLnBrk="0" hangingPunct="1">
+              <a:lnSpc>
+                <a:spcPct val="90000"/>
+              </a:lnSpc>
+              <a:spcBef>
+                <a:spcPts val="500"/>
+              </a:spcBef>
+              <a:buFont typeface="Arial" panose="020B0604020202020204" pitchFamily="34" charset="0"/>
+              <a:buChar char="•"/>
+              <a:defRPr sz="1800" kern="1200">
+                <a:solidFill>
+                  <a:schemeClr val="tx1"/>
+                </a:solidFill>
+                <a:latin typeface="+mn-lt"/>
+                <a:ea typeface="+mn-ea"/>
+                <a:cs typeface="+mn-cs"/>
+              </a:defRPr>
+            </a:lvl6pPr>
+            <a:lvl7pPr marL="2971800" indent="-228600" algn="l" defTabSz="914400" rtl="0" eaLnBrk="1" latinLnBrk="0" hangingPunct="1">
+              <a:lnSpc>
+                <a:spcPct val="90000"/>
+              </a:lnSpc>
+              <a:spcBef>
+                <a:spcPts val="500"/>
+              </a:spcBef>
+              <a:buFont typeface="Arial" panose="020B0604020202020204" pitchFamily="34" charset="0"/>
+              <a:buChar char="•"/>
+              <a:defRPr sz="1800" kern="1200">
+                <a:solidFill>
+                  <a:schemeClr val="tx1"/>
+                </a:solidFill>
+                <a:latin typeface="+mn-lt"/>
+                <a:ea typeface="+mn-ea"/>
+                <a:cs typeface="+mn-cs"/>
+              </a:defRPr>
+            </a:lvl7pPr>
+            <a:lvl8pPr marL="3429000" indent="-228600" algn="l" defTabSz="914400" rtl="0" eaLnBrk="1" latinLnBrk="0" hangingPunct="1">
+              <a:lnSpc>
+                <a:spcPct val="90000"/>
+              </a:lnSpc>
+              <a:spcBef>
+                <a:spcPts val="500"/>
+              </a:spcBef>
+              <a:buFont typeface="Arial" panose="020B0604020202020204" pitchFamily="34" charset="0"/>
+              <a:buChar char="•"/>
+              <a:defRPr sz="1800" kern="1200">
+                <a:solidFill>
+                  <a:schemeClr val="tx1"/>
+                </a:solidFill>
+                <a:latin typeface="+mn-lt"/>
+                <a:ea typeface="+mn-ea"/>
+                <a:cs typeface="+mn-cs"/>
+              </a:defRPr>
+            </a:lvl8pPr>
+            <a:lvl9pPr marL="3886200" indent="-228600" algn="l" defTabSz="914400" rtl="0" eaLnBrk="1" latinLnBrk="0" hangingPunct="1">
+              <a:lnSpc>
+                <a:spcPct val="90000"/>
+              </a:lnSpc>
+              <a:spcBef>
+                <a:spcPts val="500"/>
+              </a:spcBef>
+              <a:buFont typeface="Arial" panose="020B0604020202020204" pitchFamily="34" charset="0"/>
+              <a:buChar char="•"/>
+              <a:defRPr sz="1800" kern="1200">
+                <a:solidFill>
+                  <a:schemeClr val="tx1"/>
+                </a:solidFill>
+                <a:latin typeface="+mn-lt"/>
+                <a:ea typeface="+mn-ea"/>
+                <a:cs typeface="+mn-cs"/>
+              </a:defRPr>
+            </a:lvl9pPr>
+          </a:lstStyle>
+          <a:p>
+            <a:pPr marL="0" indent="0">
+              <a:buNone/>
+            </a:pPr>
+            <a:r>
+              <a:rPr lang="en-US" dirty="0"/>
+              <a:t>Finished: yes</a:t>
+            </a:r>
+          </a:p>
+          <a:p>
+            <a:pPr marL="0" indent="0">
+              <a:buNone/>
+            </a:pPr>
+            <a:r>
+              <a:rPr lang="en-US" dirty="0"/>
+              <a:t>Hints: yes, explained why he should change the password</a:t>
+            </a:r>
+          </a:p>
+          <a:p>
+            <a:pPr marL="0" indent="0">
+              <a:buNone/>
+            </a:pPr>
+            <a:r>
+              <a:rPr lang="en-US" dirty="0"/>
+              <a:t>Time: 40 seconds</a:t>
+            </a:r>
+          </a:p>
+          <a:p>
+            <a:pPr marL="0" indent="0">
+              <a:buNone/>
+            </a:pPr>
+            <a:r>
+              <a:rPr lang="en-US" dirty="0"/>
+              <a:t>Rating: 4</a:t>
+            </a:r>
+          </a:p>
+          <a:p>
+            <a:pPr marL="0" indent="0">
+              <a:buNone/>
+            </a:pPr>
+            <a:r>
+              <a:rPr lang="en-US" dirty="0"/>
+              <a:t>Notes: </a:t>
+            </a:r>
+          </a:p>
+          <a:p>
+            <a:pPr>
+              <a:buFontTx/>
+              <a:buChar char="-"/>
+            </a:pPr>
+            <a:r>
+              <a:rPr lang="en-US" dirty="0"/>
+              <a:t>Didn’t understand why he needed to change the password</a:t>
+            </a:r>
+          </a:p>
+          <a:p>
+            <a:pPr>
+              <a:buFontTx/>
+              <a:buChar char="-"/>
+            </a:pPr>
+            <a:r>
+              <a:rPr lang="en-US" dirty="0"/>
+              <a:t>The system allowed to him to change his password to ‘nothing’, but the system wont allow him to connect without entering a password</a:t>
+            </a:r>
+          </a:p>
+        </p:txBody>
+      </p:sp>
+      <p:sp>
+        <p:nvSpPr>
+          <p:cNvPr id="7" name="Title 1">
+            <a:extLst>
+              <a:ext uri="{FF2B5EF4-FFF2-40B4-BE49-F238E27FC236}">
+                <a16:creationId xmlns:a16="http://schemas.microsoft.com/office/drawing/2014/main" id="{C5A66165-6FC2-DCB7-D069-732603CB4AB8}"/>
+              </a:ext>
+            </a:extLst>
+          </p:cNvPr>
+          <p:cNvSpPr txBox="1">
+            <a:spLocks/>
+          </p:cNvSpPr>
+          <p:nvPr/>
+        </p:nvSpPr>
+        <p:spPr>
+          <a:xfrm>
+            <a:off x="838200" y="269517"/>
+            <a:ext cx="10053763" cy="732967"/>
+          </a:xfrm>
+          <a:prstGeom prst="rect">
+            <a:avLst/>
+          </a:prstGeom>
+        </p:spPr>
+        <p:txBody>
+          <a:bodyPr vert="horz" lIns="91440" tIns="45720" rIns="91440" bIns="45720" rtlCol="0" anchor="b">
+            <a:normAutofit fontScale="55000" lnSpcReduction="20000"/>
+          </a:bodyPr>
+          <a:lstStyle>
+            <a:lvl1pPr algn="l" defTabSz="914400" rtl="0" eaLnBrk="1" latinLnBrk="0" hangingPunct="1">
+              <a:lnSpc>
+                <a:spcPct val="90000"/>
+              </a:lnSpc>
+              <a:spcBef>
+                <a:spcPct val="0"/>
+              </a:spcBef>
+              <a:buNone/>
+              <a:defRPr sz="4400" kern="1200">
+                <a:solidFill>
+                  <a:schemeClr val="tx1"/>
+                </a:solidFill>
+                <a:latin typeface="+mj-lt"/>
+                <a:ea typeface="+mj-ea"/>
+                <a:cs typeface="+mj-cs"/>
+              </a:defRPr>
+            </a:lvl1pPr>
+          </a:lstStyle>
+          <a:p>
+            <a:r>
+              <a:rPr lang="en-US" sz="4800" dirty="0">
+                <a:solidFill>
+                  <a:srgbClr val="FFFFFF"/>
+                </a:solidFill>
+              </a:rPr>
+              <a:t>Task: Access the system through the browser and perform a first time login into a ‘lecturer’</a:t>
+            </a:r>
+          </a:p>
+        </p:txBody>
+      </p:sp>
+    </p:spTree>
+    <p:extLst>
+      <p:ext uri="{BB962C8B-B14F-4D97-AF65-F5344CB8AC3E}">
+        <p14:creationId xmlns:p14="http://schemas.microsoft.com/office/powerpoint/2010/main" val="3221945818"/>
+      </p:ext>
+    </p:extLst>
+  </p:cSld>
+  <p:clrMapOvr>
+    <a:masterClrMapping/>
+  </p:clrMapOvr>
+  <p:timing>
+    <p:tnLst>
+      <p:par>
+        <p:cTn id="1" dur="indefinite" restart="never" nodeType="tmRoot">
+          <p:childTnLst>
+            <p:seq concurrent="1" nextAc="seek">
+              <p:cTn id="2" dur="indefinite" nodeType="mainSeq">
+                <p:childTnLst>
+                  <p:par>
+                    <p:cTn id="3" fill="hold">
+                      <p:stCondLst>
+                        <p:cond delay="indefinite"/>
+                        <p:cond evt="onBegin" delay="0">
+                          <p:tn val="2"/>
+                        </p:cond>
+                      </p:stCondLst>
+                      <p:childTnLst>
+                        <p:par>
+                          <p:cTn id="4" fill="hold">
+                            <p:stCondLst>
+                              <p:cond delay="0"/>
+                            </p:stCondLst>
+                            <p:childTnLst>
+                              <p:par>
+                                <p:cTn id="5" presetID="10" presetClass="entr" presetSubtype="0" fill="hold" grpId="0" nodeType="withEffect">
+                                  <p:stCondLst>
+                                    <p:cond delay="500"/>
+                                  </p:stCondLst>
+                                  <p:iterate type="lt">
+                                    <p:tmPct val="10000"/>
+                                  </p:iterate>
+                                  <p:childTnLst>
+                                    <p:set>
+                                      <p:cBhvr>
+                                        <p:cTn id="6" dur="1" fill="hold">
+                                          <p:stCondLst>
+                                            <p:cond delay="0"/>
+                                          </p:stCondLst>
+                                        </p:cTn>
+                                        <p:tgtEl>
+                                          <p:spTgt spid="7"/>
+                                        </p:tgtEl>
+                                        <p:attrNameLst>
+                                          <p:attrName>style.visibility</p:attrName>
+                                        </p:attrNameLst>
+                                      </p:cBhvr>
+                                      <p:to>
+                                        <p:strVal val="visible"/>
+                                      </p:to>
+                                    </p:set>
+                                    <p:animEffect transition="in" filter="fade">
+                                      <p:cBhvr>
+                                        <p:cTn id="7" dur="400"/>
+                                        <p:tgtEl>
+                                          <p:spTgt spid="7"/>
+                                        </p:tgtEl>
+                                      </p:cBhvr>
+                                    </p:animEffect>
+                                  </p:childTnLst>
+                                </p:cTn>
+                              </p:par>
+                            </p:childTnLst>
+                          </p:cTn>
+                        </p:par>
+                      </p:childTnLst>
+                    </p:cTn>
+                  </p:par>
+                </p:childTnLst>
+              </p:cTn>
+              <p:prevCondLst>
+                <p:cond evt="onPrev" delay="0">
+                  <p:tgtEl>
+                    <p:sldTgt/>
+                  </p:tgtEl>
+                </p:cond>
+              </p:prevCondLst>
+              <p:nextCondLst>
+                <p:cond evt="onNext" delay="0">
+                  <p:tgtEl>
+                    <p:sldTgt/>
+                  </p:tgtEl>
+                </p:cond>
+              </p:nextCondLst>
+            </p:seq>
+          </p:childTnLst>
+        </p:cTn>
+      </p:par>
+    </p:tnLst>
+    <p:bldLst>
+      <p:bldP spid="7" grpId="0"/>
     </p:bldLst>
   </p:timing>
 </p:sld>
@@ -12332,9 +15456,12 @@
 </file>
 
 <file path=customXml/item1.xml><?xml version="1.0" encoding="utf-8"?>
-<p:properties xmlns:p="http://schemas.microsoft.com/office/2006/metadata/properties" xmlns:xsi="http://www.w3.org/2001/XMLSchema-instance" xmlns:pc="http://schemas.microsoft.com/office/infopath/2007/PartnerControls">
-  <documentManagement/>
-</p:properties>
+<?mso-contentType ?>
+<FormTemplates xmlns="http://schemas.microsoft.com/sharepoint/v3/contenttype/forms">
+  <Display>DocumentLibraryForm</Display>
+  <Edit>DocumentLibraryForm</Edit>
+  <New>DocumentLibraryForm</New>
+</FormTemplates>
 </file>
 
 <file path=customXml/item2.xml><?xml version="1.0" encoding="utf-8"?>
@@ -12452,19 +15579,15 @@
 </file>
 
 <file path=customXml/item3.xml><?xml version="1.0" encoding="utf-8"?>
-<?mso-contentType ?>
-<FormTemplates xmlns="http://schemas.microsoft.com/sharepoint/v3/contenttype/forms">
-  <Display>DocumentLibraryForm</Display>
-  <Edit>DocumentLibraryForm</Edit>
-  <New>DocumentLibraryForm</New>
-</FormTemplates>
+<p:properties xmlns:p="http://schemas.microsoft.com/office/2006/metadata/properties" xmlns:xsi="http://www.w3.org/2001/XMLSchema-instance" xmlns:pc="http://schemas.microsoft.com/office/infopath/2007/PartnerControls">
+  <documentManagement/>
+</p:properties>
 </file>
 
 <file path=customXml/itemProps1.xml><?xml version="1.0" encoding="utf-8"?>
-<ds:datastoreItem xmlns:ds="http://schemas.openxmlformats.org/officeDocument/2006/customXml" ds:itemID="{0C7BE171-BD1C-498E-8814-0CE2416DE5AE}">
+<ds:datastoreItem xmlns:ds="http://schemas.openxmlformats.org/officeDocument/2006/customXml" ds:itemID="{78044AE5-62BD-4847-9366-F16F3787C79C}">
   <ds:schemaRefs>
-    <ds:schemaRef ds:uri="http://schemas.microsoft.com/office/2006/metadata/properties"/>
-    <ds:schemaRef ds:uri="http://schemas.microsoft.com/office/infopath/2007/PartnerControls"/>
+    <ds:schemaRef ds:uri="http://schemas.microsoft.com/sharepoint/v3/contenttype/forms"/>
   </ds:schemaRefs>
 </ds:datastoreItem>
 </file>
@@ -12486,9 +15609,10 @@
 </file>
 
 <file path=customXml/itemProps3.xml><?xml version="1.0" encoding="utf-8"?>
-<ds:datastoreItem xmlns:ds="http://schemas.openxmlformats.org/officeDocument/2006/customXml" ds:itemID="{78044AE5-62BD-4847-9366-F16F3787C79C}">
+<ds:datastoreItem xmlns:ds="http://schemas.openxmlformats.org/officeDocument/2006/customXml" ds:itemID="{0C7BE171-BD1C-498E-8814-0CE2416DE5AE}">
   <ds:schemaRefs>
-    <ds:schemaRef ds:uri="http://schemas.microsoft.com/sharepoint/v3/contenttype/forms"/>
+    <ds:schemaRef ds:uri="http://schemas.microsoft.com/office/2006/metadata/properties"/>
+    <ds:schemaRef ds:uri="http://schemas.microsoft.com/office/infopath/2007/PartnerControls"/>
   </ds:schemaRefs>
 </ds:datastoreItem>
 </file>

--- a/docs/slide_07_05_24.pptx
+++ b/docs/slide_07_05_24.pptx
@@ -5,7 +5,7 @@
     <p:sldMasterId id="2147483648" r:id="rId4"/>
   </p:sldMasterIdLst>
   <p:notesMasterIdLst>
-    <p:notesMasterId r:id="rId17"/>
+    <p:notesMasterId r:id="rId18"/>
   </p:notesMasterIdLst>
   <p:sldIdLst>
     <p:sldId id="269" r:id="rId5"/>
@@ -20,6 +20,7 @@
     <p:sldId id="304" r:id="rId14"/>
     <p:sldId id="305" r:id="rId15"/>
     <p:sldId id="306" r:id="rId16"/>
+    <p:sldId id="307" r:id="rId17"/>
   </p:sldIdLst>
   <p:sldSz cx="12192000" cy="6858000"/>
   <p:notesSz cx="6858000" cy="9144000"/>
@@ -1632,11 +1633,11 @@
     <dgm:cxn modelId="{6D4D022C-5071-432E-BE70-05A99B6988C1}" srcId="{EAC8779A-9226-43DA-A367-C31AB57AB8FD}" destId="{F0382A72-9FC9-42FA-8723-4C0023AAA80A}" srcOrd="0" destOrd="0" parTransId="{683401E4-C8B7-4789-A272-855DAE24C7F5}" sibTransId="{9BD3A034-6534-4555-9802-0D01E71B444A}"/>
     <dgm:cxn modelId="{E7F93932-6281-4A87-B837-4588E53634E0}" type="presOf" srcId="{1504ABFF-AA1A-4C53-B667-86FAFE164CB7}" destId="{F483D21B-32B5-46AE-8C6F-946364D16630}" srcOrd="0" destOrd="1" presId="urn:microsoft.com/office/officeart/2018/5/layout/CenteredIconLabelDescriptionList"/>
     <dgm:cxn modelId="{F5A9683A-5C78-48FD-82DF-E9D6C00C0D4C}" type="presOf" srcId="{F0382A72-9FC9-42FA-8723-4C0023AAA80A}" destId="{56DDE38F-CF99-4881-80EB-01F4DCFC4321}" srcOrd="0" destOrd="0" presId="urn:microsoft.com/office/officeart/2018/5/layout/CenteredIconLabelDescriptionList"/>
+    <dgm:cxn modelId="{01719645-E08D-4994-A8B9-374F8F456AA0}" type="presOf" srcId="{9417970D-D16E-47D8-952F-F1094870768A}" destId="{B04C525A-D06E-44CD-8F0D-D8D7E6D3C6F4}" srcOrd="0" destOrd="0" presId="urn:microsoft.com/office/officeart/2018/5/layout/CenteredIconLabelDescriptionList"/>
+    <dgm:cxn modelId="{35DC1456-1D31-4997-8BFF-4F4490502DFC}" srcId="{7B2C0C00-6FD9-4577-980B-A0F2E683F9E3}" destId="{C99CBB10-A1E8-4E4D-9E4B-85FE63A75493}" srcOrd="1" destOrd="0" parTransId="{4CCAF35B-08EB-427D-A6B2-7C26DC77377A}" sibTransId="{6167A5F0-69EA-4975-BA5F-4BB9500FA8F8}"/>
     <dgm:cxn modelId="{D06A2660-A58F-44EC-BD6C-399AE3173F29}" srcId="{16CB7695-07D5-4375-BF76-4BE3079C4724}" destId="{EAC8779A-9226-43DA-A367-C31AB57AB8FD}" srcOrd="0" destOrd="0" parTransId="{F2BBA1CA-D474-43D7-B29F-BFE09E5756C3}" sibTransId="{CBF28B0D-F0AF-4A2F-9D2C-8DD7A33C7A32}"/>
     <dgm:cxn modelId="{5E39BB63-EE51-4916-B6AA-B77501B5DA77}" type="presOf" srcId="{7B2C0C00-6FD9-4577-980B-A0F2E683F9E3}" destId="{8F4C51CB-9039-41BF-971C-A0A9A5371BEA}" srcOrd="0" destOrd="0" presId="urn:microsoft.com/office/officeart/2018/5/layout/CenteredIconLabelDescriptionList"/>
-    <dgm:cxn modelId="{01719645-E08D-4994-A8B9-374F8F456AA0}" type="presOf" srcId="{9417970D-D16E-47D8-952F-F1094870768A}" destId="{B04C525A-D06E-44CD-8F0D-D8D7E6D3C6F4}" srcOrd="0" destOrd="0" presId="urn:microsoft.com/office/officeart/2018/5/layout/CenteredIconLabelDescriptionList"/>
     <dgm:cxn modelId="{1F1A726E-B4CB-4D08-8C1D-C507503B4E19}" srcId="{16CB7695-07D5-4375-BF76-4BE3079C4724}" destId="{E7468176-03A9-443C-AB67-70E42757B90F}" srcOrd="2" destOrd="0" parTransId="{05A4199E-68A3-43E9-AB9B-F0C3F02BE111}" sibTransId="{4ABB1D8E-EC7A-4A5F-B4B2-DD0EE389D5BF}"/>
-    <dgm:cxn modelId="{35DC1456-1D31-4997-8BFF-4F4490502DFC}" srcId="{7B2C0C00-6FD9-4577-980B-A0F2E683F9E3}" destId="{C99CBB10-A1E8-4E4D-9E4B-85FE63A75493}" srcOrd="1" destOrd="0" parTransId="{4CCAF35B-08EB-427D-A6B2-7C26DC77377A}" sibTransId="{6167A5F0-69EA-4975-BA5F-4BB9500FA8F8}"/>
     <dgm:cxn modelId="{EE58778A-989A-46AB-86D3-1FE43454CB2E}" srcId="{16CB7695-07D5-4375-BF76-4BE3079C4724}" destId="{7B2C0C00-6FD9-4577-980B-A0F2E683F9E3}" srcOrd="1" destOrd="0" parTransId="{CBC124B2-4900-4831-8DD2-150371CD8B88}" sibTransId="{0D36B698-5F98-40BE-B2BB-380961FE0ADE}"/>
     <dgm:cxn modelId="{8C46899B-2C09-4869-8A7B-B316CD560AC9}" srcId="{E7468176-03A9-443C-AB67-70E42757B90F}" destId="{D1D021A7-DBA8-4B38-8277-B9E78E10B59F}" srcOrd="0" destOrd="0" parTransId="{6C17FD83-EDAF-462D-84D5-1170EF3C5A4D}" sibTransId="{6305F920-62E9-4C52-BBAA-7B38A5B019FC}"/>
     <dgm:cxn modelId="{15F155B3-A0E5-4251-81AB-3A88747C3A8F}" srcId="{EAC8779A-9226-43DA-A367-C31AB57AB8FD}" destId="{07FD08A6-70A1-4E6F-84BD-BBF6F56F822E}" srcOrd="1" destOrd="0" parTransId="{6C33C966-029F-46BC-9CAD-68EEAD14E0AE}" sibTransId="{85075766-27FF-407A-B427-5C5B1378EA5D}"/>
@@ -3581,7 +3582,7 @@
           <a:p>
             <a:fld id="{2AC67E65-3FEC-47E0-B720-65A7A1F63DEE}" type="datetimeFigureOut">
               <a:rPr lang="en-IL" smtClean="0"/>
-              <a:t>17/06/2024</a:t>
+              <a:t>18/06/2024</a:t>
             </a:fld>
             <a:endParaRPr lang="en-IL"/>
           </a:p>
@@ -4082,7 +4083,7 @@
           <a:p>
             <a:fld id="{1F0F17AC-052D-4913-84DF-7CC850F525AA}" type="datetimeFigureOut">
               <a:rPr lang="LID4096" smtClean="0"/>
-              <a:t>06/17/2024</a:t>
+              <a:t>6/18/24</a:t>
             </a:fld>
             <a:endParaRPr lang="LID4096"/>
           </a:p>
@@ -4282,7 +4283,7 @@
           <a:p>
             <a:fld id="{1F0F17AC-052D-4913-84DF-7CC850F525AA}" type="datetimeFigureOut">
               <a:rPr lang="LID4096" smtClean="0"/>
-              <a:t>06/17/2024</a:t>
+              <a:t>6/18/24</a:t>
             </a:fld>
             <a:endParaRPr lang="LID4096"/>
           </a:p>
@@ -4492,7 +4493,7 @@
           <a:p>
             <a:fld id="{1F0F17AC-052D-4913-84DF-7CC850F525AA}" type="datetimeFigureOut">
               <a:rPr lang="LID4096" smtClean="0"/>
-              <a:t>06/17/2024</a:t>
+              <a:t>6/18/24</a:t>
             </a:fld>
             <a:endParaRPr lang="LID4096"/>
           </a:p>
@@ -4692,7 +4693,7 @@
           <a:p>
             <a:fld id="{1F0F17AC-052D-4913-84DF-7CC850F525AA}" type="datetimeFigureOut">
               <a:rPr lang="LID4096" smtClean="0"/>
-              <a:t>06/17/2024</a:t>
+              <a:t>6/18/24</a:t>
             </a:fld>
             <a:endParaRPr lang="LID4096"/>
           </a:p>
@@ -4968,7 +4969,7 @@
           <a:p>
             <a:fld id="{1F0F17AC-052D-4913-84DF-7CC850F525AA}" type="datetimeFigureOut">
               <a:rPr lang="LID4096" smtClean="0"/>
-              <a:t>06/17/2024</a:t>
+              <a:t>6/18/24</a:t>
             </a:fld>
             <a:endParaRPr lang="LID4096"/>
           </a:p>
@@ -5236,7 +5237,7 @@
           <a:p>
             <a:fld id="{1F0F17AC-052D-4913-84DF-7CC850F525AA}" type="datetimeFigureOut">
               <a:rPr lang="LID4096" smtClean="0"/>
-              <a:t>06/17/2024</a:t>
+              <a:t>6/18/24</a:t>
             </a:fld>
             <a:endParaRPr lang="LID4096"/>
           </a:p>
@@ -5651,7 +5652,7 @@
           <a:p>
             <a:fld id="{1F0F17AC-052D-4913-84DF-7CC850F525AA}" type="datetimeFigureOut">
               <a:rPr lang="LID4096" smtClean="0"/>
-              <a:t>06/17/2024</a:t>
+              <a:t>6/18/24</a:t>
             </a:fld>
             <a:endParaRPr lang="LID4096"/>
           </a:p>
@@ -5793,7 +5794,7 @@
           <a:p>
             <a:fld id="{1F0F17AC-052D-4913-84DF-7CC850F525AA}" type="datetimeFigureOut">
               <a:rPr lang="LID4096" smtClean="0"/>
-              <a:t>06/17/2024</a:t>
+              <a:t>6/18/24</a:t>
             </a:fld>
             <a:endParaRPr lang="LID4096"/>
           </a:p>
@@ -5906,7 +5907,7 @@
           <a:p>
             <a:fld id="{1F0F17AC-052D-4913-84DF-7CC850F525AA}" type="datetimeFigureOut">
               <a:rPr lang="LID4096" smtClean="0"/>
-              <a:t>06/17/2024</a:t>
+              <a:t>6/18/24</a:t>
             </a:fld>
             <a:endParaRPr lang="LID4096"/>
           </a:p>
@@ -6219,7 +6220,7 @@
           <a:p>
             <a:fld id="{1F0F17AC-052D-4913-84DF-7CC850F525AA}" type="datetimeFigureOut">
               <a:rPr lang="LID4096" smtClean="0"/>
-              <a:t>06/17/2024</a:t>
+              <a:t>6/18/24</a:t>
             </a:fld>
             <a:endParaRPr lang="LID4096"/>
           </a:p>
@@ -6508,7 +6509,7 @@
           <a:p>
             <a:fld id="{1F0F17AC-052D-4913-84DF-7CC850F525AA}" type="datetimeFigureOut">
               <a:rPr lang="LID4096" smtClean="0"/>
-              <a:t>06/17/2024</a:t>
+              <a:t>6/18/24</a:t>
             </a:fld>
             <a:endParaRPr lang="LID4096"/>
           </a:p>
@@ -6751,7 +6752,7 @@
           <a:p>
             <a:fld id="{1F0F17AC-052D-4913-84DF-7CC850F525AA}" type="datetimeFigureOut">
               <a:rPr lang="LID4096" smtClean="0"/>
-              <a:t>06/17/2024</a:t>
+              <a:t>6/18/24</a:t>
             </a:fld>
             <a:endParaRPr lang="LID4096"/>
           </a:p>
@@ -9924,6 +9925,935 @@
     <p:extLst>
       <p:ext uri="{BB962C8B-B14F-4D97-AF65-F5344CB8AC3E}">
         <p14:creationId xmlns:p14="http://schemas.microsoft.com/office/powerpoint/2010/main" val="3669300922"/>
+      </p:ext>
+    </p:extLst>
+  </p:cSld>
+  <p:clrMapOvr>
+    <a:masterClrMapping/>
+  </p:clrMapOvr>
+  <p:timing>
+    <p:tnLst>
+      <p:par>
+        <p:cTn id="1" dur="indefinite" restart="never" nodeType="tmRoot">
+          <p:childTnLst>
+            <p:seq concurrent="1" nextAc="seek">
+              <p:cTn id="2" dur="indefinite" nodeType="mainSeq">
+                <p:childTnLst>
+                  <p:par>
+                    <p:cTn id="3" fill="hold">
+                      <p:stCondLst>
+                        <p:cond delay="indefinite"/>
+                        <p:cond evt="onBegin" delay="0">
+                          <p:tn val="2"/>
+                        </p:cond>
+                      </p:stCondLst>
+                      <p:childTnLst>
+                        <p:par>
+                          <p:cTn id="4" fill="hold">
+                            <p:stCondLst>
+                              <p:cond delay="0"/>
+                            </p:stCondLst>
+                            <p:childTnLst>
+                              <p:par>
+                                <p:cTn id="5" presetID="10" presetClass="entr" presetSubtype="0" fill="hold" grpId="0" nodeType="withEffect">
+                                  <p:stCondLst>
+                                    <p:cond delay="500"/>
+                                  </p:stCondLst>
+                                  <p:iterate type="lt">
+                                    <p:tmPct val="10000"/>
+                                  </p:iterate>
+                                  <p:childTnLst>
+                                    <p:set>
+                                      <p:cBhvr>
+                                        <p:cTn id="6" dur="1" fill="hold">
+                                          <p:stCondLst>
+                                            <p:cond delay="0"/>
+                                          </p:stCondLst>
+                                        </p:cTn>
+                                        <p:tgtEl>
+                                          <p:spTgt spid="7"/>
+                                        </p:tgtEl>
+                                        <p:attrNameLst>
+                                          <p:attrName>style.visibility</p:attrName>
+                                        </p:attrNameLst>
+                                      </p:cBhvr>
+                                      <p:to>
+                                        <p:strVal val="visible"/>
+                                      </p:to>
+                                    </p:set>
+                                    <p:animEffect transition="in" filter="fade">
+                                      <p:cBhvr>
+                                        <p:cTn id="7" dur="400"/>
+                                        <p:tgtEl>
+                                          <p:spTgt spid="7"/>
+                                        </p:tgtEl>
+                                      </p:cBhvr>
+                                    </p:animEffect>
+                                  </p:childTnLst>
+                                </p:cTn>
+                              </p:par>
+                            </p:childTnLst>
+                          </p:cTn>
+                        </p:par>
+                      </p:childTnLst>
+                    </p:cTn>
+                  </p:par>
+                </p:childTnLst>
+              </p:cTn>
+              <p:prevCondLst>
+                <p:cond evt="onPrev" delay="0">
+                  <p:tgtEl>
+                    <p:sldTgt/>
+                  </p:tgtEl>
+                </p:cond>
+              </p:prevCondLst>
+              <p:nextCondLst>
+                <p:cond evt="onNext" delay="0">
+                  <p:tgtEl>
+                    <p:sldTgt/>
+                  </p:tgtEl>
+                </p:cond>
+              </p:nextCondLst>
+            </p:seq>
+          </p:childTnLst>
+        </p:cTn>
+      </p:par>
+    </p:tnLst>
+    <p:bldLst>
+      <p:bldP spid="7" grpId="0"/>
+    </p:bldLst>
+  </p:timing>
+</p:sld>
+</file>
+
+<file path=ppt/slides/slide13.xml><?xml version="1.0" encoding="utf-8"?>
+<p:sld xmlns:a="http://schemas.openxmlformats.org/drawingml/2006/main" xmlns:r="http://schemas.openxmlformats.org/officeDocument/2006/relationships" xmlns:p="http://schemas.openxmlformats.org/presentationml/2006/main">
+  <p:cSld>
+    <p:bg>
+      <p:bgPr>
+        <a:solidFill>
+          <a:schemeClr val="bg1"/>
+        </a:solidFill>
+        <a:effectLst/>
+      </p:bgPr>
+    </p:bg>
+    <p:spTree>
+      <p:nvGrpSpPr>
+        <p:cNvPr id="1" name="">
+          <a:extLst>
+            <a:ext uri="{FF2B5EF4-FFF2-40B4-BE49-F238E27FC236}">
+              <a16:creationId xmlns:a16="http://schemas.microsoft.com/office/drawing/2014/main" id="{E41B61D3-2981-898F-AA17-FC292C33E1BF}"/>
+            </a:ext>
+          </a:extLst>
+        </p:cNvPr>
+        <p:cNvGrpSpPr/>
+        <p:nvPr/>
+      </p:nvGrpSpPr>
+      <p:grpSpPr>
+        <a:xfrm>
+          <a:off x="0" y="0"/>
+          <a:ext cx="0" cy="0"/>
+          <a:chOff x="0" y="0"/>
+          <a:chExt cx="0" cy="0"/>
+        </a:xfrm>
+      </p:grpSpPr>
+      <p:sp useBgFill="1">
+        <p:nvSpPr>
+          <p:cNvPr id="22" name="Rectangle 21">
+            <a:extLst>
+              <a:ext uri="{FF2B5EF4-FFF2-40B4-BE49-F238E27FC236}">
+                <a16:creationId xmlns:a16="http://schemas.microsoft.com/office/drawing/2014/main" id="{BACC6370-2D7E-4714-9D71-7542949D7D5D}"/>
+              </a:ext>
+              <a:ext uri="{C183D7F6-B498-43B3-948B-1728B52AA6E4}">
+                <adec:decorative xmlns:adec="http://schemas.microsoft.com/office/drawing/2017/decorative" val="1"/>
+              </a:ext>
+            </a:extLst>
+          </p:cNvPr>
+          <p:cNvSpPr>
+            <a:spLocks noGrp="1" noRot="1" noChangeAspect="1" noMove="1" noResize="1" noEditPoints="1" noAdjustHandles="1" noChangeArrowheads="1" noChangeShapeType="1" noTextEdit="1"/>
+          </p:cNvSpPr>
+          <p:nvPr>
+            <p:extLst>
+              <p:ext uri="{386F3935-93C4-4BCD-93E2-E3B085C9AB24}">
+                <p16:designElem xmlns:p16="http://schemas.microsoft.com/office/powerpoint/2015/main" val="1"/>
+              </p:ext>
+            </p:extLst>
+          </p:nvPr>
+        </p:nvSpPr>
+        <p:spPr>
+          <a:xfrm>
+            <a:off x="0" y="0"/>
+            <a:ext cx="12192000" cy="6858000"/>
+          </a:xfrm>
+          <a:prstGeom prst="rect">
+            <a:avLst/>
+          </a:prstGeom>
+          <a:ln w="12700" cap="flat" cmpd="sng" algn="ctr">
+            <a:noFill/>
+            <a:prstDash val="solid"/>
+            <a:miter lim="800000"/>
+          </a:ln>
+          <a:effectLst/>
+          <a:extLst>
+            <a:ext uri="{91240B29-F687-4F45-9708-019B960494DF}">
+              <a14:hiddenLine xmlns:a14="http://schemas.microsoft.com/office/drawing/2010/main" w="12700" cap="flat" cmpd="sng" algn="ctr">
+                <a:solidFill>
+                  <a:schemeClr val="accent1">
+                    <a:shade val="50000"/>
+                  </a:schemeClr>
+                </a:solidFill>
+                <a:prstDash val="solid"/>
+                <a:miter lim="800000"/>
+              </a14:hiddenLine>
+            </a:ext>
+          </a:extLst>
+        </p:spPr>
+        <p:style>
+          <a:lnRef idx="2">
+            <a:schemeClr val="accent1">
+              <a:shade val="50000"/>
+            </a:schemeClr>
+          </a:lnRef>
+          <a:fillRef idx="1">
+            <a:schemeClr val="accent1"/>
+          </a:fillRef>
+          <a:effectRef idx="0">
+            <a:schemeClr val="accent1"/>
+          </a:effectRef>
+          <a:fontRef idx="minor">
+            <a:schemeClr val="lt1"/>
+          </a:fontRef>
+        </p:style>
+        <p:txBody>
+          <a:bodyPr rtlCol="0" anchor="ctr"/>
+          <a:lstStyle/>
+          <a:p>
+            <a:pPr algn="ctr"/>
+            <a:endParaRPr lang="en-US"/>
+          </a:p>
+        </p:txBody>
+      </p:sp>
+      <p:sp>
+        <p:nvSpPr>
+          <p:cNvPr id="24" name="Rectangle 23">
+            <a:extLst>
+              <a:ext uri="{FF2B5EF4-FFF2-40B4-BE49-F238E27FC236}">
+                <a16:creationId xmlns:a16="http://schemas.microsoft.com/office/drawing/2014/main" id="{F68B3F68-107C-434F-AA38-110D5EA91B85}"/>
+              </a:ext>
+              <a:ext uri="{C183D7F6-B498-43B3-948B-1728B52AA6E4}">
+                <adec:decorative xmlns:adec="http://schemas.microsoft.com/office/drawing/2017/decorative" val="1"/>
+              </a:ext>
+            </a:extLst>
+          </p:cNvPr>
+          <p:cNvSpPr>
+            <a:spLocks noGrp="1" noRot="1" noChangeAspect="1" noMove="1" noResize="1" noEditPoints="1" noAdjustHandles="1" noChangeArrowheads="1" noChangeShapeType="1" noTextEdit="1"/>
+          </p:cNvSpPr>
+          <p:nvPr>
+            <p:extLst>
+              <p:ext uri="{386F3935-93C4-4BCD-93E2-E3B085C9AB24}">
+                <p16:designElem xmlns:p16="http://schemas.microsoft.com/office/powerpoint/2015/main" val="1"/>
+              </p:ext>
+            </p:extLst>
+          </p:nvPr>
+        </p:nvSpPr>
+        <p:spPr>
+          <a:xfrm flipH="1">
+            <a:off x="2" y="0"/>
+            <a:ext cx="12191998" cy="1575955"/>
+          </a:xfrm>
+          <a:prstGeom prst="rect">
+            <a:avLst/>
+          </a:prstGeom>
+          <a:gradFill>
+            <a:gsLst>
+              <a:gs pos="0">
+                <a:srgbClr val="000000">
+                  <a:alpha val="96000"/>
+                </a:srgbClr>
+              </a:gs>
+              <a:gs pos="100000">
+                <a:schemeClr val="accent1">
+                  <a:lumMod val="75000"/>
+                </a:schemeClr>
+              </a:gs>
+            </a:gsLst>
+            <a:lin ang="8400000" scaled="0"/>
+          </a:gradFill>
+          <a:ln>
+            <a:noFill/>
+          </a:ln>
+        </p:spPr>
+        <p:style>
+          <a:lnRef idx="2">
+            <a:schemeClr val="accent1">
+              <a:shade val="50000"/>
+            </a:schemeClr>
+          </a:lnRef>
+          <a:fillRef idx="1">
+            <a:schemeClr val="accent1"/>
+          </a:fillRef>
+          <a:effectRef idx="0">
+            <a:schemeClr val="accent1"/>
+          </a:effectRef>
+          <a:fontRef idx="minor">
+            <a:schemeClr val="lt1"/>
+          </a:fontRef>
+        </p:style>
+        <p:txBody>
+          <a:bodyPr rtlCol="0" anchor="ctr"/>
+          <a:lstStyle/>
+          <a:p>
+            <a:pPr algn="ctr"/>
+            <a:endParaRPr lang="en-US"/>
+          </a:p>
+        </p:txBody>
+      </p:sp>
+      <p:sp>
+        <p:nvSpPr>
+          <p:cNvPr id="26" name="Rectangle 25">
+            <a:extLst>
+              <a:ext uri="{FF2B5EF4-FFF2-40B4-BE49-F238E27FC236}">
+                <a16:creationId xmlns:a16="http://schemas.microsoft.com/office/drawing/2014/main" id="{AAD0DBB9-1A4B-4391-81D4-CB19F9AB918A}"/>
+              </a:ext>
+              <a:ext uri="{C183D7F6-B498-43B3-948B-1728B52AA6E4}">
+                <adec:decorative xmlns:adec="http://schemas.microsoft.com/office/drawing/2017/decorative" val="1"/>
+              </a:ext>
+            </a:extLst>
+          </p:cNvPr>
+          <p:cNvSpPr>
+            <a:spLocks noGrp="1" noRot="1" noChangeAspect="1" noMove="1" noResize="1" noEditPoints="1" noAdjustHandles="1" noChangeArrowheads="1" noChangeShapeType="1" noTextEdit="1"/>
+          </p:cNvSpPr>
+          <p:nvPr>
+            <p:extLst>
+              <p:ext uri="{386F3935-93C4-4BCD-93E2-E3B085C9AB24}">
+                <p16:designElem xmlns:p16="http://schemas.microsoft.com/office/powerpoint/2015/main" val="1"/>
+              </p:ext>
+            </p:extLst>
+          </p:nvPr>
+        </p:nvSpPr>
+        <p:spPr>
+          <a:xfrm rot="10800000" flipH="1">
+            <a:off x="8128857" y="0"/>
+            <a:ext cx="4063143" cy="1576412"/>
+          </a:xfrm>
+          <a:prstGeom prst="rect">
+            <a:avLst/>
+          </a:prstGeom>
+          <a:gradFill>
+            <a:gsLst>
+              <a:gs pos="19000">
+                <a:schemeClr val="accent1">
+                  <a:lumMod val="50000"/>
+                  <a:alpha val="68000"/>
+                </a:schemeClr>
+              </a:gs>
+              <a:gs pos="100000">
+                <a:schemeClr val="accent1">
+                  <a:alpha val="79000"/>
+                </a:schemeClr>
+              </a:gs>
+            </a:gsLst>
+            <a:lin ang="19200000" scaled="0"/>
+          </a:gradFill>
+          <a:ln>
+            <a:noFill/>
+          </a:ln>
+        </p:spPr>
+        <p:style>
+          <a:lnRef idx="2">
+            <a:schemeClr val="accent1">
+              <a:shade val="50000"/>
+            </a:schemeClr>
+          </a:lnRef>
+          <a:fillRef idx="1">
+            <a:schemeClr val="accent1"/>
+          </a:fillRef>
+          <a:effectRef idx="0">
+            <a:schemeClr val="accent1"/>
+          </a:effectRef>
+          <a:fontRef idx="minor">
+            <a:schemeClr val="lt1"/>
+          </a:fontRef>
+        </p:style>
+        <p:txBody>
+          <a:bodyPr rtlCol="0" anchor="ctr"/>
+          <a:lstStyle/>
+          <a:p>
+            <a:pPr algn="ctr"/>
+            <a:endParaRPr lang="en-US"/>
+          </a:p>
+        </p:txBody>
+      </p:sp>
+      <p:sp>
+        <p:nvSpPr>
+          <p:cNvPr id="28" name="Rectangle 27">
+            <a:extLst>
+              <a:ext uri="{FF2B5EF4-FFF2-40B4-BE49-F238E27FC236}">
+                <a16:creationId xmlns:a16="http://schemas.microsoft.com/office/drawing/2014/main" id="{063BBA22-50EA-4C4D-BE05-F1CE4E63AA56}"/>
+              </a:ext>
+              <a:ext uri="{C183D7F6-B498-43B3-948B-1728B52AA6E4}">
+                <adec:decorative xmlns:adec="http://schemas.microsoft.com/office/drawing/2017/decorative" val="1"/>
+              </a:ext>
+            </a:extLst>
+          </p:cNvPr>
+          <p:cNvSpPr>
+            <a:spLocks noGrp="1" noRot="1" noChangeAspect="1" noMove="1" noResize="1" noEditPoints="1" noAdjustHandles="1" noChangeArrowheads="1" noChangeShapeType="1" noTextEdit="1"/>
+          </p:cNvSpPr>
+          <p:nvPr>
+            <p:extLst>
+              <p:ext uri="{386F3935-93C4-4BCD-93E2-E3B085C9AB24}">
+                <p16:designElem xmlns:p16="http://schemas.microsoft.com/office/powerpoint/2015/main" val="1"/>
+              </p:ext>
+            </p:extLst>
+          </p:nvPr>
+        </p:nvSpPr>
+        <p:spPr>
+          <a:xfrm rot="5400000">
+            <a:off x="5307777" y="-5307778"/>
+            <a:ext cx="1576446" cy="12192002"/>
+          </a:xfrm>
+          <a:prstGeom prst="rect">
+            <a:avLst/>
+          </a:prstGeom>
+          <a:gradFill>
+            <a:gsLst>
+              <a:gs pos="23000">
+                <a:schemeClr val="accent1">
+                  <a:alpha val="0"/>
+                </a:schemeClr>
+              </a:gs>
+              <a:gs pos="99000">
+                <a:srgbClr val="000000">
+                  <a:alpha val="74000"/>
+                </a:srgbClr>
+              </a:gs>
+            </a:gsLst>
+            <a:lin ang="20400000" scaled="0"/>
+          </a:gradFill>
+          <a:ln>
+            <a:noFill/>
+          </a:ln>
+        </p:spPr>
+        <p:style>
+          <a:lnRef idx="2">
+            <a:schemeClr val="accent1">
+              <a:shade val="50000"/>
+            </a:schemeClr>
+          </a:lnRef>
+          <a:fillRef idx="1">
+            <a:schemeClr val="accent1"/>
+          </a:fillRef>
+          <a:effectRef idx="0">
+            <a:schemeClr val="accent1"/>
+          </a:effectRef>
+          <a:fontRef idx="minor">
+            <a:schemeClr val="lt1"/>
+          </a:fontRef>
+        </p:style>
+        <p:txBody>
+          <a:bodyPr rtlCol="0" anchor="ctr"/>
+          <a:lstStyle/>
+          <a:p>
+            <a:pPr algn="ctr"/>
+            <a:endParaRPr lang="en-US" dirty="0"/>
+          </a:p>
+        </p:txBody>
+      </p:sp>
+      <p:sp>
+        <p:nvSpPr>
+          <p:cNvPr id="4" name="Content Placeholder 2">
+            <a:extLst>
+              <a:ext uri="{FF2B5EF4-FFF2-40B4-BE49-F238E27FC236}">
+                <a16:creationId xmlns:a16="http://schemas.microsoft.com/office/drawing/2014/main" id="{AFC934D0-625F-6A4C-F462-A659A43F92C0}"/>
+              </a:ext>
+            </a:extLst>
+          </p:cNvPr>
+          <p:cNvSpPr txBox="1">
+            <a:spLocks/>
+          </p:cNvSpPr>
+          <p:nvPr/>
+        </p:nvSpPr>
+        <p:spPr>
+          <a:xfrm>
+            <a:off x="931877" y="1775669"/>
+            <a:ext cx="8897224" cy="5023607"/>
+          </a:xfrm>
+          <a:prstGeom prst="rect">
+            <a:avLst/>
+          </a:prstGeom>
+        </p:spPr>
+        <p:txBody>
+          <a:bodyPr vert="horz" lIns="91440" tIns="45720" rIns="91440" bIns="45720" rtlCol="0">
+            <a:normAutofit/>
+          </a:bodyPr>
+          <a:lstStyle>
+            <a:lvl1pPr marL="228600" indent="-228600" algn="l" defTabSz="914400" rtl="0" eaLnBrk="1" latinLnBrk="0" hangingPunct="1">
+              <a:lnSpc>
+                <a:spcPct val="90000"/>
+              </a:lnSpc>
+              <a:spcBef>
+                <a:spcPts val="1000"/>
+              </a:spcBef>
+              <a:buFont typeface="Arial" panose="020B0604020202020204" pitchFamily="34" charset="0"/>
+              <a:buChar char="•"/>
+              <a:defRPr sz="2800" kern="1200">
+                <a:solidFill>
+                  <a:schemeClr val="tx1"/>
+                </a:solidFill>
+                <a:latin typeface="+mn-lt"/>
+                <a:ea typeface="+mn-ea"/>
+                <a:cs typeface="+mn-cs"/>
+              </a:defRPr>
+            </a:lvl1pPr>
+            <a:lvl2pPr marL="685800" indent="-228600" algn="l" defTabSz="914400" rtl="0" eaLnBrk="1" latinLnBrk="0" hangingPunct="1">
+              <a:lnSpc>
+                <a:spcPct val="90000"/>
+              </a:lnSpc>
+              <a:spcBef>
+                <a:spcPts val="500"/>
+              </a:spcBef>
+              <a:buFont typeface="Arial" panose="020B0604020202020204" pitchFamily="34" charset="0"/>
+              <a:buChar char="•"/>
+              <a:defRPr sz="2400" kern="1200">
+                <a:solidFill>
+                  <a:schemeClr val="tx1"/>
+                </a:solidFill>
+                <a:latin typeface="+mn-lt"/>
+                <a:ea typeface="+mn-ea"/>
+                <a:cs typeface="+mn-cs"/>
+              </a:defRPr>
+            </a:lvl2pPr>
+            <a:lvl3pPr marL="1143000" indent="-228600" algn="l" defTabSz="914400" rtl="0" eaLnBrk="1" latinLnBrk="0" hangingPunct="1">
+              <a:lnSpc>
+                <a:spcPct val="90000"/>
+              </a:lnSpc>
+              <a:spcBef>
+                <a:spcPts val="500"/>
+              </a:spcBef>
+              <a:buFont typeface="Arial" panose="020B0604020202020204" pitchFamily="34" charset="0"/>
+              <a:buChar char="•"/>
+              <a:defRPr sz="2000" kern="1200">
+                <a:solidFill>
+                  <a:schemeClr val="tx1"/>
+                </a:solidFill>
+                <a:latin typeface="+mn-lt"/>
+                <a:ea typeface="+mn-ea"/>
+                <a:cs typeface="+mn-cs"/>
+              </a:defRPr>
+            </a:lvl3pPr>
+            <a:lvl4pPr marL="1600200" indent="-228600" algn="l" defTabSz="914400" rtl="0" eaLnBrk="1" latinLnBrk="0" hangingPunct="1">
+              <a:lnSpc>
+                <a:spcPct val="90000"/>
+              </a:lnSpc>
+              <a:spcBef>
+                <a:spcPts val="500"/>
+              </a:spcBef>
+              <a:buFont typeface="Arial" panose="020B0604020202020204" pitchFamily="34" charset="0"/>
+              <a:buChar char="•"/>
+              <a:defRPr sz="1800" kern="1200">
+                <a:solidFill>
+                  <a:schemeClr val="tx1"/>
+                </a:solidFill>
+                <a:latin typeface="+mn-lt"/>
+                <a:ea typeface="+mn-ea"/>
+                <a:cs typeface="+mn-cs"/>
+              </a:defRPr>
+            </a:lvl4pPr>
+            <a:lvl5pPr marL="2057400" indent="-228600" algn="l" defTabSz="914400" rtl="0" eaLnBrk="1" latinLnBrk="0" hangingPunct="1">
+              <a:lnSpc>
+                <a:spcPct val="90000"/>
+              </a:lnSpc>
+              <a:spcBef>
+                <a:spcPts val="500"/>
+              </a:spcBef>
+              <a:buFont typeface="Arial" panose="020B0604020202020204" pitchFamily="34" charset="0"/>
+              <a:buChar char="•"/>
+              <a:defRPr sz="1800" kern="1200">
+                <a:solidFill>
+                  <a:schemeClr val="tx1"/>
+                </a:solidFill>
+                <a:latin typeface="+mn-lt"/>
+                <a:ea typeface="+mn-ea"/>
+                <a:cs typeface="+mn-cs"/>
+              </a:defRPr>
+            </a:lvl5pPr>
+            <a:lvl6pPr marL="2514600" indent="-228600" algn="l" defTabSz="914400" rtl="0" eaLnBrk="1" latinLnBrk="0" hangingPunct="1">
+              <a:lnSpc>
+                <a:spcPct val="90000"/>
+              </a:lnSpc>
+              <a:spcBef>
+                <a:spcPts val="500"/>
+              </a:spcBef>
+              <a:buFont typeface="Arial" panose="020B0604020202020204" pitchFamily="34" charset="0"/>
+              <a:buChar char="•"/>
+              <a:defRPr sz="1800" kern="1200">
+                <a:solidFill>
+                  <a:schemeClr val="tx1"/>
+                </a:solidFill>
+                <a:latin typeface="+mn-lt"/>
+                <a:ea typeface="+mn-ea"/>
+                <a:cs typeface="+mn-cs"/>
+              </a:defRPr>
+            </a:lvl6pPr>
+            <a:lvl7pPr marL="2971800" indent="-228600" algn="l" defTabSz="914400" rtl="0" eaLnBrk="1" latinLnBrk="0" hangingPunct="1">
+              <a:lnSpc>
+                <a:spcPct val="90000"/>
+              </a:lnSpc>
+              <a:spcBef>
+                <a:spcPts val="500"/>
+              </a:spcBef>
+              <a:buFont typeface="Arial" panose="020B0604020202020204" pitchFamily="34" charset="0"/>
+              <a:buChar char="•"/>
+              <a:defRPr sz="1800" kern="1200">
+                <a:solidFill>
+                  <a:schemeClr val="tx1"/>
+                </a:solidFill>
+                <a:latin typeface="+mn-lt"/>
+                <a:ea typeface="+mn-ea"/>
+                <a:cs typeface="+mn-cs"/>
+              </a:defRPr>
+            </a:lvl7pPr>
+            <a:lvl8pPr marL="3429000" indent="-228600" algn="l" defTabSz="914400" rtl="0" eaLnBrk="1" latinLnBrk="0" hangingPunct="1">
+              <a:lnSpc>
+                <a:spcPct val="90000"/>
+              </a:lnSpc>
+              <a:spcBef>
+                <a:spcPts val="500"/>
+              </a:spcBef>
+              <a:buFont typeface="Arial" panose="020B0604020202020204" pitchFamily="34" charset="0"/>
+              <a:buChar char="•"/>
+              <a:defRPr sz="1800" kern="1200">
+                <a:solidFill>
+                  <a:schemeClr val="tx1"/>
+                </a:solidFill>
+                <a:latin typeface="+mn-lt"/>
+                <a:ea typeface="+mn-ea"/>
+                <a:cs typeface="+mn-cs"/>
+              </a:defRPr>
+            </a:lvl8pPr>
+            <a:lvl9pPr marL="3886200" indent="-228600" algn="l" defTabSz="914400" rtl="0" eaLnBrk="1" latinLnBrk="0" hangingPunct="1">
+              <a:lnSpc>
+                <a:spcPct val="90000"/>
+              </a:lnSpc>
+              <a:spcBef>
+                <a:spcPts val="500"/>
+              </a:spcBef>
+              <a:buFont typeface="Arial" panose="020B0604020202020204" pitchFamily="34" charset="0"/>
+              <a:buChar char="•"/>
+              <a:defRPr sz="1800" kern="1200">
+                <a:solidFill>
+                  <a:schemeClr val="tx1"/>
+                </a:solidFill>
+                <a:latin typeface="+mn-lt"/>
+                <a:ea typeface="+mn-ea"/>
+                <a:cs typeface="+mn-cs"/>
+              </a:defRPr>
+            </a:lvl9pPr>
+          </a:lstStyle>
+          <a:p>
+            <a:pPr marL="0" indent="0">
+              <a:buNone/>
+            </a:pPr>
+            <a:endParaRPr lang="en-US" dirty="0"/>
+          </a:p>
+        </p:txBody>
+      </p:sp>
+      <p:sp>
+        <p:nvSpPr>
+          <p:cNvPr id="7" name="Title 1">
+            <a:extLst>
+              <a:ext uri="{FF2B5EF4-FFF2-40B4-BE49-F238E27FC236}">
+                <a16:creationId xmlns:a16="http://schemas.microsoft.com/office/drawing/2014/main" id="{C5A66165-6FC2-DCB7-D069-732603CB4AB8}"/>
+              </a:ext>
+            </a:extLst>
+          </p:cNvPr>
+          <p:cNvSpPr txBox="1">
+            <a:spLocks/>
+          </p:cNvSpPr>
+          <p:nvPr/>
+        </p:nvSpPr>
+        <p:spPr>
+          <a:xfrm>
+            <a:off x="838200" y="269517"/>
+            <a:ext cx="10053763" cy="732967"/>
+          </a:xfrm>
+          <a:prstGeom prst="rect">
+            <a:avLst/>
+          </a:prstGeom>
+        </p:spPr>
+        <p:txBody>
+          <a:bodyPr vert="horz" lIns="91440" tIns="45720" rIns="91440" bIns="45720" rtlCol="0" anchor="b">
+            <a:normAutofit lnSpcReduction="10000"/>
+          </a:bodyPr>
+          <a:lstStyle>
+            <a:lvl1pPr algn="l" defTabSz="914400" rtl="0" eaLnBrk="1" latinLnBrk="0" hangingPunct="1">
+              <a:lnSpc>
+                <a:spcPct val="90000"/>
+              </a:lnSpc>
+              <a:spcBef>
+                <a:spcPct val="0"/>
+              </a:spcBef>
+              <a:buNone/>
+              <a:defRPr sz="4400" kern="1200">
+                <a:solidFill>
+                  <a:schemeClr val="tx1"/>
+                </a:solidFill>
+                <a:latin typeface="+mj-lt"/>
+                <a:ea typeface="+mj-ea"/>
+                <a:cs typeface="+mj-cs"/>
+              </a:defRPr>
+            </a:lvl1pPr>
+          </a:lstStyle>
+          <a:p>
+            <a:r>
+              <a:rPr lang="en-US" sz="4800" dirty="0">
+                <a:solidFill>
+                  <a:srgbClr val="FFFFFF"/>
+                </a:solidFill>
+              </a:rPr>
+              <a:t>User feedback</a:t>
+            </a:r>
+          </a:p>
+        </p:txBody>
+      </p:sp>
+      <p:sp>
+        <p:nvSpPr>
+          <p:cNvPr id="3" name="Content Placeholder 2">
+            <a:extLst>
+              <a:ext uri="{FF2B5EF4-FFF2-40B4-BE49-F238E27FC236}">
+                <a16:creationId xmlns:a16="http://schemas.microsoft.com/office/drawing/2014/main" id="{2C8AE4DF-CC5D-2625-FD29-364463E050D5}"/>
+              </a:ext>
+            </a:extLst>
+          </p:cNvPr>
+          <p:cNvSpPr txBox="1">
+            <a:spLocks/>
+          </p:cNvSpPr>
+          <p:nvPr/>
+        </p:nvSpPr>
+        <p:spPr>
+          <a:xfrm>
+            <a:off x="1084277" y="1928069"/>
+            <a:ext cx="8897224" cy="5023607"/>
+          </a:xfrm>
+          <a:prstGeom prst="rect">
+            <a:avLst/>
+          </a:prstGeom>
+        </p:spPr>
+        <p:txBody>
+          <a:bodyPr vert="horz" lIns="91440" tIns="45720" rIns="91440" bIns="45720" rtlCol="0">
+            <a:normAutofit/>
+          </a:bodyPr>
+          <a:lstStyle>
+            <a:lvl1pPr marL="228600" indent="-228600" algn="l" defTabSz="914400" rtl="0" eaLnBrk="1" latinLnBrk="0" hangingPunct="1">
+              <a:lnSpc>
+                <a:spcPct val="90000"/>
+              </a:lnSpc>
+              <a:spcBef>
+                <a:spcPts val="1000"/>
+              </a:spcBef>
+              <a:buFont typeface="Arial" panose="020B0604020202020204" pitchFamily="34" charset="0"/>
+              <a:buChar char="•"/>
+              <a:defRPr sz="2800" kern="1200">
+                <a:solidFill>
+                  <a:schemeClr val="tx1"/>
+                </a:solidFill>
+                <a:latin typeface="+mn-lt"/>
+                <a:ea typeface="+mn-ea"/>
+                <a:cs typeface="+mn-cs"/>
+              </a:defRPr>
+            </a:lvl1pPr>
+            <a:lvl2pPr marL="685800" indent="-228600" algn="l" defTabSz="914400" rtl="0" eaLnBrk="1" latinLnBrk="0" hangingPunct="1">
+              <a:lnSpc>
+                <a:spcPct val="90000"/>
+              </a:lnSpc>
+              <a:spcBef>
+                <a:spcPts val="500"/>
+              </a:spcBef>
+              <a:buFont typeface="Arial" panose="020B0604020202020204" pitchFamily="34" charset="0"/>
+              <a:buChar char="•"/>
+              <a:defRPr sz="2400" kern="1200">
+                <a:solidFill>
+                  <a:schemeClr val="tx1"/>
+                </a:solidFill>
+                <a:latin typeface="+mn-lt"/>
+                <a:ea typeface="+mn-ea"/>
+                <a:cs typeface="+mn-cs"/>
+              </a:defRPr>
+            </a:lvl2pPr>
+            <a:lvl3pPr marL="1143000" indent="-228600" algn="l" defTabSz="914400" rtl="0" eaLnBrk="1" latinLnBrk="0" hangingPunct="1">
+              <a:lnSpc>
+                <a:spcPct val="90000"/>
+              </a:lnSpc>
+              <a:spcBef>
+                <a:spcPts val="500"/>
+              </a:spcBef>
+              <a:buFont typeface="Arial" panose="020B0604020202020204" pitchFamily="34" charset="0"/>
+              <a:buChar char="•"/>
+              <a:defRPr sz="2000" kern="1200">
+                <a:solidFill>
+                  <a:schemeClr val="tx1"/>
+                </a:solidFill>
+                <a:latin typeface="+mn-lt"/>
+                <a:ea typeface="+mn-ea"/>
+                <a:cs typeface="+mn-cs"/>
+              </a:defRPr>
+            </a:lvl3pPr>
+            <a:lvl4pPr marL="1600200" indent="-228600" algn="l" defTabSz="914400" rtl="0" eaLnBrk="1" latinLnBrk="0" hangingPunct="1">
+              <a:lnSpc>
+                <a:spcPct val="90000"/>
+              </a:lnSpc>
+              <a:spcBef>
+                <a:spcPts val="500"/>
+              </a:spcBef>
+              <a:buFont typeface="Arial" panose="020B0604020202020204" pitchFamily="34" charset="0"/>
+              <a:buChar char="•"/>
+              <a:defRPr sz="1800" kern="1200">
+                <a:solidFill>
+                  <a:schemeClr val="tx1"/>
+                </a:solidFill>
+                <a:latin typeface="+mn-lt"/>
+                <a:ea typeface="+mn-ea"/>
+                <a:cs typeface="+mn-cs"/>
+              </a:defRPr>
+            </a:lvl4pPr>
+            <a:lvl5pPr marL="2057400" indent="-228600" algn="l" defTabSz="914400" rtl="0" eaLnBrk="1" latinLnBrk="0" hangingPunct="1">
+              <a:lnSpc>
+                <a:spcPct val="90000"/>
+              </a:lnSpc>
+              <a:spcBef>
+                <a:spcPts val="500"/>
+              </a:spcBef>
+              <a:buFont typeface="Arial" panose="020B0604020202020204" pitchFamily="34" charset="0"/>
+              <a:buChar char="•"/>
+              <a:defRPr sz="1800" kern="1200">
+                <a:solidFill>
+                  <a:schemeClr val="tx1"/>
+                </a:solidFill>
+                <a:latin typeface="+mn-lt"/>
+                <a:ea typeface="+mn-ea"/>
+                <a:cs typeface="+mn-cs"/>
+              </a:defRPr>
+            </a:lvl5pPr>
+            <a:lvl6pPr marL="2514600" indent="-228600" algn="l" defTabSz="914400" rtl="0" eaLnBrk="1" latinLnBrk="0" hangingPunct="1">
+              <a:lnSpc>
+                <a:spcPct val="90000"/>
+              </a:lnSpc>
+              <a:spcBef>
+                <a:spcPts val="500"/>
+              </a:spcBef>
+              <a:buFont typeface="Arial" panose="020B0604020202020204" pitchFamily="34" charset="0"/>
+              <a:buChar char="•"/>
+              <a:defRPr sz="1800" kern="1200">
+                <a:solidFill>
+                  <a:schemeClr val="tx1"/>
+                </a:solidFill>
+                <a:latin typeface="+mn-lt"/>
+                <a:ea typeface="+mn-ea"/>
+                <a:cs typeface="+mn-cs"/>
+              </a:defRPr>
+            </a:lvl6pPr>
+            <a:lvl7pPr marL="2971800" indent="-228600" algn="l" defTabSz="914400" rtl="0" eaLnBrk="1" latinLnBrk="0" hangingPunct="1">
+              <a:lnSpc>
+                <a:spcPct val="90000"/>
+              </a:lnSpc>
+              <a:spcBef>
+                <a:spcPts val="500"/>
+              </a:spcBef>
+              <a:buFont typeface="Arial" panose="020B0604020202020204" pitchFamily="34" charset="0"/>
+              <a:buChar char="•"/>
+              <a:defRPr sz="1800" kern="1200">
+                <a:solidFill>
+                  <a:schemeClr val="tx1"/>
+                </a:solidFill>
+                <a:latin typeface="+mn-lt"/>
+                <a:ea typeface="+mn-ea"/>
+                <a:cs typeface="+mn-cs"/>
+              </a:defRPr>
+            </a:lvl7pPr>
+            <a:lvl8pPr marL="3429000" indent="-228600" algn="l" defTabSz="914400" rtl="0" eaLnBrk="1" latinLnBrk="0" hangingPunct="1">
+              <a:lnSpc>
+                <a:spcPct val="90000"/>
+              </a:lnSpc>
+              <a:spcBef>
+                <a:spcPts val="500"/>
+              </a:spcBef>
+              <a:buFont typeface="Arial" panose="020B0604020202020204" pitchFamily="34" charset="0"/>
+              <a:buChar char="•"/>
+              <a:defRPr sz="1800" kern="1200">
+                <a:solidFill>
+                  <a:schemeClr val="tx1"/>
+                </a:solidFill>
+                <a:latin typeface="+mn-lt"/>
+                <a:ea typeface="+mn-ea"/>
+                <a:cs typeface="+mn-cs"/>
+              </a:defRPr>
+            </a:lvl8pPr>
+            <a:lvl9pPr marL="3886200" indent="-228600" algn="l" defTabSz="914400" rtl="0" eaLnBrk="1" latinLnBrk="0" hangingPunct="1">
+              <a:lnSpc>
+                <a:spcPct val="90000"/>
+              </a:lnSpc>
+              <a:spcBef>
+                <a:spcPts val="500"/>
+              </a:spcBef>
+              <a:buFont typeface="Arial" panose="020B0604020202020204" pitchFamily="34" charset="0"/>
+              <a:buChar char="•"/>
+              <a:defRPr sz="1800" kern="1200">
+                <a:solidFill>
+                  <a:schemeClr val="tx1"/>
+                </a:solidFill>
+                <a:latin typeface="+mn-lt"/>
+                <a:ea typeface="+mn-ea"/>
+                <a:cs typeface="+mn-cs"/>
+              </a:defRPr>
+            </a:lvl9pPr>
+          </a:lstStyle>
+          <a:p>
+            <a:pPr marL="0" indent="0">
+              <a:buNone/>
+            </a:pPr>
+            <a:r>
+              <a:rPr lang="en-US" dirty="0"/>
+              <a:t>The Administration component still does not work properly, And the building exam component work partially.</a:t>
+            </a:r>
+          </a:p>
+          <a:p>
+            <a:pPr marL="0" indent="0">
+              <a:buNone/>
+            </a:pPr>
+            <a:r>
+              <a:rPr lang="en-US" dirty="0"/>
+              <a:t>But the question editing component is already in a relatively advanced state. Easy to generate meta-questions, add answers and solutions.</a:t>
+            </a:r>
+          </a:p>
+          <a:p>
+            <a:pPr marL="0" indent="0">
+              <a:buNone/>
+            </a:pPr>
+            <a:r>
+              <a:rPr lang="en-US" dirty="0"/>
+              <a:t>The system produces a PDF at the level of questions and exams.</a:t>
+            </a:r>
+          </a:p>
+          <a:p>
+            <a:pPr marL="0" indent="0">
+              <a:buNone/>
+            </a:pPr>
+            <a:r>
+              <a:rPr lang="en-US" dirty="0"/>
+              <a:t>The exam format still requires changes and improvements, but what I have seen is beautiful, informative, and </a:t>
+            </a:r>
+            <a:r>
+              <a:rPr lang="en-US"/>
+              <a:t>very easy to use.</a:t>
+            </a:r>
+            <a:endParaRPr lang="en-US" dirty="0"/>
+          </a:p>
+        </p:txBody>
+      </p:sp>
+    </p:spTree>
+    <p:extLst>
+      <p:ext uri="{BB962C8B-B14F-4D97-AF65-F5344CB8AC3E}">
+        <p14:creationId xmlns:p14="http://schemas.microsoft.com/office/powerpoint/2010/main" val="1141389840"/>
       </p:ext>
     </p:extLst>
   </p:cSld>
@@ -15456,15 +16386,6 @@
 </file>
 
 <file path=customXml/item1.xml><?xml version="1.0" encoding="utf-8"?>
-<?mso-contentType ?>
-<FormTemplates xmlns="http://schemas.microsoft.com/sharepoint/v3/contenttype/forms">
-  <Display>DocumentLibraryForm</Display>
-  <Edit>DocumentLibraryForm</Edit>
-  <New>DocumentLibraryForm</New>
-</FormTemplates>
-</file>
-
-<file path=customXml/item2.xml><?xml version="1.0" encoding="utf-8"?>
 <ct:contentTypeSchema xmlns:ct="http://schemas.microsoft.com/office/2006/metadata/contentType" xmlns:ma="http://schemas.microsoft.com/office/2006/metadata/properties/metaAttributes" ct:_="" ma:_="" ma:contentTypeName="מסמך" ma:contentTypeID="0x0101001EA59A15987AE144A254FC4106E321C8" ma:contentTypeVersion="0" ma:contentTypeDescription="צור מסמך חדש." ma:contentTypeScope="" ma:versionID="ac5e564299d3b42ba03881e8c53bf074">
   <xsd:schema xmlns:xsd="http://www.w3.org/2001/XMLSchema" xmlns:xs="http://www.w3.org/2001/XMLSchema" xmlns:p="http://schemas.microsoft.com/office/2006/metadata/properties" targetNamespace="http://schemas.microsoft.com/office/2006/metadata/properties" ma:root="true" ma:fieldsID="b37cfc545645a8cf67766586f7122ed1">
     <xsd:element name="properties">
@@ -15578,6 +16499,15 @@
 </ct:contentTypeSchema>
 </file>
 
+<file path=customXml/item2.xml><?xml version="1.0" encoding="utf-8"?>
+<?mso-contentType ?>
+<FormTemplates xmlns="http://schemas.microsoft.com/sharepoint/v3/contenttype/forms">
+  <Display>DocumentLibraryForm</Display>
+  <Edit>DocumentLibraryForm</Edit>
+  <New>DocumentLibraryForm</New>
+</FormTemplates>
+</file>
+
 <file path=customXml/item3.xml><?xml version="1.0" encoding="utf-8"?>
 <p:properties xmlns:p="http://schemas.microsoft.com/office/2006/metadata/properties" xmlns:xsi="http://www.w3.org/2001/XMLSchema-instance" xmlns:pc="http://schemas.microsoft.com/office/infopath/2007/PartnerControls">
   <documentManagement/>
@@ -15585,14 +16515,6 @@
 </file>
 
 <file path=customXml/itemProps1.xml><?xml version="1.0" encoding="utf-8"?>
-<ds:datastoreItem xmlns:ds="http://schemas.openxmlformats.org/officeDocument/2006/customXml" ds:itemID="{78044AE5-62BD-4847-9366-F16F3787C79C}">
-  <ds:schemaRefs>
-    <ds:schemaRef ds:uri="http://schemas.microsoft.com/sharepoint/v3/contenttype/forms"/>
-  </ds:schemaRefs>
-</ds:datastoreItem>
-</file>
-
-<file path=customXml/itemProps2.xml><?xml version="1.0" encoding="utf-8"?>
 <ds:datastoreItem xmlns:ds="http://schemas.openxmlformats.org/officeDocument/2006/customXml" ds:itemID="{AEFC6045-F173-4449-8223-138CC82507B1}">
   <ds:schemaRefs>
     <ds:schemaRef ds:uri="http://schemas.microsoft.com/office/2006/metadata/contentType"/>
@@ -15604,6 +16526,14 @@
     <ds:schemaRef ds:uri="http://purl.org/dc/terms/"/>
     <ds:schemaRef ds:uri="http://schemas.microsoft.com/internal/obd"/>
     <ds:schemaRef ds:uri="http://schemas.microsoft.com/office/infopath/2007/PartnerControls"/>
+  </ds:schemaRefs>
+</ds:datastoreItem>
+</file>
+
+<file path=customXml/itemProps2.xml><?xml version="1.0" encoding="utf-8"?>
+<ds:datastoreItem xmlns:ds="http://schemas.openxmlformats.org/officeDocument/2006/customXml" ds:itemID="{78044AE5-62BD-4847-9366-F16F3787C79C}">
+  <ds:schemaRefs>
+    <ds:schemaRef ds:uri="http://schemas.microsoft.com/sharepoint/v3/contenttype/forms"/>
   </ds:schemaRefs>
 </ds:datastoreItem>
 </file>

--- a/docs/slide_07_05_24.pptx
+++ b/docs/slide_07_05_24.pptx
@@ -5,22 +5,24 @@
     <p:sldMasterId id="2147483648" r:id="rId4"/>
   </p:sldMasterIdLst>
   <p:notesMasterIdLst>
-    <p:notesMasterId r:id="rId18"/>
+    <p:notesMasterId r:id="rId20"/>
   </p:notesMasterIdLst>
   <p:sldIdLst>
     <p:sldId id="269" r:id="rId5"/>
     <p:sldId id="296" r:id="rId6"/>
-    <p:sldId id="298" r:id="rId7"/>
-    <p:sldId id="260" r:id="rId8"/>
-    <p:sldId id="278" r:id="rId9"/>
-    <p:sldId id="293" r:id="rId10"/>
-    <p:sldId id="300" r:id="rId11"/>
-    <p:sldId id="301" r:id="rId12"/>
-    <p:sldId id="303" r:id="rId13"/>
-    <p:sldId id="304" r:id="rId14"/>
-    <p:sldId id="305" r:id="rId15"/>
-    <p:sldId id="306" r:id="rId16"/>
-    <p:sldId id="307" r:id="rId17"/>
+    <p:sldId id="284" r:id="rId7"/>
+    <p:sldId id="308" r:id="rId8"/>
+    <p:sldId id="289" r:id="rId9"/>
+    <p:sldId id="309" r:id="rId10"/>
+    <p:sldId id="311" r:id="rId11"/>
+    <p:sldId id="310" r:id="rId12"/>
+    <p:sldId id="298" r:id="rId13"/>
+    <p:sldId id="301" r:id="rId14"/>
+    <p:sldId id="303" r:id="rId15"/>
+    <p:sldId id="304" r:id="rId16"/>
+    <p:sldId id="305" r:id="rId17"/>
+    <p:sldId id="306" r:id="rId18"/>
+    <p:sldId id="307" r:id="rId19"/>
   </p:sldIdLst>
   <p:sldSz cx="12192000" cy="6858000"/>
   <p:notesSz cx="6858000" cy="9144000"/>
@@ -127,16 +129,351 @@
 </p:presentation>
 </file>
 
+<file path=ppt/revisionInfo.xml><?xml version="1.0" encoding="utf-8"?>
+<p1510:revInfo xmlns:a="http://schemas.openxmlformats.org/drawingml/2006/main" xmlns:r="http://schemas.openxmlformats.org/officeDocument/2006/relationships" xmlns:p1510="http://schemas.microsoft.com/office/powerpoint/2015/10/main">
+  <p1510:revLst>
+    <p1510:client id="{D433BBFF-301F-41F5-8FC8-B5DC9F37E745}" v="63" dt="2024-06-18T05:29:11.171"/>
+  </p1510:revLst>
+</p1510:revInfo>
+</file>
+
+<file path=ppt/changesInfos/changesInfo1.xml><?xml version="1.0" encoding="utf-8"?>
+<pc:chgInfo xmlns:a="http://schemas.openxmlformats.org/drawingml/2006/main" xmlns:r="http://schemas.openxmlformats.org/officeDocument/2006/relationships" xmlns:ac="http://schemas.microsoft.com/office/drawing/2013/main/command" xmlns:pc="http://schemas.microsoft.com/office/powerpoint/2013/main/command">
+  <pc:docChgLst>
+    <pc:chgData name="Tiefenbrunn, Roi" userId="e6c8707a-1ce8-474e-b552-2ce11046b0d8" providerId="ADAL" clId="{D433BBFF-301F-41F5-8FC8-B5DC9F37E745}"/>
+    <pc:docChg chg="undo custSel mod addSld delSld modSld sldOrd">
+      <pc:chgData name="Tiefenbrunn, Roi" userId="e6c8707a-1ce8-474e-b552-2ce11046b0d8" providerId="ADAL" clId="{D433BBFF-301F-41F5-8FC8-B5DC9F37E745}" dt="2024-06-18T05:48:52.083" v="734" actId="20577"/>
+      <pc:docMkLst>
+        <pc:docMk/>
+      </pc:docMkLst>
+      <pc:sldChg chg="del">
+        <pc:chgData name="Tiefenbrunn, Roi" userId="e6c8707a-1ce8-474e-b552-2ce11046b0d8" providerId="ADAL" clId="{D433BBFF-301F-41F5-8FC8-B5DC9F37E745}" dt="2024-06-18T05:46:14.066" v="642" actId="47"/>
+        <pc:sldMkLst>
+          <pc:docMk/>
+          <pc:sldMk cId="1115333192" sldId="260"/>
+        </pc:sldMkLst>
+      </pc:sldChg>
+      <pc:sldChg chg="del">
+        <pc:chgData name="Tiefenbrunn, Roi" userId="e6c8707a-1ce8-474e-b552-2ce11046b0d8" providerId="ADAL" clId="{D433BBFF-301F-41F5-8FC8-B5DC9F37E745}" dt="2024-06-18T05:46:14.066" v="642" actId="47"/>
+        <pc:sldMkLst>
+          <pc:docMk/>
+          <pc:sldMk cId="626747458" sldId="278"/>
+        </pc:sldMkLst>
+      </pc:sldChg>
+      <pc:sldChg chg="addSp delSp modSp add mod setBg delDesignElem">
+        <pc:chgData name="Tiefenbrunn, Roi" userId="e6c8707a-1ce8-474e-b552-2ce11046b0d8" providerId="ADAL" clId="{D433BBFF-301F-41F5-8FC8-B5DC9F37E745}" dt="2024-06-18T05:20:11.816" v="19" actId="20577"/>
+        <pc:sldMkLst>
+          <pc:docMk/>
+          <pc:sldMk cId="3437409613" sldId="284"/>
+        </pc:sldMkLst>
+        <pc:spChg chg="del">
+          <ac:chgData name="Tiefenbrunn, Roi" userId="e6c8707a-1ce8-474e-b552-2ce11046b0d8" providerId="ADAL" clId="{D433BBFF-301F-41F5-8FC8-B5DC9F37E745}" dt="2024-06-18T05:19:41.344" v="16" actId="21"/>
+          <ac:spMkLst>
+            <pc:docMk/>
+            <pc:sldMk cId="3437409613" sldId="284"/>
+            <ac:spMk id="2" creationId="{187D3106-E785-91B4-CACC-72C3C70FEB73}"/>
+          </ac:spMkLst>
+        </pc:spChg>
+        <pc:spChg chg="add del mod">
+          <ac:chgData name="Tiefenbrunn, Roi" userId="e6c8707a-1ce8-474e-b552-2ce11046b0d8" providerId="ADAL" clId="{D433BBFF-301F-41F5-8FC8-B5DC9F37E745}" dt="2024-06-18T05:19:45.015" v="17" actId="21"/>
+          <ac:spMkLst>
+            <pc:docMk/>
+            <pc:sldMk cId="3437409613" sldId="284"/>
+            <ac:spMk id="4" creationId="{F1EC45EE-4DD6-B234-A58E-55E43B2CE98E}"/>
+          </ac:spMkLst>
+        </pc:spChg>
+        <pc:spChg chg="del">
+          <ac:chgData name="Tiefenbrunn, Roi" userId="e6c8707a-1ce8-474e-b552-2ce11046b0d8" providerId="ADAL" clId="{D433BBFF-301F-41F5-8FC8-B5DC9F37E745}" dt="2024-06-18T05:19:30.808" v="15"/>
+          <ac:spMkLst>
+            <pc:docMk/>
+            <pc:sldMk cId="3437409613" sldId="284"/>
+            <ac:spMk id="16" creationId="{6C4028FD-8BAA-4A19-BFDE-594D991B7552}"/>
+          </ac:spMkLst>
+        </pc:spChg>
+        <pc:graphicFrameChg chg="mod">
+          <ac:chgData name="Tiefenbrunn, Roi" userId="e6c8707a-1ce8-474e-b552-2ce11046b0d8" providerId="ADAL" clId="{D433BBFF-301F-41F5-8FC8-B5DC9F37E745}" dt="2024-06-18T05:20:11.816" v="19" actId="20577"/>
+          <ac:graphicFrameMkLst>
+            <pc:docMk/>
+            <pc:sldMk cId="3437409613" sldId="284"/>
+            <ac:graphicFrameMk id="5" creationId="{F6FA61B4-E118-10E5-2E9F-FED22D916260}"/>
+          </ac:graphicFrameMkLst>
+        </pc:graphicFrameChg>
+      </pc:sldChg>
+      <pc:sldChg chg="addSp delSp modSp add mod">
+        <pc:chgData name="Tiefenbrunn, Roi" userId="e6c8707a-1ce8-474e-b552-2ce11046b0d8" providerId="ADAL" clId="{D433BBFF-301F-41F5-8FC8-B5DC9F37E745}" dt="2024-06-18T05:25:59.339" v="76" actId="20577"/>
+        <pc:sldMkLst>
+          <pc:docMk/>
+          <pc:sldMk cId="238108882" sldId="289"/>
+        </pc:sldMkLst>
+        <pc:spChg chg="add mod">
+          <ac:chgData name="Tiefenbrunn, Roi" userId="e6c8707a-1ce8-474e-b552-2ce11046b0d8" providerId="ADAL" clId="{D433BBFF-301F-41F5-8FC8-B5DC9F37E745}" dt="2024-06-18T05:25:59.339" v="76" actId="20577"/>
+          <ac:spMkLst>
+            <pc:docMk/>
+            <pc:sldMk cId="238108882" sldId="289"/>
+            <ac:spMk id="2" creationId="{3C82460F-8A46-C379-3763-B1935A3D677A}"/>
+          </ac:spMkLst>
+        </pc:spChg>
+        <pc:picChg chg="mod">
+          <ac:chgData name="Tiefenbrunn, Roi" userId="e6c8707a-1ce8-474e-b552-2ce11046b0d8" providerId="ADAL" clId="{D433BBFF-301F-41F5-8FC8-B5DC9F37E745}" dt="2024-06-18T05:23:19" v="59" actId="1076"/>
+          <ac:picMkLst>
+            <pc:docMk/>
+            <pc:sldMk cId="238108882" sldId="289"/>
+            <ac:picMk id="7" creationId="{DCADA89C-DBD2-7A42-8F5D-ED19BA0E16F2}"/>
+          </ac:picMkLst>
+        </pc:picChg>
+        <pc:picChg chg="del">
+          <ac:chgData name="Tiefenbrunn, Roi" userId="e6c8707a-1ce8-474e-b552-2ce11046b0d8" providerId="ADAL" clId="{D433BBFF-301F-41F5-8FC8-B5DC9F37E745}" dt="2024-06-18T05:23:07.329" v="58" actId="478"/>
+          <ac:picMkLst>
+            <pc:docMk/>
+            <pc:sldMk cId="238108882" sldId="289"/>
+            <ac:picMk id="9" creationId="{7364EBD8-E4C7-336A-5770-A870DCE4B04D}"/>
+          </ac:picMkLst>
+        </pc:picChg>
+        <pc:picChg chg="mod">
+          <ac:chgData name="Tiefenbrunn, Roi" userId="e6c8707a-1ce8-474e-b552-2ce11046b0d8" providerId="ADAL" clId="{D433BBFF-301F-41F5-8FC8-B5DC9F37E745}" dt="2024-06-18T05:23:19" v="59" actId="1076"/>
+          <ac:picMkLst>
+            <pc:docMk/>
+            <pc:sldMk cId="238108882" sldId="289"/>
+            <ac:picMk id="10" creationId="{CB700A67-9F9D-ADB7-B531-EC2CAC18D0D9}"/>
+          </ac:picMkLst>
+        </pc:picChg>
+        <pc:picChg chg="del">
+          <ac:chgData name="Tiefenbrunn, Roi" userId="e6c8707a-1ce8-474e-b552-2ce11046b0d8" providerId="ADAL" clId="{D433BBFF-301F-41F5-8FC8-B5DC9F37E745}" dt="2024-06-18T05:23:07.329" v="58" actId="478"/>
+          <ac:picMkLst>
+            <pc:docMk/>
+            <pc:sldMk cId="238108882" sldId="289"/>
+            <ac:picMk id="12" creationId="{FDED726D-8F66-0D0B-E79B-E8E556E64D63}"/>
+          </ac:picMkLst>
+        </pc:picChg>
+        <pc:picChg chg="mod">
+          <ac:chgData name="Tiefenbrunn, Roi" userId="e6c8707a-1ce8-474e-b552-2ce11046b0d8" providerId="ADAL" clId="{D433BBFF-301F-41F5-8FC8-B5DC9F37E745}" dt="2024-06-18T05:23:19" v="59" actId="1076"/>
+          <ac:picMkLst>
+            <pc:docMk/>
+            <pc:sldMk cId="238108882" sldId="289"/>
+            <ac:picMk id="13" creationId="{5D594DA4-53A0-A9D8-D3B1-1B3068A2B6EB}"/>
+          </ac:picMkLst>
+        </pc:picChg>
+      </pc:sldChg>
+      <pc:sldChg chg="del">
+        <pc:chgData name="Tiefenbrunn, Roi" userId="e6c8707a-1ce8-474e-b552-2ce11046b0d8" providerId="ADAL" clId="{D433BBFF-301F-41F5-8FC8-B5DC9F37E745}" dt="2024-06-18T05:46:18.758" v="643" actId="47"/>
+        <pc:sldMkLst>
+          <pc:docMk/>
+          <pc:sldMk cId="2955491649" sldId="293"/>
+        </pc:sldMkLst>
+      </pc:sldChg>
+      <pc:sldChg chg="modSp">
+        <pc:chgData name="Tiefenbrunn, Roi" userId="e6c8707a-1ce8-474e-b552-2ce11046b0d8" providerId="ADAL" clId="{D433BBFF-301F-41F5-8FC8-B5DC9F37E745}" dt="2024-06-18T05:19:15.779" v="13" actId="20577"/>
+        <pc:sldMkLst>
+          <pc:docMk/>
+          <pc:sldMk cId="2673952150" sldId="296"/>
+        </pc:sldMkLst>
+        <pc:spChg chg="mod">
+          <ac:chgData name="Tiefenbrunn, Roi" userId="e6c8707a-1ce8-474e-b552-2ce11046b0d8" providerId="ADAL" clId="{D433BBFF-301F-41F5-8FC8-B5DC9F37E745}" dt="2024-06-18T05:19:15.779" v="13" actId="20577"/>
+          <ac:spMkLst>
+            <pc:docMk/>
+            <pc:sldMk cId="2673952150" sldId="296"/>
+            <ac:spMk id="2" creationId="{287A03DE-1123-91CE-26BE-143108D13665}"/>
+          </ac:spMkLst>
+        </pc:spChg>
+      </pc:sldChg>
+      <pc:sldChg chg="addSp delSp modSp mod">
+        <pc:chgData name="Tiefenbrunn, Roi" userId="e6c8707a-1ce8-474e-b552-2ce11046b0d8" providerId="ADAL" clId="{D433BBFF-301F-41F5-8FC8-B5DC9F37E745}" dt="2024-06-18T05:46:04.355" v="641" actId="14826"/>
+        <pc:sldMkLst>
+          <pc:docMk/>
+          <pc:sldMk cId="94873061" sldId="298"/>
+        </pc:sldMkLst>
+        <pc:picChg chg="add del">
+          <ac:chgData name="Tiefenbrunn, Roi" userId="e6c8707a-1ce8-474e-b552-2ce11046b0d8" providerId="ADAL" clId="{D433BBFF-301F-41F5-8FC8-B5DC9F37E745}" dt="2024-06-18T05:40:09.842" v="637" actId="22"/>
+          <ac:picMkLst>
+            <pc:docMk/>
+            <pc:sldMk cId="94873061" sldId="298"/>
+            <ac:picMk id="3" creationId="{404AD5DF-F3E5-2401-8BBE-49C0A8C42087}"/>
+          </ac:picMkLst>
+        </pc:picChg>
+        <pc:picChg chg="mod">
+          <ac:chgData name="Tiefenbrunn, Roi" userId="e6c8707a-1ce8-474e-b552-2ce11046b0d8" providerId="ADAL" clId="{D433BBFF-301F-41F5-8FC8-B5DC9F37E745}" dt="2024-06-18T05:45:00.397" v="639" actId="14826"/>
+          <ac:picMkLst>
+            <pc:docMk/>
+            <pc:sldMk cId="94873061" sldId="298"/>
+            <ac:picMk id="5" creationId="{BBA13DE5-BCFE-DBF9-3ED1-A65A83933AD7}"/>
+          </ac:picMkLst>
+        </pc:picChg>
+        <pc:picChg chg="mod">
+          <ac:chgData name="Tiefenbrunn, Roi" userId="e6c8707a-1ce8-474e-b552-2ce11046b0d8" providerId="ADAL" clId="{D433BBFF-301F-41F5-8FC8-B5DC9F37E745}" dt="2024-06-18T05:46:04.355" v="641" actId="14826"/>
+          <ac:picMkLst>
+            <pc:docMk/>
+            <pc:sldMk cId="94873061" sldId="298"/>
+            <ac:picMk id="7" creationId="{3495348A-BA7D-C3A5-3D06-8CCEA9CB09D0}"/>
+          </ac:picMkLst>
+        </pc:picChg>
+        <pc:picChg chg="mod">
+          <ac:chgData name="Tiefenbrunn, Roi" userId="e6c8707a-1ce8-474e-b552-2ce11046b0d8" providerId="ADAL" clId="{D433BBFF-301F-41F5-8FC8-B5DC9F37E745}" dt="2024-06-18T05:40:16.610" v="638" actId="14826"/>
+          <ac:picMkLst>
+            <pc:docMk/>
+            <pc:sldMk cId="94873061" sldId="298"/>
+            <ac:picMk id="9" creationId="{08208D1E-350B-1BAF-CA01-F1BC44F9F786}"/>
+          </ac:picMkLst>
+        </pc:picChg>
+      </pc:sldChg>
+      <pc:sldChg chg="del">
+        <pc:chgData name="Tiefenbrunn, Roi" userId="e6c8707a-1ce8-474e-b552-2ce11046b0d8" providerId="ADAL" clId="{D433BBFF-301F-41F5-8FC8-B5DC9F37E745}" dt="2024-06-18T05:46:18.758" v="643" actId="47"/>
+        <pc:sldMkLst>
+          <pc:docMk/>
+          <pc:sldMk cId="3057195776" sldId="300"/>
+        </pc:sldMkLst>
+      </pc:sldChg>
+      <pc:sldChg chg="modSp mod">
+        <pc:chgData name="Tiefenbrunn, Roi" userId="e6c8707a-1ce8-474e-b552-2ce11046b0d8" providerId="ADAL" clId="{D433BBFF-301F-41F5-8FC8-B5DC9F37E745}" dt="2024-06-18T05:47:28.933" v="678" actId="20577"/>
+        <pc:sldMkLst>
+          <pc:docMk/>
+          <pc:sldMk cId="3221945818" sldId="303"/>
+        </pc:sldMkLst>
+        <pc:spChg chg="mod">
+          <ac:chgData name="Tiefenbrunn, Roi" userId="e6c8707a-1ce8-474e-b552-2ce11046b0d8" providerId="ADAL" clId="{D433BBFF-301F-41F5-8FC8-B5DC9F37E745}" dt="2024-06-18T05:47:28.933" v="678" actId="20577"/>
+          <ac:spMkLst>
+            <pc:docMk/>
+            <pc:sldMk cId="3221945818" sldId="303"/>
+            <ac:spMk id="4" creationId="{AFC934D0-625F-6A4C-F462-A659A43F92C0}"/>
+          </ac:spMkLst>
+        </pc:spChg>
+      </pc:sldChg>
+      <pc:sldChg chg="modSp mod">
+        <pc:chgData name="Tiefenbrunn, Roi" userId="e6c8707a-1ce8-474e-b552-2ce11046b0d8" providerId="ADAL" clId="{D433BBFF-301F-41F5-8FC8-B5DC9F37E745}" dt="2024-06-18T05:48:36.221" v="732" actId="20577"/>
+        <pc:sldMkLst>
+          <pc:docMk/>
+          <pc:sldMk cId="4262099696" sldId="304"/>
+        </pc:sldMkLst>
+        <pc:spChg chg="mod">
+          <ac:chgData name="Tiefenbrunn, Roi" userId="e6c8707a-1ce8-474e-b552-2ce11046b0d8" providerId="ADAL" clId="{D433BBFF-301F-41F5-8FC8-B5DC9F37E745}" dt="2024-06-18T05:48:36.221" v="732" actId="20577"/>
+          <ac:spMkLst>
+            <pc:docMk/>
+            <pc:sldMk cId="4262099696" sldId="304"/>
+            <ac:spMk id="4" creationId="{AFC934D0-625F-6A4C-F462-A659A43F92C0}"/>
+          </ac:spMkLst>
+        </pc:spChg>
+      </pc:sldChg>
+      <pc:sldChg chg="modSp mod">
+        <pc:chgData name="Tiefenbrunn, Roi" userId="e6c8707a-1ce8-474e-b552-2ce11046b0d8" providerId="ADAL" clId="{D433BBFF-301F-41F5-8FC8-B5DC9F37E745}" dt="2024-06-18T05:48:52.083" v="734" actId="20577"/>
+        <pc:sldMkLst>
+          <pc:docMk/>
+          <pc:sldMk cId="1157704857" sldId="305"/>
+        </pc:sldMkLst>
+        <pc:spChg chg="mod">
+          <ac:chgData name="Tiefenbrunn, Roi" userId="e6c8707a-1ce8-474e-b552-2ce11046b0d8" providerId="ADAL" clId="{D433BBFF-301F-41F5-8FC8-B5DC9F37E745}" dt="2024-06-18T05:48:52.083" v="734" actId="20577"/>
+          <ac:spMkLst>
+            <pc:docMk/>
+            <pc:sldMk cId="1157704857" sldId="305"/>
+            <ac:spMk id="4" creationId="{AFC934D0-625F-6A4C-F462-A659A43F92C0}"/>
+          </ac:spMkLst>
+        </pc:spChg>
+      </pc:sldChg>
+      <pc:sldChg chg="modSp add modAnim">
+        <pc:chgData name="Tiefenbrunn, Roi" userId="e6c8707a-1ce8-474e-b552-2ce11046b0d8" providerId="ADAL" clId="{D433BBFF-301F-41F5-8FC8-B5DC9F37E745}" dt="2024-06-18T05:21:33.133" v="56" actId="20577"/>
+        <pc:sldMkLst>
+          <pc:docMk/>
+          <pc:sldMk cId="3561230192" sldId="308"/>
+        </pc:sldMkLst>
+        <pc:spChg chg="mod">
+          <ac:chgData name="Tiefenbrunn, Roi" userId="e6c8707a-1ce8-474e-b552-2ce11046b0d8" providerId="ADAL" clId="{D433BBFF-301F-41F5-8FC8-B5DC9F37E745}" dt="2024-06-18T05:21:33.133" v="56" actId="20577"/>
+          <ac:spMkLst>
+            <pc:docMk/>
+            <pc:sldMk cId="3561230192" sldId="308"/>
+            <ac:spMk id="2" creationId="{287A03DE-1123-91CE-26BE-143108D13665}"/>
+          </ac:spMkLst>
+        </pc:spChg>
+      </pc:sldChg>
+      <pc:sldChg chg="modSp add">
+        <pc:chgData name="Tiefenbrunn, Roi" userId="e6c8707a-1ce8-474e-b552-2ce11046b0d8" providerId="ADAL" clId="{D433BBFF-301F-41F5-8FC8-B5DC9F37E745}" dt="2024-06-18T05:27:15.234" v="87" actId="20577"/>
+        <pc:sldMkLst>
+          <pc:docMk/>
+          <pc:sldMk cId="908113943" sldId="309"/>
+        </pc:sldMkLst>
+        <pc:spChg chg="mod">
+          <ac:chgData name="Tiefenbrunn, Roi" userId="e6c8707a-1ce8-474e-b552-2ce11046b0d8" providerId="ADAL" clId="{D433BBFF-301F-41F5-8FC8-B5DC9F37E745}" dt="2024-06-18T05:27:15.234" v="87" actId="20577"/>
+          <ac:spMkLst>
+            <pc:docMk/>
+            <pc:sldMk cId="908113943" sldId="309"/>
+            <ac:spMk id="2" creationId="{287A03DE-1123-91CE-26BE-143108D13665}"/>
+          </ac:spMkLst>
+        </pc:spChg>
+      </pc:sldChg>
+      <pc:sldChg chg="add">
+        <pc:chgData name="Tiefenbrunn, Roi" userId="e6c8707a-1ce8-474e-b552-2ce11046b0d8" providerId="ADAL" clId="{D433BBFF-301F-41F5-8FC8-B5DC9F37E745}" dt="2024-06-18T05:27:05.193" v="77" actId="2890"/>
+        <pc:sldMkLst>
+          <pc:docMk/>
+          <pc:sldMk cId="3847246675" sldId="310"/>
+        </pc:sldMkLst>
+      </pc:sldChg>
+      <pc:sldChg chg="addSp delSp modSp add mod ord">
+        <pc:chgData name="Tiefenbrunn, Roi" userId="e6c8707a-1ce8-474e-b552-2ce11046b0d8" providerId="ADAL" clId="{D433BBFF-301F-41F5-8FC8-B5DC9F37E745}" dt="2024-06-18T05:39:21.839" v="635" actId="20577"/>
+        <pc:sldMkLst>
+          <pc:docMk/>
+          <pc:sldMk cId="4076748493" sldId="311"/>
+        </pc:sldMkLst>
+        <pc:spChg chg="mod">
+          <ac:chgData name="Tiefenbrunn, Roi" userId="e6c8707a-1ce8-474e-b552-2ce11046b0d8" providerId="ADAL" clId="{D433BBFF-301F-41F5-8FC8-B5DC9F37E745}" dt="2024-06-18T05:39:21.839" v="635" actId="20577"/>
+          <ac:spMkLst>
+            <pc:docMk/>
+            <pc:sldMk cId="4076748493" sldId="311"/>
+            <ac:spMk id="2" creationId="{3C82460F-8A46-C379-3763-B1935A3D677A}"/>
+          </ac:spMkLst>
+        </pc:spChg>
+        <pc:picChg chg="add mod">
+          <ac:chgData name="Tiefenbrunn, Roi" userId="e6c8707a-1ce8-474e-b552-2ce11046b0d8" providerId="ADAL" clId="{D433BBFF-301F-41F5-8FC8-B5DC9F37E745}" dt="2024-06-18T05:31:37.069" v="106" actId="14100"/>
+          <ac:picMkLst>
+            <pc:docMk/>
+            <pc:sldMk cId="4076748493" sldId="311"/>
+            <ac:picMk id="3" creationId="{41CCB39C-D7DD-C87B-4B82-2DA11D76644A}"/>
+          </ac:picMkLst>
+        </pc:picChg>
+        <pc:picChg chg="add mod">
+          <ac:chgData name="Tiefenbrunn, Roi" userId="e6c8707a-1ce8-474e-b552-2ce11046b0d8" providerId="ADAL" clId="{D433BBFF-301F-41F5-8FC8-B5DC9F37E745}" dt="2024-06-18T05:36:08.568" v="427" actId="14100"/>
+          <ac:picMkLst>
+            <pc:docMk/>
+            <pc:sldMk cId="4076748493" sldId="311"/>
+            <ac:picMk id="5" creationId="{BAA0E363-944A-2DB7-0884-5507A4BF0789}"/>
+          </ac:picMkLst>
+        </pc:picChg>
+        <pc:picChg chg="del">
+          <ac:chgData name="Tiefenbrunn, Roi" userId="e6c8707a-1ce8-474e-b552-2ce11046b0d8" providerId="ADAL" clId="{D433BBFF-301F-41F5-8FC8-B5DC9F37E745}" dt="2024-06-18T05:29:12.876" v="92" actId="478"/>
+          <ac:picMkLst>
+            <pc:docMk/>
+            <pc:sldMk cId="4076748493" sldId="311"/>
+            <ac:picMk id="7" creationId="{DCADA89C-DBD2-7A42-8F5D-ED19BA0E16F2}"/>
+          </ac:picMkLst>
+        </pc:picChg>
+        <pc:picChg chg="del">
+          <ac:chgData name="Tiefenbrunn, Roi" userId="e6c8707a-1ce8-474e-b552-2ce11046b0d8" providerId="ADAL" clId="{D433BBFF-301F-41F5-8FC8-B5DC9F37E745}" dt="2024-06-18T05:29:36.115" v="95" actId="478"/>
+          <ac:picMkLst>
+            <pc:docMk/>
+            <pc:sldMk cId="4076748493" sldId="311"/>
+            <ac:picMk id="10" creationId="{CB700A67-9F9D-ADB7-B531-EC2CAC18D0D9}"/>
+          </ac:picMkLst>
+        </pc:picChg>
+        <pc:picChg chg="del">
+          <ac:chgData name="Tiefenbrunn, Roi" userId="e6c8707a-1ce8-474e-b552-2ce11046b0d8" providerId="ADAL" clId="{D433BBFF-301F-41F5-8FC8-B5DC9F37E745}" dt="2024-06-18T05:29:37.812" v="96" actId="478"/>
+          <ac:picMkLst>
+            <pc:docMk/>
+            <pc:sldMk cId="4076748493" sldId="311"/>
+            <ac:picMk id="13" creationId="{5D594DA4-53A0-A9D8-D3B1-1B3068A2B6EB}"/>
+          </ac:picMkLst>
+        </pc:picChg>
+      </pc:sldChg>
+    </pc:docChg>
+  </pc:docChgLst>
+</pc:chgInfo>
+</file>
+
 <file path=ppt/diagrams/colors1.xml><?xml version="1.0" encoding="utf-8"?>
-<dgm:colorsDef xmlns:dgm="http://schemas.openxmlformats.org/drawingml/2006/diagram" xmlns:a="http://schemas.openxmlformats.org/drawingml/2006/main" uniqueId="urn:microsoft.com/office/officeart/2018/5/colors/Iconchunking_neutralbg_colorful1">
+<dgm:colorsDef xmlns:dgm="http://schemas.openxmlformats.org/drawingml/2006/diagram" xmlns:a="http://schemas.openxmlformats.org/drawingml/2006/main" uniqueId="urn:microsoft.com/office/officeart/2018/5/colors/Iconchunking_neutralbg_accent3_2">
   <dgm:title val=""/>
   <dgm:desc val=""/>
   <dgm:catLst>
-    <dgm:cat type="colorful" pri="10100"/>
+    <dgm:cat type="accent3" pri="13200"/>
   </dgm:catLst>
   <dgm:styleLbl name="node0">
     <dgm:fillClrLst meth="repeat">
-      <a:schemeClr val="accent1"/>
+      <a:schemeClr val="accent3"/>
     </dgm:fillClrLst>
     <dgm:linClrLst meth="repeat">
       <a:schemeClr val="lt1"/>
@@ -148,11 +485,7 @@
   </dgm:styleLbl>
   <dgm:styleLbl name="node1">
     <dgm:fillClrLst meth="repeat">
-      <a:schemeClr val="accent2"/>
       <a:schemeClr val="accent3"/>
-      <a:schemeClr val="accent4"/>
-      <a:schemeClr val="accent5"/>
-      <a:schemeClr val="accent6"/>
     </dgm:fillClrLst>
     <dgm:linClrLst meth="repeat">
       <a:schemeClr val="lt1">
@@ -166,18 +499,10 @@
   </dgm:styleLbl>
   <dgm:styleLbl name="alignNode1">
     <dgm:fillClrLst meth="repeat">
-      <a:schemeClr val="accent2"/>
       <a:schemeClr val="accent3"/>
-      <a:schemeClr val="accent4"/>
-      <a:schemeClr val="accent5"/>
-      <a:schemeClr val="accent6"/>
     </dgm:fillClrLst>
     <dgm:linClrLst meth="repeat">
-      <a:schemeClr val="accent2"/>
       <a:schemeClr val="accent3"/>
-      <a:schemeClr val="accent4"/>
-      <a:schemeClr val="accent5"/>
-      <a:schemeClr val="accent6"/>
     </dgm:linClrLst>
     <dgm:effectClrLst/>
     <dgm:txLinClrLst/>
@@ -186,11 +511,7 @@
   </dgm:styleLbl>
   <dgm:styleLbl name="lnNode1">
     <dgm:fillClrLst meth="repeat">
-      <a:schemeClr val="accent2"/>
       <a:schemeClr val="accent3"/>
-      <a:schemeClr val="accent4"/>
-      <a:schemeClr val="accent5"/>
-      <a:schemeClr val="accent6"/>
     </dgm:fillClrLst>
     <dgm:linClrLst meth="repeat">
       <a:schemeClr val="lt1"/>
@@ -202,19 +523,7 @@
   </dgm:styleLbl>
   <dgm:styleLbl name="vennNode1">
     <dgm:fillClrLst meth="repeat">
-      <a:schemeClr val="accent2">
-        <a:alpha val="50000"/>
-      </a:schemeClr>
       <a:schemeClr val="accent3">
-        <a:alpha val="50000"/>
-      </a:schemeClr>
-      <a:schemeClr val="accent4">
-        <a:alpha val="50000"/>
-      </a:schemeClr>
-      <a:schemeClr val="accent5">
-        <a:alpha val="50000"/>
-      </a:schemeClr>
-      <a:schemeClr val="accent6">
         <a:alpha val="50000"/>
       </a:schemeClr>
     </dgm:fillClrLst>
@@ -227,8 +536,8 @@
     <dgm:txEffectClrLst/>
   </dgm:styleLbl>
   <dgm:styleLbl name="node2">
-    <dgm:fillClrLst>
-      <a:schemeClr val="accent2"/>
+    <dgm:fillClrLst meth="repeat">
+      <a:schemeClr val="accent3"/>
     </dgm:fillClrLst>
     <dgm:linClrLst meth="repeat">
       <a:schemeClr val="lt1"/>
@@ -239,7 +548,7 @@
     <dgm:txEffectClrLst/>
   </dgm:styleLbl>
   <dgm:styleLbl name="node3">
-    <dgm:fillClrLst>
+    <dgm:fillClrLst meth="repeat">
       <a:schemeClr val="accent3"/>
     </dgm:fillClrLst>
     <dgm:linClrLst meth="repeat">
@@ -251,8 +560,8 @@
     <dgm:txEffectClrLst/>
   </dgm:styleLbl>
   <dgm:styleLbl name="node4">
-    <dgm:fillClrLst>
-      <a:schemeClr val="accent4"/>
+    <dgm:fillClrLst meth="repeat">
+      <a:schemeClr val="accent3"/>
     </dgm:fillClrLst>
     <dgm:linClrLst meth="repeat">
       <a:schemeClr val="lt1"/>
@@ -264,19 +573,7 @@
   </dgm:styleLbl>
   <dgm:styleLbl name="fgImgPlace1">
     <dgm:fillClrLst meth="repeat">
-      <a:schemeClr val="accent2">
-        <a:tint val="50000"/>
-      </a:schemeClr>
       <a:schemeClr val="accent3">
-        <a:tint val="50000"/>
-      </a:schemeClr>
-      <a:schemeClr val="accent4">
-        <a:tint val="50000"/>
-      </a:schemeClr>
-      <a:schemeClr val="accent5">
-        <a:tint val="50000"/>
-      </a:schemeClr>
-      <a:schemeClr val="accent6">
         <a:tint val="50000"/>
       </a:schemeClr>
     </dgm:fillClrLst>
@@ -291,12 +588,9 @@
     <dgm:txEffectClrLst/>
   </dgm:styleLbl>
   <dgm:styleLbl name="alignImgPlace1">
-    <dgm:fillClrLst>
-      <a:schemeClr val="accent1">
+    <dgm:fillClrLst meth="repeat">
+      <a:schemeClr val="accent3">
         <a:tint val="50000"/>
-      </a:schemeClr>
-      <a:schemeClr val="accent2">
-        <a:tint val="20000"/>
       </a:schemeClr>
     </dgm:fillClrLst>
     <dgm:linClrLst meth="repeat">
@@ -310,12 +604,9 @@
     <dgm:txEffectClrLst/>
   </dgm:styleLbl>
   <dgm:styleLbl name="bgImgPlace1">
-    <dgm:fillClrLst>
-      <a:schemeClr val="accent1">
+    <dgm:fillClrLst meth="repeat">
+      <a:schemeClr val="accent3">
         <a:tint val="50000"/>
-      </a:schemeClr>
-      <a:schemeClr val="accent2">
-        <a:tint val="20000"/>
       </a:schemeClr>
     </dgm:fillClrLst>
     <dgm:linClrLst meth="repeat">
@@ -330,14 +621,14 @@
   </dgm:styleLbl>
   <dgm:styleLbl name="sibTrans2D1">
     <dgm:fillClrLst meth="repeat">
-      <a:schemeClr val="accent2"/>
-      <a:schemeClr val="accent3"/>
-      <a:schemeClr val="accent4"/>
-      <a:schemeClr val="accent5"/>
-      <a:schemeClr val="accent6"/>
+      <a:schemeClr val="accent3">
+        <a:tint val="60000"/>
+      </a:schemeClr>
     </dgm:fillClrLst>
-    <dgm:linClrLst meth="cycle">
-      <a:schemeClr val="lt1"/>
+    <dgm:linClrLst meth="repeat">
+      <a:schemeClr val="accent3">
+        <a:tint val="60000"/>
+      </a:schemeClr>
     </dgm:linClrLst>
     <dgm:effectClrLst/>
     <dgm:txLinClrLst/>
@@ -346,54 +637,42 @@
   </dgm:styleLbl>
   <dgm:styleLbl name="fgSibTrans2D1">
     <dgm:fillClrLst meth="repeat">
-      <a:schemeClr val="accent2"/>
-      <a:schemeClr val="accent3"/>
-      <a:schemeClr val="accent4"/>
-      <a:schemeClr val="accent5"/>
-      <a:schemeClr val="accent6"/>
+      <a:schemeClr val="accent3">
+        <a:tint val="60000"/>
+      </a:schemeClr>
     </dgm:fillClrLst>
-    <dgm:linClrLst meth="cycle">
-      <a:schemeClr val="lt1"/>
+    <dgm:linClrLst meth="repeat">
+      <a:schemeClr val="accent3">
+        <a:tint val="60000"/>
+      </a:schemeClr>
     </dgm:linClrLst>
     <dgm:effectClrLst/>
     <dgm:txLinClrLst/>
-    <dgm:txFillClrLst meth="repeat">
-      <a:schemeClr val="lt1"/>
-    </dgm:txFillClrLst>
+    <dgm:txFillClrLst/>
     <dgm:txEffectClrLst/>
   </dgm:styleLbl>
   <dgm:styleLbl name="bgSibTrans2D1">
     <dgm:fillClrLst meth="repeat">
-      <a:schemeClr val="accent2"/>
-      <a:schemeClr val="accent3"/>
-      <a:schemeClr val="accent4"/>
-      <a:schemeClr val="accent5"/>
-      <a:schemeClr val="accent6"/>
+      <a:schemeClr val="accent3">
+        <a:tint val="60000"/>
+      </a:schemeClr>
     </dgm:fillClrLst>
-    <dgm:linClrLst meth="cycle">
-      <a:schemeClr val="lt1"/>
+    <dgm:linClrLst meth="repeat">
+      <a:schemeClr val="accent3">
+        <a:tint val="60000"/>
+      </a:schemeClr>
     </dgm:linClrLst>
     <dgm:effectClrLst/>
     <dgm:txLinClrLst/>
-    <dgm:txFillClrLst meth="repeat">
-      <a:schemeClr val="lt1"/>
-    </dgm:txFillClrLst>
+    <dgm:txFillClrLst/>
     <dgm:txEffectClrLst/>
   </dgm:styleLbl>
   <dgm:styleLbl name="sibTrans1D1">
     <dgm:fillClrLst meth="repeat">
-      <a:schemeClr val="accent2"/>
       <a:schemeClr val="accent3"/>
-      <a:schemeClr val="accent4"/>
-      <a:schemeClr val="accent5"/>
-      <a:schemeClr val="accent6"/>
     </dgm:fillClrLst>
     <dgm:linClrLst meth="repeat">
-      <a:schemeClr val="accent2"/>
       <a:schemeClr val="accent3"/>
-      <a:schemeClr val="accent4"/>
-      <a:schemeClr val="accent5"/>
-      <a:schemeClr val="accent6"/>
     </dgm:linClrLst>
     <dgm:effectClrLst/>
     <dgm:txLinClrLst/>
@@ -404,10 +683,10 @@
   </dgm:styleLbl>
   <dgm:styleLbl name="callout">
     <dgm:fillClrLst meth="repeat">
-      <a:schemeClr val="accent2"/>
+      <a:schemeClr val="accent3"/>
     </dgm:fillClrLst>
     <dgm:linClrLst meth="repeat">
-      <a:schemeClr val="accent2">
+      <a:schemeClr val="accent3">
         <a:tint val="50000"/>
       </a:schemeClr>
     </dgm:linClrLst>
@@ -420,7 +699,7 @@
   </dgm:styleLbl>
   <dgm:styleLbl name="asst0">
     <dgm:fillClrLst meth="repeat">
-      <a:schemeClr val="accent1"/>
+      <a:schemeClr val="accent3"/>
     </dgm:fillClrLst>
     <dgm:linClrLst meth="repeat">
       <a:schemeClr val="lt1"/>
@@ -432,7 +711,7 @@
   </dgm:styleLbl>
   <dgm:styleLbl name="asst1">
     <dgm:fillClrLst meth="repeat">
-      <a:schemeClr val="accent2"/>
+      <a:schemeClr val="accent3"/>
     </dgm:fillClrLst>
     <dgm:linClrLst meth="repeat">
       <a:schemeClr val="lt1"/>
@@ -443,7 +722,7 @@
     <dgm:txEffectClrLst/>
   </dgm:styleLbl>
   <dgm:styleLbl name="asst2">
-    <dgm:fillClrLst>
+    <dgm:fillClrLst meth="repeat">
       <a:schemeClr val="accent3"/>
     </dgm:fillClrLst>
     <dgm:linClrLst meth="repeat">
@@ -455,8 +734,8 @@
     <dgm:txEffectClrLst/>
   </dgm:styleLbl>
   <dgm:styleLbl name="asst3">
-    <dgm:fillClrLst>
-      <a:schemeClr val="accent4"/>
+    <dgm:fillClrLst meth="repeat">
+      <a:schemeClr val="accent3"/>
     </dgm:fillClrLst>
     <dgm:linClrLst meth="repeat">
       <a:schemeClr val="lt1"/>
@@ -467,8 +746,8 @@
     <dgm:txEffectClrLst/>
   </dgm:styleLbl>
   <dgm:styleLbl name="asst4">
-    <dgm:fillClrLst>
-      <a:schemeClr val="accent5"/>
+    <dgm:fillClrLst meth="repeat">
+      <a:schemeClr val="accent3"/>
     </dgm:fillClrLst>
     <dgm:linClrLst meth="repeat">
       <a:schemeClr val="lt1"/>
@@ -480,10 +759,14 @@
   </dgm:styleLbl>
   <dgm:styleLbl name="parChTrans2D1">
     <dgm:fillClrLst meth="repeat">
-      <a:schemeClr val="accent2"/>
+      <a:schemeClr val="accent3">
+        <a:tint val="60000"/>
+      </a:schemeClr>
     </dgm:fillClrLst>
     <dgm:linClrLst meth="repeat">
-      <a:schemeClr val="lt1"/>
+      <a:schemeClr val="accent3">
+        <a:tint val="60000"/>
+      </a:schemeClr>
     </dgm:linClrLst>
     <dgm:effectClrLst/>
     <dgm:txLinClrLst/>
@@ -497,31 +780,35 @@
       <a:schemeClr val="accent3"/>
     </dgm:fillClrLst>
     <dgm:linClrLst meth="repeat">
-      <a:schemeClr val="lt1"/>
+      <a:schemeClr val="accent3"/>
     </dgm:linClrLst>
     <dgm:effectClrLst/>
     <dgm:txLinClrLst/>
-    <dgm:txFillClrLst/>
+    <dgm:txFillClrLst meth="repeat">
+      <a:schemeClr val="lt1"/>
+    </dgm:txFillClrLst>
     <dgm:txEffectClrLst/>
   </dgm:styleLbl>
   <dgm:styleLbl name="parChTrans2D3">
     <dgm:fillClrLst meth="repeat">
-      <a:schemeClr val="accent4"/>
+      <a:schemeClr val="accent3"/>
     </dgm:fillClrLst>
     <dgm:linClrLst meth="repeat">
-      <a:schemeClr val="lt1"/>
+      <a:schemeClr val="accent3"/>
     </dgm:linClrLst>
     <dgm:effectClrLst/>
     <dgm:txLinClrLst/>
-    <dgm:txFillClrLst/>
+    <dgm:txFillClrLst meth="repeat">
+      <a:schemeClr val="lt1"/>
+    </dgm:txFillClrLst>
     <dgm:txEffectClrLst/>
   </dgm:styleLbl>
   <dgm:styleLbl name="parChTrans2D4">
     <dgm:fillClrLst meth="repeat">
-      <a:schemeClr val="accent5"/>
+      <a:schemeClr val="accent3"/>
     </dgm:fillClrLst>
     <dgm:linClrLst meth="repeat">
-      <a:schemeClr val="lt1"/>
+      <a:schemeClr val="accent3"/>
     </dgm:linClrLst>
     <dgm:effectClrLst/>
     <dgm:txLinClrLst/>
@@ -532,10 +819,12 @@
   </dgm:styleLbl>
   <dgm:styleLbl name="parChTrans1D1">
     <dgm:fillClrLst meth="repeat">
-      <a:schemeClr val="accent2"/>
+      <a:schemeClr val="accent3"/>
     </dgm:fillClrLst>
     <dgm:linClrLst meth="repeat">
-      <a:schemeClr val="accent1"/>
+      <a:schemeClr val="accent3">
+        <a:shade val="60000"/>
+      </a:schemeClr>
     </dgm:linClrLst>
     <dgm:effectClrLst/>
     <dgm:txLinClrLst/>
@@ -546,12 +835,12 @@
   </dgm:styleLbl>
   <dgm:styleLbl name="parChTrans1D2">
     <dgm:fillClrLst meth="repeat">
-      <a:schemeClr val="accent3">
-        <a:tint val="90000"/>
-      </a:schemeClr>
+      <a:schemeClr val="accent3"/>
     </dgm:fillClrLst>
     <dgm:linClrLst meth="repeat">
-      <a:schemeClr val="accent2"/>
+      <a:schemeClr val="accent3">
+        <a:shade val="60000"/>
+      </a:schemeClr>
     </dgm:linClrLst>
     <dgm:effectClrLst/>
     <dgm:txLinClrLst/>
@@ -562,12 +851,12 @@
   </dgm:styleLbl>
   <dgm:styleLbl name="parChTrans1D3">
     <dgm:fillClrLst meth="repeat">
-      <a:schemeClr val="accent4">
-        <a:tint val="70000"/>
-      </a:schemeClr>
+      <a:schemeClr val="accent3"/>
     </dgm:fillClrLst>
     <dgm:linClrLst meth="repeat">
-      <a:schemeClr val="accent3"/>
+      <a:schemeClr val="accent3">
+        <a:shade val="80000"/>
+      </a:schemeClr>
     </dgm:linClrLst>
     <dgm:effectClrLst/>
     <dgm:txLinClrLst/>
@@ -578,12 +867,12 @@
   </dgm:styleLbl>
   <dgm:styleLbl name="parChTrans1D4">
     <dgm:fillClrLst meth="repeat">
-      <a:schemeClr val="accent5">
-        <a:tint val="50000"/>
-      </a:schemeClr>
+      <a:schemeClr val="accent3"/>
     </dgm:fillClrLst>
     <dgm:linClrLst meth="repeat">
-      <a:schemeClr val="accent4"/>
+      <a:schemeClr val="accent3">
+        <a:shade val="80000"/>
+      </a:schemeClr>
     </dgm:linClrLst>
     <dgm:effectClrLst/>
     <dgm:txLinClrLst/>
@@ -599,11 +888,7 @@
       </a:schemeClr>
     </dgm:fillClrLst>
     <dgm:linClrLst meth="repeat">
-      <a:schemeClr val="accent2"/>
       <a:schemeClr val="accent3"/>
-      <a:schemeClr val="accent4"/>
-      <a:schemeClr val="accent5"/>
-      <a:schemeClr val="accent6"/>
     </dgm:linClrLst>
     <dgm:effectClrLst/>
     <dgm:txLinClrLst/>
@@ -619,11 +904,7 @@
       </a:schemeClr>
     </dgm:fillClrLst>
     <dgm:linClrLst meth="repeat">
-      <a:schemeClr val="accent2"/>
       <a:schemeClr val="accent3"/>
-      <a:schemeClr val="accent4"/>
-      <a:schemeClr val="accent5"/>
-      <a:schemeClr val="accent6"/>
     </dgm:linClrLst>
     <dgm:effectClrLst/>
     <dgm:txLinClrLst/>
@@ -639,11 +920,7 @@
       </a:schemeClr>
     </dgm:fillClrLst>
     <dgm:linClrLst meth="repeat">
-      <a:schemeClr val="accent2"/>
       <a:schemeClr val="accent3"/>
-      <a:schemeClr val="accent4"/>
-      <a:schemeClr val="accent5"/>
-      <a:schemeClr val="accent6"/>
     </dgm:linClrLst>
     <dgm:effectClrLst/>
     <dgm:txLinClrLst/>
@@ -659,7 +936,7 @@
       </a:schemeClr>
     </dgm:fillClrLst>
     <dgm:linClrLst meth="repeat">
-      <a:schemeClr val="accent1"/>
+      <a:schemeClr val="accent3"/>
     </dgm:linClrLst>
     <dgm:effectClrLst/>
     <dgm:txLinClrLst/>
@@ -675,11 +952,7 @@
       </a:schemeClr>
     </dgm:fillClrLst>
     <dgm:linClrLst meth="repeat">
-      <a:schemeClr val="accent2"/>
       <a:schemeClr val="accent3"/>
-      <a:schemeClr val="accent4"/>
-      <a:schemeClr val="accent5"/>
-      <a:schemeClr val="accent6"/>
     </dgm:linClrLst>
     <dgm:effectClrLst/>
     <dgm:txLinClrLst/>
@@ -693,11 +966,7 @@
       <a:schemeClr val="lt1"/>
     </dgm:fillClrLst>
     <dgm:linClrLst meth="repeat">
-      <a:schemeClr val="accent2"/>
       <a:schemeClr val="accent3"/>
-      <a:schemeClr val="accent4"/>
-      <a:schemeClr val="accent5"/>
-      <a:schemeClr val="accent6"/>
     </dgm:linClrLst>
     <dgm:effectClrLst/>
     <dgm:txLinClrLst/>
@@ -711,11 +980,7 @@
       <a:schemeClr val="lt1"/>
     </dgm:fillClrLst>
     <dgm:linClrLst meth="repeat">
-      <a:schemeClr val="accent2"/>
       <a:schemeClr val="accent3"/>
-      <a:schemeClr val="accent4"/>
-      <a:schemeClr val="accent5"/>
-      <a:schemeClr val="accent6"/>
     </dgm:linClrLst>
     <dgm:effectClrLst/>
     <dgm:txLinClrLst/>
@@ -729,11 +994,7 @@
       <a:schemeClr val="lt1"/>
     </dgm:fillClrLst>
     <dgm:linClrLst meth="repeat">
-      <a:schemeClr val="accent2"/>
       <a:schemeClr val="accent3"/>
-      <a:schemeClr val="accent4"/>
-      <a:schemeClr val="accent5"/>
-      <a:schemeClr val="accent6"/>
     </dgm:linClrLst>
     <dgm:effectClrLst/>
     <dgm:txLinClrLst/>
@@ -744,47 +1005,15 @@
   </dgm:styleLbl>
   <dgm:styleLbl name="fgAccFollowNode1">
     <dgm:fillClrLst meth="repeat">
-      <a:schemeClr val="accent2">
+      <a:schemeClr val="accent3">
+        <a:alpha val="90000"/>
         <a:tint val="40000"/>
-        <a:alpha val="90000"/>
-      </a:schemeClr>
-      <a:schemeClr val="accent3">
-        <a:tint val="40000"/>
-        <a:alpha val="90000"/>
-      </a:schemeClr>
-      <a:schemeClr val="accent4">
-        <a:tint val="40000"/>
-        <a:alpha val="90000"/>
-      </a:schemeClr>
-      <a:schemeClr val="accent5">
-        <a:tint val="40000"/>
-        <a:alpha val="90000"/>
-      </a:schemeClr>
-      <a:schemeClr val="accent6">
-        <a:tint val="40000"/>
-        <a:alpha val="90000"/>
       </a:schemeClr>
     </dgm:fillClrLst>
     <dgm:linClrLst meth="repeat">
-      <a:schemeClr val="accent2">
+      <a:schemeClr val="accent3">
+        <a:alpha val="90000"/>
         <a:tint val="40000"/>
-        <a:alpha val="90000"/>
-      </a:schemeClr>
-      <a:schemeClr val="accent3">
-        <a:tint val="40000"/>
-        <a:alpha val="90000"/>
-      </a:schemeClr>
-      <a:schemeClr val="accent4">
-        <a:tint val="40000"/>
-        <a:alpha val="90000"/>
-      </a:schemeClr>
-      <a:schemeClr val="accent5">
-        <a:tint val="40000"/>
-        <a:alpha val="90000"/>
-      </a:schemeClr>
-      <a:schemeClr val="accent6">
-        <a:tint val="40000"/>
-        <a:alpha val="90000"/>
       </a:schemeClr>
     </dgm:linClrLst>
     <dgm:effectClrLst/>
@@ -796,47 +1025,15 @@
   </dgm:styleLbl>
   <dgm:styleLbl name="alignAccFollowNode1">
     <dgm:fillClrLst meth="repeat">
-      <a:schemeClr val="accent2">
+      <a:schemeClr val="accent3">
+        <a:alpha val="90000"/>
         <a:tint val="40000"/>
-        <a:alpha val="90000"/>
-      </a:schemeClr>
-      <a:schemeClr val="accent3">
-        <a:tint val="40000"/>
-        <a:alpha val="90000"/>
-      </a:schemeClr>
-      <a:schemeClr val="accent4">
-        <a:tint val="40000"/>
-        <a:alpha val="90000"/>
-      </a:schemeClr>
-      <a:schemeClr val="accent5">
-        <a:tint val="40000"/>
-        <a:alpha val="90000"/>
-      </a:schemeClr>
-      <a:schemeClr val="accent6">
-        <a:tint val="40000"/>
-        <a:alpha val="90000"/>
       </a:schemeClr>
     </dgm:fillClrLst>
     <dgm:linClrLst meth="repeat">
-      <a:schemeClr val="accent2">
+      <a:schemeClr val="accent3">
+        <a:alpha val="90000"/>
         <a:tint val="40000"/>
-        <a:alpha val="90000"/>
-      </a:schemeClr>
-      <a:schemeClr val="accent3">
-        <a:tint val="40000"/>
-        <a:alpha val="90000"/>
-      </a:schemeClr>
-      <a:schemeClr val="accent4">
-        <a:tint val="40000"/>
-        <a:alpha val="90000"/>
-      </a:schemeClr>
-      <a:schemeClr val="accent5">
-        <a:tint val="40000"/>
-        <a:alpha val="90000"/>
-      </a:schemeClr>
-      <a:schemeClr val="accent6">
-        <a:tint val="40000"/>
-        <a:alpha val="90000"/>
       </a:schemeClr>
     </dgm:linClrLst>
     <dgm:effectClrLst/>
@@ -848,47 +1045,15 @@
   </dgm:styleLbl>
   <dgm:styleLbl name="bgAccFollowNode1">
     <dgm:fillClrLst meth="repeat">
-      <a:schemeClr val="accent2">
+      <a:schemeClr val="accent3">
+        <a:alpha val="90000"/>
         <a:tint val="40000"/>
-        <a:alpha val="90000"/>
-      </a:schemeClr>
-      <a:schemeClr val="accent3">
-        <a:tint val="40000"/>
-        <a:alpha val="90000"/>
-      </a:schemeClr>
-      <a:schemeClr val="accent4">
-        <a:tint val="40000"/>
-        <a:alpha val="90000"/>
-      </a:schemeClr>
-      <a:schemeClr val="accent5">
-        <a:tint val="40000"/>
-        <a:alpha val="90000"/>
-      </a:schemeClr>
-      <a:schemeClr val="accent6">
-        <a:tint val="40000"/>
-        <a:alpha val="90000"/>
       </a:schemeClr>
     </dgm:fillClrLst>
     <dgm:linClrLst meth="repeat">
-      <a:schemeClr val="accent2">
+      <a:schemeClr val="accent3">
+        <a:alpha val="90000"/>
         <a:tint val="40000"/>
-        <a:alpha val="90000"/>
-      </a:schemeClr>
-      <a:schemeClr val="accent3">
-        <a:tint val="40000"/>
-        <a:alpha val="90000"/>
-      </a:schemeClr>
-      <a:schemeClr val="accent4">
-        <a:tint val="40000"/>
-        <a:alpha val="90000"/>
-      </a:schemeClr>
-      <a:schemeClr val="accent5">
-        <a:tint val="40000"/>
-        <a:alpha val="90000"/>
-      </a:schemeClr>
-      <a:schemeClr val="accent6">
-        <a:tint val="40000"/>
-        <a:alpha val="90000"/>
       </a:schemeClr>
     </dgm:linClrLst>
     <dgm:effectClrLst/>
@@ -904,8 +1069,8 @@
         <a:alpha val="90000"/>
       </a:schemeClr>
     </dgm:fillClrLst>
-    <dgm:linClrLst>
-      <a:schemeClr val="accent1"/>
+    <dgm:linClrLst meth="repeat">
+      <a:schemeClr val="accent3"/>
     </dgm:linClrLst>
     <dgm:effectClrLst/>
     <dgm:txLinClrLst/>
@@ -920,8 +1085,8 @@
         <a:alpha val="90000"/>
       </a:schemeClr>
     </dgm:fillClrLst>
-    <dgm:linClrLst>
-      <a:schemeClr val="accent2"/>
+    <dgm:linClrLst meth="repeat">
+      <a:schemeClr val="accent3"/>
     </dgm:linClrLst>
     <dgm:effectClrLst/>
     <dgm:txLinClrLst/>
@@ -936,7 +1101,7 @@
         <a:alpha val="90000"/>
       </a:schemeClr>
     </dgm:fillClrLst>
-    <dgm:linClrLst>
+    <dgm:linClrLst meth="repeat">
       <a:schemeClr val="accent3"/>
     </dgm:linClrLst>
     <dgm:effectClrLst/>
@@ -952,8 +1117,8 @@
         <a:alpha val="90000"/>
       </a:schemeClr>
     </dgm:fillClrLst>
-    <dgm:linClrLst>
-      <a:schemeClr val="accent4"/>
+    <dgm:linClrLst meth="repeat">
+      <a:schemeClr val="accent3"/>
     </dgm:linClrLst>
     <dgm:effectClrLst/>
     <dgm:txLinClrLst/>
@@ -969,7 +1134,7 @@
       </a:schemeClr>
     </dgm:fillClrLst>
     <dgm:linClrLst meth="repeat">
-      <a:schemeClr val="dk1"/>
+      <a:schemeClr val="accent3"/>
     </dgm:linClrLst>
     <dgm:effectClrLst/>
     <dgm:txLinClrLst/>
@@ -980,12 +1145,12 @@
   </dgm:styleLbl>
   <dgm:styleLbl name="dkBgShp">
     <dgm:fillClrLst meth="repeat">
-      <a:schemeClr val="accent2">
-        <a:shade val="90000"/>
+      <a:schemeClr val="accent3">
+        <a:shade val="80000"/>
       </a:schemeClr>
     </dgm:fillClrLst>
     <dgm:linClrLst meth="repeat">
-      <a:schemeClr val="dk1"/>
+      <a:schemeClr val="accent3"/>
     </dgm:linClrLst>
     <dgm:effectClrLst/>
     <dgm:txLinClrLst/>
@@ -996,13 +1161,13 @@
   </dgm:styleLbl>
   <dgm:styleLbl name="trBgShp">
     <dgm:fillClrLst meth="repeat">
-      <a:schemeClr val="accent1">
+      <a:schemeClr val="accent3">
         <a:tint val="50000"/>
         <a:alpha val="40000"/>
       </a:schemeClr>
     </dgm:fillClrLst>
     <dgm:linClrLst meth="repeat">
-      <a:schemeClr val="accent2"/>
+      <a:schemeClr val="accent3"/>
     </dgm:linClrLst>
     <dgm:effectClrLst/>
     <dgm:txLinClrLst/>
@@ -1013,8 +1178,8 @@
   </dgm:styleLbl>
   <dgm:styleLbl name="fgShp">
     <dgm:fillClrLst meth="repeat">
-      <a:schemeClr val="accent2">
-        <a:tint val="40000"/>
+      <a:schemeClr val="accent3">
+        <a:tint val="60000"/>
       </a:schemeClr>
     </dgm:fillClrLst>
     <dgm:linClrLst meth="repeat">
@@ -1051,8 +1216,8 @@
 <file path=ppt/diagrams/data1.xml><?xml version="1.0" encoding="utf-8"?>
 <dgm:dataModel xmlns:dgm="http://schemas.openxmlformats.org/drawingml/2006/diagram" xmlns:a="http://schemas.openxmlformats.org/drawingml/2006/main">
   <dgm:ptLst>
-    <dgm:pt modelId="{16CB7695-07D5-4375-BF76-4BE3079C4724}" type="doc">
-      <dgm:prSet loTypeId="urn:microsoft.com/office/officeart/2018/5/layout/CenteredIconLabelDescriptionList" loCatId="icon" qsTypeId="urn:microsoft.com/office/officeart/2005/8/quickstyle/simple1" qsCatId="simple" csTypeId="urn:microsoft.com/office/officeart/2018/5/colors/Iconchunking_neutralbg_colorful1" csCatId="colorful" phldr="1"/>
+    <dgm:pt modelId="{71DCCB16-E4A5-4A5D-9ABE-B0FFA5315435}" type="doc">
+      <dgm:prSet loTypeId="urn:microsoft.com/office/officeart/2018/2/layout/IconVerticalSolidList" loCatId="icon" qsTypeId="urn:microsoft.com/office/officeart/2005/8/quickstyle/simple1" qsCatId="simple" csTypeId="urn:microsoft.com/office/officeart/2018/5/colors/Iconchunking_neutralbg_accent3_2" csCatId="accent3" phldr="1"/>
       <dgm:spPr/>
       <dgm:t>
         <a:bodyPr/>
@@ -1062,50 +1227,7 @@
         </a:p>
       </dgm:t>
     </dgm:pt>
-    <dgm:pt modelId="{EAC8779A-9226-43DA-A367-C31AB57AB8FD}">
-      <dgm:prSet/>
-      <dgm:spPr/>
-      <dgm:t>
-        <a:bodyPr/>
-        <a:lstStyle/>
-        <a:p>
-          <a:pPr>
-            <a:lnSpc>
-              <a:spcPct val="100000"/>
-            </a:lnSpc>
-            <a:defRPr b="1"/>
-          </a:pPr>
-          <a:r>
-            <a:rPr lang="en-US" b="1" i="0" dirty="0"/>
-            <a:t>Completion of Main Functionalities</a:t>
-          </a:r>
-          <a:endParaRPr lang="en-US" dirty="0"/>
-        </a:p>
-      </dgm:t>
-    </dgm:pt>
-    <dgm:pt modelId="{F2BBA1CA-D474-43D7-B29F-BFE09E5756C3}" type="parTrans" cxnId="{D06A2660-A58F-44EC-BD6C-399AE3173F29}">
-      <dgm:prSet/>
-      <dgm:spPr/>
-      <dgm:t>
-        <a:bodyPr/>
-        <a:lstStyle/>
-        <a:p>
-          <a:endParaRPr lang="en-US"/>
-        </a:p>
-      </dgm:t>
-    </dgm:pt>
-    <dgm:pt modelId="{CBF28B0D-F0AF-4A2F-9D2C-8DD7A33C7A32}" type="sibTrans" cxnId="{D06A2660-A58F-44EC-BD6C-399AE3173F29}">
-      <dgm:prSet/>
-      <dgm:spPr/>
-      <dgm:t>
-        <a:bodyPr/>
-        <a:lstStyle/>
-        <a:p>
-          <a:endParaRPr lang="en-US"/>
-        </a:p>
-      </dgm:t>
-    </dgm:pt>
-    <dgm:pt modelId="{F0382A72-9FC9-42FA-8723-4C0023AAA80A}">
+    <dgm:pt modelId="{95743214-AFB3-49A2-BC43-5B87DA991A1A}">
       <dgm:prSet/>
       <dgm:spPr/>
       <dgm:t>
@@ -1118,14 +1240,20 @@
             </a:lnSpc>
           </a:pPr>
           <a:r>
-            <a:rPr lang="en-US" b="0" i="0" dirty="0"/>
-            <a:t>Finalize the implementation of all main functionalities outlined in the project requirements.</a:t>
+            <a:rPr lang="en-US" dirty="0"/>
+            <a:t>With the increase in the size of the student body, it has become difficult to manage grading within the given time constraints. </a:t>
           </a:r>
-          <a:endParaRPr lang="en-US" dirty="0"/>
+          <a:br>
+            <a:rPr lang="en-US" dirty="0"/>
+          </a:br>
+          <a:r>
+            <a:rPr lang="en-US" dirty="0"/>
+            <a:t>This has led many courses to adopt a multiple-choice format, which is faster to grade, and easier to analyze.</a:t>
+          </a:r>
         </a:p>
       </dgm:t>
     </dgm:pt>
-    <dgm:pt modelId="{683401E4-C8B7-4789-A272-855DAE24C7F5}" type="parTrans" cxnId="{6D4D022C-5071-432E-BE70-05A99B6988C1}">
+    <dgm:pt modelId="{081A3C90-72B6-47AF-8AAE-CCF0624064D3}" type="parTrans" cxnId="{9D00AAD5-CF6F-4DB8-87B9-FED41229560E}">
       <dgm:prSet/>
       <dgm:spPr/>
       <dgm:t>
@@ -1136,7 +1264,7 @@
         </a:p>
       </dgm:t>
     </dgm:pt>
-    <dgm:pt modelId="{9BD3A034-6534-4555-9802-0D01E71B444A}" type="sibTrans" cxnId="{6D4D022C-5071-432E-BE70-05A99B6988C1}">
+    <dgm:pt modelId="{9BCA37CE-CD92-4711-B2E1-C81802161BF8}" type="sibTrans" cxnId="{9D00AAD5-CF6F-4DB8-87B9-FED41229560E}">
       <dgm:prSet/>
       <dgm:spPr/>
       <dgm:t>
@@ -1147,7 +1275,7 @@
         </a:p>
       </dgm:t>
     </dgm:pt>
-    <dgm:pt modelId="{07FD08A6-70A1-4E6F-84BD-BBF6F56F822E}">
+    <dgm:pt modelId="{E2FE29B1-608A-4A2C-82BE-12F28ECDC4B8}">
       <dgm:prSet/>
       <dgm:spPr/>
       <dgm:t>
@@ -1160,14 +1288,13 @@
             </a:lnSpc>
           </a:pPr>
           <a:r>
-            <a:rPr lang="en-US" b="0" i="0"/>
-            <a:t>Ensure that the system supports various roles effectively and efficiently.</a:t>
+            <a:rPr lang="en-US"/>
+            <a:t>The creation of one-time-use questions is costly and unsustainable- We want to ease the process of creating those exams.</a:t>
           </a:r>
-          <a:endParaRPr lang="en-US"/>
         </a:p>
       </dgm:t>
     </dgm:pt>
-    <dgm:pt modelId="{6C33C966-029F-46BC-9CAD-68EEAD14E0AE}" type="parTrans" cxnId="{15F155B3-A0E5-4251-81AB-3A88747C3A8F}">
+    <dgm:pt modelId="{F366D740-5896-4BF1-B7FD-F0F1BBF9D0F0}" type="parTrans" cxnId="{753456FF-26CD-4520-AE67-5135D6C69593}">
       <dgm:prSet/>
       <dgm:spPr/>
       <dgm:t>
@@ -1178,7 +1305,7 @@
         </a:p>
       </dgm:t>
     </dgm:pt>
-    <dgm:pt modelId="{85075766-27FF-407A-B427-5C5B1378EA5D}" type="sibTrans" cxnId="{15F155B3-A0E5-4251-81AB-3A88747C3A8F}">
+    <dgm:pt modelId="{5D493AC7-1844-44D4-AF66-91F7B36CE865}" type="sibTrans" cxnId="{753456FF-26CD-4520-AE67-5135D6C69593}">
       <dgm:prSet/>
       <dgm:spPr/>
       <dgm:t>
@@ -1189,50 +1316,7 @@
         </a:p>
       </dgm:t>
     </dgm:pt>
-    <dgm:pt modelId="{7B2C0C00-6FD9-4577-980B-A0F2E683F9E3}">
-      <dgm:prSet/>
-      <dgm:spPr/>
-      <dgm:t>
-        <a:bodyPr/>
-        <a:lstStyle/>
-        <a:p>
-          <a:pPr>
-            <a:lnSpc>
-              <a:spcPct val="100000"/>
-            </a:lnSpc>
-            <a:defRPr b="1"/>
-          </a:pPr>
-          <a:r>
-            <a:rPr lang="en-US" b="1" i="0" dirty="0"/>
-            <a:t>Finalization of User Interface (UI)</a:t>
-          </a:r>
-          <a:endParaRPr lang="en-US" dirty="0"/>
-        </a:p>
-      </dgm:t>
-    </dgm:pt>
-    <dgm:pt modelId="{CBC124B2-4900-4831-8DD2-150371CD8B88}" type="parTrans" cxnId="{EE58778A-989A-46AB-86D3-1FE43454CB2E}">
-      <dgm:prSet/>
-      <dgm:spPr/>
-      <dgm:t>
-        <a:bodyPr/>
-        <a:lstStyle/>
-        <a:p>
-          <a:endParaRPr lang="en-US"/>
-        </a:p>
-      </dgm:t>
-    </dgm:pt>
-    <dgm:pt modelId="{0D36B698-5F98-40BE-B2BB-380961FE0ADE}" type="sibTrans" cxnId="{EE58778A-989A-46AB-86D3-1FE43454CB2E}">
-      <dgm:prSet/>
-      <dgm:spPr/>
-      <dgm:t>
-        <a:bodyPr/>
-        <a:lstStyle/>
-        <a:p>
-          <a:endParaRPr lang="en-US"/>
-        </a:p>
-      </dgm:t>
-    </dgm:pt>
-    <dgm:pt modelId="{9417970D-D16E-47D8-952F-F1094870768A}">
+    <dgm:pt modelId="{423EDE4A-B0DC-407C-8020-D4913FFDD1B0}">
       <dgm:prSet/>
       <dgm:spPr/>
       <dgm:t>
@@ -1245,14 +1329,18 @@
             </a:lnSpc>
           </a:pPr>
           <a:r>
-            <a:rPr lang="en-US" b="0" i="0" dirty="0"/>
-            <a:t>Complete the design and implementation of remaining UI elements.</a:t>
+            <a:rPr lang="en-US" dirty="0"/>
+            <a:t>The creation of challenging multiple-choice questions is not a trivial task.</a:t>
+          </a:r>
+          <a:r>
+            <a:rPr lang="he-IL" dirty="0"/>
+            <a:t> </a:t>
           </a:r>
           <a:endParaRPr lang="en-US" dirty="0"/>
         </a:p>
       </dgm:t>
     </dgm:pt>
-    <dgm:pt modelId="{4E7127A1-C0CA-417E-838D-677F531D2D02}" type="parTrans" cxnId="{730DA6CF-FFE0-4755-B772-F74F909EEBDD}">
+    <dgm:pt modelId="{3824C6E7-E493-43F5-8EC4-7FEFCDBE42CA}" type="parTrans" cxnId="{8F975E44-B7C9-4F0D-B660-A20DFDB524EE}">
       <dgm:prSet/>
       <dgm:spPr/>
       <dgm:t>
@@ -1263,7 +1351,7 @@
         </a:p>
       </dgm:t>
     </dgm:pt>
-    <dgm:pt modelId="{13D8B973-2171-47D2-9755-C71857FB952D}" type="sibTrans" cxnId="{730DA6CF-FFE0-4755-B772-F74F909EEBDD}">
+    <dgm:pt modelId="{CB19359E-3BD8-4464-AAF0-C4D0547C1A3C}" type="sibTrans" cxnId="{8F975E44-B7C9-4F0D-B660-A20DFDB524EE}">
       <dgm:prSet/>
       <dgm:spPr/>
       <dgm:t>
@@ -1274,177 +1362,8 @@
         </a:p>
       </dgm:t>
     </dgm:pt>
-    <dgm:pt modelId="{C99CBB10-A1E8-4E4D-9E4B-85FE63A75493}">
-      <dgm:prSet/>
-      <dgm:spPr/>
-      <dgm:t>
-        <a:bodyPr/>
-        <a:lstStyle/>
-        <a:p>
-          <a:pPr>
-            <a:lnSpc>
-              <a:spcPct val="100000"/>
-            </a:lnSpc>
-          </a:pPr>
-          <a:r>
-            <a:rPr lang="en-US" b="0" i="0" dirty="0"/>
-            <a:t>Ensure that the UI is intuitive, user-friendly, and consistent across all screens.</a:t>
-          </a:r>
-          <a:endParaRPr lang="en-US" dirty="0"/>
-        </a:p>
-      </dgm:t>
-    </dgm:pt>
-    <dgm:pt modelId="{4CCAF35B-08EB-427D-A6B2-7C26DC77377A}" type="parTrans" cxnId="{35DC1456-1D31-4997-8BFF-4F4490502DFC}">
-      <dgm:prSet/>
-      <dgm:spPr/>
-      <dgm:t>
-        <a:bodyPr/>
-        <a:lstStyle/>
-        <a:p>
-          <a:endParaRPr lang="en-US"/>
-        </a:p>
-      </dgm:t>
-    </dgm:pt>
-    <dgm:pt modelId="{6167A5F0-69EA-4975-BA5F-4BB9500FA8F8}" type="sibTrans" cxnId="{35DC1456-1D31-4997-8BFF-4F4490502DFC}">
-      <dgm:prSet/>
-      <dgm:spPr/>
-      <dgm:t>
-        <a:bodyPr/>
-        <a:lstStyle/>
-        <a:p>
-          <a:endParaRPr lang="en-US"/>
-        </a:p>
-      </dgm:t>
-    </dgm:pt>
-    <dgm:pt modelId="{E7468176-03A9-443C-AB67-70E42757B90F}">
-      <dgm:prSet/>
-      <dgm:spPr/>
-      <dgm:t>
-        <a:bodyPr/>
-        <a:lstStyle/>
-        <a:p>
-          <a:pPr>
-            <a:lnSpc>
-              <a:spcPct val="100000"/>
-            </a:lnSpc>
-            <a:defRPr b="1"/>
-          </a:pPr>
-          <a:r>
-            <a:rPr lang="en-US" b="1" i="0" dirty="0"/>
-            <a:t>Improvement of Database (DB)</a:t>
-          </a:r>
-          <a:endParaRPr lang="en-US" dirty="0"/>
-        </a:p>
-      </dgm:t>
-    </dgm:pt>
-    <dgm:pt modelId="{05A4199E-68A3-43E9-AB9B-F0C3F02BE111}" type="parTrans" cxnId="{1F1A726E-B4CB-4D08-8C1D-C507503B4E19}">
-      <dgm:prSet/>
-      <dgm:spPr/>
-      <dgm:t>
-        <a:bodyPr/>
-        <a:lstStyle/>
-        <a:p>
-          <a:endParaRPr lang="en-US"/>
-        </a:p>
-      </dgm:t>
-    </dgm:pt>
-    <dgm:pt modelId="{4ABB1D8E-EC7A-4A5F-B4B2-DD0EE389D5BF}" type="sibTrans" cxnId="{1F1A726E-B4CB-4D08-8C1D-C507503B4E19}">
-      <dgm:prSet/>
-      <dgm:spPr/>
-      <dgm:t>
-        <a:bodyPr/>
-        <a:lstStyle/>
-        <a:p>
-          <a:endParaRPr lang="en-US"/>
-        </a:p>
-      </dgm:t>
-    </dgm:pt>
-    <dgm:pt modelId="{D1D021A7-DBA8-4B38-8277-B9E78E10B59F}">
-      <dgm:prSet/>
-      <dgm:spPr/>
-      <dgm:t>
-        <a:bodyPr/>
-        <a:lstStyle/>
-        <a:p>
-          <a:pPr>
-            <a:lnSpc>
-              <a:spcPct val="100000"/>
-            </a:lnSpc>
-          </a:pPr>
-          <a:r>
-            <a:rPr lang="en-US" b="0" i="0" dirty="0"/>
-            <a:t>Review and enhance the current database design to optimize performance and scalability.</a:t>
-          </a:r>
-          <a:endParaRPr lang="en-US" dirty="0"/>
-        </a:p>
-      </dgm:t>
-    </dgm:pt>
-    <dgm:pt modelId="{6C17FD83-EDAF-462D-84D5-1170EF3C5A4D}" type="parTrans" cxnId="{8C46899B-2C09-4869-8A7B-B316CD560AC9}">
-      <dgm:prSet/>
-      <dgm:spPr/>
-      <dgm:t>
-        <a:bodyPr/>
-        <a:lstStyle/>
-        <a:p>
-          <a:endParaRPr lang="en-US"/>
-        </a:p>
-      </dgm:t>
-    </dgm:pt>
-    <dgm:pt modelId="{6305F920-62E9-4C52-BBAA-7B38A5B019FC}" type="sibTrans" cxnId="{8C46899B-2C09-4869-8A7B-B316CD560AC9}">
-      <dgm:prSet/>
-      <dgm:spPr/>
-      <dgm:t>
-        <a:bodyPr/>
-        <a:lstStyle/>
-        <a:p>
-          <a:endParaRPr lang="en-US"/>
-        </a:p>
-      </dgm:t>
-    </dgm:pt>
-    <dgm:pt modelId="{1504ABFF-AA1A-4C53-B667-86FAFE164CB7}">
-      <dgm:prSet/>
-      <dgm:spPr/>
-      <dgm:t>
-        <a:bodyPr/>
-        <a:lstStyle/>
-        <a:p>
-          <a:pPr>
-            <a:lnSpc>
-              <a:spcPct val="100000"/>
-            </a:lnSpc>
-          </a:pPr>
-          <a:r>
-            <a:rPr lang="en-US" b="0" i="0"/>
-            <a:t>Implement any necessary changes or optimizations to improve data storage and retrieval.</a:t>
-          </a:r>
-          <a:endParaRPr lang="en-US"/>
-        </a:p>
-      </dgm:t>
-    </dgm:pt>
-    <dgm:pt modelId="{6F29E908-7C8D-4B4D-8427-4E96840CCBFD}" type="parTrans" cxnId="{B0290A1E-25D3-4DD3-81B4-2C85596C157C}">
-      <dgm:prSet/>
-      <dgm:spPr/>
-      <dgm:t>
-        <a:bodyPr/>
-        <a:lstStyle/>
-        <a:p>
-          <a:endParaRPr lang="en-US"/>
-        </a:p>
-      </dgm:t>
-    </dgm:pt>
-    <dgm:pt modelId="{C632192E-E966-44C7-9DF7-EE51B778B619}" type="sibTrans" cxnId="{B0290A1E-25D3-4DD3-81B4-2C85596C157C}">
-      <dgm:prSet/>
-      <dgm:spPr/>
-      <dgm:t>
-        <a:bodyPr/>
-        <a:lstStyle/>
-        <a:p>
-          <a:endParaRPr lang="en-US"/>
-        </a:p>
-      </dgm:t>
-    </dgm:pt>
-    <dgm:pt modelId="{0AC863AA-35B0-49D0-8829-1BEF4D09A05C}" type="pres">
-      <dgm:prSet presAssocID="{16CB7695-07D5-4375-BF76-4BE3079C4724}" presName="root" presStyleCnt="0">
+    <dgm:pt modelId="{0D2419D9-E2A2-41FE-8A8C-0C4DAAD62437}" type="pres">
+      <dgm:prSet presAssocID="{71DCCB16-E4A5-4A5D-9ABE-B0FFA5315435}" presName="root" presStyleCnt="0">
         <dgm:presLayoutVars>
           <dgm:dir/>
           <dgm:resizeHandles val="exact"/>
@@ -1452,12 +1371,16 @@
       </dgm:prSet>
       <dgm:spPr/>
     </dgm:pt>
-    <dgm:pt modelId="{0054D868-B2BF-4A78-8314-7B2B0A662394}" type="pres">
-      <dgm:prSet presAssocID="{EAC8779A-9226-43DA-A367-C31AB57AB8FD}" presName="compNode" presStyleCnt="0"/>
+    <dgm:pt modelId="{06A57A22-FB18-44AE-B808-5667F3E041CF}" type="pres">
+      <dgm:prSet presAssocID="{95743214-AFB3-49A2-BC43-5B87DA991A1A}" presName="compNode" presStyleCnt="0"/>
       <dgm:spPr/>
     </dgm:pt>
-    <dgm:pt modelId="{411D8ABF-6445-4CD2-AE5B-C0B6BE0D9B1E}" type="pres">
-      <dgm:prSet presAssocID="{EAC8779A-9226-43DA-A367-C31AB57AB8FD}" presName="iconRect" presStyleLbl="node1" presStyleIdx="0" presStyleCnt="3"/>
+    <dgm:pt modelId="{E73A4B1D-7AC7-47C0-A1C2-43087CDEAD09}" type="pres">
+      <dgm:prSet presAssocID="{95743214-AFB3-49A2-BC43-5B87DA991A1A}" presName="bgRect" presStyleLbl="bgShp" presStyleIdx="0" presStyleCnt="3"/>
+      <dgm:spPr/>
+    </dgm:pt>
+    <dgm:pt modelId="{9C5D1E34-5C97-418F-BC9B-0B3B4BA165F9}" type="pres">
+      <dgm:prSet presAssocID="{95743214-AFB3-49A2-BC43-5B87DA991A1A}" presName="iconRect" presStyleLbl="node1" presStyleIdx="0" presStyleCnt="3"/>
       <dgm:spPr>
         <a:blipFill>
           <a:blip xmlns:r="http://schemas.openxmlformats.org/officeDocument/2006/relationships" r:embed="rId1">
@@ -1480,16 +1403,16 @@
       </dgm:spPr>
       <dgm:extLst>
         <a:ext uri="{E40237B7-FDA0-4F09-8148-C483321AD2D9}">
-          <dgm14:cNvPr xmlns:dgm14="http://schemas.microsoft.com/office/drawing/2010/diagram" id="0" name="" descr="Gears"/>
+          <dgm14:cNvPr xmlns:dgm14="http://schemas.microsoft.com/office/drawing/2010/diagram" id="0" name="" descr="Classroom"/>
         </a:ext>
       </dgm:extLst>
     </dgm:pt>
-    <dgm:pt modelId="{57B7F59F-A20B-4911-9C39-24F2848FCD71}" type="pres">
-      <dgm:prSet presAssocID="{EAC8779A-9226-43DA-A367-C31AB57AB8FD}" presName="iconSpace" presStyleCnt="0"/>
+    <dgm:pt modelId="{9A6ED986-6256-4810-8C32-07907463F26C}" type="pres">
+      <dgm:prSet presAssocID="{95743214-AFB3-49A2-BC43-5B87DA991A1A}" presName="spaceRect" presStyleCnt="0"/>
       <dgm:spPr/>
     </dgm:pt>
-    <dgm:pt modelId="{A9A058DE-0E91-41FE-9A0B-4A06A189184D}" type="pres">
-      <dgm:prSet presAssocID="{EAC8779A-9226-43DA-A367-C31AB57AB8FD}" presName="parTx" presStyleLbl="revTx" presStyleIdx="0" presStyleCnt="6">
+    <dgm:pt modelId="{99B314A1-D844-4D00-B42B-63E26F6DB160}" type="pres">
+      <dgm:prSet presAssocID="{95743214-AFB3-49A2-BC43-5B87DA991A1A}" presName="parTx" presStyleLbl="revTx" presStyleIdx="0" presStyleCnt="3">
         <dgm:presLayoutVars>
           <dgm:chMax val="0"/>
           <dgm:chPref val="0"/>
@@ -1497,26 +1420,20 @@
       </dgm:prSet>
       <dgm:spPr/>
     </dgm:pt>
-    <dgm:pt modelId="{096A9CC3-CE3E-4CD1-A1F1-3674DD4F02C7}" type="pres">
-      <dgm:prSet presAssocID="{EAC8779A-9226-43DA-A367-C31AB57AB8FD}" presName="txSpace" presStyleCnt="0"/>
+    <dgm:pt modelId="{29F65D57-A064-41DD-B491-225F3CF96127}" type="pres">
+      <dgm:prSet presAssocID="{9BCA37CE-CD92-4711-B2E1-C81802161BF8}" presName="sibTrans" presStyleCnt="0"/>
       <dgm:spPr/>
     </dgm:pt>
-    <dgm:pt modelId="{56DDE38F-CF99-4881-80EB-01F4DCFC4321}" type="pres">
-      <dgm:prSet presAssocID="{EAC8779A-9226-43DA-A367-C31AB57AB8FD}" presName="desTx" presStyleLbl="revTx" presStyleIdx="1" presStyleCnt="6">
-        <dgm:presLayoutVars/>
-      </dgm:prSet>
+    <dgm:pt modelId="{E90D5C46-1DF8-450F-A664-41AA22D4AB84}" type="pres">
+      <dgm:prSet presAssocID="{E2FE29B1-608A-4A2C-82BE-12F28ECDC4B8}" presName="compNode" presStyleCnt="0"/>
       <dgm:spPr/>
     </dgm:pt>
-    <dgm:pt modelId="{8A24E2C5-79AB-48D6-AA7A-EC6866E2EE58}" type="pres">
-      <dgm:prSet presAssocID="{CBF28B0D-F0AF-4A2F-9D2C-8DD7A33C7A32}" presName="sibTrans" presStyleCnt="0"/>
+    <dgm:pt modelId="{193DB7BE-E44A-470B-AB56-C07A1DB0E2CE}" type="pres">
+      <dgm:prSet presAssocID="{E2FE29B1-608A-4A2C-82BE-12F28ECDC4B8}" presName="bgRect" presStyleLbl="bgShp" presStyleIdx="1" presStyleCnt="3"/>
       <dgm:spPr/>
     </dgm:pt>
-    <dgm:pt modelId="{2587959B-55C6-4F25-A39F-7DD4732E76DB}" type="pres">
-      <dgm:prSet presAssocID="{7B2C0C00-6FD9-4577-980B-A0F2E683F9E3}" presName="compNode" presStyleCnt="0"/>
-      <dgm:spPr/>
-    </dgm:pt>
-    <dgm:pt modelId="{010B040B-2BEE-4CE0-B92E-1B198401E7A7}" type="pres">
-      <dgm:prSet presAssocID="{7B2C0C00-6FD9-4577-980B-A0F2E683F9E3}" presName="iconRect" presStyleLbl="node1" presStyleIdx="1" presStyleCnt="3"/>
+    <dgm:pt modelId="{694506B3-4701-4F23-816C-08332C765110}" type="pres">
+      <dgm:prSet presAssocID="{E2FE29B1-608A-4A2C-82BE-12F28ECDC4B8}" presName="iconRect" presStyleLbl="node1" presStyleIdx="1" presStyleCnt="3"/>
       <dgm:spPr>
         <a:blipFill>
           <a:blip xmlns:r="http://schemas.openxmlformats.org/officeDocument/2006/relationships" r:embed="rId3">
@@ -1539,16 +1456,16 @@
       </dgm:spPr>
       <dgm:extLst>
         <a:ext uri="{E40237B7-FDA0-4F09-8148-C483321AD2D9}">
-          <dgm14:cNvPr xmlns:dgm14="http://schemas.microsoft.com/office/drawing/2010/diagram" id="0" name="" descr="Web Design"/>
+          <dgm14:cNvPr xmlns:dgm14="http://schemas.microsoft.com/office/drawing/2010/diagram" id="0" name="" descr="Light Bulb and Gear"/>
         </a:ext>
       </dgm:extLst>
     </dgm:pt>
-    <dgm:pt modelId="{5D2F04BA-5952-4749-B8C0-3CFA76946A3E}" type="pres">
-      <dgm:prSet presAssocID="{7B2C0C00-6FD9-4577-980B-A0F2E683F9E3}" presName="iconSpace" presStyleCnt="0"/>
+    <dgm:pt modelId="{AA122058-0D94-4353-AA33-5FD85C717F08}" type="pres">
+      <dgm:prSet presAssocID="{E2FE29B1-608A-4A2C-82BE-12F28ECDC4B8}" presName="spaceRect" presStyleCnt="0"/>
       <dgm:spPr/>
     </dgm:pt>
-    <dgm:pt modelId="{8F4C51CB-9039-41BF-971C-A0A9A5371BEA}" type="pres">
-      <dgm:prSet presAssocID="{7B2C0C00-6FD9-4577-980B-A0F2E683F9E3}" presName="parTx" presStyleLbl="revTx" presStyleIdx="2" presStyleCnt="6">
+    <dgm:pt modelId="{8EE64EE4-9CB6-4D46-BDB9-237947DC199A}" type="pres">
+      <dgm:prSet presAssocID="{E2FE29B1-608A-4A2C-82BE-12F28ECDC4B8}" presName="parTx" presStyleLbl="revTx" presStyleIdx="1" presStyleCnt="3">
         <dgm:presLayoutVars>
           <dgm:chMax val="0"/>
           <dgm:chPref val="0"/>
@@ -1556,26 +1473,20 @@
       </dgm:prSet>
       <dgm:spPr/>
     </dgm:pt>
-    <dgm:pt modelId="{8479585C-4CAD-4E03-9446-C3295EA6E683}" type="pres">
-      <dgm:prSet presAssocID="{7B2C0C00-6FD9-4577-980B-A0F2E683F9E3}" presName="txSpace" presStyleCnt="0"/>
+    <dgm:pt modelId="{4101D88B-6706-4A6F-900F-835BED168255}" type="pres">
+      <dgm:prSet presAssocID="{5D493AC7-1844-44D4-AF66-91F7B36CE865}" presName="sibTrans" presStyleCnt="0"/>
       <dgm:spPr/>
     </dgm:pt>
-    <dgm:pt modelId="{B04C525A-D06E-44CD-8F0D-D8D7E6D3C6F4}" type="pres">
-      <dgm:prSet presAssocID="{7B2C0C00-6FD9-4577-980B-A0F2E683F9E3}" presName="desTx" presStyleLbl="revTx" presStyleIdx="3" presStyleCnt="6">
-        <dgm:presLayoutVars/>
-      </dgm:prSet>
+    <dgm:pt modelId="{3BC78A9D-4D4A-40C5-B604-DA793769BEC9}" type="pres">
+      <dgm:prSet presAssocID="{423EDE4A-B0DC-407C-8020-D4913FFDD1B0}" presName="compNode" presStyleCnt="0"/>
       <dgm:spPr/>
     </dgm:pt>
-    <dgm:pt modelId="{F33CC783-F6EA-465E-8915-B2E39EFF2A17}" type="pres">
-      <dgm:prSet presAssocID="{0D36B698-5F98-40BE-B2BB-380961FE0ADE}" presName="sibTrans" presStyleCnt="0"/>
+    <dgm:pt modelId="{E588A6BD-CC0A-4783-A061-24EDE9177E2D}" type="pres">
+      <dgm:prSet presAssocID="{423EDE4A-B0DC-407C-8020-D4913FFDD1B0}" presName="bgRect" presStyleLbl="bgShp" presStyleIdx="2" presStyleCnt="3"/>
       <dgm:spPr/>
     </dgm:pt>
-    <dgm:pt modelId="{51A6B19A-1451-4FD7-AF46-12D84959C766}" type="pres">
-      <dgm:prSet presAssocID="{E7468176-03A9-443C-AB67-70E42757B90F}" presName="compNode" presStyleCnt="0"/>
-      <dgm:spPr/>
-    </dgm:pt>
-    <dgm:pt modelId="{AF2B9B3B-FCB1-4AE7-86D1-6AD680D5FC34}" type="pres">
-      <dgm:prSet presAssocID="{E7468176-03A9-443C-AB67-70E42757B90F}" presName="iconRect" presStyleLbl="node1" presStyleIdx="2" presStyleCnt="3"/>
+    <dgm:pt modelId="{D6D6E75F-A8D4-4A52-A0F1-4A7A988A9B6F}" type="pres">
+      <dgm:prSet presAssocID="{423EDE4A-B0DC-407C-8020-D4913FFDD1B0}" presName="iconRect" presStyleLbl="node1" presStyleIdx="2" presStyleCnt="3"/>
       <dgm:spPr>
         <a:blipFill>
           <a:blip xmlns:r="http://schemas.openxmlformats.org/officeDocument/2006/relationships" r:embed="rId5">
@@ -1598,16 +1509,16 @@
       </dgm:spPr>
       <dgm:extLst>
         <a:ext uri="{E40237B7-FDA0-4F09-8148-C483321AD2D9}">
-          <dgm14:cNvPr xmlns:dgm14="http://schemas.microsoft.com/office/drawing/2010/diagram" id="0" name="" descr="Database"/>
+          <dgm14:cNvPr xmlns:dgm14="http://schemas.microsoft.com/office/drawing/2010/diagram" id="0" name="" descr="Maze"/>
         </a:ext>
       </dgm:extLst>
     </dgm:pt>
-    <dgm:pt modelId="{7D0EDADE-688C-41CC-8458-321C4F7FEA1B}" type="pres">
-      <dgm:prSet presAssocID="{E7468176-03A9-443C-AB67-70E42757B90F}" presName="iconSpace" presStyleCnt="0"/>
+    <dgm:pt modelId="{9BF28327-1A39-4B2F-941B-D07AAB9E2E4A}" type="pres">
+      <dgm:prSet presAssocID="{423EDE4A-B0DC-407C-8020-D4913FFDD1B0}" presName="spaceRect" presStyleCnt="0"/>
       <dgm:spPr/>
     </dgm:pt>
-    <dgm:pt modelId="{9CF130E5-1930-40AC-B6C6-CF09E97D5E4D}" type="pres">
-      <dgm:prSet presAssocID="{E7468176-03A9-443C-AB67-70E42757B90F}" presName="parTx" presStyleLbl="revTx" presStyleIdx="4" presStyleCnt="6">
+    <dgm:pt modelId="{51A9000F-C18C-4472-85D4-8A2F26132ADF}" type="pres">
+      <dgm:prSet presAssocID="{423EDE4A-B0DC-407C-8020-D4913FFDD1B0}" presName="parTx" presStyleLbl="revTx" presStyleIdx="2" presStyleCnt="3">
         <dgm:presLayoutVars>
           <dgm:chMax val="0"/>
           <dgm:chPref val="0"/>
@@ -1615,57 +1526,32 @@
       </dgm:prSet>
       <dgm:spPr/>
     </dgm:pt>
-    <dgm:pt modelId="{C4B2660B-900C-4075-A7EE-EE46D17568B4}" type="pres">
-      <dgm:prSet presAssocID="{E7468176-03A9-443C-AB67-70E42757B90F}" presName="txSpace" presStyleCnt="0"/>
-      <dgm:spPr/>
-    </dgm:pt>
-    <dgm:pt modelId="{F483D21B-32B5-46AE-8C6F-946364D16630}" type="pres">
-      <dgm:prSet presAssocID="{E7468176-03A9-443C-AB67-70E42757B90F}" presName="desTx" presStyleLbl="revTx" presStyleIdx="5" presStyleCnt="6">
-        <dgm:presLayoutVars/>
-      </dgm:prSet>
-      <dgm:spPr/>
-    </dgm:pt>
   </dgm:ptLst>
   <dgm:cxnLst>
-    <dgm:cxn modelId="{AC8F1F1D-90EC-4E06-A638-40B136DCE416}" type="presOf" srcId="{E7468176-03A9-443C-AB67-70E42757B90F}" destId="{9CF130E5-1930-40AC-B6C6-CF09E97D5E4D}" srcOrd="0" destOrd="0" presId="urn:microsoft.com/office/officeart/2018/5/layout/CenteredIconLabelDescriptionList"/>
-    <dgm:cxn modelId="{B0290A1E-25D3-4DD3-81B4-2C85596C157C}" srcId="{E7468176-03A9-443C-AB67-70E42757B90F}" destId="{1504ABFF-AA1A-4C53-B667-86FAFE164CB7}" srcOrd="1" destOrd="0" parTransId="{6F29E908-7C8D-4B4D-8427-4E96840CCBFD}" sibTransId="{C632192E-E966-44C7-9DF7-EE51B778B619}"/>
-    <dgm:cxn modelId="{F65F1621-AE5B-478D-A8CF-4B1BB9CCC530}" type="presOf" srcId="{EAC8779A-9226-43DA-A367-C31AB57AB8FD}" destId="{A9A058DE-0E91-41FE-9A0B-4A06A189184D}" srcOrd="0" destOrd="0" presId="urn:microsoft.com/office/officeart/2018/5/layout/CenteredIconLabelDescriptionList"/>
-    <dgm:cxn modelId="{6D4D022C-5071-432E-BE70-05A99B6988C1}" srcId="{EAC8779A-9226-43DA-A367-C31AB57AB8FD}" destId="{F0382A72-9FC9-42FA-8723-4C0023AAA80A}" srcOrd="0" destOrd="0" parTransId="{683401E4-C8B7-4789-A272-855DAE24C7F5}" sibTransId="{9BD3A034-6534-4555-9802-0D01E71B444A}"/>
-    <dgm:cxn modelId="{E7F93932-6281-4A87-B837-4588E53634E0}" type="presOf" srcId="{1504ABFF-AA1A-4C53-B667-86FAFE164CB7}" destId="{F483D21B-32B5-46AE-8C6F-946364D16630}" srcOrd="0" destOrd="1" presId="urn:microsoft.com/office/officeart/2018/5/layout/CenteredIconLabelDescriptionList"/>
-    <dgm:cxn modelId="{F5A9683A-5C78-48FD-82DF-E9D6C00C0D4C}" type="presOf" srcId="{F0382A72-9FC9-42FA-8723-4C0023AAA80A}" destId="{56DDE38F-CF99-4881-80EB-01F4DCFC4321}" srcOrd="0" destOrd="0" presId="urn:microsoft.com/office/officeart/2018/5/layout/CenteredIconLabelDescriptionList"/>
-    <dgm:cxn modelId="{01719645-E08D-4994-A8B9-374F8F456AA0}" type="presOf" srcId="{9417970D-D16E-47D8-952F-F1094870768A}" destId="{B04C525A-D06E-44CD-8F0D-D8D7E6D3C6F4}" srcOrd="0" destOrd="0" presId="urn:microsoft.com/office/officeart/2018/5/layout/CenteredIconLabelDescriptionList"/>
-    <dgm:cxn modelId="{35DC1456-1D31-4997-8BFF-4F4490502DFC}" srcId="{7B2C0C00-6FD9-4577-980B-A0F2E683F9E3}" destId="{C99CBB10-A1E8-4E4D-9E4B-85FE63A75493}" srcOrd="1" destOrd="0" parTransId="{4CCAF35B-08EB-427D-A6B2-7C26DC77377A}" sibTransId="{6167A5F0-69EA-4975-BA5F-4BB9500FA8F8}"/>
-    <dgm:cxn modelId="{D06A2660-A58F-44EC-BD6C-399AE3173F29}" srcId="{16CB7695-07D5-4375-BF76-4BE3079C4724}" destId="{EAC8779A-9226-43DA-A367-C31AB57AB8FD}" srcOrd="0" destOrd="0" parTransId="{F2BBA1CA-D474-43D7-B29F-BFE09E5756C3}" sibTransId="{CBF28B0D-F0AF-4A2F-9D2C-8DD7A33C7A32}"/>
-    <dgm:cxn modelId="{5E39BB63-EE51-4916-B6AA-B77501B5DA77}" type="presOf" srcId="{7B2C0C00-6FD9-4577-980B-A0F2E683F9E3}" destId="{8F4C51CB-9039-41BF-971C-A0A9A5371BEA}" srcOrd="0" destOrd="0" presId="urn:microsoft.com/office/officeart/2018/5/layout/CenteredIconLabelDescriptionList"/>
-    <dgm:cxn modelId="{1F1A726E-B4CB-4D08-8C1D-C507503B4E19}" srcId="{16CB7695-07D5-4375-BF76-4BE3079C4724}" destId="{E7468176-03A9-443C-AB67-70E42757B90F}" srcOrd="2" destOrd="0" parTransId="{05A4199E-68A3-43E9-AB9B-F0C3F02BE111}" sibTransId="{4ABB1D8E-EC7A-4A5F-B4B2-DD0EE389D5BF}"/>
-    <dgm:cxn modelId="{EE58778A-989A-46AB-86D3-1FE43454CB2E}" srcId="{16CB7695-07D5-4375-BF76-4BE3079C4724}" destId="{7B2C0C00-6FD9-4577-980B-A0F2E683F9E3}" srcOrd="1" destOrd="0" parTransId="{CBC124B2-4900-4831-8DD2-150371CD8B88}" sibTransId="{0D36B698-5F98-40BE-B2BB-380961FE0ADE}"/>
-    <dgm:cxn modelId="{8C46899B-2C09-4869-8A7B-B316CD560AC9}" srcId="{E7468176-03A9-443C-AB67-70E42757B90F}" destId="{D1D021A7-DBA8-4B38-8277-B9E78E10B59F}" srcOrd="0" destOrd="0" parTransId="{6C17FD83-EDAF-462D-84D5-1170EF3C5A4D}" sibTransId="{6305F920-62E9-4C52-BBAA-7B38A5B019FC}"/>
-    <dgm:cxn modelId="{15F155B3-A0E5-4251-81AB-3A88747C3A8F}" srcId="{EAC8779A-9226-43DA-A367-C31AB57AB8FD}" destId="{07FD08A6-70A1-4E6F-84BD-BBF6F56F822E}" srcOrd="1" destOrd="0" parTransId="{6C33C966-029F-46BC-9CAD-68EEAD14E0AE}" sibTransId="{85075766-27FF-407A-B427-5C5B1378EA5D}"/>
-    <dgm:cxn modelId="{08AE94CB-43F1-48F1-9334-BEC8944AA92A}" type="presOf" srcId="{07FD08A6-70A1-4E6F-84BD-BBF6F56F822E}" destId="{56DDE38F-CF99-4881-80EB-01F4DCFC4321}" srcOrd="0" destOrd="1" presId="urn:microsoft.com/office/officeart/2018/5/layout/CenteredIconLabelDescriptionList"/>
-    <dgm:cxn modelId="{730DA6CF-FFE0-4755-B772-F74F909EEBDD}" srcId="{7B2C0C00-6FD9-4577-980B-A0F2E683F9E3}" destId="{9417970D-D16E-47D8-952F-F1094870768A}" srcOrd="0" destOrd="0" parTransId="{4E7127A1-C0CA-417E-838D-677F531D2D02}" sibTransId="{13D8B973-2171-47D2-9755-C71857FB952D}"/>
-    <dgm:cxn modelId="{3A130FD0-D4AD-4CCB-A11F-60C4CB397403}" type="presOf" srcId="{D1D021A7-DBA8-4B38-8277-B9E78E10B59F}" destId="{F483D21B-32B5-46AE-8C6F-946364D16630}" srcOrd="0" destOrd="0" presId="urn:microsoft.com/office/officeart/2018/5/layout/CenteredIconLabelDescriptionList"/>
-    <dgm:cxn modelId="{527C5DD0-A37A-480E-84D7-62251596E4DB}" type="presOf" srcId="{16CB7695-07D5-4375-BF76-4BE3079C4724}" destId="{0AC863AA-35B0-49D0-8829-1BEF4D09A05C}" srcOrd="0" destOrd="0" presId="urn:microsoft.com/office/officeart/2018/5/layout/CenteredIconLabelDescriptionList"/>
-    <dgm:cxn modelId="{7BBD55DA-A1FA-4557-A28A-ECEC8EA0EC2C}" type="presOf" srcId="{C99CBB10-A1E8-4E4D-9E4B-85FE63A75493}" destId="{B04C525A-D06E-44CD-8F0D-D8D7E6D3C6F4}" srcOrd="0" destOrd="1" presId="urn:microsoft.com/office/officeart/2018/5/layout/CenteredIconLabelDescriptionList"/>
-    <dgm:cxn modelId="{266C77C6-C45F-4E5B-BBE7-2E932BB9555F}" type="presParOf" srcId="{0AC863AA-35B0-49D0-8829-1BEF4D09A05C}" destId="{0054D868-B2BF-4A78-8314-7B2B0A662394}" srcOrd="0" destOrd="0" presId="urn:microsoft.com/office/officeart/2018/5/layout/CenteredIconLabelDescriptionList"/>
-    <dgm:cxn modelId="{DD52ED21-410C-420E-ADBE-6D92E8F35195}" type="presParOf" srcId="{0054D868-B2BF-4A78-8314-7B2B0A662394}" destId="{411D8ABF-6445-4CD2-AE5B-C0B6BE0D9B1E}" srcOrd="0" destOrd="0" presId="urn:microsoft.com/office/officeart/2018/5/layout/CenteredIconLabelDescriptionList"/>
-    <dgm:cxn modelId="{3CBB3717-6592-4370-B83E-4D0EFCD6A744}" type="presParOf" srcId="{0054D868-B2BF-4A78-8314-7B2B0A662394}" destId="{57B7F59F-A20B-4911-9C39-24F2848FCD71}" srcOrd="1" destOrd="0" presId="urn:microsoft.com/office/officeart/2018/5/layout/CenteredIconLabelDescriptionList"/>
-    <dgm:cxn modelId="{873EF565-0308-471E-B8FA-A59CFF3B39B2}" type="presParOf" srcId="{0054D868-B2BF-4A78-8314-7B2B0A662394}" destId="{A9A058DE-0E91-41FE-9A0B-4A06A189184D}" srcOrd="2" destOrd="0" presId="urn:microsoft.com/office/officeart/2018/5/layout/CenteredIconLabelDescriptionList"/>
-    <dgm:cxn modelId="{2AB96395-E915-4EB8-AA9A-642869572EAB}" type="presParOf" srcId="{0054D868-B2BF-4A78-8314-7B2B0A662394}" destId="{096A9CC3-CE3E-4CD1-A1F1-3674DD4F02C7}" srcOrd="3" destOrd="0" presId="urn:microsoft.com/office/officeart/2018/5/layout/CenteredIconLabelDescriptionList"/>
-    <dgm:cxn modelId="{9636A18D-7763-4A5A-828C-2E2C60F7EA57}" type="presParOf" srcId="{0054D868-B2BF-4A78-8314-7B2B0A662394}" destId="{56DDE38F-CF99-4881-80EB-01F4DCFC4321}" srcOrd="4" destOrd="0" presId="urn:microsoft.com/office/officeart/2018/5/layout/CenteredIconLabelDescriptionList"/>
-    <dgm:cxn modelId="{B7385D84-6B56-401F-852C-2E5C0FA018E4}" type="presParOf" srcId="{0AC863AA-35B0-49D0-8829-1BEF4D09A05C}" destId="{8A24E2C5-79AB-48D6-AA7A-EC6866E2EE58}" srcOrd="1" destOrd="0" presId="urn:microsoft.com/office/officeart/2018/5/layout/CenteredIconLabelDescriptionList"/>
-    <dgm:cxn modelId="{921610CB-B9B3-4103-AEFF-F815A1E9CAE6}" type="presParOf" srcId="{0AC863AA-35B0-49D0-8829-1BEF4D09A05C}" destId="{2587959B-55C6-4F25-A39F-7DD4732E76DB}" srcOrd="2" destOrd="0" presId="urn:microsoft.com/office/officeart/2018/5/layout/CenteredIconLabelDescriptionList"/>
-    <dgm:cxn modelId="{DA32046D-F9D0-46B4-8236-F720C5874F19}" type="presParOf" srcId="{2587959B-55C6-4F25-A39F-7DD4732E76DB}" destId="{010B040B-2BEE-4CE0-B92E-1B198401E7A7}" srcOrd="0" destOrd="0" presId="urn:microsoft.com/office/officeart/2018/5/layout/CenteredIconLabelDescriptionList"/>
-    <dgm:cxn modelId="{802111C5-0EC7-4979-B997-62102800B3C1}" type="presParOf" srcId="{2587959B-55C6-4F25-A39F-7DD4732E76DB}" destId="{5D2F04BA-5952-4749-B8C0-3CFA76946A3E}" srcOrd="1" destOrd="0" presId="urn:microsoft.com/office/officeart/2018/5/layout/CenteredIconLabelDescriptionList"/>
-    <dgm:cxn modelId="{D21A9FB6-03FD-4278-B754-5190E786A334}" type="presParOf" srcId="{2587959B-55C6-4F25-A39F-7DD4732E76DB}" destId="{8F4C51CB-9039-41BF-971C-A0A9A5371BEA}" srcOrd="2" destOrd="0" presId="urn:microsoft.com/office/officeart/2018/5/layout/CenteredIconLabelDescriptionList"/>
-    <dgm:cxn modelId="{19A42387-EA86-494E-8EDE-43EB007169E1}" type="presParOf" srcId="{2587959B-55C6-4F25-A39F-7DD4732E76DB}" destId="{8479585C-4CAD-4E03-9446-C3295EA6E683}" srcOrd="3" destOrd="0" presId="urn:microsoft.com/office/officeart/2018/5/layout/CenteredIconLabelDescriptionList"/>
-    <dgm:cxn modelId="{1D1D44D2-8BC8-4CBC-B477-A70007F5EFA9}" type="presParOf" srcId="{2587959B-55C6-4F25-A39F-7DD4732E76DB}" destId="{B04C525A-D06E-44CD-8F0D-D8D7E6D3C6F4}" srcOrd="4" destOrd="0" presId="urn:microsoft.com/office/officeart/2018/5/layout/CenteredIconLabelDescriptionList"/>
-    <dgm:cxn modelId="{3EBABFDA-501A-42FB-AB0A-140EAF11B5D0}" type="presParOf" srcId="{0AC863AA-35B0-49D0-8829-1BEF4D09A05C}" destId="{F33CC783-F6EA-465E-8915-B2E39EFF2A17}" srcOrd="3" destOrd="0" presId="urn:microsoft.com/office/officeart/2018/5/layout/CenteredIconLabelDescriptionList"/>
-    <dgm:cxn modelId="{7C83EF04-AEC4-4C9C-BC2A-A0C791C9A3FB}" type="presParOf" srcId="{0AC863AA-35B0-49D0-8829-1BEF4D09A05C}" destId="{51A6B19A-1451-4FD7-AF46-12D84959C766}" srcOrd="4" destOrd="0" presId="urn:microsoft.com/office/officeart/2018/5/layout/CenteredIconLabelDescriptionList"/>
-    <dgm:cxn modelId="{33CFB3B2-B891-4272-8490-1CFD97BBF096}" type="presParOf" srcId="{51A6B19A-1451-4FD7-AF46-12D84959C766}" destId="{AF2B9B3B-FCB1-4AE7-86D1-6AD680D5FC34}" srcOrd="0" destOrd="0" presId="urn:microsoft.com/office/officeart/2018/5/layout/CenteredIconLabelDescriptionList"/>
-    <dgm:cxn modelId="{39DD7FB9-6D67-45BB-8564-D4E51B970009}" type="presParOf" srcId="{51A6B19A-1451-4FD7-AF46-12D84959C766}" destId="{7D0EDADE-688C-41CC-8458-321C4F7FEA1B}" srcOrd="1" destOrd="0" presId="urn:microsoft.com/office/officeart/2018/5/layout/CenteredIconLabelDescriptionList"/>
-    <dgm:cxn modelId="{4A8B8ACC-4793-488F-84FA-576D29C50035}" type="presParOf" srcId="{51A6B19A-1451-4FD7-AF46-12D84959C766}" destId="{9CF130E5-1930-40AC-B6C6-CF09E97D5E4D}" srcOrd="2" destOrd="0" presId="urn:microsoft.com/office/officeart/2018/5/layout/CenteredIconLabelDescriptionList"/>
-    <dgm:cxn modelId="{272AE704-60AF-4197-8CCA-0D4EF2111689}" type="presParOf" srcId="{51A6B19A-1451-4FD7-AF46-12D84959C766}" destId="{C4B2660B-900C-4075-A7EE-EE46D17568B4}" srcOrd="3" destOrd="0" presId="urn:microsoft.com/office/officeart/2018/5/layout/CenteredIconLabelDescriptionList"/>
-    <dgm:cxn modelId="{58155D63-7D49-46CC-B970-B4C4FC6077C9}" type="presParOf" srcId="{51A6B19A-1451-4FD7-AF46-12D84959C766}" destId="{F483D21B-32B5-46AE-8C6F-946364D16630}" srcOrd="4" destOrd="0" presId="urn:microsoft.com/office/officeart/2018/5/layout/CenteredIconLabelDescriptionList"/>
+    <dgm:cxn modelId="{8F975E44-B7C9-4F0D-B660-A20DFDB524EE}" srcId="{71DCCB16-E4A5-4A5D-9ABE-B0FFA5315435}" destId="{423EDE4A-B0DC-407C-8020-D4913FFDD1B0}" srcOrd="2" destOrd="0" parTransId="{3824C6E7-E493-43F5-8EC4-7FEFCDBE42CA}" sibTransId="{CB19359E-3BD8-4464-AAF0-C4D0547C1A3C}"/>
+    <dgm:cxn modelId="{6D3B0251-1E89-4D60-A7F5-FBA86B649F0E}" type="presOf" srcId="{E2FE29B1-608A-4A2C-82BE-12F28ECDC4B8}" destId="{8EE64EE4-9CB6-4D46-BDB9-237947DC199A}" srcOrd="0" destOrd="0" presId="urn:microsoft.com/office/officeart/2018/2/layout/IconVerticalSolidList"/>
+    <dgm:cxn modelId="{CCA70272-8EB6-41E3-AB89-DBB18372515D}" type="presOf" srcId="{95743214-AFB3-49A2-BC43-5B87DA991A1A}" destId="{99B314A1-D844-4D00-B42B-63E26F6DB160}" srcOrd="0" destOrd="0" presId="urn:microsoft.com/office/officeart/2018/2/layout/IconVerticalSolidList"/>
+    <dgm:cxn modelId="{BF29B7C0-58C9-40EE-958D-7E54791FBEAD}" type="presOf" srcId="{71DCCB16-E4A5-4A5D-9ABE-B0FFA5315435}" destId="{0D2419D9-E2A2-41FE-8A8C-0C4DAAD62437}" srcOrd="0" destOrd="0" presId="urn:microsoft.com/office/officeart/2018/2/layout/IconVerticalSolidList"/>
+    <dgm:cxn modelId="{9D00AAD5-CF6F-4DB8-87B9-FED41229560E}" srcId="{71DCCB16-E4A5-4A5D-9ABE-B0FFA5315435}" destId="{95743214-AFB3-49A2-BC43-5B87DA991A1A}" srcOrd="0" destOrd="0" parTransId="{081A3C90-72B6-47AF-8AAE-CCF0624064D3}" sibTransId="{9BCA37CE-CD92-4711-B2E1-C81802161BF8}"/>
+    <dgm:cxn modelId="{15B727F4-4B75-4064-B3B7-47B057092C7A}" type="presOf" srcId="{423EDE4A-B0DC-407C-8020-D4913FFDD1B0}" destId="{51A9000F-C18C-4472-85D4-8A2F26132ADF}" srcOrd="0" destOrd="0" presId="urn:microsoft.com/office/officeart/2018/2/layout/IconVerticalSolidList"/>
+    <dgm:cxn modelId="{753456FF-26CD-4520-AE67-5135D6C69593}" srcId="{71DCCB16-E4A5-4A5D-9ABE-B0FFA5315435}" destId="{E2FE29B1-608A-4A2C-82BE-12F28ECDC4B8}" srcOrd="1" destOrd="0" parTransId="{F366D740-5896-4BF1-B7FD-F0F1BBF9D0F0}" sibTransId="{5D493AC7-1844-44D4-AF66-91F7B36CE865}"/>
+    <dgm:cxn modelId="{B8ED720E-055F-4C6C-AF0D-6C3B5156524C}" type="presParOf" srcId="{0D2419D9-E2A2-41FE-8A8C-0C4DAAD62437}" destId="{06A57A22-FB18-44AE-B808-5667F3E041CF}" srcOrd="0" destOrd="0" presId="urn:microsoft.com/office/officeart/2018/2/layout/IconVerticalSolidList"/>
+    <dgm:cxn modelId="{15C37C9D-C370-4F4D-8271-A95A44E838BD}" type="presParOf" srcId="{06A57A22-FB18-44AE-B808-5667F3E041CF}" destId="{E73A4B1D-7AC7-47C0-A1C2-43087CDEAD09}" srcOrd="0" destOrd="0" presId="urn:microsoft.com/office/officeart/2018/2/layout/IconVerticalSolidList"/>
+    <dgm:cxn modelId="{30E75D59-BA20-4B51-A4AB-BBEAB7DB2FCA}" type="presParOf" srcId="{06A57A22-FB18-44AE-B808-5667F3E041CF}" destId="{9C5D1E34-5C97-418F-BC9B-0B3B4BA165F9}" srcOrd="1" destOrd="0" presId="urn:microsoft.com/office/officeart/2018/2/layout/IconVerticalSolidList"/>
+    <dgm:cxn modelId="{757DE5C1-D265-432C-87E5-2364B569B6C2}" type="presParOf" srcId="{06A57A22-FB18-44AE-B808-5667F3E041CF}" destId="{9A6ED986-6256-4810-8C32-07907463F26C}" srcOrd="2" destOrd="0" presId="urn:microsoft.com/office/officeart/2018/2/layout/IconVerticalSolidList"/>
+    <dgm:cxn modelId="{5DB063CF-74A3-4494-97DD-E60B3C98A289}" type="presParOf" srcId="{06A57A22-FB18-44AE-B808-5667F3E041CF}" destId="{99B314A1-D844-4D00-B42B-63E26F6DB160}" srcOrd="3" destOrd="0" presId="urn:microsoft.com/office/officeart/2018/2/layout/IconVerticalSolidList"/>
+    <dgm:cxn modelId="{95AFDF30-F3CC-44AA-9975-0B5EF49BD522}" type="presParOf" srcId="{0D2419D9-E2A2-41FE-8A8C-0C4DAAD62437}" destId="{29F65D57-A064-41DD-B491-225F3CF96127}" srcOrd="1" destOrd="0" presId="urn:microsoft.com/office/officeart/2018/2/layout/IconVerticalSolidList"/>
+    <dgm:cxn modelId="{27B79C00-1A13-4A77-B7B6-7CEEE8D278EE}" type="presParOf" srcId="{0D2419D9-E2A2-41FE-8A8C-0C4DAAD62437}" destId="{E90D5C46-1DF8-450F-A664-41AA22D4AB84}" srcOrd="2" destOrd="0" presId="urn:microsoft.com/office/officeart/2018/2/layout/IconVerticalSolidList"/>
+    <dgm:cxn modelId="{94EB35FD-20D5-415F-BE76-7AC4048111B7}" type="presParOf" srcId="{E90D5C46-1DF8-450F-A664-41AA22D4AB84}" destId="{193DB7BE-E44A-470B-AB56-C07A1DB0E2CE}" srcOrd="0" destOrd="0" presId="urn:microsoft.com/office/officeart/2018/2/layout/IconVerticalSolidList"/>
+    <dgm:cxn modelId="{29F9AC48-782A-4AFD-877E-608937342D18}" type="presParOf" srcId="{E90D5C46-1DF8-450F-A664-41AA22D4AB84}" destId="{694506B3-4701-4F23-816C-08332C765110}" srcOrd="1" destOrd="0" presId="urn:microsoft.com/office/officeart/2018/2/layout/IconVerticalSolidList"/>
+    <dgm:cxn modelId="{72A44BA5-3617-4BFA-AC79-EF986C62743C}" type="presParOf" srcId="{E90D5C46-1DF8-450F-A664-41AA22D4AB84}" destId="{AA122058-0D94-4353-AA33-5FD85C717F08}" srcOrd="2" destOrd="0" presId="urn:microsoft.com/office/officeart/2018/2/layout/IconVerticalSolidList"/>
+    <dgm:cxn modelId="{19ED3638-8ACA-4D18-877B-E591A0BF9877}" type="presParOf" srcId="{E90D5C46-1DF8-450F-A664-41AA22D4AB84}" destId="{8EE64EE4-9CB6-4D46-BDB9-237947DC199A}" srcOrd="3" destOrd="0" presId="urn:microsoft.com/office/officeart/2018/2/layout/IconVerticalSolidList"/>
+    <dgm:cxn modelId="{90EECC16-2C81-474C-9CB7-D7ADAFDB4CEA}" type="presParOf" srcId="{0D2419D9-E2A2-41FE-8A8C-0C4DAAD62437}" destId="{4101D88B-6706-4A6F-900F-835BED168255}" srcOrd="3" destOrd="0" presId="urn:microsoft.com/office/officeart/2018/2/layout/IconVerticalSolidList"/>
+    <dgm:cxn modelId="{7DFAF817-3DB0-4FDA-A7A0-E0252EF807B3}" type="presParOf" srcId="{0D2419D9-E2A2-41FE-8A8C-0C4DAAD62437}" destId="{3BC78A9D-4D4A-40C5-B604-DA793769BEC9}" srcOrd="4" destOrd="0" presId="urn:microsoft.com/office/officeart/2018/2/layout/IconVerticalSolidList"/>
+    <dgm:cxn modelId="{F2956DC6-66E4-48CE-9857-7EE859211928}" type="presParOf" srcId="{3BC78A9D-4D4A-40C5-B604-DA793769BEC9}" destId="{E588A6BD-CC0A-4783-A061-24EDE9177E2D}" srcOrd="0" destOrd="0" presId="urn:microsoft.com/office/officeart/2018/2/layout/IconVerticalSolidList"/>
+    <dgm:cxn modelId="{3D8B4D21-DDAA-4249-8B55-7D3270D94AF8}" type="presParOf" srcId="{3BC78A9D-4D4A-40C5-B604-DA793769BEC9}" destId="{D6D6E75F-A8D4-4A52-A0F1-4A7A988A9B6F}" srcOrd="1" destOrd="0" presId="urn:microsoft.com/office/officeart/2018/2/layout/IconVerticalSolidList"/>
+    <dgm:cxn modelId="{86348F80-D71E-49EE-B6B2-E12D2D10689B}" type="presParOf" srcId="{3BC78A9D-4D4A-40C5-B604-DA793769BEC9}" destId="{9BF28327-1A39-4B2F-941B-D07AAB9E2E4A}" srcOrd="2" destOrd="0" presId="urn:microsoft.com/office/officeart/2018/2/layout/IconVerticalSolidList"/>
+    <dgm:cxn modelId="{319562A6-3578-4F23-9D53-796D77B8C5B7}" type="presParOf" srcId="{3BC78A9D-4D4A-40C5-B604-DA793769BEC9}" destId="{51A9000F-C18C-4472-85D4-8A2F26132ADF}" srcOrd="3" destOrd="0" presId="urn:microsoft.com/office/officeart/2018/2/layout/IconVerticalSolidList"/>
   </dgm:cxnLst>
   <dgm:bg/>
   <dgm:whole/>
@@ -1685,15 +1571,57 @@
       <dsp:cNvGrpSpPr/>
     </dsp:nvGrpSpPr>
     <dsp:grpSpPr/>
-    <dsp:sp modelId="{411D8ABF-6445-4CD2-AE5B-C0B6BE0D9B1E}">
+    <dsp:sp modelId="{E73A4B1D-7AC7-47C0-A1C2-43087CDEAD09}">
       <dsp:nvSpPr>
         <dsp:cNvPr id="0" name=""/>
         <dsp:cNvSpPr/>
       </dsp:nvSpPr>
       <dsp:spPr>
         <a:xfrm>
-          <a:off x="1061437" y="649086"/>
-          <a:ext cx="1141382" cy="1141382"/>
+          <a:off x="0" y="716"/>
+          <a:ext cx="10515600" cy="1677351"/>
+        </a:xfrm>
+        <a:prstGeom prst="roundRect">
+          <a:avLst>
+            <a:gd name="adj" fmla="val 10000"/>
+          </a:avLst>
+        </a:prstGeom>
+        <a:solidFill>
+          <a:schemeClr val="bg1">
+            <a:lumMod val="95000"/>
+            <a:hueOff val="0"/>
+            <a:satOff val="0"/>
+            <a:lumOff val="0"/>
+            <a:alphaOff val="0"/>
+          </a:schemeClr>
+        </a:solidFill>
+        <a:ln>
+          <a:noFill/>
+        </a:ln>
+        <a:effectLst/>
+      </dsp:spPr>
+      <dsp:style>
+        <a:lnRef idx="0">
+          <a:scrgbClr r="0" g="0" b="0"/>
+        </a:lnRef>
+        <a:fillRef idx="1">
+          <a:scrgbClr r="0" g="0" b="0"/>
+        </a:fillRef>
+        <a:effectRef idx="0">
+          <a:scrgbClr r="0" g="0" b="0"/>
+        </a:effectRef>
+        <a:fontRef idx="minor"/>
+      </dsp:style>
+    </dsp:sp>
+    <dsp:sp modelId="{9C5D1E34-5C97-418F-BC9B-0B3B4BA165F9}">
+      <dsp:nvSpPr>
+        <dsp:cNvPr id="0" name=""/>
+        <dsp:cNvSpPr/>
+      </dsp:nvSpPr>
+      <dsp:spPr>
+        <a:xfrm>
+          <a:off x="507398" y="378120"/>
+          <a:ext cx="922543" cy="922543"/>
         </a:xfrm>
         <a:prstGeom prst="rect">
           <a:avLst/>
@@ -1735,15 +1663,15 @@
         </a:fontRef>
       </dsp:style>
     </dsp:sp>
-    <dsp:sp modelId="{A9A058DE-0E91-41FE-9A0B-4A06A189184D}">
+    <dsp:sp modelId="{99B314A1-D844-4D00-B42B-63E26F6DB160}">
       <dsp:nvSpPr>
         <dsp:cNvPr id="0" name=""/>
         <dsp:cNvSpPr/>
       </dsp:nvSpPr>
       <dsp:spPr>
         <a:xfrm>
-          <a:off x="1582" y="1914938"/>
-          <a:ext cx="3261093" cy="489164"/>
+          <a:off x="1937340" y="716"/>
+          <a:ext cx="8578259" cy="1677351"/>
         </a:xfrm>
         <a:prstGeom prst="rect">
           <a:avLst/>
@@ -1767,74 +1695,12 @@
         <a:fontRef idx="minor"/>
       </dsp:style>
       <dsp:txBody>
-        <a:bodyPr spcFirstLastPara="0" vert="horz" wrap="square" lIns="0" tIns="0" rIns="0" bIns="0" numCol="1" spcCol="1270" anchor="t" anchorCtr="0">
+        <a:bodyPr spcFirstLastPara="0" vert="horz" wrap="square" lIns="177520" tIns="177520" rIns="177520" bIns="177520" numCol="1" spcCol="1270" anchor="ctr" anchorCtr="0">
           <a:noAutofit/>
         </a:bodyPr>
         <a:lstStyle/>
         <a:p>
-          <a:pPr marL="0" lvl="0" indent="0" algn="ctr" defTabSz="755650">
-            <a:lnSpc>
-              <a:spcPct val="100000"/>
-            </a:lnSpc>
-            <a:spcBef>
-              <a:spcPct val="0"/>
-            </a:spcBef>
-            <a:spcAft>
-              <a:spcPct val="35000"/>
-            </a:spcAft>
-            <a:buNone/>
-            <a:defRPr b="1"/>
-          </a:pPr>
-          <a:r>
-            <a:rPr lang="en-US" sz="1700" b="1" i="0" kern="1200" dirty="0"/>
-            <a:t>Completion of Main Functionalities</a:t>
-          </a:r>
-          <a:endParaRPr lang="en-US" sz="1700" kern="1200" dirty="0"/>
-        </a:p>
-      </dsp:txBody>
-      <dsp:txXfrm>
-        <a:off x="1582" y="1914938"/>
-        <a:ext cx="3261093" cy="489164"/>
-      </dsp:txXfrm>
-    </dsp:sp>
-    <dsp:sp modelId="{56DDE38F-CF99-4881-80EB-01F4DCFC4321}">
-      <dsp:nvSpPr>
-        <dsp:cNvPr id="0" name=""/>
-        <dsp:cNvSpPr/>
-      </dsp:nvSpPr>
-      <dsp:spPr>
-        <a:xfrm>
-          <a:off x="1582" y="2461995"/>
-          <a:ext cx="3261093" cy="1081723"/>
-        </a:xfrm>
-        <a:prstGeom prst="rect">
-          <a:avLst/>
-        </a:prstGeom>
-        <a:noFill/>
-        <a:ln>
-          <a:noFill/>
-        </a:ln>
-        <a:effectLst/>
-      </dsp:spPr>
-      <dsp:style>
-        <a:lnRef idx="0">
-          <a:scrgbClr r="0" g="0" b="0"/>
-        </a:lnRef>
-        <a:fillRef idx="0">
-          <a:scrgbClr r="0" g="0" b="0"/>
-        </a:fillRef>
-        <a:effectRef idx="0">
-          <a:scrgbClr r="0" g="0" b="0"/>
-        </a:effectRef>
-        <a:fontRef idx="minor"/>
-      </dsp:style>
-      <dsp:txBody>
-        <a:bodyPr spcFirstLastPara="0" vert="horz" wrap="square" lIns="0" tIns="0" rIns="0" bIns="0" numCol="1" spcCol="1270" anchor="t" anchorCtr="0">
-          <a:noAutofit/>
-        </a:bodyPr>
-        <a:lstStyle/>
-        <a:p>
-          <a:pPr marL="0" lvl="0" indent="0" algn="ctr" defTabSz="577850">
+          <a:pPr marL="0" lvl="0" indent="0" algn="l" defTabSz="933450">
             <a:lnSpc>
               <a:spcPct val="100000"/>
             </a:lnSpc>
@@ -1847,45 +1713,74 @@
             <a:buNone/>
           </a:pPr>
           <a:r>
-            <a:rPr lang="en-US" sz="1300" b="0" i="0" kern="1200" dirty="0"/>
-            <a:t>Finalize the implementation of all main functionalities outlined in the project requirements.</a:t>
+            <a:rPr lang="en-US" sz="2100" kern="1200" dirty="0"/>
+            <a:t>With the increase in the size of the student body, it has become difficult to manage grading within the given time constraints. </a:t>
           </a:r>
-          <a:endParaRPr lang="en-US" sz="1300" kern="1200" dirty="0"/>
-        </a:p>
-        <a:p>
-          <a:pPr marL="0" lvl="0" indent="0" algn="ctr" defTabSz="577850">
-            <a:lnSpc>
-              <a:spcPct val="100000"/>
-            </a:lnSpc>
-            <a:spcBef>
-              <a:spcPct val="0"/>
-            </a:spcBef>
-            <a:spcAft>
-              <a:spcPct val="35000"/>
-            </a:spcAft>
-            <a:buNone/>
-          </a:pPr>
+          <a:br>
+            <a:rPr lang="en-US" sz="2100" kern="1200" dirty="0"/>
+          </a:br>
           <a:r>
-            <a:rPr lang="en-US" sz="1300" b="0" i="0" kern="1200"/>
-            <a:t>Ensure that the system supports various roles effectively and efficiently.</a:t>
+            <a:rPr lang="en-US" sz="2100" kern="1200" dirty="0"/>
+            <a:t>This has led many courses to adopt a multiple-choice format, which is faster to grade, and easier to analyze.</a:t>
           </a:r>
-          <a:endParaRPr lang="en-US" sz="1300" kern="1200"/>
         </a:p>
       </dsp:txBody>
       <dsp:txXfrm>
-        <a:off x="1582" y="2461995"/>
-        <a:ext cx="3261093" cy="1081723"/>
+        <a:off x="1937340" y="716"/>
+        <a:ext cx="8578259" cy="1677351"/>
       </dsp:txXfrm>
     </dsp:sp>
-    <dsp:sp modelId="{010B040B-2BEE-4CE0-B92E-1B198401E7A7}">
+    <dsp:sp modelId="{193DB7BE-E44A-470B-AB56-C07A1DB0E2CE}">
       <dsp:nvSpPr>
         <dsp:cNvPr id="0" name=""/>
         <dsp:cNvSpPr/>
       </dsp:nvSpPr>
       <dsp:spPr>
         <a:xfrm>
-          <a:off x="4893223" y="649086"/>
-          <a:ext cx="1141382" cy="1141382"/>
+          <a:off x="0" y="2097405"/>
+          <a:ext cx="10515600" cy="1677351"/>
+        </a:xfrm>
+        <a:prstGeom prst="roundRect">
+          <a:avLst>
+            <a:gd name="adj" fmla="val 10000"/>
+          </a:avLst>
+        </a:prstGeom>
+        <a:solidFill>
+          <a:schemeClr val="bg1">
+            <a:lumMod val="95000"/>
+            <a:hueOff val="0"/>
+            <a:satOff val="0"/>
+            <a:lumOff val="0"/>
+            <a:alphaOff val="0"/>
+          </a:schemeClr>
+        </a:solidFill>
+        <a:ln>
+          <a:noFill/>
+        </a:ln>
+        <a:effectLst/>
+      </dsp:spPr>
+      <dsp:style>
+        <a:lnRef idx="0">
+          <a:scrgbClr r="0" g="0" b="0"/>
+        </a:lnRef>
+        <a:fillRef idx="1">
+          <a:scrgbClr r="0" g="0" b="0"/>
+        </a:fillRef>
+        <a:effectRef idx="0">
+          <a:scrgbClr r="0" g="0" b="0"/>
+        </a:effectRef>
+        <a:fontRef idx="minor"/>
+      </dsp:style>
+    </dsp:sp>
+    <dsp:sp modelId="{694506B3-4701-4F23-816C-08332C765110}">
+      <dsp:nvSpPr>
+        <dsp:cNvPr id="0" name=""/>
+        <dsp:cNvSpPr/>
+      </dsp:nvSpPr>
+      <dsp:spPr>
+        <a:xfrm>
+          <a:off x="507398" y="2474809"/>
+          <a:ext cx="922543" cy="922543"/>
         </a:xfrm>
         <a:prstGeom prst="rect">
           <a:avLst/>
@@ -1927,15 +1822,15 @@
         </a:fontRef>
       </dsp:style>
     </dsp:sp>
-    <dsp:sp modelId="{8F4C51CB-9039-41BF-971C-A0A9A5371BEA}">
+    <dsp:sp modelId="{8EE64EE4-9CB6-4D46-BDB9-237947DC199A}">
       <dsp:nvSpPr>
         <dsp:cNvPr id="0" name=""/>
         <dsp:cNvSpPr/>
       </dsp:nvSpPr>
       <dsp:spPr>
         <a:xfrm>
-          <a:off x="3833367" y="1914938"/>
-          <a:ext cx="3261093" cy="489164"/>
+          <a:off x="1937340" y="2097405"/>
+          <a:ext cx="8578259" cy="1677351"/>
         </a:xfrm>
         <a:prstGeom prst="rect">
           <a:avLst/>
@@ -1959,74 +1854,12 @@
         <a:fontRef idx="minor"/>
       </dsp:style>
       <dsp:txBody>
-        <a:bodyPr spcFirstLastPara="0" vert="horz" wrap="square" lIns="0" tIns="0" rIns="0" bIns="0" numCol="1" spcCol="1270" anchor="t" anchorCtr="0">
+        <a:bodyPr spcFirstLastPara="0" vert="horz" wrap="square" lIns="177520" tIns="177520" rIns="177520" bIns="177520" numCol="1" spcCol="1270" anchor="ctr" anchorCtr="0">
           <a:noAutofit/>
         </a:bodyPr>
         <a:lstStyle/>
         <a:p>
-          <a:pPr marL="0" lvl="0" indent="0" algn="ctr" defTabSz="755650">
-            <a:lnSpc>
-              <a:spcPct val="100000"/>
-            </a:lnSpc>
-            <a:spcBef>
-              <a:spcPct val="0"/>
-            </a:spcBef>
-            <a:spcAft>
-              <a:spcPct val="35000"/>
-            </a:spcAft>
-            <a:buNone/>
-            <a:defRPr b="1"/>
-          </a:pPr>
-          <a:r>
-            <a:rPr lang="en-US" sz="1700" b="1" i="0" kern="1200" dirty="0"/>
-            <a:t>Finalization of User Interface (UI)</a:t>
-          </a:r>
-          <a:endParaRPr lang="en-US" sz="1700" kern="1200" dirty="0"/>
-        </a:p>
-      </dsp:txBody>
-      <dsp:txXfrm>
-        <a:off x="3833367" y="1914938"/>
-        <a:ext cx="3261093" cy="489164"/>
-      </dsp:txXfrm>
-    </dsp:sp>
-    <dsp:sp modelId="{B04C525A-D06E-44CD-8F0D-D8D7E6D3C6F4}">
-      <dsp:nvSpPr>
-        <dsp:cNvPr id="0" name=""/>
-        <dsp:cNvSpPr/>
-      </dsp:nvSpPr>
-      <dsp:spPr>
-        <a:xfrm>
-          <a:off x="3833367" y="2461995"/>
-          <a:ext cx="3261093" cy="1081723"/>
-        </a:xfrm>
-        <a:prstGeom prst="rect">
-          <a:avLst/>
-        </a:prstGeom>
-        <a:noFill/>
-        <a:ln>
-          <a:noFill/>
-        </a:ln>
-        <a:effectLst/>
-      </dsp:spPr>
-      <dsp:style>
-        <a:lnRef idx="0">
-          <a:scrgbClr r="0" g="0" b="0"/>
-        </a:lnRef>
-        <a:fillRef idx="0">
-          <a:scrgbClr r="0" g="0" b="0"/>
-        </a:fillRef>
-        <a:effectRef idx="0">
-          <a:scrgbClr r="0" g="0" b="0"/>
-        </a:effectRef>
-        <a:fontRef idx="minor"/>
-      </dsp:style>
-      <dsp:txBody>
-        <a:bodyPr spcFirstLastPara="0" vert="horz" wrap="square" lIns="0" tIns="0" rIns="0" bIns="0" numCol="1" spcCol="1270" anchor="t" anchorCtr="0">
-          <a:noAutofit/>
-        </a:bodyPr>
-        <a:lstStyle/>
-        <a:p>
-          <a:pPr marL="0" lvl="0" indent="0" algn="ctr" defTabSz="577850">
+          <a:pPr marL="0" lvl="0" indent="0" algn="l" defTabSz="933450">
             <a:lnSpc>
               <a:spcPct val="100000"/>
             </a:lnSpc>
@@ -2039,45 +1872,67 @@
             <a:buNone/>
           </a:pPr>
           <a:r>
-            <a:rPr lang="en-US" sz="1300" b="0" i="0" kern="1200" dirty="0"/>
-            <a:t>Complete the design and implementation of remaining UI elements.</a:t>
+            <a:rPr lang="en-US" sz="2100" kern="1200"/>
+            <a:t>The creation of one-time-use questions is costly and unsustainable- We want to ease the process of creating those exams.</a:t>
           </a:r>
-          <a:endParaRPr lang="en-US" sz="1300" kern="1200" dirty="0"/>
-        </a:p>
-        <a:p>
-          <a:pPr marL="0" lvl="0" indent="0" algn="ctr" defTabSz="577850">
-            <a:lnSpc>
-              <a:spcPct val="100000"/>
-            </a:lnSpc>
-            <a:spcBef>
-              <a:spcPct val="0"/>
-            </a:spcBef>
-            <a:spcAft>
-              <a:spcPct val="35000"/>
-            </a:spcAft>
-            <a:buNone/>
-          </a:pPr>
-          <a:r>
-            <a:rPr lang="en-US" sz="1300" b="0" i="0" kern="1200" dirty="0"/>
-            <a:t>Ensure that the UI is intuitive, user-friendly, and consistent across all screens.</a:t>
-          </a:r>
-          <a:endParaRPr lang="en-US" sz="1300" kern="1200" dirty="0"/>
         </a:p>
       </dsp:txBody>
       <dsp:txXfrm>
-        <a:off x="3833367" y="2461995"/>
-        <a:ext cx="3261093" cy="1081723"/>
+        <a:off x="1937340" y="2097405"/>
+        <a:ext cx="8578259" cy="1677351"/>
       </dsp:txXfrm>
     </dsp:sp>
-    <dsp:sp modelId="{AF2B9B3B-FCB1-4AE7-86D1-6AD680D5FC34}">
+    <dsp:sp modelId="{E588A6BD-CC0A-4783-A061-24EDE9177E2D}">
       <dsp:nvSpPr>
         <dsp:cNvPr id="0" name=""/>
         <dsp:cNvSpPr/>
       </dsp:nvSpPr>
       <dsp:spPr>
         <a:xfrm>
-          <a:off x="8725008" y="649086"/>
-          <a:ext cx="1141382" cy="1141382"/>
+          <a:off x="0" y="4194094"/>
+          <a:ext cx="10515600" cy="1677351"/>
+        </a:xfrm>
+        <a:prstGeom prst="roundRect">
+          <a:avLst>
+            <a:gd name="adj" fmla="val 10000"/>
+          </a:avLst>
+        </a:prstGeom>
+        <a:solidFill>
+          <a:schemeClr val="bg1">
+            <a:lumMod val="95000"/>
+            <a:hueOff val="0"/>
+            <a:satOff val="0"/>
+            <a:lumOff val="0"/>
+            <a:alphaOff val="0"/>
+          </a:schemeClr>
+        </a:solidFill>
+        <a:ln>
+          <a:noFill/>
+        </a:ln>
+        <a:effectLst/>
+      </dsp:spPr>
+      <dsp:style>
+        <a:lnRef idx="0">
+          <a:scrgbClr r="0" g="0" b="0"/>
+        </a:lnRef>
+        <a:fillRef idx="1">
+          <a:scrgbClr r="0" g="0" b="0"/>
+        </a:fillRef>
+        <a:effectRef idx="0">
+          <a:scrgbClr r="0" g="0" b="0"/>
+        </a:effectRef>
+        <a:fontRef idx="minor"/>
+      </dsp:style>
+    </dsp:sp>
+    <dsp:sp modelId="{D6D6E75F-A8D4-4A52-A0F1-4A7A988A9B6F}">
+      <dsp:nvSpPr>
+        <dsp:cNvPr id="0" name=""/>
+        <dsp:cNvSpPr/>
+      </dsp:nvSpPr>
+      <dsp:spPr>
+        <a:xfrm>
+          <a:off x="507398" y="4571498"/>
+          <a:ext cx="922543" cy="922543"/>
         </a:xfrm>
         <a:prstGeom prst="rect">
           <a:avLst/>
@@ -2119,15 +1974,15 @@
         </a:fontRef>
       </dsp:style>
     </dsp:sp>
-    <dsp:sp modelId="{9CF130E5-1930-40AC-B6C6-CF09E97D5E4D}">
+    <dsp:sp modelId="{51A9000F-C18C-4472-85D4-8A2F26132ADF}">
       <dsp:nvSpPr>
         <dsp:cNvPr id="0" name=""/>
         <dsp:cNvSpPr/>
       </dsp:nvSpPr>
       <dsp:spPr>
         <a:xfrm>
-          <a:off x="7665152" y="1914938"/>
-          <a:ext cx="3261093" cy="489164"/>
+          <a:off x="1937340" y="4194094"/>
+          <a:ext cx="8578259" cy="1677351"/>
         </a:xfrm>
         <a:prstGeom prst="rect">
           <a:avLst/>
@@ -2151,74 +2006,12 @@
         <a:fontRef idx="minor"/>
       </dsp:style>
       <dsp:txBody>
-        <a:bodyPr spcFirstLastPara="0" vert="horz" wrap="square" lIns="0" tIns="0" rIns="0" bIns="0" numCol="1" spcCol="1270" anchor="t" anchorCtr="0">
+        <a:bodyPr spcFirstLastPara="0" vert="horz" wrap="square" lIns="177520" tIns="177520" rIns="177520" bIns="177520" numCol="1" spcCol="1270" anchor="ctr" anchorCtr="0">
           <a:noAutofit/>
         </a:bodyPr>
         <a:lstStyle/>
         <a:p>
-          <a:pPr marL="0" lvl="0" indent="0" algn="ctr" defTabSz="755650">
-            <a:lnSpc>
-              <a:spcPct val="100000"/>
-            </a:lnSpc>
-            <a:spcBef>
-              <a:spcPct val="0"/>
-            </a:spcBef>
-            <a:spcAft>
-              <a:spcPct val="35000"/>
-            </a:spcAft>
-            <a:buNone/>
-            <a:defRPr b="1"/>
-          </a:pPr>
-          <a:r>
-            <a:rPr lang="en-US" sz="1700" b="1" i="0" kern="1200" dirty="0"/>
-            <a:t>Improvement of Database (DB)</a:t>
-          </a:r>
-          <a:endParaRPr lang="en-US" sz="1700" kern="1200" dirty="0"/>
-        </a:p>
-      </dsp:txBody>
-      <dsp:txXfrm>
-        <a:off x="7665152" y="1914938"/>
-        <a:ext cx="3261093" cy="489164"/>
-      </dsp:txXfrm>
-    </dsp:sp>
-    <dsp:sp modelId="{F483D21B-32B5-46AE-8C6F-946364D16630}">
-      <dsp:nvSpPr>
-        <dsp:cNvPr id="0" name=""/>
-        <dsp:cNvSpPr/>
-      </dsp:nvSpPr>
-      <dsp:spPr>
-        <a:xfrm>
-          <a:off x="7665152" y="2461995"/>
-          <a:ext cx="3261093" cy="1081723"/>
-        </a:xfrm>
-        <a:prstGeom prst="rect">
-          <a:avLst/>
-        </a:prstGeom>
-        <a:noFill/>
-        <a:ln>
-          <a:noFill/>
-        </a:ln>
-        <a:effectLst/>
-      </dsp:spPr>
-      <dsp:style>
-        <a:lnRef idx="0">
-          <a:scrgbClr r="0" g="0" b="0"/>
-        </a:lnRef>
-        <a:fillRef idx="0">
-          <a:scrgbClr r="0" g="0" b="0"/>
-        </a:fillRef>
-        <a:effectRef idx="0">
-          <a:scrgbClr r="0" g="0" b="0"/>
-        </a:effectRef>
-        <a:fontRef idx="minor"/>
-      </dsp:style>
-      <dsp:txBody>
-        <a:bodyPr spcFirstLastPara="0" vert="horz" wrap="square" lIns="0" tIns="0" rIns="0" bIns="0" numCol="1" spcCol="1270" anchor="t" anchorCtr="0">
-          <a:noAutofit/>
-        </a:bodyPr>
-        <a:lstStyle/>
-        <a:p>
-          <a:pPr marL="0" lvl="0" indent="0" algn="ctr" defTabSz="577850">
+          <a:pPr marL="0" lvl="0" indent="0" algn="l" defTabSz="933450">
             <a:lnSpc>
               <a:spcPct val="100000"/>
             </a:lnSpc>
@@ -2231,34 +2024,19 @@
             <a:buNone/>
           </a:pPr>
           <a:r>
-            <a:rPr lang="en-US" sz="1300" b="0" i="0" kern="1200" dirty="0"/>
-            <a:t>Review and enhance the current database design to optimize performance and scalability.</a:t>
+            <a:rPr lang="en-US" sz="2100" kern="1200" dirty="0"/>
+            <a:t>The creation of challenging multiple-choice questions is not a trivial task.</a:t>
           </a:r>
-          <a:endParaRPr lang="en-US" sz="1300" kern="1200" dirty="0"/>
-        </a:p>
-        <a:p>
-          <a:pPr marL="0" lvl="0" indent="0" algn="ctr" defTabSz="577850">
-            <a:lnSpc>
-              <a:spcPct val="100000"/>
-            </a:lnSpc>
-            <a:spcBef>
-              <a:spcPct val="0"/>
-            </a:spcBef>
-            <a:spcAft>
-              <a:spcPct val="35000"/>
-            </a:spcAft>
-            <a:buNone/>
-          </a:pPr>
           <a:r>
-            <a:rPr lang="en-US" sz="1300" b="0" i="0" kern="1200"/>
-            <a:t>Implement any necessary changes or optimizations to improve data storage and retrieval.</a:t>
+            <a:rPr lang="he-IL" sz="2100" kern="1200" dirty="0"/>
+            <a:t> </a:t>
           </a:r>
-          <a:endParaRPr lang="en-US" sz="1300" kern="1200"/>
+          <a:endParaRPr lang="en-US" sz="2100" kern="1200" dirty="0"/>
         </a:p>
       </dsp:txBody>
       <dsp:txXfrm>
-        <a:off x="7665152" y="2461995"/>
-        <a:ext cx="3261093" cy="1081723"/>
+        <a:off x="1937340" y="4194094"/>
+        <a:ext cx="8578259" cy="1677351"/>
       </dsp:txXfrm>
     </dsp:sp>
   </dsp:spTree>
@@ -2266,9 +2044,9 @@
 </file>
 
 <file path=ppt/diagrams/layout1.xml><?xml version="1.0" encoding="utf-8"?>
-<dgm:layoutDef xmlns:dgm="http://schemas.openxmlformats.org/drawingml/2006/diagram" xmlns:a="http://schemas.openxmlformats.org/drawingml/2006/main" uniqueId="urn:microsoft.com/office/officeart/2018/5/layout/CenteredIconLabelDescriptionList">
-  <dgm:title val="Centered Icon Label Description List"/>
-  <dgm:desc val="Use to show non-sequential or grouped chunks of information. The placeholder holds an icon or small picture, and corresponding text boxes show Level 1 and Level 2 text respectively. Works well for minimal Level 1 text accompanied by lengthier Level two text."/>
+<dgm:layoutDef xmlns:dgm="http://schemas.openxmlformats.org/drawingml/2006/diagram" xmlns:a="http://schemas.openxmlformats.org/drawingml/2006/main" uniqueId="urn:microsoft.com/office/officeart/2018/2/layout/IconVerticalSolidList">
+  <dgm:title val="Icon Vertical Solid List"/>
+  <dgm:desc val="Use to show a series of visuals from top to bottom with Level 1 or Level 1 and Level 2 text grouped in a shape. Works best with icons or small pictures with lengthier descriptions."/>
   <dgm:catLst>
     <dgm:cat type="icon" pri="500"/>
   </dgm:catLst>
@@ -2300,11 +2078,15 @@
     </dgm:varLst>
     <dgm:choose name="Name0">
       <dgm:if name="Name1" axis="self" func="var" arg="dir" op="equ" val="norm">
-        <dgm:alg type="lin"/>
+        <dgm:alg type="lin">
+          <dgm:param type="linDir" val="fromT"/>
+          <dgm:param type="nodeHorzAlign" val="l"/>
+        </dgm:alg>
       </dgm:if>
       <dgm:else name="Name2">
         <dgm:alg type="lin">
-          <dgm:param type="linDir" val="fromR"/>
+          <dgm:param type="linDir" val="fromT"/>
+          <dgm:param type="nodeHorzAlign" val="r"/>
         </dgm:alg>
       </dgm:else>
     </dgm:choose>
@@ -2312,54 +2094,140 @@
       <dgm:adjLst/>
     </dgm:shape>
     <dgm:presOf/>
-    <dgm:constrLst>
-      <dgm:constr type="h" for="ch" forName="compNode" refType="h" fact="0.45"/>
-      <dgm:constr type="w" for="ch" forName="compNode" val="120"/>
-      <dgm:constr type="w" for="ch" forName="sibTrans" refType="w" refFor="ch" refForName="compNode" fact="0.175"/>
-      <dgm:constr type="primFontSz" for="des" forName="parTx" val="36"/>
-      <dgm:constr type="primFontSz" for="des" forName="desTx" refType="primFontSz" refFor="des" refForName="parTx" op="lte" fact="0.75"/>
-      <dgm:constr type="h" for="des" forName="compNode" op="equ"/>
-      <dgm:constr type="h" for="des" forName="iconRect" op="equ"/>
-      <dgm:constr type="w" for="des" forName="iconRect" op="equ"/>
-      <dgm:constr type="h" for="des" forName="iconSpace" op="equ"/>
-      <dgm:constr type="h" for="des" forName="parTx" op="equ"/>
-      <dgm:constr type="h" for="des" forName="txSpace" op="equ"/>
-      <dgm:constr type="h" for="des" forName="desTx" op="equ"/>
-    </dgm:constrLst>
+    <dgm:choose name="Name3">
+      <dgm:if name="Name4" axis="ch" ptType="node" func="cnt" op="lte" val="3">
+        <dgm:constrLst>
+          <dgm:constr type="h" for="ch" forName="compNode" refType="h" fact="0.3"/>
+          <dgm:constr type="w" for="ch" forName="compNode" refType="w"/>
+          <dgm:constr type="h" for="ch" forName="sibTrans" refType="h" refFor="ch" refForName="compNode" fact="0.25"/>
+          <dgm:constr type="primFontSz" for="des" forName="parTx" val="25"/>
+          <dgm:constr type="primFontSz" for="des" forName="desTx" refType="primFontSz" refFor="des" refForName="parTx" op="lte" fact="0.75"/>
+          <dgm:constr type="h" for="des" forName="compNode" op="equ"/>
+          <dgm:constr type="h" for="des" forName="bgRect" op="equ"/>
+          <dgm:constr type="h" for="des" forName="iconRect" op="equ"/>
+          <dgm:constr type="w" for="des" forName="iconRect" op="equ"/>
+          <dgm:constr type="h" for="des" forName="spaceRect" op="equ"/>
+          <dgm:constr type="h" for="des" forName="parTx" op="equ"/>
+          <dgm:constr type="h" for="des" forName="desTx" op="equ"/>
+        </dgm:constrLst>
+      </dgm:if>
+      <dgm:if name="Name5" axis="ch" ptType="node" func="cnt" op="lte" val="4">
+        <dgm:constrLst>
+          <dgm:constr type="h" for="ch" forName="compNode" refType="h" fact="0.3"/>
+          <dgm:constr type="w" for="ch" forName="compNode" refType="w"/>
+          <dgm:constr type="h" for="ch" forName="sibTrans" refType="h" refFor="ch" refForName="compNode" fact="0.25"/>
+          <dgm:constr type="primFontSz" for="des" forName="parTx" val="22"/>
+          <dgm:constr type="primFontSz" for="des" forName="desTx" refType="primFontSz" refFor="des" refForName="parTx" op="lte" fact="0.75"/>
+          <dgm:constr type="h" for="des" forName="compNode" op="equ"/>
+          <dgm:constr type="h" for="des" forName="bgRect" op="equ"/>
+          <dgm:constr type="h" for="des" forName="iconRect" op="equ"/>
+          <dgm:constr type="w" for="des" forName="iconRect" op="equ"/>
+          <dgm:constr type="h" for="des" forName="spaceRect" op="equ"/>
+          <dgm:constr type="h" for="des" forName="parTx" op="equ"/>
+          <dgm:constr type="h" for="des" forName="desTx" op="equ"/>
+        </dgm:constrLst>
+      </dgm:if>
+      <dgm:if name="Name6" axis="ch" ptType="node" func="cnt" op="lte" val="6">
+        <dgm:constrLst>
+          <dgm:constr type="h" for="ch" forName="compNode" refType="h" fact="0.3"/>
+          <dgm:constr type="w" for="ch" forName="compNode" refType="w"/>
+          <dgm:constr type="h" for="ch" forName="sibTrans" refType="h" refFor="ch" refForName="compNode" fact="0.25"/>
+          <dgm:constr type="primFontSz" for="des" forName="parTx" val="19"/>
+          <dgm:constr type="primFontSz" for="des" forName="desTx" refType="primFontSz" refFor="des" refForName="parTx" op="lte" fact="0.75"/>
+          <dgm:constr type="h" for="des" forName="compNode" op="equ"/>
+          <dgm:constr type="h" for="des" forName="bgRect" op="equ"/>
+          <dgm:constr type="h" for="des" forName="iconRect" op="equ"/>
+          <dgm:constr type="w" for="des" forName="iconRect" op="equ"/>
+          <dgm:constr type="h" for="des" forName="spaceRect" op="equ"/>
+          <dgm:constr type="h" for="des" forName="parTx" op="equ"/>
+          <dgm:constr type="h" for="des" forName="desTx" op="equ"/>
+        </dgm:constrLst>
+      </dgm:if>
+      <dgm:else name="Name7">
+        <dgm:constrLst>
+          <dgm:constr type="h" for="ch" forName="compNode" refType="h" fact="0.3"/>
+          <dgm:constr type="w" for="ch" forName="compNode" refType="w"/>
+          <dgm:constr type="h" for="ch" forName="sibTrans" refType="h" refFor="ch" refForName="compNode" fact="0.25"/>
+          <dgm:constr type="primFontSz" for="des" forName="parTx" val="16"/>
+          <dgm:constr type="primFontSz" for="des" forName="desTx" refType="primFontSz" refFor="des" refForName="parTx" op="lte" fact="0.75"/>
+          <dgm:constr type="h" for="des" forName="compNode" op="equ"/>
+          <dgm:constr type="h" for="des" forName="bgRect" op="equ"/>
+          <dgm:constr type="h" for="des" forName="iconRect" op="equ"/>
+          <dgm:constr type="w" for="des" forName="iconRect" op="equ"/>
+          <dgm:constr type="h" for="des" forName="spaceRect" op="equ"/>
+          <dgm:constr type="h" for="des" forName="parTx" op="equ"/>
+          <dgm:constr type="h" for="des" forName="desTx" op="equ"/>
+        </dgm:constrLst>
+      </dgm:else>
+    </dgm:choose>
     <dgm:ruleLst>
-      <dgm:rule type="w" for="ch" forName="compNode" val="0" fact="NaN" max="NaN"/>
+      <dgm:rule type="h" for="ch" forName="compNode" val="0" fact="NaN" max="NaN"/>
     </dgm:ruleLst>
-    <dgm:forEach name="Name3" axis="ch" ptType="node">
+    <dgm:forEach name="Name8" axis="ch" ptType="node">
       <dgm:layoutNode name="compNode">
         <dgm:alg type="composite"/>
         <dgm:shape xmlns:r="http://schemas.openxmlformats.org/officeDocument/2006/relationships" r:blip="">
           <dgm:adjLst/>
         </dgm:shape>
         <dgm:presOf axis="self"/>
-        <dgm:constrLst>
-          <dgm:constr type="w" for="ch" forName="iconRect" refType="w" fact="0.35"/>
-          <dgm:constr type="h" for="ch" forName="iconRect" refType="w" refFor="ch" refForName="iconRect"/>
-          <dgm:constr type="ctrX" for="ch" forName="iconRect" refType="w" fact="0.5"/>
-          <dgm:constr type="t" for="ch" forName="iconRect"/>
-          <dgm:constr type="w" for="ch" forName="iconSpace" refType="w"/>
-          <dgm:constr type="h" for="ch" forName="iconSpace" refType="h" fact="0.043"/>
-          <dgm:constr type="l" for="ch" forName="iconSpace"/>
-          <dgm:constr type="t" for="ch" forName="iconSpace" refType="b" refFor="ch" refForName="iconRect"/>
-          <dgm:constr type="w" for="ch" forName="parTx" refType="w"/>
-          <dgm:constr type="h" for="ch" forName="parTx" refType="w" fact="0.15"/>
-          <dgm:constr type="l" for="ch" forName="parTx"/>
-          <dgm:constr type="t" for="ch" forName="parTx" refType="b" refFor="ch" refForName="iconSpace"/>
-          <dgm:constr type="h" for="ch" forName="txSpace" refType="h" fact="0.02"/>
-          <dgm:constr type="w" for="ch" forName="txSpace" refType="w"/>
-          <dgm:constr type="l" for="ch" forName="txSpace"/>
-          <dgm:constr type="t" for="ch" forName="txSpace" refType="b" refFor="ch" refForName="parTx"/>
-          <dgm:constr type="w" for="ch" forName="desTx" refType="w"/>
-          <dgm:constr type="l" for="ch" forName="desTx"/>
-          <dgm:constr type="t" for="ch" forName="desTx" refType="b" refFor="ch" refForName="txSpace"/>
-        </dgm:constrLst>
+        <dgm:choose name="Name9">
+          <dgm:if name="Name10" axis="ch" ptType="node" func="cnt" op="gte" val="1">
+            <dgm:constrLst>
+              <dgm:constr type="w" for="ch" forName="bgRect" refType="w"/>
+              <dgm:constr type="h" for="ch" forName="bgRect" refType="h"/>
+              <dgm:constr type="l" for="ch" forName="bgRect"/>
+              <dgm:constr type="t" for="ch" forName="bgRect"/>
+              <dgm:constr type="h" for="ch" forName="iconRect" refType="h" fact="0.55"/>
+              <dgm:constr type="w" for="ch" forName="iconRect" refType="h" refFor="ch" refForName="iconRect"/>
+              <dgm:constr type="l" for="ch" forName="iconRect" refType="h" refFor="ch" refForName="iconRect" fact="0.55"/>
+              <dgm:constr type="ctrY" for="ch" forName="iconRect" refType="ctrY" refFor="ch" refForName="bgRect"/>
+              <dgm:constr type="w" for="ch" forName="spaceRect" refType="l" refFor="ch" refForName="iconRect"/>
+              <dgm:constr type="h" for="ch" forName="spaceRect" refType="h"/>
+              <dgm:constr type="l" for="ch" forName="spaceRect" refType="r" refFor="ch" refForName="iconRect"/>
+              <dgm:constr type="t" for="ch" forName="spaceRect"/>
+              <dgm:constr type="w" for="ch" forName="parTx" refType="w" fact="0.45"/>
+              <dgm:constr type="h" for="ch" forName="parTx" refType="h"/>
+              <dgm:constr type="l" for="ch" forName="parTx" refType="r" refFor="ch" refForName="spaceRect"/>
+              <dgm:constr type="t" for="ch" forName="parTx"/>
+              <dgm:constr type="h" for="ch" forName="desTx" refType="h"/>
+              <dgm:constr type="l" for="ch" forName="desTx" refType="r" refFor="ch" refForName="parTx"/>
+              <dgm:constr type="t" for="ch" forName="desTx"/>
+            </dgm:constrLst>
+          </dgm:if>
+          <dgm:else name="Name11">
+            <dgm:constrLst>
+              <dgm:constr type="w" for="ch" forName="bgRect" refType="w"/>
+              <dgm:constr type="h" for="ch" forName="bgRect" refType="h"/>
+              <dgm:constr type="l" for="ch" forName="bgRect"/>
+              <dgm:constr type="t" for="ch" forName="bgRect"/>
+              <dgm:constr type="h" for="ch" forName="iconRect" refType="h" fact="0.55"/>
+              <dgm:constr type="w" for="ch" forName="iconRect" refType="h" refFor="ch" refForName="iconRect"/>
+              <dgm:constr type="l" for="ch" forName="iconRect" refType="h" refFor="ch" refForName="iconRect" fact="0.55"/>
+              <dgm:constr type="ctrY" for="ch" forName="iconRect" refType="ctrY" refFor="ch" refForName="bgRect"/>
+              <dgm:constr type="w" for="ch" forName="spaceRect" refType="l" refFor="ch" refForName="iconRect"/>
+              <dgm:constr type="h" for="ch" forName="spaceRect" refType="h"/>
+              <dgm:constr type="l" for="ch" forName="spaceRect" refType="r" refFor="ch" refForName="iconRect"/>
+              <dgm:constr type="t" for="ch" forName="spaceRect"/>
+              <dgm:constr type="h" for="ch" forName="parTx" refType="h"/>
+              <dgm:constr type="l" for="ch" forName="parTx" refType="r" refFor="ch" refForName="spaceRect"/>
+              <dgm:constr type="t" for="ch" forName="parTx"/>
+            </dgm:constrLst>
+          </dgm:else>
+        </dgm:choose>
         <dgm:ruleLst>
           <dgm:rule type="h" val="INF" fact="NaN" max="NaN"/>
         </dgm:ruleLst>
+        <dgm:layoutNode name="bgRect" styleLbl="bgShp">
+          <dgm:alg type="sp"/>
+          <dgm:shape xmlns:r="http://schemas.openxmlformats.org/officeDocument/2006/relationships" type="roundRect" r:blip="">
+            <dgm:adjLst>
+              <dgm:adj idx="1" val="0.1"/>
+            </dgm:adjLst>
+          </dgm:shape>
+          <dgm:presOf/>
+          <dgm:constrLst/>
+          <dgm:ruleLst/>
+        </dgm:layoutNode>
         <dgm:layoutNode name="iconRect" styleLbl="node1">
           <dgm:alg type="sp"/>
           <dgm:shape xmlns:r="http://schemas.openxmlformats.org/officeDocument/2006/relationships" type="rect" r:blip="" blipPhldr="1">
@@ -2369,7 +2237,7 @@
           <dgm:constrLst/>
           <dgm:ruleLst/>
         </dgm:layoutNode>
-        <dgm:layoutNode name="iconSpace">
+        <dgm:layoutNode name="spaceRect">
           <dgm:alg type="sp"/>
           <dgm:shape xmlns:r="http://schemas.openxmlformats.org/officeDocument/2006/relationships" r:blip="">
             <dgm:adjLst/>
@@ -2384,56 +2252,60 @@
             <dgm:chPref val="0"/>
           </dgm:varLst>
           <dgm:alg type="tx">
-            <dgm:param type="txAnchorVert" val="t"/>
+            <dgm:param type="txAnchorVert" val="mid"/>
+            <dgm:param type="parTxLTRAlign" val="l"/>
+            <dgm:param type="shpTxLTRAlignCh" val="l"/>
+            <dgm:param type="parTxRTLAlign" val="r"/>
+            <dgm:param type="shpTxRTLAlignCh" val="r"/>
           </dgm:alg>
           <dgm:shape xmlns:r="http://schemas.openxmlformats.org/officeDocument/2006/relationships" type="rect" r:blip="">
             <dgm:adjLst/>
           </dgm:shape>
           <dgm:presOf axis="self" ptType="node"/>
           <dgm:constrLst>
-            <dgm:constr type="lMarg"/>
-            <dgm:constr type="rMarg"/>
-            <dgm:constr type="tMarg"/>
-            <dgm:constr type="bMarg"/>
+            <dgm:constr type="lMarg" refType="h" fact="0.3"/>
+            <dgm:constr type="rMarg" refType="h" fact="0.3"/>
+            <dgm:constr type="tMarg" refType="h" fact="0.3"/>
+            <dgm:constr type="bMarg" refType="h" fact="0.3"/>
           </dgm:constrLst>
           <dgm:ruleLst>
             <dgm:rule type="primFontSz" val="14" fact="NaN" max="NaN"/>
             <dgm:rule type="h" val="INF" fact="NaN" max="NaN"/>
           </dgm:ruleLst>
         </dgm:layoutNode>
-        <dgm:layoutNode name="txSpace">
-          <dgm:alg type="sp"/>
-          <dgm:shape xmlns:r="http://schemas.openxmlformats.org/officeDocument/2006/relationships" r:blip="">
-            <dgm:adjLst/>
-          </dgm:shape>
-          <dgm:presOf/>
-          <dgm:constrLst/>
-          <dgm:ruleLst/>
-        </dgm:layoutNode>
-        <dgm:layoutNode name="desTx" styleLbl="revTx">
-          <dgm:varLst/>
-          <dgm:alg type="tx">
-            <dgm:param type="stBulletLvl" val="0"/>
-            <dgm:param type="txAnchorVert" val="t"/>
-          </dgm:alg>
-          <dgm:shape xmlns:r="http://schemas.openxmlformats.org/officeDocument/2006/relationships" type="rect" r:blip="">
-            <dgm:adjLst/>
-          </dgm:shape>
-          <dgm:presOf axis="des" ptType="node"/>
-          <dgm:constrLst>
-            <dgm:constr type="secFontSz" refType="primFontSz"/>
-            <dgm:constr type="lMarg"/>
-            <dgm:constr type="rMarg"/>
-            <dgm:constr type="tMarg"/>
-            <dgm:constr type="bMarg"/>
-          </dgm:constrLst>
-          <dgm:ruleLst>
-            <dgm:rule type="primFontSz" val="NaN" fact="NaN" max="17"/>
-            <dgm:rule type="h" val="INF" fact="NaN" max="NaN"/>
-          </dgm:ruleLst>
-        </dgm:layoutNode>
+        <dgm:choose name="Name12">
+          <dgm:if name="Name13" axis="ch" ptType="node" func="cnt" op="gte" val="1">
+            <dgm:layoutNode name="desTx" styleLbl="revTx">
+              <dgm:varLst/>
+              <dgm:alg type="tx">
+                <dgm:param type="txAnchorVertCh" val="mid"/>
+                <dgm:param type="parTxLTRAlign" val="l"/>
+                <dgm:param type="shpTxLTRAlignCh" val="l"/>
+                <dgm:param type="parTxRTLAlign" val="r"/>
+                <dgm:param type="shpTxRTLAlignCh" val="r"/>
+                <dgm:param type="stBulletLvl" val="0"/>
+              </dgm:alg>
+              <dgm:shape xmlns:r="http://schemas.openxmlformats.org/officeDocument/2006/relationships" type="rect" r:blip="">
+                <dgm:adjLst/>
+              </dgm:shape>
+              <dgm:presOf axis="des" ptType="node"/>
+              <dgm:constrLst>
+                <dgm:constr type="primFontSz" val="18"/>
+                <dgm:constr type="secFontSz" refType="primFontSz"/>
+                <dgm:constr type="lMarg" refType="h" fact="0.3"/>
+                <dgm:constr type="rMarg" refType="h" fact="0.3"/>
+                <dgm:constr type="tMarg" refType="h" fact="0.3"/>
+                <dgm:constr type="bMarg" refType="h" fact="0.3"/>
+              </dgm:constrLst>
+              <dgm:ruleLst>
+                <dgm:rule type="primFontSz" val="11" fact="NaN" max="NaN"/>
+              </dgm:ruleLst>
+            </dgm:layoutNode>
+          </dgm:if>
+          <dgm:else name="Name14"/>
+        </dgm:choose>
       </dgm:layoutNode>
-      <dgm:forEach name="Name4" axis="followSib" ptType="sibTrans" cnt="1">
+      <dgm:forEach name="Name15" axis="followSib" ptType="sibTrans" cnt="1">
         <dgm:layoutNode name="sibTrans">
           <dgm:alg type="sp"/>
           <dgm:shape xmlns:r="http://schemas.openxmlformats.org/officeDocument/2006/relationships" r:blip="">
@@ -2453,7 +2325,6 @@
           <a:lnSpc>
             <a:spcPct val="100000"/>
           </a:lnSpc>
-          <a:defRPr b="1"/>
         </a:lvl1pPr>
         <a:lvl2pPr>
           <a:lnSpc>
@@ -3850,90 +3721,6 @@
 </p:notesMaster>
 </file>
 
-<file path=ppt/notesSlides/notesSlide1.xml><?xml version="1.0" encoding="utf-8"?>
-<p:notes xmlns:a="http://schemas.openxmlformats.org/drawingml/2006/main" xmlns:r="http://schemas.openxmlformats.org/officeDocument/2006/relationships" xmlns:p="http://schemas.openxmlformats.org/presentationml/2006/main">
-  <p:cSld>
-    <p:spTree>
-      <p:nvGrpSpPr>
-        <p:cNvPr id="1" name=""/>
-        <p:cNvGrpSpPr/>
-        <p:nvPr/>
-      </p:nvGrpSpPr>
-      <p:grpSpPr>
-        <a:xfrm>
-          <a:off x="0" y="0"/>
-          <a:ext cx="0" cy="0"/>
-          <a:chOff x="0" y="0"/>
-          <a:chExt cx="0" cy="0"/>
-        </a:xfrm>
-      </p:grpSpPr>
-      <p:sp>
-        <p:nvSpPr>
-          <p:cNvPr id="2" name="Slide Image Placeholder 1"/>
-          <p:cNvSpPr>
-            <a:spLocks noGrp="1" noRot="1" noChangeAspect="1"/>
-          </p:cNvSpPr>
-          <p:nvPr>
-            <p:ph type="sldImg"/>
-          </p:nvPr>
-        </p:nvSpPr>
-        <p:spPr/>
-      </p:sp>
-      <p:sp>
-        <p:nvSpPr>
-          <p:cNvPr id="3" name="Notes Placeholder 2"/>
-          <p:cNvSpPr>
-            <a:spLocks noGrp="1"/>
-          </p:cNvSpPr>
-          <p:nvPr>
-            <p:ph type="body" idx="1"/>
-          </p:nvPr>
-        </p:nvSpPr>
-        <p:spPr/>
-        <p:txBody>
-          <a:bodyPr/>
-          <a:lstStyle/>
-          <a:p>
-            <a:endParaRPr lang="en-US" dirty="0"/>
-          </a:p>
-        </p:txBody>
-      </p:sp>
-      <p:sp>
-        <p:nvSpPr>
-          <p:cNvPr id="4" name="Slide Number Placeholder 3"/>
-          <p:cNvSpPr>
-            <a:spLocks noGrp="1"/>
-          </p:cNvSpPr>
-          <p:nvPr>
-            <p:ph type="sldNum" sz="quarter" idx="5"/>
-          </p:nvPr>
-        </p:nvSpPr>
-        <p:spPr/>
-        <p:txBody>
-          <a:bodyPr/>
-          <a:lstStyle/>
-          <a:p>
-            <a:fld id="{AD03BC9A-5167-4B1B-8123-7475E923F4B7}" type="slidenum">
-              <a:rPr lang="en-IL" smtClean="0"/>
-              <a:t>4</a:t>
-            </a:fld>
-            <a:endParaRPr lang="en-IL"/>
-          </a:p>
-        </p:txBody>
-      </p:sp>
-    </p:spTree>
-    <p:extLst>
-      <p:ext uri="{BB962C8B-B14F-4D97-AF65-F5344CB8AC3E}">
-        <p14:creationId xmlns:p14="http://schemas.microsoft.com/office/powerpoint/2010/main" val="2410668690"/>
-      </p:ext>
-    </p:extLst>
-  </p:cSld>
-  <p:clrMapOvr>
-    <a:masterClrMapping/>
-  </p:clrMapOvr>
-</p:notes>
-</file>
-
 <file path=ppt/slideLayouts/slideLayout1.xml><?xml version="1.0" encoding="utf-8"?>
 <p:sldLayout xmlns:a="http://schemas.openxmlformats.org/drawingml/2006/main" xmlns:r="http://schemas.openxmlformats.org/officeDocument/2006/relationships" xmlns:p="http://schemas.openxmlformats.org/presentationml/2006/main" type="title" preserve="1">
   <p:cSld name="Title Slide">
@@ -4083,7 +3870,7 @@
           <a:p>
             <a:fld id="{1F0F17AC-052D-4913-84DF-7CC850F525AA}" type="datetimeFigureOut">
               <a:rPr lang="LID4096" smtClean="0"/>
-              <a:t>6/18/24</a:t>
+              <a:t>06/18/2024</a:t>
             </a:fld>
             <a:endParaRPr lang="LID4096"/>
           </a:p>
@@ -4283,7 +4070,7 @@
           <a:p>
             <a:fld id="{1F0F17AC-052D-4913-84DF-7CC850F525AA}" type="datetimeFigureOut">
               <a:rPr lang="LID4096" smtClean="0"/>
-              <a:t>6/18/24</a:t>
+              <a:t>06/18/2024</a:t>
             </a:fld>
             <a:endParaRPr lang="LID4096"/>
           </a:p>
@@ -4493,7 +4280,7 @@
           <a:p>
             <a:fld id="{1F0F17AC-052D-4913-84DF-7CC850F525AA}" type="datetimeFigureOut">
               <a:rPr lang="LID4096" smtClean="0"/>
-              <a:t>6/18/24</a:t>
+              <a:t>06/18/2024</a:t>
             </a:fld>
             <a:endParaRPr lang="LID4096"/>
           </a:p>
@@ -4693,7 +4480,7 @@
           <a:p>
             <a:fld id="{1F0F17AC-052D-4913-84DF-7CC850F525AA}" type="datetimeFigureOut">
               <a:rPr lang="LID4096" smtClean="0"/>
-              <a:t>6/18/24</a:t>
+              <a:t>06/18/2024</a:t>
             </a:fld>
             <a:endParaRPr lang="LID4096"/>
           </a:p>
@@ -4969,7 +4756,7 @@
           <a:p>
             <a:fld id="{1F0F17AC-052D-4913-84DF-7CC850F525AA}" type="datetimeFigureOut">
               <a:rPr lang="LID4096" smtClean="0"/>
-              <a:t>6/18/24</a:t>
+              <a:t>06/18/2024</a:t>
             </a:fld>
             <a:endParaRPr lang="LID4096"/>
           </a:p>
@@ -5237,7 +5024,7 @@
           <a:p>
             <a:fld id="{1F0F17AC-052D-4913-84DF-7CC850F525AA}" type="datetimeFigureOut">
               <a:rPr lang="LID4096" smtClean="0"/>
-              <a:t>6/18/24</a:t>
+              <a:t>06/18/2024</a:t>
             </a:fld>
             <a:endParaRPr lang="LID4096"/>
           </a:p>
@@ -5652,7 +5439,7 @@
           <a:p>
             <a:fld id="{1F0F17AC-052D-4913-84DF-7CC850F525AA}" type="datetimeFigureOut">
               <a:rPr lang="LID4096" smtClean="0"/>
-              <a:t>6/18/24</a:t>
+              <a:t>06/18/2024</a:t>
             </a:fld>
             <a:endParaRPr lang="LID4096"/>
           </a:p>
@@ -5794,7 +5581,7 @@
           <a:p>
             <a:fld id="{1F0F17AC-052D-4913-84DF-7CC850F525AA}" type="datetimeFigureOut">
               <a:rPr lang="LID4096" smtClean="0"/>
-              <a:t>6/18/24</a:t>
+              <a:t>06/18/2024</a:t>
             </a:fld>
             <a:endParaRPr lang="LID4096"/>
           </a:p>
@@ -5907,7 +5694,7 @@
           <a:p>
             <a:fld id="{1F0F17AC-052D-4913-84DF-7CC850F525AA}" type="datetimeFigureOut">
               <a:rPr lang="LID4096" smtClean="0"/>
-              <a:t>6/18/24</a:t>
+              <a:t>06/18/2024</a:t>
             </a:fld>
             <a:endParaRPr lang="LID4096"/>
           </a:p>
@@ -6220,7 +6007,7 @@
           <a:p>
             <a:fld id="{1F0F17AC-052D-4913-84DF-7CC850F525AA}" type="datetimeFigureOut">
               <a:rPr lang="LID4096" smtClean="0"/>
-              <a:t>6/18/24</a:t>
+              <a:t>06/18/2024</a:t>
             </a:fld>
             <a:endParaRPr lang="LID4096"/>
           </a:p>
@@ -6509,7 +6296,7 @@
           <a:p>
             <a:fld id="{1F0F17AC-052D-4913-84DF-7CC850F525AA}" type="datetimeFigureOut">
               <a:rPr lang="LID4096" smtClean="0"/>
-              <a:t>6/18/24</a:t>
+              <a:t>06/18/2024</a:t>
             </a:fld>
             <a:endParaRPr lang="LID4096"/>
           </a:p>
@@ -6752,7 +6539,7 @@
           <a:p>
             <a:fld id="{1F0F17AC-052D-4913-84DF-7CC850F525AA}" type="datetimeFigureOut">
               <a:rPr lang="LID4096" smtClean="0"/>
-              <a:t>6/18/24</a:t>
+              <a:t>06/18/2024</a:t>
             </a:fld>
             <a:endParaRPr lang="LID4096"/>
           </a:p>
@@ -7754,6 +7541,1456 @@
         <p:cNvPr id="1" name="">
           <a:extLst>
             <a:ext uri="{FF2B5EF4-FFF2-40B4-BE49-F238E27FC236}">
+              <a16:creationId xmlns:a16="http://schemas.microsoft.com/office/drawing/2014/main" id="{756E7152-B363-1C1C-F993-7E61BFD64AB8}"/>
+            </a:ext>
+          </a:extLst>
+        </p:cNvPr>
+        <p:cNvGrpSpPr/>
+        <p:nvPr/>
+      </p:nvGrpSpPr>
+      <p:grpSpPr>
+        <a:xfrm>
+          <a:off x="0" y="0"/>
+          <a:ext cx="0" cy="0"/>
+          <a:chOff x="0" y="0"/>
+          <a:chExt cx="0" cy="0"/>
+        </a:xfrm>
+      </p:grpSpPr>
+      <p:sp useBgFill="1">
+        <p:nvSpPr>
+          <p:cNvPr id="21" name="Rectangle 20">
+            <a:extLst>
+              <a:ext uri="{FF2B5EF4-FFF2-40B4-BE49-F238E27FC236}">
+                <a16:creationId xmlns:a16="http://schemas.microsoft.com/office/drawing/2014/main" id="{6F5A5072-7B47-4D32-B52A-4EBBF590B8A5}"/>
+              </a:ext>
+              <a:ext uri="{C183D7F6-B498-43B3-948B-1728B52AA6E4}">
+                <adec:decorative xmlns:adec="http://schemas.microsoft.com/office/drawing/2017/decorative" val="1"/>
+              </a:ext>
+            </a:extLst>
+          </p:cNvPr>
+          <p:cNvSpPr>
+            <a:spLocks noGrp="1" noRot="1" noChangeAspect="1" noMove="1" noResize="1" noEditPoints="1" noAdjustHandles="1" noChangeArrowheads="1" noChangeShapeType="1" noTextEdit="1"/>
+          </p:cNvSpPr>
+          <p:nvPr>
+            <p:extLst>
+              <p:ext uri="{386F3935-93C4-4BCD-93E2-E3B085C9AB24}">
+                <p16:designElem xmlns:p16="http://schemas.microsoft.com/office/powerpoint/2015/main" val="1"/>
+              </p:ext>
+            </p:extLst>
+          </p:nvPr>
+        </p:nvSpPr>
+        <p:spPr>
+          <a:xfrm>
+            <a:off x="0" y="0"/>
+            <a:ext cx="12192000" cy="6858000"/>
+          </a:xfrm>
+          <a:prstGeom prst="rect">
+            <a:avLst/>
+          </a:prstGeom>
+          <a:ln w="12700" cap="flat" cmpd="sng" algn="ctr">
+            <a:noFill/>
+            <a:prstDash val="solid"/>
+            <a:miter lim="800000"/>
+          </a:ln>
+          <a:effectLst/>
+          <a:extLst>
+            <a:ext uri="{91240B29-F687-4F45-9708-019B960494DF}">
+              <a14:hiddenLine xmlns:a14="http://schemas.microsoft.com/office/drawing/2010/main" w="12700" cap="flat" cmpd="sng" algn="ctr">
+                <a:solidFill>
+                  <a:schemeClr val="accent1">
+                    <a:shade val="50000"/>
+                  </a:schemeClr>
+                </a:solidFill>
+                <a:prstDash val="solid"/>
+                <a:miter lim="800000"/>
+              </a14:hiddenLine>
+            </a:ext>
+          </a:extLst>
+        </p:spPr>
+        <p:style>
+          <a:lnRef idx="2">
+            <a:schemeClr val="accent1">
+              <a:shade val="50000"/>
+            </a:schemeClr>
+          </a:lnRef>
+          <a:fillRef idx="1">
+            <a:schemeClr val="accent1"/>
+          </a:fillRef>
+          <a:effectRef idx="0">
+            <a:schemeClr val="accent1"/>
+          </a:effectRef>
+          <a:fontRef idx="minor">
+            <a:schemeClr val="lt1"/>
+          </a:fontRef>
+        </p:style>
+        <p:txBody>
+          <a:bodyPr rtlCol="0" anchor="ctr"/>
+          <a:lstStyle/>
+          <a:p>
+            <a:pPr algn="ctr"/>
+            <a:endParaRPr lang="en-US"/>
+          </a:p>
+        </p:txBody>
+      </p:sp>
+      <p:sp>
+        <p:nvSpPr>
+          <p:cNvPr id="23" name="Rectangle 22">
+            <a:extLst>
+              <a:ext uri="{FF2B5EF4-FFF2-40B4-BE49-F238E27FC236}">
+                <a16:creationId xmlns:a16="http://schemas.microsoft.com/office/drawing/2014/main" id="{9715DAF0-AE1B-46C9-8A6B-DB2AA05AB91D}"/>
+              </a:ext>
+              <a:ext uri="{C183D7F6-B498-43B3-948B-1728B52AA6E4}">
+                <adec:decorative xmlns:adec="http://schemas.microsoft.com/office/drawing/2017/decorative" val="1"/>
+              </a:ext>
+            </a:extLst>
+          </p:cNvPr>
+          <p:cNvSpPr>
+            <a:spLocks noGrp="1" noRot="1" noChangeAspect="1" noMove="1" noResize="1" noEditPoints="1" noAdjustHandles="1" noChangeArrowheads="1" noChangeShapeType="1" noTextEdit="1"/>
+          </p:cNvSpPr>
+          <p:nvPr>
+            <p:extLst>
+              <p:ext uri="{386F3935-93C4-4BCD-93E2-E3B085C9AB24}">
+                <p16:designElem xmlns:p16="http://schemas.microsoft.com/office/powerpoint/2015/main" val="1"/>
+              </p:ext>
+            </p:extLst>
+          </p:nvPr>
+        </p:nvSpPr>
+        <p:spPr>
+          <a:xfrm rot="10800000">
+            <a:off x="-2" y="-22693"/>
+            <a:ext cx="12191999" cy="4374129"/>
+          </a:xfrm>
+          <a:prstGeom prst="rect">
+            <a:avLst/>
+          </a:prstGeom>
+          <a:gradFill>
+            <a:gsLst>
+              <a:gs pos="0">
+                <a:schemeClr val="accent1">
+                  <a:lumMod val="75000"/>
+                </a:schemeClr>
+              </a:gs>
+              <a:gs pos="100000">
+                <a:srgbClr val="000000"/>
+              </a:gs>
+            </a:gsLst>
+            <a:lin ang="15000000" scaled="0"/>
+          </a:gradFill>
+          <a:ln>
+            <a:noFill/>
+          </a:ln>
+        </p:spPr>
+        <p:style>
+          <a:lnRef idx="2">
+            <a:schemeClr val="accent1">
+              <a:shade val="50000"/>
+            </a:schemeClr>
+          </a:lnRef>
+          <a:fillRef idx="1">
+            <a:schemeClr val="accent1"/>
+          </a:fillRef>
+          <a:effectRef idx="0">
+            <a:schemeClr val="accent1"/>
+          </a:effectRef>
+          <a:fontRef idx="minor">
+            <a:schemeClr val="lt1"/>
+          </a:fontRef>
+        </p:style>
+        <p:txBody>
+          <a:bodyPr rtlCol="0" anchor="ctr"/>
+          <a:lstStyle/>
+          <a:p>
+            <a:pPr algn="ctr"/>
+            <a:endParaRPr lang="en-US"/>
+          </a:p>
+        </p:txBody>
+      </p:sp>
+      <p:sp>
+        <p:nvSpPr>
+          <p:cNvPr id="25" name="Rectangle 24">
+            <a:extLst>
+              <a:ext uri="{FF2B5EF4-FFF2-40B4-BE49-F238E27FC236}">
+                <a16:creationId xmlns:a16="http://schemas.microsoft.com/office/drawing/2014/main" id="{6016219D-510E-4184-9090-6D5578A87BD1}"/>
+              </a:ext>
+              <a:ext uri="{C183D7F6-B498-43B3-948B-1728B52AA6E4}">
+                <adec:decorative xmlns:adec="http://schemas.microsoft.com/office/drawing/2017/decorative" val="1"/>
+              </a:ext>
+            </a:extLst>
+          </p:cNvPr>
+          <p:cNvSpPr>
+            <a:spLocks noGrp="1" noRot="1" noChangeAspect="1" noMove="1" noResize="1" noEditPoints="1" noAdjustHandles="1" noChangeArrowheads="1" noChangeShapeType="1" noTextEdit="1"/>
+          </p:cNvSpPr>
+          <p:nvPr>
+            <p:extLst>
+              <p:ext uri="{386F3935-93C4-4BCD-93E2-E3B085C9AB24}">
+                <p16:designElem xmlns:p16="http://schemas.microsoft.com/office/powerpoint/2015/main" val="1"/>
+              </p:ext>
+            </p:extLst>
+          </p:nvPr>
+        </p:nvSpPr>
+        <p:spPr>
+          <a:xfrm rot="5400000">
+            <a:off x="3908719" y="-3931841"/>
+            <a:ext cx="4374557" cy="12192000"/>
+          </a:xfrm>
+          <a:prstGeom prst="rect">
+            <a:avLst/>
+          </a:prstGeom>
+          <a:gradFill>
+            <a:gsLst>
+              <a:gs pos="40000">
+                <a:schemeClr val="accent1">
+                  <a:alpha val="0"/>
+                </a:schemeClr>
+              </a:gs>
+              <a:gs pos="100000">
+                <a:schemeClr val="accent1">
+                  <a:lumMod val="75000"/>
+                  <a:alpha val="52000"/>
+                </a:schemeClr>
+              </a:gs>
+            </a:gsLst>
+            <a:lin ang="2400000" scaled="0"/>
+          </a:gradFill>
+          <a:ln>
+            <a:noFill/>
+          </a:ln>
+        </p:spPr>
+        <p:style>
+          <a:lnRef idx="2">
+            <a:schemeClr val="accent1">
+              <a:shade val="50000"/>
+            </a:schemeClr>
+          </a:lnRef>
+          <a:fillRef idx="1">
+            <a:schemeClr val="accent1"/>
+          </a:fillRef>
+          <a:effectRef idx="0">
+            <a:schemeClr val="accent1"/>
+          </a:effectRef>
+          <a:fontRef idx="minor">
+            <a:schemeClr val="lt1"/>
+          </a:fontRef>
+        </p:style>
+        <p:txBody>
+          <a:bodyPr rtlCol="0" anchor="ctr"/>
+          <a:lstStyle/>
+          <a:p>
+            <a:pPr algn="ctr"/>
+            <a:endParaRPr lang="en-US"/>
+          </a:p>
+        </p:txBody>
+      </p:sp>
+      <p:sp>
+        <p:nvSpPr>
+          <p:cNvPr id="27" name="Rectangle 26">
+            <a:extLst>
+              <a:ext uri="{FF2B5EF4-FFF2-40B4-BE49-F238E27FC236}">
+                <a16:creationId xmlns:a16="http://schemas.microsoft.com/office/drawing/2014/main" id="{AFF4A713-7B75-4B21-90D7-5AB19547C728}"/>
+              </a:ext>
+              <a:ext uri="{C183D7F6-B498-43B3-948B-1728B52AA6E4}">
+                <adec:decorative xmlns:adec="http://schemas.microsoft.com/office/drawing/2017/decorative" val="1"/>
+              </a:ext>
+            </a:extLst>
+          </p:cNvPr>
+          <p:cNvSpPr>
+            <a:spLocks noGrp="1" noRot="1" noChangeAspect="1" noMove="1" noResize="1" noEditPoints="1" noAdjustHandles="1" noChangeArrowheads="1" noChangeShapeType="1" noTextEdit="1"/>
+          </p:cNvSpPr>
+          <p:nvPr>
+            <p:extLst>
+              <p:ext uri="{386F3935-93C4-4BCD-93E2-E3B085C9AB24}">
+                <p16:designElem xmlns:p16="http://schemas.microsoft.com/office/powerpoint/2015/main" val="1"/>
+              </p:ext>
+            </p:extLst>
+          </p:nvPr>
+        </p:nvSpPr>
+        <p:spPr>
+          <a:xfrm rot="5400000">
+            <a:off x="4136696" y="-3703868"/>
+            <a:ext cx="4374128" cy="11736479"/>
+          </a:xfrm>
+          <a:prstGeom prst="rect">
+            <a:avLst/>
+          </a:prstGeom>
+          <a:gradFill>
+            <a:gsLst>
+              <a:gs pos="17000">
+                <a:schemeClr val="accent1">
+                  <a:alpha val="0"/>
+                </a:schemeClr>
+              </a:gs>
+              <a:gs pos="100000">
+                <a:srgbClr val="000000">
+                  <a:alpha val="37000"/>
+                </a:srgbClr>
+              </a:gs>
+            </a:gsLst>
+            <a:lin ang="7800000" scaled="0"/>
+          </a:gradFill>
+          <a:ln>
+            <a:noFill/>
+          </a:ln>
+        </p:spPr>
+        <p:style>
+          <a:lnRef idx="2">
+            <a:schemeClr val="accent1">
+              <a:shade val="50000"/>
+            </a:schemeClr>
+          </a:lnRef>
+          <a:fillRef idx="1">
+            <a:schemeClr val="accent1"/>
+          </a:fillRef>
+          <a:effectRef idx="0">
+            <a:schemeClr val="accent1"/>
+          </a:effectRef>
+          <a:fontRef idx="minor">
+            <a:schemeClr val="lt1"/>
+          </a:fontRef>
+        </p:style>
+        <p:txBody>
+          <a:bodyPr rtlCol="0" anchor="ctr"/>
+          <a:lstStyle/>
+          <a:p>
+            <a:pPr algn="ctr"/>
+            <a:endParaRPr lang="en-US"/>
+          </a:p>
+        </p:txBody>
+      </p:sp>
+      <p:sp>
+        <p:nvSpPr>
+          <p:cNvPr id="29" name="Rectangle 28">
+            <a:extLst>
+              <a:ext uri="{FF2B5EF4-FFF2-40B4-BE49-F238E27FC236}">
+                <a16:creationId xmlns:a16="http://schemas.microsoft.com/office/drawing/2014/main" id="{DC631C0B-6DA6-4E57-8231-CE32B3434A7E}"/>
+              </a:ext>
+              <a:ext uri="{C183D7F6-B498-43B3-948B-1728B52AA6E4}">
+                <adec:decorative xmlns:adec="http://schemas.microsoft.com/office/drawing/2017/decorative" val="1"/>
+              </a:ext>
+            </a:extLst>
+          </p:cNvPr>
+          <p:cNvSpPr>
+            <a:spLocks noGrp="1" noRot="1" noChangeAspect="1" noMove="1" noResize="1" noEditPoints="1" noAdjustHandles="1" noChangeArrowheads="1" noChangeShapeType="1" noTextEdit="1"/>
+          </p:cNvSpPr>
+          <p:nvPr>
+            <p:extLst>
+              <p:ext uri="{386F3935-93C4-4BCD-93E2-E3B085C9AB24}">
+                <p16:designElem xmlns:p16="http://schemas.microsoft.com/office/powerpoint/2015/main" val="1"/>
+              </p:ext>
+            </p:extLst>
+          </p:nvPr>
+        </p:nvSpPr>
+        <p:spPr>
+          <a:xfrm>
+            <a:off x="-5" y="-22690"/>
+            <a:ext cx="8542485" cy="4374126"/>
+          </a:xfrm>
+          <a:prstGeom prst="rect">
+            <a:avLst/>
+          </a:prstGeom>
+          <a:gradFill>
+            <a:gsLst>
+              <a:gs pos="0">
+                <a:schemeClr val="accent1">
+                  <a:lumMod val="50000"/>
+                  <a:alpha val="0"/>
+                </a:schemeClr>
+              </a:gs>
+              <a:gs pos="100000">
+                <a:srgbClr val="000000">
+                  <a:alpha val="25000"/>
+                </a:srgbClr>
+              </a:gs>
+            </a:gsLst>
+            <a:lin ang="18600000" scaled="0"/>
+          </a:gradFill>
+          <a:ln>
+            <a:noFill/>
+          </a:ln>
+        </p:spPr>
+        <p:style>
+          <a:lnRef idx="2">
+            <a:schemeClr val="accent1">
+              <a:shade val="50000"/>
+            </a:schemeClr>
+          </a:lnRef>
+          <a:fillRef idx="1">
+            <a:schemeClr val="accent1"/>
+          </a:fillRef>
+          <a:effectRef idx="0">
+            <a:schemeClr val="accent1"/>
+          </a:effectRef>
+          <a:fontRef idx="minor">
+            <a:schemeClr val="lt1"/>
+          </a:fontRef>
+        </p:style>
+        <p:txBody>
+          <a:bodyPr rtlCol="0" anchor="ctr"/>
+          <a:lstStyle/>
+          <a:p>
+            <a:pPr algn="ctr"/>
+            <a:endParaRPr lang="en-US"/>
+          </a:p>
+        </p:txBody>
+      </p:sp>
+      <p:sp>
+        <p:nvSpPr>
+          <p:cNvPr id="31" name="Freeform: Shape 30">
+            <a:extLst>
+              <a:ext uri="{FF2B5EF4-FFF2-40B4-BE49-F238E27FC236}">
+                <a16:creationId xmlns:a16="http://schemas.microsoft.com/office/drawing/2014/main" id="{C29501E6-A978-4A61-9689-9085AF97A53A}"/>
+              </a:ext>
+              <a:ext uri="{C183D7F6-B498-43B3-948B-1728B52AA6E4}">
+                <adec:decorative xmlns:adec="http://schemas.microsoft.com/office/drawing/2017/decorative" val="1"/>
+              </a:ext>
+            </a:extLst>
+          </p:cNvPr>
+          <p:cNvSpPr>
+            <a:spLocks noGrp="1" noRot="1" noChangeAspect="1" noMove="1" noResize="1" noEditPoints="1" noAdjustHandles="1" noChangeArrowheads="1" noChangeShapeType="1" noTextEdit="1"/>
+          </p:cNvSpPr>
+          <p:nvPr>
+            <p:extLst>
+              <p:ext uri="{386F3935-93C4-4BCD-93E2-E3B085C9AB24}">
+                <p16:designElem xmlns:p16="http://schemas.microsoft.com/office/powerpoint/2015/main" val="1"/>
+              </p:ext>
+            </p:extLst>
+          </p:nvPr>
+        </p:nvSpPr>
+        <p:spPr>
+          <a:xfrm rot="12508972">
+            <a:off x="5945431" y="-1032053"/>
+            <a:ext cx="4990147" cy="4439131"/>
+          </a:xfrm>
+          <a:custGeom>
+            <a:avLst/>
+            <a:gdLst>
+              <a:gd name="connsiteX0" fmla="*/ 4990147 w 4990147"/>
+              <a:gd name="connsiteY0" fmla="*/ 2229378 h 4439131"/>
+              <a:gd name="connsiteX1" fmla="*/ 917384 w 4990147"/>
+              <a:gd name="connsiteY1" fmla="*/ 4439131 h 4439131"/>
+              <a:gd name="connsiteX2" fmla="*/ 910814 w 4990147"/>
+              <a:gd name="connsiteY2" fmla="*/ 4434219 h 4439131"/>
+              <a:gd name="connsiteX3" fmla="*/ 0 w 4990147"/>
+              <a:gd name="connsiteY3" fmla="*/ 2502877 h 4439131"/>
+              <a:gd name="connsiteX4" fmla="*/ 2502877 w 4990147"/>
+              <a:gd name="connsiteY4" fmla="*/ 0 h 4439131"/>
+              <a:gd name="connsiteX5" fmla="*/ 4954904 w 4990147"/>
+              <a:gd name="connsiteY5" fmla="*/ 1998460 h 4439131"/>
+            </a:gdLst>
+            <a:ahLst/>
+            <a:cxnLst>
+              <a:cxn ang="0">
+                <a:pos x="connsiteX0" y="connsiteY0"/>
+              </a:cxn>
+              <a:cxn ang="0">
+                <a:pos x="connsiteX1" y="connsiteY1"/>
+              </a:cxn>
+              <a:cxn ang="0">
+                <a:pos x="connsiteX2" y="connsiteY2"/>
+              </a:cxn>
+              <a:cxn ang="0">
+                <a:pos x="connsiteX3" y="connsiteY3"/>
+              </a:cxn>
+              <a:cxn ang="0">
+                <a:pos x="connsiteX4" y="connsiteY4"/>
+              </a:cxn>
+              <a:cxn ang="0">
+                <a:pos x="connsiteX5" y="connsiteY5"/>
+              </a:cxn>
+            </a:cxnLst>
+            <a:rect l="l" t="t" r="r" b="b"/>
+            <a:pathLst>
+              <a:path w="4990147" h="4439131">
+                <a:moveTo>
+                  <a:pt x="4990147" y="2229378"/>
+                </a:moveTo>
+                <a:lnTo>
+                  <a:pt x="917384" y="4439131"/>
+                </a:lnTo>
+                <a:lnTo>
+                  <a:pt x="910814" y="4434219"/>
+                </a:lnTo>
+                <a:cubicBezTo>
+                  <a:pt x="354557" y="3975154"/>
+                  <a:pt x="0" y="3280421"/>
+                  <a:pt x="0" y="2502877"/>
+                </a:cubicBezTo>
+                <a:cubicBezTo>
+                  <a:pt x="0" y="1120576"/>
+                  <a:pt x="1120576" y="0"/>
+                  <a:pt x="2502877" y="0"/>
+                </a:cubicBezTo>
+                <a:cubicBezTo>
+                  <a:pt x="3712390" y="0"/>
+                  <a:pt x="4721520" y="857941"/>
+                  <a:pt x="4954904" y="1998460"/>
+                </a:cubicBezTo>
+                <a:close/>
+              </a:path>
+            </a:pathLst>
+          </a:custGeom>
+          <a:gradFill>
+            <a:gsLst>
+              <a:gs pos="0">
+                <a:schemeClr val="accent1">
+                  <a:alpha val="22000"/>
+                </a:schemeClr>
+              </a:gs>
+              <a:gs pos="87000">
+                <a:schemeClr val="accent1">
+                  <a:lumMod val="60000"/>
+                  <a:lumOff val="40000"/>
+                  <a:alpha val="2000"/>
+                </a:schemeClr>
+              </a:gs>
+            </a:gsLst>
+            <a:lin ang="8400000" scaled="0"/>
+          </a:gradFill>
+          <a:ln>
+            <a:noFill/>
+          </a:ln>
+        </p:spPr>
+        <p:style>
+          <a:lnRef idx="2">
+            <a:schemeClr val="accent1">
+              <a:shade val="50000"/>
+            </a:schemeClr>
+          </a:lnRef>
+          <a:fillRef idx="1">
+            <a:schemeClr val="accent1"/>
+          </a:fillRef>
+          <a:effectRef idx="0">
+            <a:schemeClr val="accent1"/>
+          </a:effectRef>
+          <a:fontRef idx="minor">
+            <a:schemeClr val="lt1"/>
+          </a:fontRef>
+        </p:style>
+        <p:txBody>
+          <a:bodyPr wrap="square" rtlCol="0" anchor="ctr">
+            <a:noAutofit/>
+          </a:bodyPr>
+          <a:lstStyle/>
+          <a:p>
+            <a:pPr algn="ctr"/>
+            <a:endParaRPr lang="en-US" dirty="0"/>
+          </a:p>
+        </p:txBody>
+      </p:sp>
+      <p:sp>
+        <p:nvSpPr>
+          <p:cNvPr id="2" name="Title 1">
+            <a:extLst>
+              <a:ext uri="{FF2B5EF4-FFF2-40B4-BE49-F238E27FC236}">
+                <a16:creationId xmlns:a16="http://schemas.microsoft.com/office/drawing/2014/main" id="{287A03DE-1123-91CE-26BE-143108D13665}"/>
+              </a:ext>
+            </a:extLst>
+          </p:cNvPr>
+          <p:cNvSpPr>
+            <a:spLocks noGrp="1"/>
+          </p:cNvSpPr>
+          <p:nvPr>
+            <p:ph type="ctrTitle"/>
+          </p:nvPr>
+        </p:nvSpPr>
+        <p:spPr>
+          <a:xfrm>
+            <a:off x="1314824" y="735106"/>
+            <a:ext cx="10053763" cy="2928470"/>
+          </a:xfrm>
+        </p:spPr>
+        <p:txBody>
+          <a:bodyPr vert="horz" lIns="91440" tIns="45720" rIns="91440" bIns="45720" rtlCol="0" anchor="b">
+            <a:normAutofit/>
+          </a:bodyPr>
+          <a:lstStyle/>
+          <a:p>
+            <a:pPr algn="l"/>
+            <a:r>
+              <a:rPr lang="en-US" sz="4800" dirty="0">
+                <a:solidFill>
+                  <a:srgbClr val="FFFFFF"/>
+                </a:solidFill>
+              </a:rPr>
+              <a:t>User Study</a:t>
+            </a:r>
+          </a:p>
+        </p:txBody>
+      </p:sp>
+    </p:spTree>
+    <p:extLst>
+      <p:ext uri="{BB962C8B-B14F-4D97-AF65-F5344CB8AC3E}">
+        <p14:creationId xmlns:p14="http://schemas.microsoft.com/office/powerpoint/2010/main" val="876094038"/>
+      </p:ext>
+    </p:extLst>
+  </p:cSld>
+  <p:clrMapOvr>
+    <a:masterClrMapping/>
+  </p:clrMapOvr>
+  <p:timing>
+    <p:tnLst>
+      <p:par>
+        <p:cTn id="1" dur="indefinite" restart="never" nodeType="tmRoot">
+          <p:childTnLst>
+            <p:seq concurrent="1" nextAc="seek">
+              <p:cTn id="2" dur="indefinite" nodeType="mainSeq">
+                <p:childTnLst>
+                  <p:par>
+                    <p:cTn id="3" fill="hold">
+                      <p:stCondLst>
+                        <p:cond delay="indefinite"/>
+                        <p:cond evt="onBegin" delay="0">
+                          <p:tn val="2"/>
+                        </p:cond>
+                      </p:stCondLst>
+                      <p:childTnLst>
+                        <p:par>
+                          <p:cTn id="4" fill="hold">
+                            <p:stCondLst>
+                              <p:cond delay="0"/>
+                            </p:stCondLst>
+                            <p:childTnLst>
+                              <p:par>
+                                <p:cTn id="5" presetID="10" presetClass="entr" presetSubtype="0" fill="hold" grpId="0" nodeType="withEffect">
+                                  <p:stCondLst>
+                                    <p:cond delay="500"/>
+                                  </p:stCondLst>
+                                  <p:iterate type="lt">
+                                    <p:tmPct val="10000"/>
+                                  </p:iterate>
+                                  <p:childTnLst>
+                                    <p:set>
+                                      <p:cBhvr>
+                                        <p:cTn id="6" dur="1" fill="hold">
+                                          <p:stCondLst>
+                                            <p:cond delay="0"/>
+                                          </p:stCondLst>
+                                        </p:cTn>
+                                        <p:tgtEl>
+                                          <p:spTgt spid="2"/>
+                                        </p:tgtEl>
+                                        <p:attrNameLst>
+                                          <p:attrName>style.visibility</p:attrName>
+                                        </p:attrNameLst>
+                                      </p:cBhvr>
+                                      <p:to>
+                                        <p:strVal val="visible"/>
+                                      </p:to>
+                                    </p:set>
+                                    <p:animEffect transition="in" filter="fade">
+                                      <p:cBhvr>
+                                        <p:cTn id="7" dur="400"/>
+                                        <p:tgtEl>
+                                          <p:spTgt spid="2"/>
+                                        </p:tgtEl>
+                                      </p:cBhvr>
+                                    </p:animEffect>
+                                  </p:childTnLst>
+                                </p:cTn>
+                              </p:par>
+                            </p:childTnLst>
+                          </p:cTn>
+                        </p:par>
+                      </p:childTnLst>
+                    </p:cTn>
+                  </p:par>
+                </p:childTnLst>
+              </p:cTn>
+              <p:prevCondLst>
+                <p:cond evt="onPrev" delay="0">
+                  <p:tgtEl>
+                    <p:sldTgt/>
+                  </p:tgtEl>
+                </p:cond>
+              </p:prevCondLst>
+              <p:nextCondLst>
+                <p:cond evt="onNext" delay="0">
+                  <p:tgtEl>
+                    <p:sldTgt/>
+                  </p:tgtEl>
+                </p:cond>
+              </p:nextCondLst>
+            </p:seq>
+          </p:childTnLst>
+        </p:cTn>
+      </p:par>
+    </p:tnLst>
+    <p:bldLst>
+      <p:bldP spid="2" grpId="0"/>
+    </p:bldLst>
+  </p:timing>
+</p:sld>
+</file>
+
+<file path=ppt/slides/slide11.xml><?xml version="1.0" encoding="utf-8"?>
+<p:sld xmlns:a="http://schemas.openxmlformats.org/drawingml/2006/main" xmlns:r="http://schemas.openxmlformats.org/officeDocument/2006/relationships" xmlns:p="http://schemas.openxmlformats.org/presentationml/2006/main">
+  <p:cSld>
+    <p:bg>
+      <p:bgPr>
+        <a:solidFill>
+          <a:schemeClr val="bg1"/>
+        </a:solidFill>
+        <a:effectLst/>
+      </p:bgPr>
+    </p:bg>
+    <p:spTree>
+      <p:nvGrpSpPr>
+        <p:cNvPr id="1" name="">
+          <a:extLst>
+            <a:ext uri="{FF2B5EF4-FFF2-40B4-BE49-F238E27FC236}">
+              <a16:creationId xmlns:a16="http://schemas.microsoft.com/office/drawing/2014/main" id="{E41B61D3-2981-898F-AA17-FC292C33E1BF}"/>
+            </a:ext>
+          </a:extLst>
+        </p:cNvPr>
+        <p:cNvGrpSpPr/>
+        <p:nvPr/>
+      </p:nvGrpSpPr>
+      <p:grpSpPr>
+        <a:xfrm>
+          <a:off x="0" y="0"/>
+          <a:ext cx="0" cy="0"/>
+          <a:chOff x="0" y="0"/>
+          <a:chExt cx="0" cy="0"/>
+        </a:xfrm>
+      </p:grpSpPr>
+      <p:sp useBgFill="1">
+        <p:nvSpPr>
+          <p:cNvPr id="22" name="Rectangle 21">
+            <a:extLst>
+              <a:ext uri="{FF2B5EF4-FFF2-40B4-BE49-F238E27FC236}">
+                <a16:creationId xmlns:a16="http://schemas.microsoft.com/office/drawing/2014/main" id="{BACC6370-2D7E-4714-9D71-7542949D7D5D}"/>
+              </a:ext>
+              <a:ext uri="{C183D7F6-B498-43B3-948B-1728B52AA6E4}">
+                <adec:decorative xmlns:adec="http://schemas.microsoft.com/office/drawing/2017/decorative" val="1"/>
+              </a:ext>
+            </a:extLst>
+          </p:cNvPr>
+          <p:cNvSpPr>
+            <a:spLocks noGrp="1" noRot="1" noChangeAspect="1" noMove="1" noResize="1" noEditPoints="1" noAdjustHandles="1" noChangeArrowheads="1" noChangeShapeType="1" noTextEdit="1"/>
+          </p:cNvSpPr>
+          <p:nvPr>
+            <p:extLst>
+              <p:ext uri="{386F3935-93C4-4BCD-93E2-E3B085C9AB24}">
+                <p16:designElem xmlns:p16="http://schemas.microsoft.com/office/powerpoint/2015/main" val="1"/>
+              </p:ext>
+            </p:extLst>
+          </p:nvPr>
+        </p:nvSpPr>
+        <p:spPr>
+          <a:xfrm>
+            <a:off x="0" y="0"/>
+            <a:ext cx="12192000" cy="6858000"/>
+          </a:xfrm>
+          <a:prstGeom prst="rect">
+            <a:avLst/>
+          </a:prstGeom>
+          <a:ln w="12700" cap="flat" cmpd="sng" algn="ctr">
+            <a:noFill/>
+            <a:prstDash val="solid"/>
+            <a:miter lim="800000"/>
+          </a:ln>
+          <a:effectLst/>
+          <a:extLst>
+            <a:ext uri="{91240B29-F687-4F45-9708-019B960494DF}">
+              <a14:hiddenLine xmlns:a14="http://schemas.microsoft.com/office/drawing/2010/main" w="12700" cap="flat" cmpd="sng" algn="ctr">
+                <a:solidFill>
+                  <a:schemeClr val="accent1">
+                    <a:shade val="50000"/>
+                  </a:schemeClr>
+                </a:solidFill>
+                <a:prstDash val="solid"/>
+                <a:miter lim="800000"/>
+              </a14:hiddenLine>
+            </a:ext>
+          </a:extLst>
+        </p:spPr>
+        <p:style>
+          <a:lnRef idx="2">
+            <a:schemeClr val="accent1">
+              <a:shade val="50000"/>
+            </a:schemeClr>
+          </a:lnRef>
+          <a:fillRef idx="1">
+            <a:schemeClr val="accent1"/>
+          </a:fillRef>
+          <a:effectRef idx="0">
+            <a:schemeClr val="accent1"/>
+          </a:effectRef>
+          <a:fontRef idx="minor">
+            <a:schemeClr val="lt1"/>
+          </a:fontRef>
+        </p:style>
+        <p:txBody>
+          <a:bodyPr rtlCol="0" anchor="ctr"/>
+          <a:lstStyle/>
+          <a:p>
+            <a:pPr algn="ctr"/>
+            <a:endParaRPr lang="en-US"/>
+          </a:p>
+        </p:txBody>
+      </p:sp>
+      <p:sp>
+        <p:nvSpPr>
+          <p:cNvPr id="24" name="Rectangle 23">
+            <a:extLst>
+              <a:ext uri="{FF2B5EF4-FFF2-40B4-BE49-F238E27FC236}">
+                <a16:creationId xmlns:a16="http://schemas.microsoft.com/office/drawing/2014/main" id="{F68B3F68-107C-434F-AA38-110D5EA91B85}"/>
+              </a:ext>
+              <a:ext uri="{C183D7F6-B498-43B3-948B-1728B52AA6E4}">
+                <adec:decorative xmlns:adec="http://schemas.microsoft.com/office/drawing/2017/decorative" val="1"/>
+              </a:ext>
+            </a:extLst>
+          </p:cNvPr>
+          <p:cNvSpPr>
+            <a:spLocks noGrp="1" noRot="1" noChangeAspect="1" noMove="1" noResize="1" noEditPoints="1" noAdjustHandles="1" noChangeArrowheads="1" noChangeShapeType="1" noTextEdit="1"/>
+          </p:cNvSpPr>
+          <p:nvPr>
+            <p:extLst>
+              <p:ext uri="{386F3935-93C4-4BCD-93E2-E3B085C9AB24}">
+                <p16:designElem xmlns:p16="http://schemas.microsoft.com/office/powerpoint/2015/main" val="1"/>
+              </p:ext>
+            </p:extLst>
+          </p:nvPr>
+        </p:nvSpPr>
+        <p:spPr>
+          <a:xfrm flipH="1">
+            <a:off x="2" y="0"/>
+            <a:ext cx="12191998" cy="1575955"/>
+          </a:xfrm>
+          <a:prstGeom prst="rect">
+            <a:avLst/>
+          </a:prstGeom>
+          <a:gradFill>
+            <a:gsLst>
+              <a:gs pos="0">
+                <a:srgbClr val="000000">
+                  <a:alpha val="96000"/>
+                </a:srgbClr>
+              </a:gs>
+              <a:gs pos="100000">
+                <a:schemeClr val="accent1">
+                  <a:lumMod val="75000"/>
+                </a:schemeClr>
+              </a:gs>
+            </a:gsLst>
+            <a:lin ang="8400000" scaled="0"/>
+          </a:gradFill>
+          <a:ln>
+            <a:noFill/>
+          </a:ln>
+        </p:spPr>
+        <p:style>
+          <a:lnRef idx="2">
+            <a:schemeClr val="accent1">
+              <a:shade val="50000"/>
+            </a:schemeClr>
+          </a:lnRef>
+          <a:fillRef idx="1">
+            <a:schemeClr val="accent1"/>
+          </a:fillRef>
+          <a:effectRef idx="0">
+            <a:schemeClr val="accent1"/>
+          </a:effectRef>
+          <a:fontRef idx="minor">
+            <a:schemeClr val="lt1"/>
+          </a:fontRef>
+        </p:style>
+        <p:txBody>
+          <a:bodyPr rtlCol="0" anchor="ctr"/>
+          <a:lstStyle/>
+          <a:p>
+            <a:pPr algn="ctr"/>
+            <a:endParaRPr lang="en-US"/>
+          </a:p>
+        </p:txBody>
+      </p:sp>
+      <p:sp>
+        <p:nvSpPr>
+          <p:cNvPr id="26" name="Rectangle 25">
+            <a:extLst>
+              <a:ext uri="{FF2B5EF4-FFF2-40B4-BE49-F238E27FC236}">
+                <a16:creationId xmlns:a16="http://schemas.microsoft.com/office/drawing/2014/main" id="{AAD0DBB9-1A4B-4391-81D4-CB19F9AB918A}"/>
+              </a:ext>
+              <a:ext uri="{C183D7F6-B498-43B3-948B-1728B52AA6E4}">
+                <adec:decorative xmlns:adec="http://schemas.microsoft.com/office/drawing/2017/decorative" val="1"/>
+              </a:ext>
+            </a:extLst>
+          </p:cNvPr>
+          <p:cNvSpPr>
+            <a:spLocks noGrp="1" noRot="1" noChangeAspect="1" noMove="1" noResize="1" noEditPoints="1" noAdjustHandles="1" noChangeArrowheads="1" noChangeShapeType="1" noTextEdit="1"/>
+          </p:cNvSpPr>
+          <p:nvPr>
+            <p:extLst>
+              <p:ext uri="{386F3935-93C4-4BCD-93E2-E3B085C9AB24}">
+                <p16:designElem xmlns:p16="http://schemas.microsoft.com/office/powerpoint/2015/main" val="1"/>
+              </p:ext>
+            </p:extLst>
+          </p:nvPr>
+        </p:nvSpPr>
+        <p:spPr>
+          <a:xfrm rot="10800000" flipH="1">
+            <a:off x="8128857" y="0"/>
+            <a:ext cx="4063143" cy="1576412"/>
+          </a:xfrm>
+          <a:prstGeom prst="rect">
+            <a:avLst/>
+          </a:prstGeom>
+          <a:gradFill>
+            <a:gsLst>
+              <a:gs pos="19000">
+                <a:schemeClr val="accent1">
+                  <a:lumMod val="50000"/>
+                  <a:alpha val="68000"/>
+                </a:schemeClr>
+              </a:gs>
+              <a:gs pos="100000">
+                <a:schemeClr val="accent1">
+                  <a:alpha val="79000"/>
+                </a:schemeClr>
+              </a:gs>
+            </a:gsLst>
+            <a:lin ang="19200000" scaled="0"/>
+          </a:gradFill>
+          <a:ln>
+            <a:noFill/>
+          </a:ln>
+        </p:spPr>
+        <p:style>
+          <a:lnRef idx="2">
+            <a:schemeClr val="accent1">
+              <a:shade val="50000"/>
+            </a:schemeClr>
+          </a:lnRef>
+          <a:fillRef idx="1">
+            <a:schemeClr val="accent1"/>
+          </a:fillRef>
+          <a:effectRef idx="0">
+            <a:schemeClr val="accent1"/>
+          </a:effectRef>
+          <a:fontRef idx="minor">
+            <a:schemeClr val="lt1"/>
+          </a:fontRef>
+        </p:style>
+        <p:txBody>
+          <a:bodyPr rtlCol="0" anchor="ctr"/>
+          <a:lstStyle/>
+          <a:p>
+            <a:pPr algn="ctr"/>
+            <a:endParaRPr lang="en-US"/>
+          </a:p>
+        </p:txBody>
+      </p:sp>
+      <p:sp>
+        <p:nvSpPr>
+          <p:cNvPr id="28" name="Rectangle 27">
+            <a:extLst>
+              <a:ext uri="{FF2B5EF4-FFF2-40B4-BE49-F238E27FC236}">
+                <a16:creationId xmlns:a16="http://schemas.microsoft.com/office/drawing/2014/main" id="{063BBA22-50EA-4C4D-BE05-F1CE4E63AA56}"/>
+              </a:ext>
+              <a:ext uri="{C183D7F6-B498-43B3-948B-1728B52AA6E4}">
+                <adec:decorative xmlns:adec="http://schemas.microsoft.com/office/drawing/2017/decorative" val="1"/>
+              </a:ext>
+            </a:extLst>
+          </p:cNvPr>
+          <p:cNvSpPr>
+            <a:spLocks noGrp="1" noRot="1" noChangeAspect="1" noMove="1" noResize="1" noEditPoints="1" noAdjustHandles="1" noChangeArrowheads="1" noChangeShapeType="1" noTextEdit="1"/>
+          </p:cNvSpPr>
+          <p:nvPr>
+            <p:extLst>
+              <p:ext uri="{386F3935-93C4-4BCD-93E2-E3B085C9AB24}">
+                <p16:designElem xmlns:p16="http://schemas.microsoft.com/office/powerpoint/2015/main" val="1"/>
+              </p:ext>
+            </p:extLst>
+          </p:nvPr>
+        </p:nvSpPr>
+        <p:spPr>
+          <a:xfrm rot="5400000">
+            <a:off x="5307777" y="-5307778"/>
+            <a:ext cx="1576446" cy="12192002"/>
+          </a:xfrm>
+          <a:prstGeom prst="rect">
+            <a:avLst/>
+          </a:prstGeom>
+          <a:gradFill>
+            <a:gsLst>
+              <a:gs pos="23000">
+                <a:schemeClr val="accent1">
+                  <a:alpha val="0"/>
+                </a:schemeClr>
+              </a:gs>
+              <a:gs pos="99000">
+                <a:srgbClr val="000000">
+                  <a:alpha val="74000"/>
+                </a:srgbClr>
+              </a:gs>
+            </a:gsLst>
+            <a:lin ang="20400000" scaled="0"/>
+          </a:gradFill>
+          <a:ln>
+            <a:noFill/>
+          </a:ln>
+        </p:spPr>
+        <p:style>
+          <a:lnRef idx="2">
+            <a:schemeClr val="accent1">
+              <a:shade val="50000"/>
+            </a:schemeClr>
+          </a:lnRef>
+          <a:fillRef idx="1">
+            <a:schemeClr val="accent1"/>
+          </a:fillRef>
+          <a:effectRef idx="0">
+            <a:schemeClr val="accent1"/>
+          </a:effectRef>
+          <a:fontRef idx="minor">
+            <a:schemeClr val="lt1"/>
+          </a:fontRef>
+        </p:style>
+        <p:txBody>
+          <a:bodyPr rtlCol="0" anchor="ctr"/>
+          <a:lstStyle/>
+          <a:p>
+            <a:pPr algn="ctr"/>
+            <a:endParaRPr lang="en-US" dirty="0"/>
+          </a:p>
+        </p:txBody>
+      </p:sp>
+      <p:sp>
+        <p:nvSpPr>
+          <p:cNvPr id="4" name="Content Placeholder 2">
+            <a:extLst>
+              <a:ext uri="{FF2B5EF4-FFF2-40B4-BE49-F238E27FC236}">
+                <a16:creationId xmlns:a16="http://schemas.microsoft.com/office/drawing/2014/main" id="{AFC934D0-625F-6A4C-F462-A659A43F92C0}"/>
+              </a:ext>
+            </a:extLst>
+          </p:cNvPr>
+          <p:cNvSpPr txBox="1">
+            <a:spLocks/>
+          </p:cNvSpPr>
+          <p:nvPr/>
+        </p:nvSpPr>
+        <p:spPr>
+          <a:xfrm>
+            <a:off x="990600" y="2241259"/>
+            <a:ext cx="8897224" cy="4088104"/>
+          </a:xfrm>
+          <a:prstGeom prst="rect">
+            <a:avLst/>
+          </a:prstGeom>
+        </p:spPr>
+        <p:txBody>
+          <a:bodyPr vert="horz" lIns="91440" tIns="45720" rIns="91440" bIns="45720" rtlCol="0">
+            <a:normAutofit lnSpcReduction="10000"/>
+          </a:bodyPr>
+          <a:lstStyle>
+            <a:lvl1pPr marL="228600" indent="-228600" algn="l" defTabSz="914400" rtl="0" eaLnBrk="1" latinLnBrk="0" hangingPunct="1">
+              <a:lnSpc>
+                <a:spcPct val="90000"/>
+              </a:lnSpc>
+              <a:spcBef>
+                <a:spcPts val="1000"/>
+              </a:spcBef>
+              <a:buFont typeface="Arial" panose="020B0604020202020204" pitchFamily="34" charset="0"/>
+              <a:buChar char="•"/>
+              <a:defRPr sz="2800" kern="1200">
+                <a:solidFill>
+                  <a:schemeClr val="tx1"/>
+                </a:solidFill>
+                <a:latin typeface="+mn-lt"/>
+                <a:ea typeface="+mn-ea"/>
+                <a:cs typeface="+mn-cs"/>
+              </a:defRPr>
+            </a:lvl1pPr>
+            <a:lvl2pPr marL="685800" indent="-228600" algn="l" defTabSz="914400" rtl="0" eaLnBrk="1" latinLnBrk="0" hangingPunct="1">
+              <a:lnSpc>
+                <a:spcPct val="90000"/>
+              </a:lnSpc>
+              <a:spcBef>
+                <a:spcPts val="500"/>
+              </a:spcBef>
+              <a:buFont typeface="Arial" panose="020B0604020202020204" pitchFamily="34" charset="0"/>
+              <a:buChar char="•"/>
+              <a:defRPr sz="2400" kern="1200">
+                <a:solidFill>
+                  <a:schemeClr val="tx1"/>
+                </a:solidFill>
+                <a:latin typeface="+mn-lt"/>
+                <a:ea typeface="+mn-ea"/>
+                <a:cs typeface="+mn-cs"/>
+              </a:defRPr>
+            </a:lvl2pPr>
+            <a:lvl3pPr marL="1143000" indent="-228600" algn="l" defTabSz="914400" rtl="0" eaLnBrk="1" latinLnBrk="0" hangingPunct="1">
+              <a:lnSpc>
+                <a:spcPct val="90000"/>
+              </a:lnSpc>
+              <a:spcBef>
+                <a:spcPts val="500"/>
+              </a:spcBef>
+              <a:buFont typeface="Arial" panose="020B0604020202020204" pitchFamily="34" charset="0"/>
+              <a:buChar char="•"/>
+              <a:defRPr sz="2000" kern="1200">
+                <a:solidFill>
+                  <a:schemeClr val="tx1"/>
+                </a:solidFill>
+                <a:latin typeface="+mn-lt"/>
+                <a:ea typeface="+mn-ea"/>
+                <a:cs typeface="+mn-cs"/>
+              </a:defRPr>
+            </a:lvl3pPr>
+            <a:lvl4pPr marL="1600200" indent="-228600" algn="l" defTabSz="914400" rtl="0" eaLnBrk="1" latinLnBrk="0" hangingPunct="1">
+              <a:lnSpc>
+                <a:spcPct val="90000"/>
+              </a:lnSpc>
+              <a:spcBef>
+                <a:spcPts val="500"/>
+              </a:spcBef>
+              <a:buFont typeface="Arial" panose="020B0604020202020204" pitchFamily="34" charset="0"/>
+              <a:buChar char="•"/>
+              <a:defRPr sz="1800" kern="1200">
+                <a:solidFill>
+                  <a:schemeClr val="tx1"/>
+                </a:solidFill>
+                <a:latin typeface="+mn-lt"/>
+                <a:ea typeface="+mn-ea"/>
+                <a:cs typeface="+mn-cs"/>
+              </a:defRPr>
+            </a:lvl4pPr>
+            <a:lvl5pPr marL="2057400" indent="-228600" algn="l" defTabSz="914400" rtl="0" eaLnBrk="1" latinLnBrk="0" hangingPunct="1">
+              <a:lnSpc>
+                <a:spcPct val="90000"/>
+              </a:lnSpc>
+              <a:spcBef>
+                <a:spcPts val="500"/>
+              </a:spcBef>
+              <a:buFont typeface="Arial" panose="020B0604020202020204" pitchFamily="34" charset="0"/>
+              <a:buChar char="•"/>
+              <a:defRPr sz="1800" kern="1200">
+                <a:solidFill>
+                  <a:schemeClr val="tx1"/>
+                </a:solidFill>
+                <a:latin typeface="+mn-lt"/>
+                <a:ea typeface="+mn-ea"/>
+                <a:cs typeface="+mn-cs"/>
+              </a:defRPr>
+            </a:lvl5pPr>
+            <a:lvl6pPr marL="2514600" indent="-228600" algn="l" defTabSz="914400" rtl="0" eaLnBrk="1" latinLnBrk="0" hangingPunct="1">
+              <a:lnSpc>
+                <a:spcPct val="90000"/>
+              </a:lnSpc>
+              <a:spcBef>
+                <a:spcPts val="500"/>
+              </a:spcBef>
+              <a:buFont typeface="Arial" panose="020B0604020202020204" pitchFamily="34" charset="0"/>
+              <a:buChar char="•"/>
+              <a:defRPr sz="1800" kern="1200">
+                <a:solidFill>
+                  <a:schemeClr val="tx1"/>
+                </a:solidFill>
+                <a:latin typeface="+mn-lt"/>
+                <a:ea typeface="+mn-ea"/>
+                <a:cs typeface="+mn-cs"/>
+              </a:defRPr>
+            </a:lvl6pPr>
+            <a:lvl7pPr marL="2971800" indent="-228600" algn="l" defTabSz="914400" rtl="0" eaLnBrk="1" latinLnBrk="0" hangingPunct="1">
+              <a:lnSpc>
+                <a:spcPct val="90000"/>
+              </a:lnSpc>
+              <a:spcBef>
+                <a:spcPts val="500"/>
+              </a:spcBef>
+              <a:buFont typeface="Arial" panose="020B0604020202020204" pitchFamily="34" charset="0"/>
+              <a:buChar char="•"/>
+              <a:defRPr sz="1800" kern="1200">
+                <a:solidFill>
+                  <a:schemeClr val="tx1"/>
+                </a:solidFill>
+                <a:latin typeface="+mn-lt"/>
+                <a:ea typeface="+mn-ea"/>
+                <a:cs typeface="+mn-cs"/>
+              </a:defRPr>
+            </a:lvl7pPr>
+            <a:lvl8pPr marL="3429000" indent="-228600" algn="l" defTabSz="914400" rtl="0" eaLnBrk="1" latinLnBrk="0" hangingPunct="1">
+              <a:lnSpc>
+                <a:spcPct val="90000"/>
+              </a:lnSpc>
+              <a:spcBef>
+                <a:spcPts val="500"/>
+              </a:spcBef>
+              <a:buFont typeface="Arial" panose="020B0604020202020204" pitchFamily="34" charset="0"/>
+              <a:buChar char="•"/>
+              <a:defRPr sz="1800" kern="1200">
+                <a:solidFill>
+                  <a:schemeClr val="tx1"/>
+                </a:solidFill>
+                <a:latin typeface="+mn-lt"/>
+                <a:ea typeface="+mn-ea"/>
+                <a:cs typeface="+mn-cs"/>
+              </a:defRPr>
+            </a:lvl8pPr>
+            <a:lvl9pPr marL="3886200" indent="-228600" algn="l" defTabSz="914400" rtl="0" eaLnBrk="1" latinLnBrk="0" hangingPunct="1">
+              <a:lnSpc>
+                <a:spcPct val="90000"/>
+              </a:lnSpc>
+              <a:spcBef>
+                <a:spcPts val="500"/>
+              </a:spcBef>
+              <a:buFont typeface="Arial" panose="020B0604020202020204" pitchFamily="34" charset="0"/>
+              <a:buChar char="•"/>
+              <a:defRPr sz="1800" kern="1200">
+                <a:solidFill>
+                  <a:schemeClr val="tx1"/>
+                </a:solidFill>
+                <a:latin typeface="+mn-lt"/>
+                <a:ea typeface="+mn-ea"/>
+                <a:cs typeface="+mn-cs"/>
+              </a:defRPr>
+            </a:lvl9pPr>
+          </a:lstStyle>
+          <a:p>
+            <a:pPr marL="0" indent="0">
+              <a:buNone/>
+            </a:pPr>
+            <a:r>
+              <a:rPr lang="en-US" dirty="0"/>
+              <a:t>Finished: yes</a:t>
+            </a:r>
+          </a:p>
+          <a:p>
+            <a:pPr marL="0" indent="0">
+              <a:buNone/>
+            </a:pPr>
+            <a:r>
+              <a:rPr lang="en-US" dirty="0"/>
+              <a:t>Hints: yes, explained why he should change the password</a:t>
+            </a:r>
+          </a:p>
+          <a:p>
+            <a:pPr marL="0" indent="0">
+              <a:buNone/>
+            </a:pPr>
+            <a:r>
+              <a:rPr lang="en-US" dirty="0"/>
+              <a:t>Time: 40 seconds</a:t>
+            </a:r>
+          </a:p>
+          <a:p>
+            <a:pPr marL="0" indent="0">
+              <a:buNone/>
+            </a:pPr>
+            <a:r>
+              <a:rPr lang="en-US" dirty="0"/>
+              <a:t>Rating: 4</a:t>
+            </a:r>
+          </a:p>
+          <a:p>
+            <a:pPr marL="0" indent="0">
+              <a:buNone/>
+            </a:pPr>
+            <a:r>
+              <a:rPr lang="en-US" dirty="0"/>
+              <a:t>Notes: </a:t>
+            </a:r>
+          </a:p>
+          <a:p>
+            <a:pPr>
+              <a:buFontTx/>
+              <a:buChar char="-"/>
+            </a:pPr>
+            <a:r>
+              <a:rPr lang="en-US" dirty="0"/>
+              <a:t>Didn’t understand why he needed to change the password</a:t>
+            </a:r>
+          </a:p>
+          <a:p>
+            <a:pPr>
+              <a:buFontTx/>
+              <a:buChar char="-"/>
+            </a:pPr>
+            <a:r>
+              <a:rPr lang="en-US" dirty="0"/>
+              <a:t>The system allowed to him to change his password to ‘’ (empty string), but the system didn’t allow him to connect without entering a password.</a:t>
+            </a:r>
+          </a:p>
+        </p:txBody>
+      </p:sp>
+      <p:sp>
+        <p:nvSpPr>
+          <p:cNvPr id="7" name="Title 1">
+            <a:extLst>
+              <a:ext uri="{FF2B5EF4-FFF2-40B4-BE49-F238E27FC236}">
+                <a16:creationId xmlns:a16="http://schemas.microsoft.com/office/drawing/2014/main" id="{C5A66165-6FC2-DCB7-D069-732603CB4AB8}"/>
+              </a:ext>
+            </a:extLst>
+          </p:cNvPr>
+          <p:cNvSpPr txBox="1">
+            <a:spLocks/>
+          </p:cNvSpPr>
+          <p:nvPr/>
+        </p:nvSpPr>
+        <p:spPr>
+          <a:xfrm>
+            <a:off x="838200" y="269517"/>
+            <a:ext cx="10053763" cy="732967"/>
+          </a:xfrm>
+          <a:prstGeom prst="rect">
+            <a:avLst/>
+          </a:prstGeom>
+        </p:spPr>
+        <p:txBody>
+          <a:bodyPr vert="horz" lIns="91440" tIns="45720" rIns="91440" bIns="45720" rtlCol="0" anchor="b">
+            <a:normAutofit fontScale="55000" lnSpcReduction="20000"/>
+          </a:bodyPr>
+          <a:lstStyle>
+            <a:lvl1pPr algn="l" defTabSz="914400" rtl="0" eaLnBrk="1" latinLnBrk="0" hangingPunct="1">
+              <a:lnSpc>
+                <a:spcPct val="90000"/>
+              </a:lnSpc>
+              <a:spcBef>
+                <a:spcPct val="0"/>
+              </a:spcBef>
+              <a:buNone/>
+              <a:defRPr sz="4400" kern="1200">
+                <a:solidFill>
+                  <a:schemeClr val="tx1"/>
+                </a:solidFill>
+                <a:latin typeface="+mj-lt"/>
+                <a:ea typeface="+mj-ea"/>
+                <a:cs typeface="+mj-cs"/>
+              </a:defRPr>
+            </a:lvl1pPr>
+          </a:lstStyle>
+          <a:p>
+            <a:r>
+              <a:rPr lang="en-US" sz="4800" dirty="0">
+                <a:solidFill>
+                  <a:srgbClr val="FFFFFF"/>
+                </a:solidFill>
+              </a:rPr>
+              <a:t>Task: Access the system through the browser and perform a first time login into a ‘lecturer’</a:t>
+            </a:r>
+          </a:p>
+        </p:txBody>
+      </p:sp>
+    </p:spTree>
+    <p:extLst>
+      <p:ext uri="{BB962C8B-B14F-4D97-AF65-F5344CB8AC3E}">
+        <p14:creationId xmlns:p14="http://schemas.microsoft.com/office/powerpoint/2010/main" val="3221945818"/>
+      </p:ext>
+    </p:extLst>
+  </p:cSld>
+  <p:clrMapOvr>
+    <a:masterClrMapping/>
+  </p:clrMapOvr>
+  <p:timing>
+    <p:tnLst>
+      <p:par>
+        <p:cTn id="1" dur="indefinite" restart="never" nodeType="tmRoot">
+          <p:childTnLst>
+            <p:seq concurrent="1" nextAc="seek">
+              <p:cTn id="2" dur="indefinite" nodeType="mainSeq">
+                <p:childTnLst>
+                  <p:par>
+                    <p:cTn id="3" fill="hold">
+                      <p:stCondLst>
+                        <p:cond delay="indefinite"/>
+                        <p:cond evt="onBegin" delay="0">
+                          <p:tn val="2"/>
+                        </p:cond>
+                      </p:stCondLst>
+                      <p:childTnLst>
+                        <p:par>
+                          <p:cTn id="4" fill="hold">
+                            <p:stCondLst>
+                              <p:cond delay="0"/>
+                            </p:stCondLst>
+                            <p:childTnLst>
+                              <p:par>
+                                <p:cTn id="5" presetID="10" presetClass="entr" presetSubtype="0" fill="hold" grpId="0" nodeType="withEffect">
+                                  <p:stCondLst>
+                                    <p:cond delay="500"/>
+                                  </p:stCondLst>
+                                  <p:iterate type="lt">
+                                    <p:tmPct val="10000"/>
+                                  </p:iterate>
+                                  <p:childTnLst>
+                                    <p:set>
+                                      <p:cBhvr>
+                                        <p:cTn id="6" dur="1" fill="hold">
+                                          <p:stCondLst>
+                                            <p:cond delay="0"/>
+                                          </p:stCondLst>
+                                        </p:cTn>
+                                        <p:tgtEl>
+                                          <p:spTgt spid="7"/>
+                                        </p:tgtEl>
+                                        <p:attrNameLst>
+                                          <p:attrName>style.visibility</p:attrName>
+                                        </p:attrNameLst>
+                                      </p:cBhvr>
+                                      <p:to>
+                                        <p:strVal val="visible"/>
+                                      </p:to>
+                                    </p:set>
+                                    <p:animEffect transition="in" filter="fade">
+                                      <p:cBhvr>
+                                        <p:cTn id="7" dur="400"/>
+                                        <p:tgtEl>
+                                          <p:spTgt spid="7"/>
+                                        </p:tgtEl>
+                                      </p:cBhvr>
+                                    </p:animEffect>
+                                  </p:childTnLst>
+                                </p:cTn>
+                              </p:par>
+                            </p:childTnLst>
+                          </p:cTn>
+                        </p:par>
+                      </p:childTnLst>
+                    </p:cTn>
+                  </p:par>
+                </p:childTnLst>
+              </p:cTn>
+              <p:prevCondLst>
+                <p:cond evt="onPrev" delay="0">
+                  <p:tgtEl>
+                    <p:sldTgt/>
+                  </p:tgtEl>
+                </p:cond>
+              </p:prevCondLst>
+              <p:nextCondLst>
+                <p:cond evt="onNext" delay="0">
+                  <p:tgtEl>
+                    <p:sldTgt/>
+                  </p:tgtEl>
+                </p:cond>
+              </p:nextCondLst>
+            </p:seq>
+          </p:childTnLst>
+        </p:cTn>
+      </p:par>
+    </p:tnLst>
+    <p:bldLst>
+      <p:bldP spid="7" grpId="0"/>
+    </p:bldLst>
+  </p:timing>
+</p:sld>
+</file>
+
+<file path=ppt/slides/slide12.xml><?xml version="1.0" encoding="utf-8"?>
+<p:sld xmlns:a="http://schemas.openxmlformats.org/drawingml/2006/main" xmlns:r="http://schemas.openxmlformats.org/officeDocument/2006/relationships" xmlns:p="http://schemas.openxmlformats.org/presentationml/2006/main">
+  <p:cSld>
+    <p:bg>
+      <p:bgPr>
+        <a:solidFill>
+          <a:schemeClr val="bg1"/>
+        </a:solidFill>
+        <a:effectLst/>
+      </p:bgPr>
+    </p:bg>
+    <p:spTree>
+      <p:nvGrpSpPr>
+        <p:cNvPr id="1" name="">
+          <a:extLst>
+            <a:ext uri="{FF2B5EF4-FFF2-40B4-BE49-F238E27FC236}">
               <a16:creationId xmlns:a16="http://schemas.microsoft.com/office/drawing/2014/main" id="{E41B61D3-2981-898F-AA17-FC292C33E1BF}"/>
             </a:ext>
           </a:extLst>
@@ -8277,7 +9514,7 @@
             </a:pPr>
             <a:r>
               <a:rPr lang="en-US" dirty="0"/>
-              <a:t>Hints: yes, instructed on adding keywords</a:t>
+              <a:t>Hints: yes, instructed on how to correctly add keywords</a:t>
             </a:r>
           </a:p>
           <a:p>
@@ -8334,7 +9571,7 @@
             </a:pPr>
             <a:r>
               <a:rPr lang="en-US" dirty="0"/>
-              <a:t>should fix rerouting </a:t>
+              <a:t>should fix rerouting after submitting.</a:t>
             </a:r>
           </a:p>
         </p:txBody>
@@ -8502,7 +9739,7 @@
 </p:sld>
 </file>
 
-<file path=ppt/slides/slide11.xml><?xml version="1.0" encoding="utf-8"?>
+<file path=ppt/slides/slide13.xml><?xml version="1.0" encoding="utf-8"?>
 <p:sld xmlns:a="http://schemas.openxmlformats.org/drawingml/2006/main" xmlns:r="http://schemas.openxmlformats.org/officeDocument/2006/relationships" xmlns:p="http://schemas.openxmlformats.org/presentationml/2006/main">
   <p:cSld>
     <p:bg>
@@ -9068,7 +10305,15 @@
             </a:pPr>
             <a:r>
               <a:rPr lang="en-US" dirty="0"/>
-              <a:t>Notes: Due to system bug/crush, task could not be presented and test by the client, a fix and recheck by the user will be done soon</a:t>
+              <a:t>Notes: Due to system bug</a:t>
+            </a:r>
+            <a:r>
+              <a:rPr lang="en-US"/>
+              <a:t>/crash</a:t>
+            </a:r>
+            <a:r>
+              <a:rPr lang="en-US" dirty="0"/>
+              <a:t>, task could not be presented and test by the client, a fix and recheck by the user will be done soon</a:t>
             </a:r>
           </a:p>
         </p:txBody>
@@ -9252,7 +10497,7 @@
 </p:sld>
 </file>
 
-<file path=ppt/slides/slide12.xml><?xml version="1.0" encoding="utf-8"?>
+<file path=ppt/slides/slide14.xml><?xml version="1.0" encoding="utf-8"?>
 <p:sld xmlns:a="http://schemas.openxmlformats.org/drawingml/2006/main" xmlns:r="http://schemas.openxmlformats.org/officeDocument/2006/relationships" xmlns:p="http://schemas.openxmlformats.org/presentationml/2006/main">
   <p:cSld>
     <p:bg>
@@ -10026,7 +11271,7 @@
 </p:sld>
 </file>
 
-<file path=ppt/slides/slide13.xml><?xml version="1.0" encoding="utf-8"?>
+<file path=ppt/slides/slide15.xml><?xml version="1.0" encoding="utf-8"?>
 <p:sld xmlns:a="http://schemas.openxmlformats.org/drawingml/2006/main" xmlns:r="http://schemas.openxmlformats.org/officeDocument/2006/relationships" xmlns:p="http://schemas.openxmlformats.org/presentationml/2006/main">
   <p:cSld>
     <p:bg>
@@ -11536,12 +12781,12 @@
           <a:p>
             <a:pPr algn="l"/>
             <a:r>
-              <a:rPr lang="en-US" sz="4800">
+              <a:rPr lang="en-US" sz="4800" dirty="0">
                 <a:solidFill>
                   <a:srgbClr val="FFFFFF"/>
                 </a:solidFill>
               </a:rPr>
-              <a:t>What’s new</a:t>
+              <a:t>Motivation</a:t>
             </a:r>
           </a:p>
         </p:txBody>
@@ -11656,13 +12901,7 @@
   <p:cSld>
     <p:spTree>
       <p:nvGrpSpPr>
-        <p:cNvPr id="1" name="">
-          <a:extLst>
-            <a:ext uri="{FF2B5EF4-FFF2-40B4-BE49-F238E27FC236}">
-              <a16:creationId xmlns:a16="http://schemas.microsoft.com/office/drawing/2014/main" id="{E41B61D3-2981-898F-AA17-FC292C33E1BF}"/>
-            </a:ext>
-          </a:extLst>
-        </p:cNvPr>
+        <p:cNvPr id="1" name=""/>
         <p:cNvGrpSpPr/>
         <p:nvPr/>
       </p:nvGrpSpPr>
@@ -11674,157 +12913,41 @@
           <a:chExt cx="0" cy="0"/>
         </a:xfrm>
       </p:grpSpPr>
-      <p:pic>
-        <p:nvPicPr>
-          <p:cNvPr id="5" name="Picture 4" descr="A screenshot of a computer&#10;&#10;Description automatically generated">
+      <p:graphicFrame>
+        <p:nvGraphicFramePr>
+          <p:cNvPr id="5" name="Content Placeholder 2">
             <a:extLst>
               <a:ext uri="{FF2B5EF4-FFF2-40B4-BE49-F238E27FC236}">
-                <a16:creationId xmlns:a16="http://schemas.microsoft.com/office/drawing/2014/main" id="{BBA13DE5-BCFE-DBF9-3ED1-A65A83933AD7}"/>
+                <a16:creationId xmlns:a16="http://schemas.microsoft.com/office/drawing/2014/main" id="{F6FA61B4-E118-10E5-2E9F-FED22D916260}"/>
               </a:ext>
             </a:extLst>
           </p:cNvPr>
-          <p:cNvPicPr>
-            <a:picLocks noChangeAspect="1"/>
-          </p:cNvPicPr>
-          <p:nvPr/>
-        </p:nvPicPr>
-        <p:blipFill>
-          <a:blip r:embed="rId2">
-            <a:extLst>
-              <a:ext uri="{28A0092B-C50C-407E-A947-70E740481C1C}">
-                <a14:useLocalDpi xmlns:a14="http://schemas.microsoft.com/office/drawing/2010/main" val="0"/>
-              </a:ext>
-            </a:extLst>
-          </a:blip>
-          <a:stretch>
-            <a:fillRect/>
-          </a:stretch>
-        </p:blipFill>
-        <p:spPr>
-          <a:xfrm>
-            <a:off x="184984" y="228411"/>
-            <a:ext cx="6720396" cy="3200589"/>
-          </a:xfrm>
-          <a:prstGeom prst="rect">
-            <a:avLst/>
-          </a:prstGeom>
-          <a:ln w="127000" cap="sq">
-            <a:solidFill>
-              <a:srgbClr val="000000"/>
-            </a:solidFill>
-            <a:miter lim="800000"/>
-          </a:ln>
-          <a:effectLst>
-            <a:outerShdw blurRad="57150" dist="50800" dir="2700000" algn="tl" rotWithShape="0">
-              <a:srgbClr val="000000">
-                <a:alpha val="40000"/>
-              </a:srgbClr>
-            </a:outerShdw>
-          </a:effectLst>
-        </p:spPr>
-      </p:pic>
-      <p:pic>
-        <p:nvPicPr>
-          <p:cNvPr id="9" name="Picture 8" descr="A screenshot of a computer&#10;&#10;Description automatically generated">
-            <a:extLst>
-              <a:ext uri="{FF2B5EF4-FFF2-40B4-BE49-F238E27FC236}">
-                <a16:creationId xmlns:a16="http://schemas.microsoft.com/office/drawing/2014/main" id="{08208D1E-350B-1BAF-CA01-F1BC44F9F786}"/>
-              </a:ext>
-            </a:extLst>
-          </p:cNvPr>
-          <p:cNvPicPr>
-            <a:picLocks noChangeAspect="1"/>
-          </p:cNvPicPr>
-          <p:nvPr/>
-        </p:nvPicPr>
-        <p:blipFill>
-          <a:blip r:embed="rId3">
-            <a:extLst>
-              <a:ext uri="{28A0092B-C50C-407E-A947-70E740481C1C}">
-                <a14:useLocalDpi xmlns:a14="http://schemas.microsoft.com/office/drawing/2010/main" val="0"/>
-              </a:ext>
-            </a:extLst>
-          </a:blip>
-          <a:stretch>
-            <a:fillRect/>
-          </a:stretch>
-        </p:blipFill>
-        <p:spPr>
-          <a:xfrm>
-            <a:off x="4902083" y="1213085"/>
-            <a:ext cx="6834223" cy="3271884"/>
-          </a:xfrm>
-          <a:prstGeom prst="rect">
-            <a:avLst/>
-          </a:prstGeom>
-          <a:ln w="127000" cap="sq">
-            <a:solidFill>
-              <a:srgbClr val="000000"/>
-            </a:solidFill>
-            <a:miter lim="800000"/>
-          </a:ln>
-          <a:effectLst>
-            <a:outerShdw blurRad="57150" dist="50800" dir="2700000" algn="tl" rotWithShape="0">
-              <a:srgbClr val="000000">
-                <a:alpha val="40000"/>
-              </a:srgbClr>
-            </a:outerShdw>
-          </a:effectLst>
-        </p:spPr>
-      </p:pic>
-      <p:pic>
-        <p:nvPicPr>
-          <p:cNvPr id="7" name="Picture 6" descr="A screenshot of a computer&#10;&#10;Description automatically generated">
-            <a:extLst>
-              <a:ext uri="{FF2B5EF4-FFF2-40B4-BE49-F238E27FC236}">
-                <a16:creationId xmlns:a16="http://schemas.microsoft.com/office/drawing/2014/main" id="{3495348A-BA7D-C3A5-3D06-8CCEA9CB09D0}"/>
-              </a:ext>
-            </a:extLst>
-          </p:cNvPr>
-          <p:cNvPicPr>
-            <a:picLocks noChangeAspect="1"/>
-          </p:cNvPicPr>
-          <p:nvPr/>
-        </p:nvPicPr>
-        <p:blipFill>
-          <a:blip r:embed="rId4">
-            <a:extLst>
-              <a:ext uri="{28A0092B-C50C-407E-A947-70E740481C1C}">
-                <a14:useLocalDpi xmlns:a14="http://schemas.microsoft.com/office/drawing/2010/main" val="0"/>
-              </a:ext>
-            </a:extLst>
-          </a:blip>
-          <a:stretch>
-            <a:fillRect/>
-          </a:stretch>
-        </p:blipFill>
-        <p:spPr>
-          <a:xfrm>
-            <a:off x="834501" y="3722467"/>
-            <a:ext cx="6070879" cy="2887462"/>
-          </a:xfrm>
-          <a:prstGeom prst="rect">
-            <a:avLst/>
-          </a:prstGeom>
-          <a:ln w="127000" cap="sq">
-            <a:solidFill>
-              <a:srgbClr val="000000"/>
-            </a:solidFill>
-            <a:miter lim="800000"/>
-          </a:ln>
-          <a:effectLst>
-            <a:outerShdw blurRad="57150" dist="50800" dir="2700000" algn="tl" rotWithShape="0">
-              <a:srgbClr val="000000">
-                <a:alpha val="40000"/>
-              </a:srgbClr>
-            </a:outerShdw>
-          </a:effectLst>
-        </p:spPr>
-      </p:pic>
+          <p:cNvGraphicFramePr>
+            <a:graphicFrameLocks noGrp="1"/>
+          </p:cNvGraphicFramePr>
+          <p:nvPr>
+            <p:ph idx="1"/>
+            <p:extLst>
+              <p:ext uri="{D42A27DB-BD31-4B8C-83A1-F6EECF244321}">
+                <p14:modId xmlns:p14="http://schemas.microsoft.com/office/powerpoint/2010/main" val="117688219"/>
+              </p:ext>
+            </p:extLst>
+          </p:nvPr>
+        </p:nvGraphicFramePr>
+        <p:xfrm>
+          <a:off x="838200" y="304800"/>
+          <a:ext cx="10515600" cy="5872163"/>
+        </p:xfrm>
+        <a:graphic>
+          <a:graphicData uri="http://schemas.openxmlformats.org/drawingml/2006/diagram">
+            <dgm:relIds xmlns:dgm="http://schemas.openxmlformats.org/drawingml/2006/diagram" xmlns:r="http://schemas.openxmlformats.org/officeDocument/2006/relationships" r:dm="rId2" r:lo="rId3" r:qs="rId4" r:cs="rId5"/>
+          </a:graphicData>
+        </a:graphic>
+      </p:graphicFrame>
     </p:spTree>
     <p:extLst>
       <p:ext uri="{BB962C8B-B14F-4D97-AF65-F5344CB8AC3E}">
-        <p14:creationId xmlns:p14="http://schemas.microsoft.com/office/powerpoint/2010/main" val="94873061"/>
+        <p14:creationId xmlns:p14="http://schemas.microsoft.com/office/powerpoint/2010/main" val="3437409613"/>
       </p:ext>
     </p:extLst>
   </p:cSld>
@@ -11847,7 +12970,13 @@
     </p:bg>
     <p:spTree>
       <p:nvGrpSpPr>
-        <p:cNvPr id="1" name=""/>
+        <p:cNvPr id="1" name="">
+          <a:extLst>
+            <a:ext uri="{FF2B5EF4-FFF2-40B4-BE49-F238E27FC236}">
+              <a16:creationId xmlns:a16="http://schemas.microsoft.com/office/drawing/2014/main" id="{756E7152-B363-1C1C-F993-7E61BFD64AB8}"/>
+            </a:ext>
+          </a:extLst>
+        </p:cNvPr>
         <p:cNvGrpSpPr/>
         <p:nvPr/>
       </p:nvGrpSpPr>
@@ -11861,7 +12990,7 @@
       </p:grpSpPr>
       <p:sp useBgFill="1">
         <p:nvSpPr>
-          <p:cNvPr id="14" name="Rectangle 13">
+          <p:cNvPr id="50" name="Rectangle 49">
             <a:extLst>
               <a:ext uri="{FF2B5EF4-FFF2-40B4-BE49-F238E27FC236}">
                 <a16:creationId xmlns:a16="http://schemas.microsoft.com/office/drawing/2014/main" id="{6F5A5072-7B47-4D32-B52A-4EBBF590B8A5}"/>
@@ -11937,7 +13066,7 @@
       </p:sp>
       <p:sp>
         <p:nvSpPr>
-          <p:cNvPr id="16" name="Rectangle 15">
+          <p:cNvPr id="51" name="Rectangle 50">
             <a:extLst>
               <a:ext uri="{FF2B5EF4-FFF2-40B4-BE49-F238E27FC236}">
                 <a16:creationId xmlns:a16="http://schemas.microsoft.com/office/drawing/2014/main" id="{9715DAF0-AE1B-46C9-8A6B-DB2AA05AB91D}"/>
@@ -12010,7 +13139,7 @@
       </p:sp>
       <p:sp>
         <p:nvSpPr>
-          <p:cNvPr id="18" name="Rectangle 17">
+          <p:cNvPr id="52" name="Rectangle 51">
             <a:extLst>
               <a:ext uri="{FF2B5EF4-FFF2-40B4-BE49-F238E27FC236}">
                 <a16:creationId xmlns:a16="http://schemas.microsoft.com/office/drawing/2014/main" id="{6016219D-510E-4184-9090-6D5578A87BD1}"/>
@@ -12086,7 +13215,7 @@
       </p:sp>
       <p:sp>
         <p:nvSpPr>
-          <p:cNvPr id="20" name="Rectangle 19">
+          <p:cNvPr id="53" name="Rectangle 52">
             <a:extLst>
               <a:ext uri="{FF2B5EF4-FFF2-40B4-BE49-F238E27FC236}">
                 <a16:creationId xmlns:a16="http://schemas.microsoft.com/office/drawing/2014/main" id="{AFF4A713-7B75-4B21-90D7-5AB19547C728}"/>
@@ -12161,7 +13290,7 @@
       </p:sp>
       <p:sp>
         <p:nvSpPr>
-          <p:cNvPr id="22" name="Rectangle 21">
+          <p:cNvPr id="54" name="Rectangle 53">
             <a:extLst>
               <a:ext uri="{FF2B5EF4-FFF2-40B4-BE49-F238E27FC236}">
                 <a16:creationId xmlns:a16="http://schemas.microsoft.com/office/drawing/2014/main" id="{DC631C0B-6DA6-4E57-8231-CE32B3434A7E}"/>
@@ -12237,7 +13366,7 @@
       </p:sp>
       <p:sp>
         <p:nvSpPr>
-          <p:cNvPr id="24" name="Freeform: Shape 23">
+          <p:cNvPr id="55" name="Freeform: Shape 54">
             <a:extLst>
               <a:ext uri="{FF2B5EF4-FFF2-40B4-BE49-F238E27FC236}">
                 <a16:creationId xmlns:a16="http://schemas.microsoft.com/office/drawing/2014/main" id="{C29501E6-A978-4A61-9689-9085AF97A53A}"/>
@@ -12384,7 +13513,7 @@
           <p:cNvPr id="2" name="Title 1">
             <a:extLst>
               <a:ext uri="{FF2B5EF4-FFF2-40B4-BE49-F238E27FC236}">
-                <a16:creationId xmlns:a16="http://schemas.microsoft.com/office/drawing/2014/main" id="{4C74BDC9-6334-7704-C1A1-F6CBB0AFEC14}"/>
+                <a16:creationId xmlns:a16="http://schemas.microsoft.com/office/drawing/2014/main" id="{287A03DE-1123-91CE-26BE-143108D13665}"/>
               </a:ext>
             </a:extLst>
           </p:cNvPr>
@@ -12414,7 +13543,7 @@
                   <a:srgbClr val="FFFFFF"/>
                 </a:solidFill>
               </a:rPr>
-              <a:t>Semester Goals</a:t>
+              <a:t>Current solution</a:t>
             </a:r>
           </a:p>
         </p:txBody>
@@ -12422,7 +13551,7 @@
     </p:spTree>
     <p:extLst>
       <p:ext uri="{BB962C8B-B14F-4D97-AF65-F5344CB8AC3E}">
-        <p14:creationId xmlns:p14="http://schemas.microsoft.com/office/powerpoint/2010/main" val="1115333192"/>
+        <p14:creationId xmlns:p14="http://schemas.microsoft.com/office/powerpoint/2010/main" val="3561230192"/>
       </p:ext>
     </p:extLst>
   </p:cSld>
@@ -12527,23 +13656,9 @@
 <file path=ppt/slides/slide5.xml><?xml version="1.0" encoding="utf-8"?>
 <p:sld xmlns:a="http://schemas.openxmlformats.org/drawingml/2006/main" xmlns:r="http://schemas.openxmlformats.org/officeDocument/2006/relationships" xmlns:p="http://schemas.openxmlformats.org/presentationml/2006/main">
   <p:cSld>
-    <p:bg>
-      <p:bgPr>
-        <a:solidFill>
-          <a:schemeClr val="bg1"/>
-        </a:solidFill>
-        <a:effectLst/>
-      </p:bgPr>
-    </p:bg>
     <p:spTree>
       <p:nvGrpSpPr>
-        <p:cNvPr id="1" name="">
-          <a:extLst>
-            <a:ext uri="{FF2B5EF4-FFF2-40B4-BE49-F238E27FC236}">
-              <a16:creationId xmlns:a16="http://schemas.microsoft.com/office/drawing/2014/main" id="{E41B61D3-2981-898F-AA17-FC292C33E1BF}"/>
-            </a:ext>
-          </a:extLst>
-        </p:cNvPr>
+        <p:cNvPr id="1" name=""/>
         <p:cNvGrpSpPr/>
         <p:nvPr/>
       </p:nvGrpSpPr>
@@ -12555,1642 +13670,12 @@
           <a:chExt cx="0" cy="0"/>
         </a:xfrm>
       </p:grpSpPr>
-      <p:sp useBgFill="1">
-        <p:nvSpPr>
-          <p:cNvPr id="22" name="Rectangle 21">
+      <p:pic>
+        <p:nvPicPr>
+          <p:cNvPr id="7" name="Picture 6">
             <a:extLst>
               <a:ext uri="{FF2B5EF4-FFF2-40B4-BE49-F238E27FC236}">
-                <a16:creationId xmlns:a16="http://schemas.microsoft.com/office/drawing/2014/main" id="{BACC6370-2D7E-4714-9D71-7542949D7D5D}"/>
-              </a:ext>
-              <a:ext uri="{C183D7F6-B498-43B3-948B-1728B52AA6E4}">
-                <adec:decorative xmlns:adec="http://schemas.microsoft.com/office/drawing/2017/decorative" val="1"/>
-              </a:ext>
-            </a:extLst>
-          </p:cNvPr>
-          <p:cNvSpPr>
-            <a:spLocks noGrp="1" noRot="1" noChangeAspect="1" noMove="1" noResize="1" noEditPoints="1" noAdjustHandles="1" noChangeArrowheads="1" noChangeShapeType="1" noTextEdit="1"/>
-          </p:cNvSpPr>
-          <p:nvPr>
-            <p:extLst>
-              <p:ext uri="{386F3935-93C4-4BCD-93E2-E3B085C9AB24}">
-                <p16:designElem xmlns:p16="http://schemas.microsoft.com/office/powerpoint/2015/main" val="1"/>
-              </p:ext>
-            </p:extLst>
-          </p:nvPr>
-        </p:nvSpPr>
-        <p:spPr>
-          <a:xfrm>
-            <a:off x="0" y="0"/>
-            <a:ext cx="12192000" cy="6858000"/>
-          </a:xfrm>
-          <a:prstGeom prst="rect">
-            <a:avLst/>
-          </a:prstGeom>
-          <a:ln w="12700" cap="flat" cmpd="sng" algn="ctr">
-            <a:noFill/>
-            <a:prstDash val="solid"/>
-            <a:miter lim="800000"/>
-          </a:ln>
-          <a:effectLst/>
-          <a:extLst>
-            <a:ext uri="{91240B29-F687-4F45-9708-019B960494DF}">
-              <a14:hiddenLine xmlns:a14="http://schemas.microsoft.com/office/drawing/2010/main" w="12700" cap="flat" cmpd="sng" algn="ctr">
-                <a:solidFill>
-                  <a:schemeClr val="accent1">
-                    <a:shade val="50000"/>
-                  </a:schemeClr>
-                </a:solidFill>
-                <a:prstDash val="solid"/>
-                <a:miter lim="800000"/>
-              </a14:hiddenLine>
-            </a:ext>
-          </a:extLst>
-        </p:spPr>
-        <p:style>
-          <a:lnRef idx="2">
-            <a:schemeClr val="accent1">
-              <a:shade val="50000"/>
-            </a:schemeClr>
-          </a:lnRef>
-          <a:fillRef idx="1">
-            <a:schemeClr val="accent1"/>
-          </a:fillRef>
-          <a:effectRef idx="0">
-            <a:schemeClr val="accent1"/>
-          </a:effectRef>
-          <a:fontRef idx="minor">
-            <a:schemeClr val="lt1"/>
-          </a:fontRef>
-        </p:style>
-        <p:txBody>
-          <a:bodyPr rtlCol="0" anchor="ctr"/>
-          <a:lstStyle/>
-          <a:p>
-            <a:pPr algn="ctr"/>
-            <a:endParaRPr lang="en-US"/>
-          </a:p>
-        </p:txBody>
-      </p:sp>
-      <p:sp>
-        <p:nvSpPr>
-          <p:cNvPr id="24" name="Rectangle 23">
-            <a:extLst>
-              <a:ext uri="{FF2B5EF4-FFF2-40B4-BE49-F238E27FC236}">
-                <a16:creationId xmlns:a16="http://schemas.microsoft.com/office/drawing/2014/main" id="{F68B3F68-107C-434F-AA38-110D5EA91B85}"/>
-              </a:ext>
-              <a:ext uri="{C183D7F6-B498-43B3-948B-1728B52AA6E4}">
-                <adec:decorative xmlns:adec="http://schemas.microsoft.com/office/drawing/2017/decorative" val="1"/>
-              </a:ext>
-            </a:extLst>
-          </p:cNvPr>
-          <p:cNvSpPr>
-            <a:spLocks noGrp="1" noRot="1" noChangeAspect="1" noMove="1" noResize="1" noEditPoints="1" noAdjustHandles="1" noChangeArrowheads="1" noChangeShapeType="1" noTextEdit="1"/>
-          </p:cNvSpPr>
-          <p:nvPr>
-            <p:extLst>
-              <p:ext uri="{386F3935-93C4-4BCD-93E2-E3B085C9AB24}">
-                <p16:designElem xmlns:p16="http://schemas.microsoft.com/office/powerpoint/2015/main" val="1"/>
-              </p:ext>
-            </p:extLst>
-          </p:nvPr>
-        </p:nvSpPr>
-        <p:spPr>
-          <a:xfrm flipH="1">
-            <a:off x="2" y="0"/>
-            <a:ext cx="12191998" cy="1575955"/>
-          </a:xfrm>
-          <a:prstGeom prst="rect">
-            <a:avLst/>
-          </a:prstGeom>
-          <a:gradFill>
-            <a:gsLst>
-              <a:gs pos="0">
-                <a:srgbClr val="000000">
-                  <a:alpha val="96000"/>
-                </a:srgbClr>
-              </a:gs>
-              <a:gs pos="100000">
-                <a:schemeClr val="accent1">
-                  <a:lumMod val="75000"/>
-                </a:schemeClr>
-              </a:gs>
-            </a:gsLst>
-            <a:lin ang="8400000" scaled="0"/>
-          </a:gradFill>
-          <a:ln>
-            <a:noFill/>
-          </a:ln>
-        </p:spPr>
-        <p:style>
-          <a:lnRef idx="2">
-            <a:schemeClr val="accent1">
-              <a:shade val="50000"/>
-            </a:schemeClr>
-          </a:lnRef>
-          <a:fillRef idx="1">
-            <a:schemeClr val="accent1"/>
-          </a:fillRef>
-          <a:effectRef idx="0">
-            <a:schemeClr val="accent1"/>
-          </a:effectRef>
-          <a:fontRef idx="minor">
-            <a:schemeClr val="lt1"/>
-          </a:fontRef>
-        </p:style>
-        <p:txBody>
-          <a:bodyPr rtlCol="0" anchor="ctr"/>
-          <a:lstStyle/>
-          <a:p>
-            <a:pPr algn="ctr"/>
-            <a:endParaRPr lang="en-US"/>
-          </a:p>
-        </p:txBody>
-      </p:sp>
-      <p:sp>
-        <p:nvSpPr>
-          <p:cNvPr id="26" name="Rectangle 25">
-            <a:extLst>
-              <a:ext uri="{FF2B5EF4-FFF2-40B4-BE49-F238E27FC236}">
-                <a16:creationId xmlns:a16="http://schemas.microsoft.com/office/drawing/2014/main" id="{AAD0DBB9-1A4B-4391-81D4-CB19F9AB918A}"/>
-              </a:ext>
-              <a:ext uri="{C183D7F6-B498-43B3-948B-1728B52AA6E4}">
-                <adec:decorative xmlns:adec="http://schemas.microsoft.com/office/drawing/2017/decorative" val="1"/>
-              </a:ext>
-            </a:extLst>
-          </p:cNvPr>
-          <p:cNvSpPr>
-            <a:spLocks noGrp="1" noRot="1" noChangeAspect="1" noMove="1" noResize="1" noEditPoints="1" noAdjustHandles="1" noChangeArrowheads="1" noChangeShapeType="1" noTextEdit="1"/>
-          </p:cNvSpPr>
-          <p:nvPr>
-            <p:extLst>
-              <p:ext uri="{386F3935-93C4-4BCD-93E2-E3B085C9AB24}">
-                <p16:designElem xmlns:p16="http://schemas.microsoft.com/office/powerpoint/2015/main" val="1"/>
-              </p:ext>
-            </p:extLst>
-          </p:nvPr>
-        </p:nvSpPr>
-        <p:spPr>
-          <a:xfrm rot="10800000" flipH="1">
-            <a:off x="8128857" y="0"/>
-            <a:ext cx="4063143" cy="1576412"/>
-          </a:xfrm>
-          <a:prstGeom prst="rect">
-            <a:avLst/>
-          </a:prstGeom>
-          <a:gradFill>
-            <a:gsLst>
-              <a:gs pos="19000">
-                <a:schemeClr val="accent1">
-                  <a:lumMod val="50000"/>
-                  <a:alpha val="68000"/>
-                </a:schemeClr>
-              </a:gs>
-              <a:gs pos="100000">
-                <a:schemeClr val="accent1">
-                  <a:alpha val="79000"/>
-                </a:schemeClr>
-              </a:gs>
-            </a:gsLst>
-            <a:lin ang="19200000" scaled="0"/>
-          </a:gradFill>
-          <a:ln>
-            <a:noFill/>
-          </a:ln>
-        </p:spPr>
-        <p:style>
-          <a:lnRef idx="2">
-            <a:schemeClr val="accent1">
-              <a:shade val="50000"/>
-            </a:schemeClr>
-          </a:lnRef>
-          <a:fillRef idx="1">
-            <a:schemeClr val="accent1"/>
-          </a:fillRef>
-          <a:effectRef idx="0">
-            <a:schemeClr val="accent1"/>
-          </a:effectRef>
-          <a:fontRef idx="minor">
-            <a:schemeClr val="lt1"/>
-          </a:fontRef>
-        </p:style>
-        <p:txBody>
-          <a:bodyPr rtlCol="0" anchor="ctr"/>
-          <a:lstStyle/>
-          <a:p>
-            <a:pPr algn="ctr"/>
-            <a:endParaRPr lang="en-US"/>
-          </a:p>
-        </p:txBody>
-      </p:sp>
-      <p:sp>
-        <p:nvSpPr>
-          <p:cNvPr id="28" name="Rectangle 27">
-            <a:extLst>
-              <a:ext uri="{FF2B5EF4-FFF2-40B4-BE49-F238E27FC236}">
-                <a16:creationId xmlns:a16="http://schemas.microsoft.com/office/drawing/2014/main" id="{063BBA22-50EA-4C4D-BE05-F1CE4E63AA56}"/>
-              </a:ext>
-              <a:ext uri="{C183D7F6-B498-43B3-948B-1728B52AA6E4}">
-                <adec:decorative xmlns:adec="http://schemas.microsoft.com/office/drawing/2017/decorative" val="1"/>
-              </a:ext>
-            </a:extLst>
-          </p:cNvPr>
-          <p:cNvSpPr>
-            <a:spLocks noGrp="1" noRot="1" noChangeAspect="1" noMove="1" noResize="1" noEditPoints="1" noAdjustHandles="1" noChangeArrowheads="1" noChangeShapeType="1" noTextEdit="1"/>
-          </p:cNvSpPr>
-          <p:nvPr>
-            <p:extLst>
-              <p:ext uri="{386F3935-93C4-4BCD-93E2-E3B085C9AB24}">
-                <p16:designElem xmlns:p16="http://schemas.microsoft.com/office/powerpoint/2015/main" val="1"/>
-              </p:ext>
-            </p:extLst>
-          </p:nvPr>
-        </p:nvSpPr>
-        <p:spPr>
-          <a:xfrm rot="5400000">
-            <a:off x="5307777" y="-5307778"/>
-            <a:ext cx="1576446" cy="12192002"/>
-          </a:xfrm>
-          <a:prstGeom prst="rect">
-            <a:avLst/>
-          </a:prstGeom>
-          <a:gradFill>
-            <a:gsLst>
-              <a:gs pos="23000">
-                <a:schemeClr val="accent1">
-                  <a:alpha val="0"/>
-                </a:schemeClr>
-              </a:gs>
-              <a:gs pos="99000">
-                <a:srgbClr val="000000">
-                  <a:alpha val="74000"/>
-                </a:srgbClr>
-              </a:gs>
-            </a:gsLst>
-            <a:lin ang="20400000" scaled="0"/>
-          </a:gradFill>
-          <a:ln>
-            <a:noFill/>
-          </a:ln>
-        </p:spPr>
-        <p:style>
-          <a:lnRef idx="2">
-            <a:schemeClr val="accent1">
-              <a:shade val="50000"/>
-            </a:schemeClr>
-          </a:lnRef>
-          <a:fillRef idx="1">
-            <a:schemeClr val="accent1"/>
-          </a:fillRef>
-          <a:effectRef idx="0">
-            <a:schemeClr val="accent1"/>
-          </a:effectRef>
-          <a:fontRef idx="minor">
-            <a:schemeClr val="lt1"/>
-          </a:fontRef>
-        </p:style>
-        <p:txBody>
-          <a:bodyPr rtlCol="0" anchor="ctr"/>
-          <a:lstStyle/>
-          <a:p>
-            <a:pPr algn="ctr"/>
-            <a:endParaRPr lang="en-US" dirty="0"/>
-          </a:p>
-        </p:txBody>
-      </p:sp>
-      <p:graphicFrame>
-        <p:nvGraphicFramePr>
-          <p:cNvPr id="17" name="Content Placeholder 2">
-            <a:extLst>
-              <a:ext uri="{FF2B5EF4-FFF2-40B4-BE49-F238E27FC236}">
-                <a16:creationId xmlns:a16="http://schemas.microsoft.com/office/drawing/2014/main" id="{40D09CD7-D067-36DA-66AA-5F44C05E62E1}"/>
-              </a:ext>
-            </a:extLst>
-          </p:cNvPr>
-          <p:cNvGraphicFramePr>
-            <a:graphicFrameLocks noGrp="1"/>
-          </p:cNvGraphicFramePr>
-          <p:nvPr>
-            <p:ph idx="1"/>
-            <p:extLst>
-              <p:ext uri="{D42A27DB-BD31-4B8C-83A1-F6EECF244321}">
-                <p14:modId xmlns:p14="http://schemas.microsoft.com/office/powerpoint/2010/main" val="3983804086"/>
-              </p:ext>
-            </p:extLst>
-          </p:nvPr>
-        </p:nvGraphicFramePr>
-        <p:xfrm>
-          <a:off x="644056" y="2112579"/>
-          <a:ext cx="10927829" cy="4192805"/>
-        </p:xfrm>
-        <a:graphic>
-          <a:graphicData uri="http://schemas.openxmlformats.org/drawingml/2006/diagram">
-            <dgm:relIds xmlns:dgm="http://schemas.openxmlformats.org/drawingml/2006/diagram" xmlns:r="http://schemas.openxmlformats.org/officeDocument/2006/relationships" r:dm="rId2" r:lo="rId3" r:qs="rId4" r:cs="rId5"/>
-          </a:graphicData>
-        </a:graphic>
-      </p:graphicFrame>
-    </p:spTree>
-    <p:extLst>
-      <p:ext uri="{BB962C8B-B14F-4D97-AF65-F5344CB8AC3E}">
-        <p14:creationId xmlns:p14="http://schemas.microsoft.com/office/powerpoint/2010/main" val="626747458"/>
-      </p:ext>
-    </p:extLst>
-  </p:cSld>
-  <p:clrMapOvr>
-    <a:masterClrMapping/>
-  </p:clrMapOvr>
-</p:sld>
-</file>
-
-<file path=ppt/slides/slide6.xml><?xml version="1.0" encoding="utf-8"?>
-<p:sld xmlns:a="http://schemas.openxmlformats.org/drawingml/2006/main" xmlns:r="http://schemas.openxmlformats.org/officeDocument/2006/relationships" xmlns:p="http://schemas.openxmlformats.org/presentationml/2006/main">
-  <p:cSld>
-    <p:bg>
-      <p:bgPr>
-        <a:solidFill>
-          <a:schemeClr val="bg1"/>
-        </a:solidFill>
-        <a:effectLst/>
-      </p:bgPr>
-    </p:bg>
-    <p:spTree>
-      <p:nvGrpSpPr>
-        <p:cNvPr id="1" name="">
-          <a:extLst>
-            <a:ext uri="{FF2B5EF4-FFF2-40B4-BE49-F238E27FC236}">
-              <a16:creationId xmlns:a16="http://schemas.microsoft.com/office/drawing/2014/main" id="{756E7152-B363-1C1C-F993-7E61BFD64AB8}"/>
-            </a:ext>
-          </a:extLst>
-        </p:cNvPr>
-        <p:cNvGrpSpPr/>
-        <p:nvPr/>
-      </p:nvGrpSpPr>
-      <p:grpSpPr>
-        <a:xfrm>
-          <a:off x="0" y="0"/>
-          <a:ext cx="0" cy="0"/>
-          <a:chOff x="0" y="0"/>
-          <a:chExt cx="0" cy="0"/>
-        </a:xfrm>
-      </p:grpSpPr>
-      <p:sp useBgFill="1">
-        <p:nvSpPr>
-          <p:cNvPr id="21" name="Rectangle 20">
-            <a:extLst>
-              <a:ext uri="{FF2B5EF4-FFF2-40B4-BE49-F238E27FC236}">
-                <a16:creationId xmlns:a16="http://schemas.microsoft.com/office/drawing/2014/main" id="{6F5A5072-7B47-4D32-B52A-4EBBF590B8A5}"/>
-              </a:ext>
-              <a:ext uri="{C183D7F6-B498-43B3-948B-1728B52AA6E4}">
-                <adec:decorative xmlns:adec="http://schemas.microsoft.com/office/drawing/2017/decorative" val="1"/>
-              </a:ext>
-            </a:extLst>
-          </p:cNvPr>
-          <p:cNvSpPr>
-            <a:spLocks noGrp="1" noRot="1" noChangeAspect="1" noMove="1" noResize="1" noEditPoints="1" noAdjustHandles="1" noChangeArrowheads="1" noChangeShapeType="1" noTextEdit="1"/>
-          </p:cNvSpPr>
-          <p:nvPr>
-            <p:extLst>
-              <p:ext uri="{386F3935-93C4-4BCD-93E2-E3B085C9AB24}">
-                <p16:designElem xmlns:p16="http://schemas.microsoft.com/office/powerpoint/2015/main" val="1"/>
-              </p:ext>
-            </p:extLst>
-          </p:nvPr>
-        </p:nvSpPr>
-        <p:spPr>
-          <a:xfrm>
-            <a:off x="0" y="0"/>
-            <a:ext cx="12192000" cy="6858000"/>
-          </a:xfrm>
-          <a:prstGeom prst="rect">
-            <a:avLst/>
-          </a:prstGeom>
-          <a:ln w="12700" cap="flat" cmpd="sng" algn="ctr">
-            <a:noFill/>
-            <a:prstDash val="solid"/>
-            <a:miter lim="800000"/>
-          </a:ln>
-          <a:effectLst/>
-          <a:extLst>
-            <a:ext uri="{91240B29-F687-4F45-9708-019B960494DF}">
-              <a14:hiddenLine xmlns:a14="http://schemas.microsoft.com/office/drawing/2010/main" w="12700" cap="flat" cmpd="sng" algn="ctr">
-                <a:solidFill>
-                  <a:schemeClr val="accent1">
-                    <a:shade val="50000"/>
-                  </a:schemeClr>
-                </a:solidFill>
-                <a:prstDash val="solid"/>
-                <a:miter lim="800000"/>
-              </a14:hiddenLine>
-            </a:ext>
-          </a:extLst>
-        </p:spPr>
-        <p:style>
-          <a:lnRef idx="2">
-            <a:schemeClr val="accent1">
-              <a:shade val="50000"/>
-            </a:schemeClr>
-          </a:lnRef>
-          <a:fillRef idx="1">
-            <a:schemeClr val="accent1"/>
-          </a:fillRef>
-          <a:effectRef idx="0">
-            <a:schemeClr val="accent1"/>
-          </a:effectRef>
-          <a:fontRef idx="minor">
-            <a:schemeClr val="lt1"/>
-          </a:fontRef>
-        </p:style>
-        <p:txBody>
-          <a:bodyPr rtlCol="0" anchor="ctr"/>
-          <a:lstStyle/>
-          <a:p>
-            <a:pPr algn="ctr"/>
-            <a:endParaRPr lang="en-US"/>
-          </a:p>
-        </p:txBody>
-      </p:sp>
-      <p:sp>
-        <p:nvSpPr>
-          <p:cNvPr id="23" name="Rectangle 22">
-            <a:extLst>
-              <a:ext uri="{FF2B5EF4-FFF2-40B4-BE49-F238E27FC236}">
-                <a16:creationId xmlns:a16="http://schemas.microsoft.com/office/drawing/2014/main" id="{9715DAF0-AE1B-46C9-8A6B-DB2AA05AB91D}"/>
-              </a:ext>
-              <a:ext uri="{C183D7F6-B498-43B3-948B-1728B52AA6E4}">
-                <adec:decorative xmlns:adec="http://schemas.microsoft.com/office/drawing/2017/decorative" val="1"/>
-              </a:ext>
-            </a:extLst>
-          </p:cNvPr>
-          <p:cNvSpPr>
-            <a:spLocks noGrp="1" noRot="1" noChangeAspect="1" noMove="1" noResize="1" noEditPoints="1" noAdjustHandles="1" noChangeArrowheads="1" noChangeShapeType="1" noTextEdit="1"/>
-          </p:cNvSpPr>
-          <p:nvPr>
-            <p:extLst>
-              <p:ext uri="{386F3935-93C4-4BCD-93E2-E3B085C9AB24}">
-                <p16:designElem xmlns:p16="http://schemas.microsoft.com/office/powerpoint/2015/main" val="1"/>
-              </p:ext>
-            </p:extLst>
-          </p:nvPr>
-        </p:nvSpPr>
-        <p:spPr>
-          <a:xfrm rot="10800000">
-            <a:off x="-2" y="-22693"/>
-            <a:ext cx="12191999" cy="4374129"/>
-          </a:xfrm>
-          <a:prstGeom prst="rect">
-            <a:avLst/>
-          </a:prstGeom>
-          <a:gradFill>
-            <a:gsLst>
-              <a:gs pos="0">
-                <a:schemeClr val="accent1">
-                  <a:lumMod val="75000"/>
-                </a:schemeClr>
-              </a:gs>
-              <a:gs pos="100000">
-                <a:srgbClr val="000000"/>
-              </a:gs>
-            </a:gsLst>
-            <a:lin ang="15000000" scaled="0"/>
-          </a:gradFill>
-          <a:ln>
-            <a:noFill/>
-          </a:ln>
-        </p:spPr>
-        <p:style>
-          <a:lnRef idx="2">
-            <a:schemeClr val="accent1">
-              <a:shade val="50000"/>
-            </a:schemeClr>
-          </a:lnRef>
-          <a:fillRef idx="1">
-            <a:schemeClr val="accent1"/>
-          </a:fillRef>
-          <a:effectRef idx="0">
-            <a:schemeClr val="accent1"/>
-          </a:effectRef>
-          <a:fontRef idx="minor">
-            <a:schemeClr val="lt1"/>
-          </a:fontRef>
-        </p:style>
-        <p:txBody>
-          <a:bodyPr rtlCol="0" anchor="ctr"/>
-          <a:lstStyle/>
-          <a:p>
-            <a:pPr algn="ctr"/>
-            <a:endParaRPr lang="en-US"/>
-          </a:p>
-        </p:txBody>
-      </p:sp>
-      <p:sp>
-        <p:nvSpPr>
-          <p:cNvPr id="25" name="Rectangle 24">
-            <a:extLst>
-              <a:ext uri="{FF2B5EF4-FFF2-40B4-BE49-F238E27FC236}">
-                <a16:creationId xmlns:a16="http://schemas.microsoft.com/office/drawing/2014/main" id="{6016219D-510E-4184-9090-6D5578A87BD1}"/>
-              </a:ext>
-              <a:ext uri="{C183D7F6-B498-43B3-948B-1728B52AA6E4}">
-                <adec:decorative xmlns:adec="http://schemas.microsoft.com/office/drawing/2017/decorative" val="1"/>
-              </a:ext>
-            </a:extLst>
-          </p:cNvPr>
-          <p:cNvSpPr>
-            <a:spLocks noGrp="1" noRot="1" noChangeAspect="1" noMove="1" noResize="1" noEditPoints="1" noAdjustHandles="1" noChangeArrowheads="1" noChangeShapeType="1" noTextEdit="1"/>
-          </p:cNvSpPr>
-          <p:nvPr>
-            <p:extLst>
-              <p:ext uri="{386F3935-93C4-4BCD-93E2-E3B085C9AB24}">
-                <p16:designElem xmlns:p16="http://schemas.microsoft.com/office/powerpoint/2015/main" val="1"/>
-              </p:ext>
-            </p:extLst>
-          </p:nvPr>
-        </p:nvSpPr>
-        <p:spPr>
-          <a:xfrm rot="5400000">
-            <a:off x="3908719" y="-3931841"/>
-            <a:ext cx="4374557" cy="12192000"/>
-          </a:xfrm>
-          <a:prstGeom prst="rect">
-            <a:avLst/>
-          </a:prstGeom>
-          <a:gradFill>
-            <a:gsLst>
-              <a:gs pos="40000">
-                <a:schemeClr val="accent1">
-                  <a:alpha val="0"/>
-                </a:schemeClr>
-              </a:gs>
-              <a:gs pos="100000">
-                <a:schemeClr val="accent1">
-                  <a:lumMod val="75000"/>
-                  <a:alpha val="52000"/>
-                </a:schemeClr>
-              </a:gs>
-            </a:gsLst>
-            <a:lin ang="2400000" scaled="0"/>
-          </a:gradFill>
-          <a:ln>
-            <a:noFill/>
-          </a:ln>
-        </p:spPr>
-        <p:style>
-          <a:lnRef idx="2">
-            <a:schemeClr val="accent1">
-              <a:shade val="50000"/>
-            </a:schemeClr>
-          </a:lnRef>
-          <a:fillRef idx="1">
-            <a:schemeClr val="accent1"/>
-          </a:fillRef>
-          <a:effectRef idx="0">
-            <a:schemeClr val="accent1"/>
-          </a:effectRef>
-          <a:fontRef idx="minor">
-            <a:schemeClr val="lt1"/>
-          </a:fontRef>
-        </p:style>
-        <p:txBody>
-          <a:bodyPr rtlCol="0" anchor="ctr"/>
-          <a:lstStyle/>
-          <a:p>
-            <a:pPr algn="ctr"/>
-            <a:endParaRPr lang="en-US"/>
-          </a:p>
-        </p:txBody>
-      </p:sp>
-      <p:sp>
-        <p:nvSpPr>
-          <p:cNvPr id="27" name="Rectangle 26">
-            <a:extLst>
-              <a:ext uri="{FF2B5EF4-FFF2-40B4-BE49-F238E27FC236}">
-                <a16:creationId xmlns:a16="http://schemas.microsoft.com/office/drawing/2014/main" id="{AFF4A713-7B75-4B21-90D7-5AB19547C728}"/>
-              </a:ext>
-              <a:ext uri="{C183D7F6-B498-43B3-948B-1728B52AA6E4}">
-                <adec:decorative xmlns:adec="http://schemas.microsoft.com/office/drawing/2017/decorative" val="1"/>
-              </a:ext>
-            </a:extLst>
-          </p:cNvPr>
-          <p:cNvSpPr>
-            <a:spLocks noGrp="1" noRot="1" noChangeAspect="1" noMove="1" noResize="1" noEditPoints="1" noAdjustHandles="1" noChangeArrowheads="1" noChangeShapeType="1" noTextEdit="1"/>
-          </p:cNvSpPr>
-          <p:nvPr>
-            <p:extLst>
-              <p:ext uri="{386F3935-93C4-4BCD-93E2-E3B085C9AB24}">
-                <p16:designElem xmlns:p16="http://schemas.microsoft.com/office/powerpoint/2015/main" val="1"/>
-              </p:ext>
-            </p:extLst>
-          </p:nvPr>
-        </p:nvSpPr>
-        <p:spPr>
-          <a:xfrm rot="5400000">
-            <a:off x="4136696" y="-3703868"/>
-            <a:ext cx="4374128" cy="11736479"/>
-          </a:xfrm>
-          <a:prstGeom prst="rect">
-            <a:avLst/>
-          </a:prstGeom>
-          <a:gradFill>
-            <a:gsLst>
-              <a:gs pos="17000">
-                <a:schemeClr val="accent1">
-                  <a:alpha val="0"/>
-                </a:schemeClr>
-              </a:gs>
-              <a:gs pos="100000">
-                <a:srgbClr val="000000">
-                  <a:alpha val="37000"/>
-                </a:srgbClr>
-              </a:gs>
-            </a:gsLst>
-            <a:lin ang="7800000" scaled="0"/>
-          </a:gradFill>
-          <a:ln>
-            <a:noFill/>
-          </a:ln>
-        </p:spPr>
-        <p:style>
-          <a:lnRef idx="2">
-            <a:schemeClr val="accent1">
-              <a:shade val="50000"/>
-            </a:schemeClr>
-          </a:lnRef>
-          <a:fillRef idx="1">
-            <a:schemeClr val="accent1"/>
-          </a:fillRef>
-          <a:effectRef idx="0">
-            <a:schemeClr val="accent1"/>
-          </a:effectRef>
-          <a:fontRef idx="minor">
-            <a:schemeClr val="lt1"/>
-          </a:fontRef>
-        </p:style>
-        <p:txBody>
-          <a:bodyPr rtlCol="0" anchor="ctr"/>
-          <a:lstStyle/>
-          <a:p>
-            <a:pPr algn="ctr"/>
-            <a:endParaRPr lang="en-US"/>
-          </a:p>
-        </p:txBody>
-      </p:sp>
-      <p:sp>
-        <p:nvSpPr>
-          <p:cNvPr id="29" name="Rectangle 28">
-            <a:extLst>
-              <a:ext uri="{FF2B5EF4-FFF2-40B4-BE49-F238E27FC236}">
-                <a16:creationId xmlns:a16="http://schemas.microsoft.com/office/drawing/2014/main" id="{DC631C0B-6DA6-4E57-8231-CE32B3434A7E}"/>
-              </a:ext>
-              <a:ext uri="{C183D7F6-B498-43B3-948B-1728B52AA6E4}">
-                <adec:decorative xmlns:adec="http://schemas.microsoft.com/office/drawing/2017/decorative" val="1"/>
-              </a:ext>
-            </a:extLst>
-          </p:cNvPr>
-          <p:cNvSpPr>
-            <a:spLocks noGrp="1" noRot="1" noChangeAspect="1" noMove="1" noResize="1" noEditPoints="1" noAdjustHandles="1" noChangeArrowheads="1" noChangeShapeType="1" noTextEdit="1"/>
-          </p:cNvSpPr>
-          <p:nvPr>
-            <p:extLst>
-              <p:ext uri="{386F3935-93C4-4BCD-93E2-E3B085C9AB24}">
-                <p16:designElem xmlns:p16="http://schemas.microsoft.com/office/powerpoint/2015/main" val="1"/>
-              </p:ext>
-            </p:extLst>
-          </p:nvPr>
-        </p:nvSpPr>
-        <p:spPr>
-          <a:xfrm>
-            <a:off x="-5" y="-22690"/>
-            <a:ext cx="8542485" cy="4374126"/>
-          </a:xfrm>
-          <a:prstGeom prst="rect">
-            <a:avLst/>
-          </a:prstGeom>
-          <a:gradFill>
-            <a:gsLst>
-              <a:gs pos="0">
-                <a:schemeClr val="accent1">
-                  <a:lumMod val="50000"/>
-                  <a:alpha val="0"/>
-                </a:schemeClr>
-              </a:gs>
-              <a:gs pos="100000">
-                <a:srgbClr val="000000">
-                  <a:alpha val="25000"/>
-                </a:srgbClr>
-              </a:gs>
-            </a:gsLst>
-            <a:lin ang="18600000" scaled="0"/>
-          </a:gradFill>
-          <a:ln>
-            <a:noFill/>
-          </a:ln>
-        </p:spPr>
-        <p:style>
-          <a:lnRef idx="2">
-            <a:schemeClr val="accent1">
-              <a:shade val="50000"/>
-            </a:schemeClr>
-          </a:lnRef>
-          <a:fillRef idx="1">
-            <a:schemeClr val="accent1"/>
-          </a:fillRef>
-          <a:effectRef idx="0">
-            <a:schemeClr val="accent1"/>
-          </a:effectRef>
-          <a:fontRef idx="minor">
-            <a:schemeClr val="lt1"/>
-          </a:fontRef>
-        </p:style>
-        <p:txBody>
-          <a:bodyPr rtlCol="0" anchor="ctr"/>
-          <a:lstStyle/>
-          <a:p>
-            <a:pPr algn="ctr"/>
-            <a:endParaRPr lang="en-US"/>
-          </a:p>
-        </p:txBody>
-      </p:sp>
-      <p:sp>
-        <p:nvSpPr>
-          <p:cNvPr id="31" name="Freeform: Shape 30">
-            <a:extLst>
-              <a:ext uri="{FF2B5EF4-FFF2-40B4-BE49-F238E27FC236}">
-                <a16:creationId xmlns:a16="http://schemas.microsoft.com/office/drawing/2014/main" id="{C29501E6-A978-4A61-9689-9085AF97A53A}"/>
-              </a:ext>
-              <a:ext uri="{C183D7F6-B498-43B3-948B-1728B52AA6E4}">
-                <adec:decorative xmlns:adec="http://schemas.microsoft.com/office/drawing/2017/decorative" val="1"/>
-              </a:ext>
-            </a:extLst>
-          </p:cNvPr>
-          <p:cNvSpPr>
-            <a:spLocks noGrp="1" noRot="1" noChangeAspect="1" noMove="1" noResize="1" noEditPoints="1" noAdjustHandles="1" noChangeArrowheads="1" noChangeShapeType="1" noTextEdit="1"/>
-          </p:cNvSpPr>
-          <p:nvPr>
-            <p:extLst>
-              <p:ext uri="{386F3935-93C4-4BCD-93E2-E3B085C9AB24}">
-                <p16:designElem xmlns:p16="http://schemas.microsoft.com/office/powerpoint/2015/main" val="1"/>
-              </p:ext>
-            </p:extLst>
-          </p:nvPr>
-        </p:nvSpPr>
-        <p:spPr>
-          <a:xfrm rot="12508972">
-            <a:off x="5945431" y="-1032053"/>
-            <a:ext cx="4990147" cy="4439131"/>
-          </a:xfrm>
-          <a:custGeom>
-            <a:avLst/>
-            <a:gdLst>
-              <a:gd name="connsiteX0" fmla="*/ 4990147 w 4990147"/>
-              <a:gd name="connsiteY0" fmla="*/ 2229378 h 4439131"/>
-              <a:gd name="connsiteX1" fmla="*/ 917384 w 4990147"/>
-              <a:gd name="connsiteY1" fmla="*/ 4439131 h 4439131"/>
-              <a:gd name="connsiteX2" fmla="*/ 910814 w 4990147"/>
-              <a:gd name="connsiteY2" fmla="*/ 4434219 h 4439131"/>
-              <a:gd name="connsiteX3" fmla="*/ 0 w 4990147"/>
-              <a:gd name="connsiteY3" fmla="*/ 2502877 h 4439131"/>
-              <a:gd name="connsiteX4" fmla="*/ 2502877 w 4990147"/>
-              <a:gd name="connsiteY4" fmla="*/ 0 h 4439131"/>
-              <a:gd name="connsiteX5" fmla="*/ 4954904 w 4990147"/>
-              <a:gd name="connsiteY5" fmla="*/ 1998460 h 4439131"/>
-            </a:gdLst>
-            <a:ahLst/>
-            <a:cxnLst>
-              <a:cxn ang="0">
-                <a:pos x="connsiteX0" y="connsiteY0"/>
-              </a:cxn>
-              <a:cxn ang="0">
-                <a:pos x="connsiteX1" y="connsiteY1"/>
-              </a:cxn>
-              <a:cxn ang="0">
-                <a:pos x="connsiteX2" y="connsiteY2"/>
-              </a:cxn>
-              <a:cxn ang="0">
-                <a:pos x="connsiteX3" y="connsiteY3"/>
-              </a:cxn>
-              <a:cxn ang="0">
-                <a:pos x="connsiteX4" y="connsiteY4"/>
-              </a:cxn>
-              <a:cxn ang="0">
-                <a:pos x="connsiteX5" y="connsiteY5"/>
-              </a:cxn>
-            </a:cxnLst>
-            <a:rect l="l" t="t" r="r" b="b"/>
-            <a:pathLst>
-              <a:path w="4990147" h="4439131">
-                <a:moveTo>
-                  <a:pt x="4990147" y="2229378"/>
-                </a:moveTo>
-                <a:lnTo>
-                  <a:pt x="917384" y="4439131"/>
-                </a:lnTo>
-                <a:lnTo>
-                  <a:pt x="910814" y="4434219"/>
-                </a:lnTo>
-                <a:cubicBezTo>
-                  <a:pt x="354557" y="3975154"/>
-                  <a:pt x="0" y="3280421"/>
-                  <a:pt x="0" y="2502877"/>
-                </a:cubicBezTo>
-                <a:cubicBezTo>
-                  <a:pt x="0" y="1120576"/>
-                  <a:pt x="1120576" y="0"/>
-                  <a:pt x="2502877" y="0"/>
-                </a:cubicBezTo>
-                <a:cubicBezTo>
-                  <a:pt x="3712390" y="0"/>
-                  <a:pt x="4721520" y="857941"/>
-                  <a:pt x="4954904" y="1998460"/>
-                </a:cubicBezTo>
-                <a:close/>
-              </a:path>
-            </a:pathLst>
-          </a:custGeom>
-          <a:gradFill>
-            <a:gsLst>
-              <a:gs pos="0">
-                <a:schemeClr val="accent1">
-                  <a:alpha val="22000"/>
-                </a:schemeClr>
-              </a:gs>
-              <a:gs pos="87000">
-                <a:schemeClr val="accent1">
-                  <a:lumMod val="60000"/>
-                  <a:lumOff val="40000"/>
-                  <a:alpha val="2000"/>
-                </a:schemeClr>
-              </a:gs>
-            </a:gsLst>
-            <a:lin ang="8400000" scaled="0"/>
-          </a:gradFill>
-          <a:ln>
-            <a:noFill/>
-          </a:ln>
-        </p:spPr>
-        <p:style>
-          <a:lnRef idx="2">
-            <a:schemeClr val="accent1">
-              <a:shade val="50000"/>
-            </a:schemeClr>
-          </a:lnRef>
-          <a:fillRef idx="1">
-            <a:schemeClr val="accent1"/>
-          </a:fillRef>
-          <a:effectRef idx="0">
-            <a:schemeClr val="accent1"/>
-          </a:effectRef>
-          <a:fontRef idx="minor">
-            <a:schemeClr val="lt1"/>
-          </a:fontRef>
-        </p:style>
-        <p:txBody>
-          <a:bodyPr wrap="square" rtlCol="0" anchor="ctr">
-            <a:noAutofit/>
-          </a:bodyPr>
-          <a:lstStyle/>
-          <a:p>
-            <a:pPr algn="ctr"/>
-            <a:endParaRPr lang="en-US" dirty="0"/>
-          </a:p>
-        </p:txBody>
-      </p:sp>
-      <p:sp>
-        <p:nvSpPr>
-          <p:cNvPr id="2" name="Title 1">
-            <a:extLst>
-              <a:ext uri="{FF2B5EF4-FFF2-40B4-BE49-F238E27FC236}">
-                <a16:creationId xmlns:a16="http://schemas.microsoft.com/office/drawing/2014/main" id="{287A03DE-1123-91CE-26BE-143108D13665}"/>
-              </a:ext>
-            </a:extLst>
-          </p:cNvPr>
-          <p:cNvSpPr>
-            <a:spLocks noGrp="1"/>
-          </p:cNvSpPr>
-          <p:nvPr>
-            <p:ph type="ctrTitle"/>
-          </p:nvPr>
-        </p:nvSpPr>
-        <p:spPr>
-          <a:xfrm>
-            <a:off x="1314824" y="735106"/>
-            <a:ext cx="10053763" cy="2928470"/>
-          </a:xfrm>
-        </p:spPr>
-        <p:txBody>
-          <a:bodyPr vert="horz" lIns="91440" tIns="45720" rIns="91440" bIns="45720" rtlCol="0" anchor="b">
-            <a:normAutofit/>
-          </a:bodyPr>
-          <a:lstStyle/>
-          <a:p>
-            <a:pPr algn="l"/>
-            <a:r>
-              <a:rPr lang="en-US" sz="4800" dirty="0">
-                <a:solidFill>
-                  <a:srgbClr val="FFFFFF"/>
-                </a:solidFill>
-              </a:rPr>
-              <a:t>Gantt</a:t>
-            </a:r>
-          </a:p>
-        </p:txBody>
-      </p:sp>
-    </p:spTree>
-    <p:extLst>
-      <p:ext uri="{BB962C8B-B14F-4D97-AF65-F5344CB8AC3E}">
-        <p14:creationId xmlns:p14="http://schemas.microsoft.com/office/powerpoint/2010/main" val="2955491649"/>
-      </p:ext>
-    </p:extLst>
-  </p:cSld>
-  <p:clrMapOvr>
-    <a:masterClrMapping/>
-  </p:clrMapOvr>
-  <p:timing>
-    <p:tnLst>
-      <p:par>
-        <p:cTn id="1" dur="indefinite" restart="never" nodeType="tmRoot">
-          <p:childTnLst>
-            <p:seq concurrent="1" nextAc="seek">
-              <p:cTn id="2" dur="indefinite" nodeType="mainSeq">
-                <p:childTnLst>
-                  <p:par>
-                    <p:cTn id="3" fill="hold">
-                      <p:stCondLst>
-                        <p:cond delay="indefinite"/>
-                        <p:cond evt="onBegin" delay="0">
-                          <p:tn val="2"/>
-                        </p:cond>
-                      </p:stCondLst>
-                      <p:childTnLst>
-                        <p:par>
-                          <p:cTn id="4" fill="hold">
-                            <p:stCondLst>
-                              <p:cond delay="0"/>
-                            </p:stCondLst>
-                            <p:childTnLst>
-                              <p:par>
-                                <p:cTn id="5" presetID="10" presetClass="entr" presetSubtype="0" fill="hold" grpId="0" nodeType="withEffect">
-                                  <p:stCondLst>
-                                    <p:cond delay="500"/>
-                                  </p:stCondLst>
-                                  <p:iterate type="lt">
-                                    <p:tmPct val="10000"/>
-                                  </p:iterate>
-                                  <p:childTnLst>
-                                    <p:set>
-                                      <p:cBhvr>
-                                        <p:cTn id="6" dur="1" fill="hold">
-                                          <p:stCondLst>
-                                            <p:cond delay="0"/>
-                                          </p:stCondLst>
-                                        </p:cTn>
-                                        <p:tgtEl>
-                                          <p:spTgt spid="2"/>
-                                        </p:tgtEl>
-                                        <p:attrNameLst>
-                                          <p:attrName>style.visibility</p:attrName>
-                                        </p:attrNameLst>
-                                      </p:cBhvr>
-                                      <p:to>
-                                        <p:strVal val="visible"/>
-                                      </p:to>
-                                    </p:set>
-                                    <p:animEffect transition="in" filter="fade">
-                                      <p:cBhvr>
-                                        <p:cTn id="7" dur="400"/>
-                                        <p:tgtEl>
-                                          <p:spTgt spid="2"/>
-                                        </p:tgtEl>
-                                      </p:cBhvr>
-                                    </p:animEffect>
-                                  </p:childTnLst>
-                                </p:cTn>
-                              </p:par>
-                            </p:childTnLst>
-                          </p:cTn>
-                        </p:par>
-                      </p:childTnLst>
-                    </p:cTn>
-                  </p:par>
-                </p:childTnLst>
-              </p:cTn>
-              <p:prevCondLst>
-                <p:cond evt="onPrev" delay="0">
-                  <p:tgtEl>
-                    <p:sldTgt/>
-                  </p:tgtEl>
-                </p:cond>
-              </p:prevCondLst>
-              <p:nextCondLst>
-                <p:cond evt="onNext" delay="0">
-                  <p:tgtEl>
-                    <p:sldTgt/>
-                  </p:tgtEl>
-                </p:cond>
-              </p:nextCondLst>
-            </p:seq>
-          </p:childTnLst>
-        </p:cTn>
-      </p:par>
-    </p:tnLst>
-    <p:bldLst>
-      <p:bldP spid="2" grpId="0"/>
-    </p:bldLst>
-  </p:timing>
-</p:sld>
-</file>
-
-<file path=ppt/slides/slide7.xml><?xml version="1.0" encoding="utf-8"?>
-<p:sld xmlns:a="http://schemas.openxmlformats.org/drawingml/2006/main" xmlns:r="http://schemas.openxmlformats.org/officeDocument/2006/relationships" xmlns:p="http://schemas.openxmlformats.org/presentationml/2006/main">
-  <p:cSld>
-    <p:bg>
-      <p:bgPr>
-        <a:solidFill>
-          <a:schemeClr val="bg1"/>
-        </a:solidFill>
-        <a:effectLst/>
-      </p:bgPr>
-    </p:bg>
-    <p:spTree>
-      <p:nvGrpSpPr>
-        <p:cNvPr id="1" name="">
-          <a:extLst>
-            <a:ext uri="{FF2B5EF4-FFF2-40B4-BE49-F238E27FC236}">
-              <a16:creationId xmlns:a16="http://schemas.microsoft.com/office/drawing/2014/main" id="{756E7152-B363-1C1C-F993-7E61BFD64AB8}"/>
-            </a:ext>
-          </a:extLst>
-        </p:cNvPr>
-        <p:cNvGrpSpPr/>
-        <p:nvPr/>
-      </p:nvGrpSpPr>
-      <p:grpSpPr>
-        <a:xfrm>
-          <a:off x="0" y="0"/>
-          <a:ext cx="0" cy="0"/>
-          <a:chOff x="0" y="0"/>
-          <a:chExt cx="0" cy="0"/>
-        </a:xfrm>
-      </p:grpSpPr>
-      <p:sp useBgFill="1">
-        <p:nvSpPr>
-          <p:cNvPr id="21" name="Rectangle 20">
-            <a:extLst>
-              <a:ext uri="{FF2B5EF4-FFF2-40B4-BE49-F238E27FC236}">
-                <a16:creationId xmlns:a16="http://schemas.microsoft.com/office/drawing/2014/main" id="{6F5A5072-7B47-4D32-B52A-4EBBF590B8A5}"/>
-              </a:ext>
-              <a:ext uri="{C183D7F6-B498-43B3-948B-1728B52AA6E4}">
-                <adec:decorative xmlns:adec="http://schemas.microsoft.com/office/drawing/2017/decorative" val="1"/>
-              </a:ext>
-            </a:extLst>
-          </p:cNvPr>
-          <p:cNvSpPr>
-            <a:spLocks noGrp="1" noRot="1" noChangeAspect="1" noMove="1" noResize="1" noEditPoints="1" noAdjustHandles="1" noChangeArrowheads="1" noChangeShapeType="1" noTextEdit="1"/>
-          </p:cNvSpPr>
-          <p:nvPr>
-            <p:extLst>
-              <p:ext uri="{386F3935-93C4-4BCD-93E2-E3B085C9AB24}">
-                <p16:designElem xmlns:p16="http://schemas.microsoft.com/office/powerpoint/2015/main" val="1"/>
-              </p:ext>
-            </p:extLst>
-          </p:nvPr>
-        </p:nvSpPr>
-        <p:spPr>
-          <a:xfrm>
-            <a:off x="0" y="0"/>
-            <a:ext cx="12192000" cy="6858000"/>
-          </a:xfrm>
-          <a:prstGeom prst="rect">
-            <a:avLst/>
-          </a:prstGeom>
-          <a:ln w="12700" cap="flat" cmpd="sng" algn="ctr">
-            <a:noFill/>
-            <a:prstDash val="solid"/>
-            <a:miter lim="800000"/>
-          </a:ln>
-          <a:effectLst/>
-          <a:extLst>
-            <a:ext uri="{91240B29-F687-4F45-9708-019B960494DF}">
-              <a14:hiddenLine xmlns:a14="http://schemas.microsoft.com/office/drawing/2010/main" w="12700" cap="flat" cmpd="sng" algn="ctr">
-                <a:solidFill>
-                  <a:schemeClr val="accent1">
-                    <a:shade val="50000"/>
-                  </a:schemeClr>
-                </a:solidFill>
-                <a:prstDash val="solid"/>
-                <a:miter lim="800000"/>
-              </a14:hiddenLine>
-            </a:ext>
-          </a:extLst>
-        </p:spPr>
-        <p:style>
-          <a:lnRef idx="2">
-            <a:schemeClr val="accent1">
-              <a:shade val="50000"/>
-            </a:schemeClr>
-          </a:lnRef>
-          <a:fillRef idx="1">
-            <a:schemeClr val="accent1"/>
-          </a:fillRef>
-          <a:effectRef idx="0">
-            <a:schemeClr val="accent1"/>
-          </a:effectRef>
-          <a:fontRef idx="minor">
-            <a:schemeClr val="lt1"/>
-          </a:fontRef>
-        </p:style>
-        <p:txBody>
-          <a:bodyPr rtlCol="0" anchor="ctr"/>
-          <a:lstStyle/>
-          <a:p>
-            <a:pPr algn="ctr"/>
-            <a:endParaRPr lang="en-US"/>
-          </a:p>
-        </p:txBody>
-      </p:sp>
-      <p:sp>
-        <p:nvSpPr>
-          <p:cNvPr id="23" name="Rectangle 22">
-            <a:extLst>
-              <a:ext uri="{FF2B5EF4-FFF2-40B4-BE49-F238E27FC236}">
-                <a16:creationId xmlns:a16="http://schemas.microsoft.com/office/drawing/2014/main" id="{9715DAF0-AE1B-46C9-8A6B-DB2AA05AB91D}"/>
-              </a:ext>
-              <a:ext uri="{C183D7F6-B498-43B3-948B-1728B52AA6E4}">
-                <adec:decorative xmlns:adec="http://schemas.microsoft.com/office/drawing/2017/decorative" val="1"/>
-              </a:ext>
-            </a:extLst>
-          </p:cNvPr>
-          <p:cNvSpPr>
-            <a:spLocks noGrp="1" noRot="1" noChangeAspect="1" noMove="1" noResize="1" noEditPoints="1" noAdjustHandles="1" noChangeArrowheads="1" noChangeShapeType="1" noTextEdit="1"/>
-          </p:cNvSpPr>
-          <p:nvPr>
-            <p:extLst>
-              <p:ext uri="{386F3935-93C4-4BCD-93E2-E3B085C9AB24}">
-                <p16:designElem xmlns:p16="http://schemas.microsoft.com/office/powerpoint/2015/main" val="1"/>
-              </p:ext>
-            </p:extLst>
-          </p:nvPr>
-        </p:nvSpPr>
-        <p:spPr>
-          <a:xfrm rot="10800000">
-            <a:off x="-2" y="-22693"/>
-            <a:ext cx="12191999" cy="4374129"/>
-          </a:xfrm>
-          <a:prstGeom prst="rect">
-            <a:avLst/>
-          </a:prstGeom>
-          <a:gradFill>
-            <a:gsLst>
-              <a:gs pos="0">
-                <a:schemeClr val="accent1">
-                  <a:lumMod val="75000"/>
-                </a:schemeClr>
-              </a:gs>
-              <a:gs pos="100000">
-                <a:srgbClr val="000000"/>
-              </a:gs>
-            </a:gsLst>
-            <a:lin ang="15000000" scaled="0"/>
-          </a:gradFill>
-          <a:ln>
-            <a:noFill/>
-          </a:ln>
-        </p:spPr>
-        <p:style>
-          <a:lnRef idx="2">
-            <a:schemeClr val="accent1">
-              <a:shade val="50000"/>
-            </a:schemeClr>
-          </a:lnRef>
-          <a:fillRef idx="1">
-            <a:schemeClr val="accent1"/>
-          </a:fillRef>
-          <a:effectRef idx="0">
-            <a:schemeClr val="accent1"/>
-          </a:effectRef>
-          <a:fontRef idx="minor">
-            <a:schemeClr val="lt1"/>
-          </a:fontRef>
-        </p:style>
-        <p:txBody>
-          <a:bodyPr rtlCol="0" anchor="ctr"/>
-          <a:lstStyle/>
-          <a:p>
-            <a:pPr algn="ctr"/>
-            <a:endParaRPr lang="en-US"/>
-          </a:p>
-        </p:txBody>
-      </p:sp>
-      <p:sp>
-        <p:nvSpPr>
-          <p:cNvPr id="25" name="Rectangle 24">
-            <a:extLst>
-              <a:ext uri="{FF2B5EF4-FFF2-40B4-BE49-F238E27FC236}">
-                <a16:creationId xmlns:a16="http://schemas.microsoft.com/office/drawing/2014/main" id="{6016219D-510E-4184-9090-6D5578A87BD1}"/>
-              </a:ext>
-              <a:ext uri="{C183D7F6-B498-43B3-948B-1728B52AA6E4}">
-                <adec:decorative xmlns:adec="http://schemas.microsoft.com/office/drawing/2017/decorative" val="1"/>
-              </a:ext>
-            </a:extLst>
-          </p:cNvPr>
-          <p:cNvSpPr>
-            <a:spLocks noGrp="1" noRot="1" noChangeAspect="1" noMove="1" noResize="1" noEditPoints="1" noAdjustHandles="1" noChangeArrowheads="1" noChangeShapeType="1" noTextEdit="1"/>
-          </p:cNvSpPr>
-          <p:nvPr>
-            <p:extLst>
-              <p:ext uri="{386F3935-93C4-4BCD-93E2-E3B085C9AB24}">
-                <p16:designElem xmlns:p16="http://schemas.microsoft.com/office/powerpoint/2015/main" val="1"/>
-              </p:ext>
-            </p:extLst>
-          </p:nvPr>
-        </p:nvSpPr>
-        <p:spPr>
-          <a:xfrm rot="5400000">
-            <a:off x="3908719" y="-3931841"/>
-            <a:ext cx="4374557" cy="12192000"/>
-          </a:xfrm>
-          <a:prstGeom prst="rect">
-            <a:avLst/>
-          </a:prstGeom>
-          <a:gradFill>
-            <a:gsLst>
-              <a:gs pos="40000">
-                <a:schemeClr val="accent1">
-                  <a:alpha val="0"/>
-                </a:schemeClr>
-              </a:gs>
-              <a:gs pos="100000">
-                <a:schemeClr val="accent1">
-                  <a:lumMod val="75000"/>
-                  <a:alpha val="52000"/>
-                </a:schemeClr>
-              </a:gs>
-            </a:gsLst>
-            <a:lin ang="2400000" scaled="0"/>
-          </a:gradFill>
-          <a:ln>
-            <a:noFill/>
-          </a:ln>
-        </p:spPr>
-        <p:style>
-          <a:lnRef idx="2">
-            <a:schemeClr val="accent1">
-              <a:shade val="50000"/>
-            </a:schemeClr>
-          </a:lnRef>
-          <a:fillRef idx="1">
-            <a:schemeClr val="accent1"/>
-          </a:fillRef>
-          <a:effectRef idx="0">
-            <a:schemeClr val="accent1"/>
-          </a:effectRef>
-          <a:fontRef idx="minor">
-            <a:schemeClr val="lt1"/>
-          </a:fontRef>
-        </p:style>
-        <p:txBody>
-          <a:bodyPr rtlCol="0" anchor="ctr"/>
-          <a:lstStyle/>
-          <a:p>
-            <a:pPr algn="ctr"/>
-            <a:endParaRPr lang="en-US"/>
-          </a:p>
-        </p:txBody>
-      </p:sp>
-      <p:sp>
-        <p:nvSpPr>
-          <p:cNvPr id="27" name="Rectangle 26">
-            <a:extLst>
-              <a:ext uri="{FF2B5EF4-FFF2-40B4-BE49-F238E27FC236}">
-                <a16:creationId xmlns:a16="http://schemas.microsoft.com/office/drawing/2014/main" id="{AFF4A713-7B75-4B21-90D7-5AB19547C728}"/>
-              </a:ext>
-              <a:ext uri="{C183D7F6-B498-43B3-948B-1728B52AA6E4}">
-                <adec:decorative xmlns:adec="http://schemas.microsoft.com/office/drawing/2017/decorative" val="1"/>
-              </a:ext>
-            </a:extLst>
-          </p:cNvPr>
-          <p:cNvSpPr>
-            <a:spLocks noGrp="1" noRot="1" noChangeAspect="1" noMove="1" noResize="1" noEditPoints="1" noAdjustHandles="1" noChangeArrowheads="1" noChangeShapeType="1" noTextEdit="1"/>
-          </p:cNvSpPr>
-          <p:nvPr>
-            <p:extLst>
-              <p:ext uri="{386F3935-93C4-4BCD-93E2-E3B085C9AB24}">
-                <p16:designElem xmlns:p16="http://schemas.microsoft.com/office/powerpoint/2015/main" val="1"/>
-              </p:ext>
-            </p:extLst>
-          </p:nvPr>
-        </p:nvSpPr>
-        <p:spPr>
-          <a:xfrm rot="5400000">
-            <a:off x="4136696" y="-3703868"/>
-            <a:ext cx="4374128" cy="11736479"/>
-          </a:xfrm>
-          <a:prstGeom prst="rect">
-            <a:avLst/>
-          </a:prstGeom>
-          <a:gradFill>
-            <a:gsLst>
-              <a:gs pos="17000">
-                <a:schemeClr val="accent1">
-                  <a:alpha val="0"/>
-                </a:schemeClr>
-              </a:gs>
-              <a:gs pos="100000">
-                <a:srgbClr val="000000">
-                  <a:alpha val="37000"/>
-                </a:srgbClr>
-              </a:gs>
-            </a:gsLst>
-            <a:lin ang="7800000" scaled="0"/>
-          </a:gradFill>
-          <a:ln>
-            <a:noFill/>
-          </a:ln>
-        </p:spPr>
-        <p:style>
-          <a:lnRef idx="2">
-            <a:schemeClr val="accent1">
-              <a:shade val="50000"/>
-            </a:schemeClr>
-          </a:lnRef>
-          <a:fillRef idx="1">
-            <a:schemeClr val="accent1"/>
-          </a:fillRef>
-          <a:effectRef idx="0">
-            <a:schemeClr val="accent1"/>
-          </a:effectRef>
-          <a:fontRef idx="minor">
-            <a:schemeClr val="lt1"/>
-          </a:fontRef>
-        </p:style>
-        <p:txBody>
-          <a:bodyPr rtlCol="0" anchor="ctr"/>
-          <a:lstStyle/>
-          <a:p>
-            <a:pPr algn="ctr"/>
-            <a:endParaRPr lang="en-US"/>
-          </a:p>
-        </p:txBody>
-      </p:sp>
-      <p:sp>
-        <p:nvSpPr>
-          <p:cNvPr id="29" name="Rectangle 28">
-            <a:extLst>
-              <a:ext uri="{FF2B5EF4-FFF2-40B4-BE49-F238E27FC236}">
-                <a16:creationId xmlns:a16="http://schemas.microsoft.com/office/drawing/2014/main" id="{DC631C0B-6DA6-4E57-8231-CE32B3434A7E}"/>
-              </a:ext>
-              <a:ext uri="{C183D7F6-B498-43B3-948B-1728B52AA6E4}">
-                <adec:decorative xmlns:adec="http://schemas.microsoft.com/office/drawing/2017/decorative" val="1"/>
-              </a:ext>
-            </a:extLst>
-          </p:cNvPr>
-          <p:cNvSpPr>
-            <a:spLocks noGrp="1" noRot="1" noChangeAspect="1" noMove="1" noResize="1" noEditPoints="1" noAdjustHandles="1" noChangeArrowheads="1" noChangeShapeType="1" noTextEdit="1"/>
-          </p:cNvSpPr>
-          <p:nvPr>
-            <p:extLst>
-              <p:ext uri="{386F3935-93C4-4BCD-93E2-E3B085C9AB24}">
-                <p16:designElem xmlns:p16="http://schemas.microsoft.com/office/powerpoint/2015/main" val="1"/>
-              </p:ext>
-            </p:extLst>
-          </p:nvPr>
-        </p:nvSpPr>
-        <p:spPr>
-          <a:xfrm>
-            <a:off x="-5" y="-22690"/>
-            <a:ext cx="8542485" cy="4374126"/>
-          </a:xfrm>
-          <a:prstGeom prst="rect">
-            <a:avLst/>
-          </a:prstGeom>
-          <a:gradFill>
-            <a:gsLst>
-              <a:gs pos="0">
-                <a:schemeClr val="accent1">
-                  <a:lumMod val="50000"/>
-                  <a:alpha val="0"/>
-                </a:schemeClr>
-              </a:gs>
-              <a:gs pos="100000">
-                <a:srgbClr val="000000">
-                  <a:alpha val="25000"/>
-                </a:srgbClr>
-              </a:gs>
-            </a:gsLst>
-            <a:lin ang="18600000" scaled="0"/>
-          </a:gradFill>
-          <a:ln>
-            <a:noFill/>
-          </a:ln>
-        </p:spPr>
-        <p:style>
-          <a:lnRef idx="2">
-            <a:schemeClr val="accent1">
-              <a:shade val="50000"/>
-            </a:schemeClr>
-          </a:lnRef>
-          <a:fillRef idx="1">
-            <a:schemeClr val="accent1"/>
-          </a:fillRef>
-          <a:effectRef idx="0">
-            <a:schemeClr val="accent1"/>
-          </a:effectRef>
-          <a:fontRef idx="minor">
-            <a:schemeClr val="lt1"/>
-          </a:fontRef>
-        </p:style>
-        <p:txBody>
-          <a:bodyPr rtlCol="0" anchor="ctr"/>
-          <a:lstStyle/>
-          <a:p>
-            <a:pPr algn="ctr"/>
-            <a:endParaRPr lang="en-US"/>
-          </a:p>
-        </p:txBody>
-      </p:sp>
-      <p:sp>
-        <p:nvSpPr>
-          <p:cNvPr id="31" name="Freeform: Shape 30">
-            <a:extLst>
-              <a:ext uri="{FF2B5EF4-FFF2-40B4-BE49-F238E27FC236}">
-                <a16:creationId xmlns:a16="http://schemas.microsoft.com/office/drawing/2014/main" id="{C29501E6-A978-4A61-9689-9085AF97A53A}"/>
-              </a:ext>
-              <a:ext uri="{C183D7F6-B498-43B3-948B-1728B52AA6E4}">
-                <adec:decorative xmlns:adec="http://schemas.microsoft.com/office/drawing/2017/decorative" val="1"/>
-              </a:ext>
-            </a:extLst>
-          </p:cNvPr>
-          <p:cNvSpPr>
-            <a:spLocks noGrp="1" noRot="1" noChangeAspect="1" noMove="1" noResize="1" noEditPoints="1" noAdjustHandles="1" noChangeArrowheads="1" noChangeShapeType="1" noTextEdit="1"/>
-          </p:cNvSpPr>
-          <p:nvPr>
-            <p:extLst>
-              <p:ext uri="{386F3935-93C4-4BCD-93E2-E3B085C9AB24}">
-                <p16:designElem xmlns:p16="http://schemas.microsoft.com/office/powerpoint/2015/main" val="1"/>
-              </p:ext>
-            </p:extLst>
-          </p:nvPr>
-        </p:nvSpPr>
-        <p:spPr>
-          <a:xfrm rot="12508972">
-            <a:off x="5945431" y="-1032053"/>
-            <a:ext cx="4990147" cy="4439131"/>
-          </a:xfrm>
-          <a:custGeom>
-            <a:avLst/>
-            <a:gdLst>
-              <a:gd name="connsiteX0" fmla="*/ 4990147 w 4990147"/>
-              <a:gd name="connsiteY0" fmla="*/ 2229378 h 4439131"/>
-              <a:gd name="connsiteX1" fmla="*/ 917384 w 4990147"/>
-              <a:gd name="connsiteY1" fmla="*/ 4439131 h 4439131"/>
-              <a:gd name="connsiteX2" fmla="*/ 910814 w 4990147"/>
-              <a:gd name="connsiteY2" fmla="*/ 4434219 h 4439131"/>
-              <a:gd name="connsiteX3" fmla="*/ 0 w 4990147"/>
-              <a:gd name="connsiteY3" fmla="*/ 2502877 h 4439131"/>
-              <a:gd name="connsiteX4" fmla="*/ 2502877 w 4990147"/>
-              <a:gd name="connsiteY4" fmla="*/ 0 h 4439131"/>
-              <a:gd name="connsiteX5" fmla="*/ 4954904 w 4990147"/>
-              <a:gd name="connsiteY5" fmla="*/ 1998460 h 4439131"/>
-            </a:gdLst>
-            <a:ahLst/>
-            <a:cxnLst>
-              <a:cxn ang="0">
-                <a:pos x="connsiteX0" y="connsiteY0"/>
-              </a:cxn>
-              <a:cxn ang="0">
-                <a:pos x="connsiteX1" y="connsiteY1"/>
-              </a:cxn>
-              <a:cxn ang="0">
-                <a:pos x="connsiteX2" y="connsiteY2"/>
-              </a:cxn>
-              <a:cxn ang="0">
-                <a:pos x="connsiteX3" y="connsiteY3"/>
-              </a:cxn>
-              <a:cxn ang="0">
-                <a:pos x="connsiteX4" y="connsiteY4"/>
-              </a:cxn>
-              <a:cxn ang="0">
-                <a:pos x="connsiteX5" y="connsiteY5"/>
-              </a:cxn>
-            </a:cxnLst>
-            <a:rect l="l" t="t" r="r" b="b"/>
-            <a:pathLst>
-              <a:path w="4990147" h="4439131">
-                <a:moveTo>
-                  <a:pt x="4990147" y="2229378"/>
-                </a:moveTo>
-                <a:lnTo>
-                  <a:pt x="917384" y="4439131"/>
-                </a:lnTo>
-                <a:lnTo>
-                  <a:pt x="910814" y="4434219"/>
-                </a:lnTo>
-                <a:cubicBezTo>
-                  <a:pt x="354557" y="3975154"/>
-                  <a:pt x="0" y="3280421"/>
-                  <a:pt x="0" y="2502877"/>
-                </a:cubicBezTo>
-                <a:cubicBezTo>
-                  <a:pt x="0" y="1120576"/>
-                  <a:pt x="1120576" y="0"/>
-                  <a:pt x="2502877" y="0"/>
-                </a:cubicBezTo>
-                <a:cubicBezTo>
-                  <a:pt x="3712390" y="0"/>
-                  <a:pt x="4721520" y="857941"/>
-                  <a:pt x="4954904" y="1998460"/>
-                </a:cubicBezTo>
-                <a:close/>
-              </a:path>
-            </a:pathLst>
-          </a:custGeom>
-          <a:gradFill>
-            <a:gsLst>
-              <a:gs pos="0">
-                <a:schemeClr val="accent1">
-                  <a:alpha val="22000"/>
-                </a:schemeClr>
-              </a:gs>
-              <a:gs pos="87000">
-                <a:schemeClr val="accent1">
-                  <a:lumMod val="60000"/>
-                  <a:lumOff val="40000"/>
-                  <a:alpha val="2000"/>
-                </a:schemeClr>
-              </a:gs>
-            </a:gsLst>
-            <a:lin ang="8400000" scaled="0"/>
-          </a:gradFill>
-          <a:ln>
-            <a:noFill/>
-          </a:ln>
-        </p:spPr>
-        <p:style>
-          <a:lnRef idx="2">
-            <a:schemeClr val="accent1">
-              <a:shade val="50000"/>
-            </a:schemeClr>
-          </a:lnRef>
-          <a:fillRef idx="1">
-            <a:schemeClr val="accent1"/>
-          </a:fillRef>
-          <a:effectRef idx="0">
-            <a:schemeClr val="accent1"/>
-          </a:effectRef>
-          <a:fontRef idx="minor">
-            <a:schemeClr val="lt1"/>
-          </a:fontRef>
-        </p:style>
-        <p:txBody>
-          <a:bodyPr wrap="square" rtlCol="0" anchor="ctr">
-            <a:noAutofit/>
-          </a:bodyPr>
-          <a:lstStyle/>
-          <a:p>
-            <a:pPr algn="ctr"/>
-            <a:endParaRPr lang="en-US" dirty="0"/>
-          </a:p>
-        </p:txBody>
-      </p:sp>
-      <p:sp>
-        <p:nvSpPr>
-          <p:cNvPr id="2" name="Title 1">
-            <a:extLst>
-              <a:ext uri="{FF2B5EF4-FFF2-40B4-BE49-F238E27FC236}">
-                <a16:creationId xmlns:a16="http://schemas.microsoft.com/office/drawing/2014/main" id="{287A03DE-1123-91CE-26BE-143108D13665}"/>
-              </a:ext>
-            </a:extLst>
-          </p:cNvPr>
-          <p:cNvSpPr>
-            <a:spLocks noGrp="1"/>
-          </p:cNvSpPr>
-          <p:nvPr>
-            <p:ph type="ctrTitle"/>
-          </p:nvPr>
-        </p:nvSpPr>
-        <p:spPr>
-          <a:xfrm>
-            <a:off x="1314824" y="735106"/>
-            <a:ext cx="10053763" cy="2928470"/>
-          </a:xfrm>
-        </p:spPr>
-        <p:txBody>
-          <a:bodyPr vert="horz" lIns="91440" tIns="45720" rIns="91440" bIns="45720" rtlCol="0" anchor="b">
-            <a:normAutofit/>
-          </a:bodyPr>
-          <a:lstStyle/>
-          <a:p>
-            <a:pPr algn="l"/>
-            <a:endParaRPr lang="en-US" sz="4800" dirty="0">
-              <a:solidFill>
-                <a:srgbClr val="FFFFFF"/>
-              </a:solidFill>
-            </a:endParaRPr>
-          </a:p>
-        </p:txBody>
-      </p:sp>
-      <p:pic>
-        <p:nvPicPr>
-          <p:cNvPr id="5" name="Picture 4">
-            <a:extLst>
-              <a:ext uri="{FF2B5EF4-FFF2-40B4-BE49-F238E27FC236}">
-                <a16:creationId xmlns:a16="http://schemas.microsoft.com/office/drawing/2014/main" id="{BD9F53F5-E497-96F7-CA35-DE5A59477AFC}"/>
+                <a16:creationId xmlns:a16="http://schemas.microsoft.com/office/drawing/2014/main" id="{DCADA89C-DBD2-7A42-8F5D-ED19BA0E16F2}"/>
               </a:ext>
             </a:extLst>
           </p:cNvPr>
@@ -14207,1159 +13692,80 @@
         </p:blipFill>
         <p:spPr>
           <a:xfrm>
-            <a:off x="-54053" y="-30999"/>
-            <a:ext cx="12245006" cy="6888999"/>
+            <a:off x="7215279" y="0"/>
+            <a:ext cx="4976718" cy="3041599"/>
           </a:xfrm>
           <a:prstGeom prst="rect">
             <a:avLst/>
           </a:prstGeom>
         </p:spPr>
       </p:pic>
-    </p:spTree>
-    <p:extLst>
-      <p:ext uri="{BB962C8B-B14F-4D97-AF65-F5344CB8AC3E}">
-        <p14:creationId xmlns:p14="http://schemas.microsoft.com/office/powerpoint/2010/main" val="3057195776"/>
-      </p:ext>
-    </p:extLst>
-  </p:cSld>
-  <p:clrMapOvr>
-    <a:masterClrMapping/>
-  </p:clrMapOvr>
-  <p:timing>
-    <p:tnLst>
-      <p:par>
-        <p:cTn id="1" dur="indefinite" restart="never" nodeType="tmRoot">
-          <p:childTnLst>
-            <p:seq concurrent="1" nextAc="seek">
-              <p:cTn id="2" dur="indefinite" nodeType="mainSeq">
-                <p:childTnLst>
-                  <p:par>
-                    <p:cTn id="3" fill="hold">
-                      <p:stCondLst>
-                        <p:cond delay="indefinite"/>
-                        <p:cond evt="onBegin" delay="0">
-                          <p:tn val="2"/>
-                        </p:cond>
-                      </p:stCondLst>
-                      <p:childTnLst>
-                        <p:par>
-                          <p:cTn id="4" fill="hold">
-                            <p:stCondLst>
-                              <p:cond delay="0"/>
-                            </p:stCondLst>
-                            <p:childTnLst>
-                              <p:par>
-                                <p:cTn id="5" presetID="10" presetClass="entr" presetSubtype="0" fill="hold" grpId="0" nodeType="withEffect" nodePh="1">
-                                  <p:stCondLst>
-                                    <p:cond delay="500"/>
-                                  </p:stCondLst>
-                                  <p:endCondLst>
-                                    <p:cond evt="begin" delay="0">
-                                      <p:tn val="5"/>
-                                    </p:cond>
-                                  </p:endCondLst>
-                                  <p:iterate type="lt">
-                                    <p:tmPct val="10000"/>
-                                  </p:iterate>
-                                  <p:childTnLst>
-                                    <p:set>
-                                      <p:cBhvr>
-                                        <p:cTn id="6" dur="1" fill="hold">
-                                          <p:stCondLst>
-                                            <p:cond delay="0"/>
-                                          </p:stCondLst>
-                                        </p:cTn>
-                                        <p:tgtEl>
-                                          <p:spTgt spid="2"/>
-                                        </p:tgtEl>
-                                        <p:attrNameLst>
-                                          <p:attrName>style.visibility</p:attrName>
-                                        </p:attrNameLst>
-                                      </p:cBhvr>
-                                      <p:to>
-                                        <p:strVal val="visible"/>
-                                      </p:to>
-                                    </p:set>
-                                    <p:animEffect transition="in" filter="fade">
-                                      <p:cBhvr>
-                                        <p:cTn id="7" dur="400"/>
-                                        <p:tgtEl>
-                                          <p:spTgt spid="2"/>
-                                        </p:tgtEl>
-                                      </p:cBhvr>
-                                    </p:animEffect>
-                                  </p:childTnLst>
-                                </p:cTn>
-                              </p:par>
-                            </p:childTnLst>
-                          </p:cTn>
-                        </p:par>
-                      </p:childTnLst>
-                    </p:cTn>
-                  </p:par>
-                </p:childTnLst>
-              </p:cTn>
-              <p:prevCondLst>
-                <p:cond evt="onPrev" delay="0">
-                  <p:tgtEl>
-                    <p:sldTgt/>
-                  </p:tgtEl>
-                </p:cond>
-              </p:prevCondLst>
-              <p:nextCondLst>
-                <p:cond evt="onNext" delay="0">
-                  <p:tgtEl>
-                    <p:sldTgt/>
-                  </p:tgtEl>
-                </p:cond>
-              </p:nextCondLst>
-            </p:seq>
-          </p:childTnLst>
-        </p:cTn>
-      </p:par>
-    </p:tnLst>
-    <p:bldLst>
-      <p:bldP spid="2" grpId="0"/>
-    </p:bldLst>
-  </p:timing>
-</p:sld>
-</file>
-
-<file path=ppt/slides/slide8.xml><?xml version="1.0" encoding="utf-8"?>
-<p:sld xmlns:a="http://schemas.openxmlformats.org/drawingml/2006/main" xmlns:r="http://schemas.openxmlformats.org/officeDocument/2006/relationships" xmlns:p="http://schemas.openxmlformats.org/presentationml/2006/main">
-  <p:cSld>
-    <p:bg>
-      <p:bgPr>
-        <a:solidFill>
-          <a:schemeClr val="bg1"/>
-        </a:solidFill>
-        <a:effectLst/>
-      </p:bgPr>
-    </p:bg>
-    <p:spTree>
-      <p:nvGrpSpPr>
-        <p:cNvPr id="1" name="">
-          <a:extLst>
-            <a:ext uri="{FF2B5EF4-FFF2-40B4-BE49-F238E27FC236}">
-              <a16:creationId xmlns:a16="http://schemas.microsoft.com/office/drawing/2014/main" id="{756E7152-B363-1C1C-F993-7E61BFD64AB8}"/>
-            </a:ext>
-          </a:extLst>
-        </p:cNvPr>
-        <p:cNvGrpSpPr/>
-        <p:nvPr/>
-      </p:nvGrpSpPr>
-      <p:grpSpPr>
-        <a:xfrm>
-          <a:off x="0" y="0"/>
-          <a:ext cx="0" cy="0"/>
-          <a:chOff x="0" y="0"/>
-          <a:chExt cx="0" cy="0"/>
-        </a:xfrm>
-      </p:grpSpPr>
-      <p:sp useBgFill="1">
-        <p:nvSpPr>
-          <p:cNvPr id="21" name="Rectangle 20">
+      <p:pic>
+        <p:nvPicPr>
+          <p:cNvPr id="10" name="Picture 9">
             <a:extLst>
               <a:ext uri="{FF2B5EF4-FFF2-40B4-BE49-F238E27FC236}">
-                <a16:creationId xmlns:a16="http://schemas.microsoft.com/office/drawing/2014/main" id="{6F5A5072-7B47-4D32-B52A-4EBBF590B8A5}"/>
-              </a:ext>
-              <a:ext uri="{C183D7F6-B498-43B3-948B-1728B52AA6E4}">
-                <adec:decorative xmlns:adec="http://schemas.microsoft.com/office/drawing/2017/decorative" val="1"/>
+                <a16:creationId xmlns:a16="http://schemas.microsoft.com/office/drawing/2014/main" id="{CB700A67-9F9D-ADB7-B531-EC2CAC18D0D9}"/>
               </a:ext>
             </a:extLst>
           </p:cNvPr>
-          <p:cNvSpPr>
-            <a:spLocks noGrp="1" noRot="1" noChangeAspect="1" noMove="1" noResize="1" noEditPoints="1" noAdjustHandles="1" noChangeArrowheads="1" noChangeShapeType="1" noTextEdit="1"/>
-          </p:cNvSpPr>
-          <p:nvPr>
-            <p:extLst>
-              <p:ext uri="{386F3935-93C4-4BCD-93E2-E3B085C9AB24}">
-                <p16:designElem xmlns:p16="http://schemas.microsoft.com/office/powerpoint/2015/main" val="1"/>
-              </p:ext>
-            </p:extLst>
-          </p:nvPr>
-        </p:nvSpPr>
+          <p:cNvPicPr>
+            <a:picLocks noChangeAspect="1"/>
+          </p:cNvPicPr>
+          <p:nvPr/>
+        </p:nvPicPr>
+        <p:blipFill>
+          <a:blip r:embed="rId3"/>
+          <a:stretch>
+            <a:fillRect/>
+          </a:stretch>
+        </p:blipFill>
         <p:spPr>
           <a:xfrm>
-            <a:off x="0" y="0"/>
-            <a:ext cx="12192000" cy="6858000"/>
+            <a:off x="7215280" y="3041599"/>
+            <a:ext cx="4976719" cy="2776689"/>
           </a:xfrm>
           <a:prstGeom prst="rect">
             <a:avLst/>
           </a:prstGeom>
-          <a:ln w="12700" cap="flat" cmpd="sng" algn="ctr">
-            <a:noFill/>
-            <a:prstDash val="solid"/>
-            <a:miter lim="800000"/>
-          </a:ln>
-          <a:effectLst/>
-          <a:extLst>
-            <a:ext uri="{91240B29-F687-4F45-9708-019B960494DF}">
-              <a14:hiddenLine xmlns:a14="http://schemas.microsoft.com/office/drawing/2010/main" w="12700" cap="flat" cmpd="sng" algn="ctr">
-                <a:solidFill>
-                  <a:schemeClr val="accent1">
-                    <a:shade val="50000"/>
-                  </a:schemeClr>
-                </a:solidFill>
-                <a:prstDash val="solid"/>
-                <a:miter lim="800000"/>
-              </a14:hiddenLine>
-            </a:ext>
-          </a:extLst>
         </p:spPr>
-        <p:style>
-          <a:lnRef idx="2">
-            <a:schemeClr val="accent1">
-              <a:shade val="50000"/>
-            </a:schemeClr>
-          </a:lnRef>
-          <a:fillRef idx="1">
-            <a:schemeClr val="accent1"/>
-          </a:fillRef>
-          <a:effectRef idx="0">
-            <a:schemeClr val="accent1"/>
-          </a:effectRef>
-          <a:fontRef idx="minor">
-            <a:schemeClr val="lt1"/>
-          </a:fontRef>
-        </p:style>
-        <p:txBody>
-          <a:bodyPr rtlCol="0" anchor="ctr"/>
-          <a:lstStyle/>
-          <a:p>
-            <a:pPr algn="ctr"/>
-            <a:endParaRPr lang="en-US"/>
-          </a:p>
-        </p:txBody>
-      </p:sp>
-      <p:sp>
-        <p:nvSpPr>
-          <p:cNvPr id="23" name="Rectangle 22">
+      </p:pic>
+      <p:pic>
+        <p:nvPicPr>
+          <p:cNvPr id="13" name="Picture 12">
             <a:extLst>
               <a:ext uri="{FF2B5EF4-FFF2-40B4-BE49-F238E27FC236}">
-                <a16:creationId xmlns:a16="http://schemas.microsoft.com/office/drawing/2014/main" id="{9715DAF0-AE1B-46C9-8A6B-DB2AA05AB91D}"/>
-              </a:ext>
-              <a:ext uri="{C183D7F6-B498-43B3-948B-1728B52AA6E4}">
-                <adec:decorative xmlns:adec="http://schemas.microsoft.com/office/drawing/2017/decorative" val="1"/>
+                <a16:creationId xmlns:a16="http://schemas.microsoft.com/office/drawing/2014/main" id="{5D594DA4-53A0-A9D8-D3B1-1B3068A2B6EB}"/>
               </a:ext>
             </a:extLst>
           </p:cNvPr>
-          <p:cNvSpPr>
-            <a:spLocks noGrp="1" noRot="1" noChangeAspect="1" noMove="1" noResize="1" noEditPoints="1" noAdjustHandles="1" noChangeArrowheads="1" noChangeShapeType="1" noTextEdit="1"/>
-          </p:cNvSpPr>
-          <p:nvPr>
-            <p:extLst>
-              <p:ext uri="{386F3935-93C4-4BCD-93E2-E3B085C9AB24}">
-                <p16:designElem xmlns:p16="http://schemas.microsoft.com/office/powerpoint/2015/main" val="1"/>
-              </p:ext>
-            </p:extLst>
-          </p:nvPr>
-        </p:nvSpPr>
+          <p:cNvPicPr>
+            <a:picLocks noChangeAspect="1"/>
+          </p:cNvPicPr>
+          <p:nvPr/>
+        </p:nvPicPr>
+        <p:blipFill>
+          <a:blip r:embed="rId4"/>
+          <a:stretch>
+            <a:fillRect/>
+          </a:stretch>
+        </p:blipFill>
         <p:spPr>
-          <a:xfrm rot="10800000">
-            <a:off x="-2" y="-22693"/>
-            <a:ext cx="12191999" cy="4374129"/>
+          <a:xfrm>
+            <a:off x="7215282" y="5818288"/>
+            <a:ext cx="4976718" cy="906180"/>
           </a:xfrm>
           <a:prstGeom prst="rect">
             <a:avLst/>
           </a:prstGeom>
-          <a:gradFill>
-            <a:gsLst>
-              <a:gs pos="0">
-                <a:schemeClr val="accent1">
-                  <a:lumMod val="75000"/>
-                </a:schemeClr>
-              </a:gs>
-              <a:gs pos="100000">
-                <a:srgbClr val="000000"/>
-              </a:gs>
-            </a:gsLst>
-            <a:lin ang="15000000" scaled="0"/>
-          </a:gradFill>
-          <a:ln>
-            <a:noFill/>
-          </a:ln>
         </p:spPr>
-        <p:style>
-          <a:lnRef idx="2">
-            <a:schemeClr val="accent1">
-              <a:shade val="50000"/>
-            </a:schemeClr>
-          </a:lnRef>
-          <a:fillRef idx="1">
-            <a:schemeClr val="accent1"/>
-          </a:fillRef>
-          <a:effectRef idx="0">
-            <a:schemeClr val="accent1"/>
-          </a:effectRef>
-          <a:fontRef idx="minor">
-            <a:schemeClr val="lt1"/>
-          </a:fontRef>
-        </p:style>
-        <p:txBody>
-          <a:bodyPr rtlCol="0" anchor="ctr"/>
-          <a:lstStyle/>
-          <a:p>
-            <a:pPr algn="ctr"/>
-            <a:endParaRPr lang="en-US"/>
-          </a:p>
-        </p:txBody>
-      </p:sp>
+      </p:pic>
       <p:sp>
         <p:nvSpPr>
-          <p:cNvPr id="25" name="Rectangle 24">
+          <p:cNvPr id="2" name="Google Shape;116;p7">
             <a:extLst>
               <a:ext uri="{FF2B5EF4-FFF2-40B4-BE49-F238E27FC236}">
-                <a16:creationId xmlns:a16="http://schemas.microsoft.com/office/drawing/2014/main" id="{6016219D-510E-4184-9090-6D5578A87BD1}"/>
-              </a:ext>
-              <a:ext uri="{C183D7F6-B498-43B3-948B-1728B52AA6E4}">
-                <adec:decorative xmlns:adec="http://schemas.microsoft.com/office/drawing/2017/decorative" val="1"/>
-              </a:ext>
-            </a:extLst>
-          </p:cNvPr>
-          <p:cNvSpPr>
-            <a:spLocks noGrp="1" noRot="1" noChangeAspect="1" noMove="1" noResize="1" noEditPoints="1" noAdjustHandles="1" noChangeArrowheads="1" noChangeShapeType="1" noTextEdit="1"/>
-          </p:cNvSpPr>
-          <p:nvPr>
-            <p:extLst>
-              <p:ext uri="{386F3935-93C4-4BCD-93E2-E3B085C9AB24}">
-                <p16:designElem xmlns:p16="http://schemas.microsoft.com/office/powerpoint/2015/main" val="1"/>
-              </p:ext>
-            </p:extLst>
-          </p:nvPr>
-        </p:nvSpPr>
-        <p:spPr>
-          <a:xfrm rot="5400000">
-            <a:off x="3908719" y="-3931841"/>
-            <a:ext cx="4374557" cy="12192000"/>
-          </a:xfrm>
-          <a:prstGeom prst="rect">
-            <a:avLst/>
-          </a:prstGeom>
-          <a:gradFill>
-            <a:gsLst>
-              <a:gs pos="40000">
-                <a:schemeClr val="accent1">
-                  <a:alpha val="0"/>
-                </a:schemeClr>
-              </a:gs>
-              <a:gs pos="100000">
-                <a:schemeClr val="accent1">
-                  <a:lumMod val="75000"/>
-                  <a:alpha val="52000"/>
-                </a:schemeClr>
-              </a:gs>
-            </a:gsLst>
-            <a:lin ang="2400000" scaled="0"/>
-          </a:gradFill>
-          <a:ln>
-            <a:noFill/>
-          </a:ln>
-        </p:spPr>
-        <p:style>
-          <a:lnRef idx="2">
-            <a:schemeClr val="accent1">
-              <a:shade val="50000"/>
-            </a:schemeClr>
-          </a:lnRef>
-          <a:fillRef idx="1">
-            <a:schemeClr val="accent1"/>
-          </a:fillRef>
-          <a:effectRef idx="0">
-            <a:schemeClr val="accent1"/>
-          </a:effectRef>
-          <a:fontRef idx="minor">
-            <a:schemeClr val="lt1"/>
-          </a:fontRef>
-        </p:style>
-        <p:txBody>
-          <a:bodyPr rtlCol="0" anchor="ctr"/>
-          <a:lstStyle/>
-          <a:p>
-            <a:pPr algn="ctr"/>
-            <a:endParaRPr lang="en-US"/>
-          </a:p>
-        </p:txBody>
-      </p:sp>
-      <p:sp>
-        <p:nvSpPr>
-          <p:cNvPr id="27" name="Rectangle 26">
-            <a:extLst>
-              <a:ext uri="{FF2B5EF4-FFF2-40B4-BE49-F238E27FC236}">
-                <a16:creationId xmlns:a16="http://schemas.microsoft.com/office/drawing/2014/main" id="{AFF4A713-7B75-4B21-90D7-5AB19547C728}"/>
-              </a:ext>
-              <a:ext uri="{C183D7F6-B498-43B3-948B-1728B52AA6E4}">
-                <adec:decorative xmlns:adec="http://schemas.microsoft.com/office/drawing/2017/decorative" val="1"/>
-              </a:ext>
-            </a:extLst>
-          </p:cNvPr>
-          <p:cNvSpPr>
-            <a:spLocks noGrp="1" noRot="1" noChangeAspect="1" noMove="1" noResize="1" noEditPoints="1" noAdjustHandles="1" noChangeArrowheads="1" noChangeShapeType="1" noTextEdit="1"/>
-          </p:cNvSpPr>
-          <p:nvPr>
-            <p:extLst>
-              <p:ext uri="{386F3935-93C4-4BCD-93E2-E3B085C9AB24}">
-                <p16:designElem xmlns:p16="http://schemas.microsoft.com/office/powerpoint/2015/main" val="1"/>
-              </p:ext>
-            </p:extLst>
-          </p:nvPr>
-        </p:nvSpPr>
-        <p:spPr>
-          <a:xfrm rot="5400000">
-            <a:off x="4136696" y="-3703868"/>
-            <a:ext cx="4374128" cy="11736479"/>
-          </a:xfrm>
-          <a:prstGeom prst="rect">
-            <a:avLst/>
-          </a:prstGeom>
-          <a:gradFill>
-            <a:gsLst>
-              <a:gs pos="17000">
-                <a:schemeClr val="accent1">
-                  <a:alpha val="0"/>
-                </a:schemeClr>
-              </a:gs>
-              <a:gs pos="100000">
-                <a:srgbClr val="000000">
-                  <a:alpha val="37000"/>
-                </a:srgbClr>
-              </a:gs>
-            </a:gsLst>
-            <a:lin ang="7800000" scaled="0"/>
-          </a:gradFill>
-          <a:ln>
-            <a:noFill/>
-          </a:ln>
-        </p:spPr>
-        <p:style>
-          <a:lnRef idx="2">
-            <a:schemeClr val="accent1">
-              <a:shade val="50000"/>
-            </a:schemeClr>
-          </a:lnRef>
-          <a:fillRef idx="1">
-            <a:schemeClr val="accent1"/>
-          </a:fillRef>
-          <a:effectRef idx="0">
-            <a:schemeClr val="accent1"/>
-          </a:effectRef>
-          <a:fontRef idx="minor">
-            <a:schemeClr val="lt1"/>
-          </a:fontRef>
-        </p:style>
-        <p:txBody>
-          <a:bodyPr rtlCol="0" anchor="ctr"/>
-          <a:lstStyle/>
-          <a:p>
-            <a:pPr algn="ctr"/>
-            <a:endParaRPr lang="en-US"/>
-          </a:p>
-        </p:txBody>
-      </p:sp>
-      <p:sp>
-        <p:nvSpPr>
-          <p:cNvPr id="29" name="Rectangle 28">
-            <a:extLst>
-              <a:ext uri="{FF2B5EF4-FFF2-40B4-BE49-F238E27FC236}">
-                <a16:creationId xmlns:a16="http://schemas.microsoft.com/office/drawing/2014/main" id="{DC631C0B-6DA6-4E57-8231-CE32B3434A7E}"/>
-              </a:ext>
-              <a:ext uri="{C183D7F6-B498-43B3-948B-1728B52AA6E4}">
-                <adec:decorative xmlns:adec="http://schemas.microsoft.com/office/drawing/2017/decorative" val="1"/>
-              </a:ext>
-            </a:extLst>
-          </p:cNvPr>
-          <p:cNvSpPr>
-            <a:spLocks noGrp="1" noRot="1" noChangeAspect="1" noMove="1" noResize="1" noEditPoints="1" noAdjustHandles="1" noChangeArrowheads="1" noChangeShapeType="1" noTextEdit="1"/>
-          </p:cNvSpPr>
-          <p:nvPr>
-            <p:extLst>
-              <p:ext uri="{386F3935-93C4-4BCD-93E2-E3B085C9AB24}">
-                <p16:designElem xmlns:p16="http://schemas.microsoft.com/office/powerpoint/2015/main" val="1"/>
-              </p:ext>
-            </p:extLst>
-          </p:nvPr>
-        </p:nvSpPr>
-        <p:spPr>
-          <a:xfrm>
-            <a:off x="-5" y="-22690"/>
-            <a:ext cx="8542485" cy="4374126"/>
-          </a:xfrm>
-          <a:prstGeom prst="rect">
-            <a:avLst/>
-          </a:prstGeom>
-          <a:gradFill>
-            <a:gsLst>
-              <a:gs pos="0">
-                <a:schemeClr val="accent1">
-                  <a:lumMod val="50000"/>
-                  <a:alpha val="0"/>
-                </a:schemeClr>
-              </a:gs>
-              <a:gs pos="100000">
-                <a:srgbClr val="000000">
-                  <a:alpha val="25000"/>
-                </a:srgbClr>
-              </a:gs>
-            </a:gsLst>
-            <a:lin ang="18600000" scaled="0"/>
-          </a:gradFill>
-          <a:ln>
-            <a:noFill/>
-          </a:ln>
-        </p:spPr>
-        <p:style>
-          <a:lnRef idx="2">
-            <a:schemeClr val="accent1">
-              <a:shade val="50000"/>
-            </a:schemeClr>
-          </a:lnRef>
-          <a:fillRef idx="1">
-            <a:schemeClr val="accent1"/>
-          </a:fillRef>
-          <a:effectRef idx="0">
-            <a:schemeClr val="accent1"/>
-          </a:effectRef>
-          <a:fontRef idx="minor">
-            <a:schemeClr val="lt1"/>
-          </a:fontRef>
-        </p:style>
-        <p:txBody>
-          <a:bodyPr rtlCol="0" anchor="ctr"/>
-          <a:lstStyle/>
-          <a:p>
-            <a:pPr algn="ctr"/>
-            <a:endParaRPr lang="en-US"/>
-          </a:p>
-        </p:txBody>
-      </p:sp>
-      <p:sp>
-        <p:nvSpPr>
-          <p:cNvPr id="31" name="Freeform: Shape 30">
-            <a:extLst>
-              <a:ext uri="{FF2B5EF4-FFF2-40B4-BE49-F238E27FC236}">
-                <a16:creationId xmlns:a16="http://schemas.microsoft.com/office/drawing/2014/main" id="{C29501E6-A978-4A61-9689-9085AF97A53A}"/>
-              </a:ext>
-              <a:ext uri="{C183D7F6-B498-43B3-948B-1728B52AA6E4}">
-                <adec:decorative xmlns:adec="http://schemas.microsoft.com/office/drawing/2017/decorative" val="1"/>
-              </a:ext>
-            </a:extLst>
-          </p:cNvPr>
-          <p:cNvSpPr>
-            <a:spLocks noGrp="1" noRot="1" noChangeAspect="1" noMove="1" noResize="1" noEditPoints="1" noAdjustHandles="1" noChangeArrowheads="1" noChangeShapeType="1" noTextEdit="1"/>
-          </p:cNvSpPr>
-          <p:nvPr>
-            <p:extLst>
-              <p:ext uri="{386F3935-93C4-4BCD-93E2-E3B085C9AB24}">
-                <p16:designElem xmlns:p16="http://schemas.microsoft.com/office/powerpoint/2015/main" val="1"/>
-              </p:ext>
-            </p:extLst>
-          </p:nvPr>
-        </p:nvSpPr>
-        <p:spPr>
-          <a:xfrm rot="12508972">
-            <a:off x="5945431" y="-1032053"/>
-            <a:ext cx="4990147" cy="4439131"/>
-          </a:xfrm>
-          <a:custGeom>
-            <a:avLst/>
-            <a:gdLst>
-              <a:gd name="connsiteX0" fmla="*/ 4990147 w 4990147"/>
-              <a:gd name="connsiteY0" fmla="*/ 2229378 h 4439131"/>
-              <a:gd name="connsiteX1" fmla="*/ 917384 w 4990147"/>
-              <a:gd name="connsiteY1" fmla="*/ 4439131 h 4439131"/>
-              <a:gd name="connsiteX2" fmla="*/ 910814 w 4990147"/>
-              <a:gd name="connsiteY2" fmla="*/ 4434219 h 4439131"/>
-              <a:gd name="connsiteX3" fmla="*/ 0 w 4990147"/>
-              <a:gd name="connsiteY3" fmla="*/ 2502877 h 4439131"/>
-              <a:gd name="connsiteX4" fmla="*/ 2502877 w 4990147"/>
-              <a:gd name="connsiteY4" fmla="*/ 0 h 4439131"/>
-              <a:gd name="connsiteX5" fmla="*/ 4954904 w 4990147"/>
-              <a:gd name="connsiteY5" fmla="*/ 1998460 h 4439131"/>
-            </a:gdLst>
-            <a:ahLst/>
-            <a:cxnLst>
-              <a:cxn ang="0">
-                <a:pos x="connsiteX0" y="connsiteY0"/>
-              </a:cxn>
-              <a:cxn ang="0">
-                <a:pos x="connsiteX1" y="connsiteY1"/>
-              </a:cxn>
-              <a:cxn ang="0">
-                <a:pos x="connsiteX2" y="connsiteY2"/>
-              </a:cxn>
-              <a:cxn ang="0">
-                <a:pos x="connsiteX3" y="connsiteY3"/>
-              </a:cxn>
-              <a:cxn ang="0">
-                <a:pos x="connsiteX4" y="connsiteY4"/>
-              </a:cxn>
-              <a:cxn ang="0">
-                <a:pos x="connsiteX5" y="connsiteY5"/>
-              </a:cxn>
-            </a:cxnLst>
-            <a:rect l="l" t="t" r="r" b="b"/>
-            <a:pathLst>
-              <a:path w="4990147" h="4439131">
-                <a:moveTo>
-                  <a:pt x="4990147" y="2229378"/>
-                </a:moveTo>
-                <a:lnTo>
-                  <a:pt x="917384" y="4439131"/>
-                </a:lnTo>
-                <a:lnTo>
-                  <a:pt x="910814" y="4434219"/>
-                </a:lnTo>
-                <a:cubicBezTo>
-                  <a:pt x="354557" y="3975154"/>
-                  <a:pt x="0" y="3280421"/>
-                  <a:pt x="0" y="2502877"/>
-                </a:cubicBezTo>
-                <a:cubicBezTo>
-                  <a:pt x="0" y="1120576"/>
-                  <a:pt x="1120576" y="0"/>
-                  <a:pt x="2502877" y="0"/>
-                </a:cubicBezTo>
-                <a:cubicBezTo>
-                  <a:pt x="3712390" y="0"/>
-                  <a:pt x="4721520" y="857941"/>
-                  <a:pt x="4954904" y="1998460"/>
-                </a:cubicBezTo>
-                <a:close/>
-              </a:path>
-            </a:pathLst>
-          </a:custGeom>
-          <a:gradFill>
-            <a:gsLst>
-              <a:gs pos="0">
-                <a:schemeClr val="accent1">
-                  <a:alpha val="22000"/>
-                </a:schemeClr>
-              </a:gs>
-              <a:gs pos="87000">
-                <a:schemeClr val="accent1">
-                  <a:lumMod val="60000"/>
-                  <a:lumOff val="40000"/>
-                  <a:alpha val="2000"/>
-                </a:schemeClr>
-              </a:gs>
-            </a:gsLst>
-            <a:lin ang="8400000" scaled="0"/>
-          </a:gradFill>
-          <a:ln>
-            <a:noFill/>
-          </a:ln>
-        </p:spPr>
-        <p:style>
-          <a:lnRef idx="2">
-            <a:schemeClr val="accent1">
-              <a:shade val="50000"/>
-            </a:schemeClr>
-          </a:lnRef>
-          <a:fillRef idx="1">
-            <a:schemeClr val="accent1"/>
-          </a:fillRef>
-          <a:effectRef idx="0">
-            <a:schemeClr val="accent1"/>
-          </a:effectRef>
-          <a:fontRef idx="minor">
-            <a:schemeClr val="lt1"/>
-          </a:fontRef>
-        </p:style>
-        <p:txBody>
-          <a:bodyPr wrap="square" rtlCol="0" anchor="ctr">
-            <a:noAutofit/>
-          </a:bodyPr>
-          <a:lstStyle/>
-          <a:p>
-            <a:pPr algn="ctr"/>
-            <a:endParaRPr lang="en-US" dirty="0"/>
-          </a:p>
-        </p:txBody>
-      </p:sp>
-      <p:sp>
-        <p:nvSpPr>
-          <p:cNvPr id="2" name="Title 1">
-            <a:extLst>
-              <a:ext uri="{FF2B5EF4-FFF2-40B4-BE49-F238E27FC236}">
-                <a16:creationId xmlns:a16="http://schemas.microsoft.com/office/drawing/2014/main" id="{287A03DE-1123-91CE-26BE-143108D13665}"/>
-              </a:ext>
-            </a:extLst>
-          </p:cNvPr>
-          <p:cNvSpPr>
-            <a:spLocks noGrp="1"/>
-          </p:cNvSpPr>
-          <p:nvPr>
-            <p:ph type="ctrTitle"/>
-          </p:nvPr>
-        </p:nvSpPr>
-        <p:spPr>
-          <a:xfrm>
-            <a:off x="1314824" y="735106"/>
-            <a:ext cx="10053763" cy="2928470"/>
-          </a:xfrm>
-        </p:spPr>
-        <p:txBody>
-          <a:bodyPr vert="horz" lIns="91440" tIns="45720" rIns="91440" bIns="45720" rtlCol="0" anchor="b">
-            <a:normAutofit/>
-          </a:bodyPr>
-          <a:lstStyle/>
-          <a:p>
-            <a:pPr algn="l"/>
-            <a:r>
-              <a:rPr lang="en-US" sz="4800" dirty="0">
-                <a:solidFill>
-                  <a:srgbClr val="FFFFFF"/>
-                </a:solidFill>
-              </a:rPr>
-              <a:t>User Study</a:t>
-            </a:r>
-          </a:p>
-        </p:txBody>
-      </p:sp>
-    </p:spTree>
-    <p:extLst>
-      <p:ext uri="{BB962C8B-B14F-4D97-AF65-F5344CB8AC3E}">
-        <p14:creationId xmlns:p14="http://schemas.microsoft.com/office/powerpoint/2010/main" val="876094038"/>
-      </p:ext>
-    </p:extLst>
-  </p:cSld>
-  <p:clrMapOvr>
-    <a:masterClrMapping/>
-  </p:clrMapOvr>
-  <p:timing>
-    <p:tnLst>
-      <p:par>
-        <p:cTn id="1" dur="indefinite" restart="never" nodeType="tmRoot">
-          <p:childTnLst>
-            <p:seq concurrent="1" nextAc="seek">
-              <p:cTn id="2" dur="indefinite" nodeType="mainSeq">
-                <p:childTnLst>
-                  <p:par>
-                    <p:cTn id="3" fill="hold">
-                      <p:stCondLst>
-                        <p:cond delay="indefinite"/>
-                        <p:cond evt="onBegin" delay="0">
-                          <p:tn val="2"/>
-                        </p:cond>
-                      </p:stCondLst>
-                      <p:childTnLst>
-                        <p:par>
-                          <p:cTn id="4" fill="hold">
-                            <p:stCondLst>
-                              <p:cond delay="0"/>
-                            </p:stCondLst>
-                            <p:childTnLst>
-                              <p:par>
-                                <p:cTn id="5" presetID="10" presetClass="entr" presetSubtype="0" fill="hold" grpId="0" nodeType="withEffect">
-                                  <p:stCondLst>
-                                    <p:cond delay="500"/>
-                                  </p:stCondLst>
-                                  <p:iterate type="lt">
-                                    <p:tmPct val="10000"/>
-                                  </p:iterate>
-                                  <p:childTnLst>
-                                    <p:set>
-                                      <p:cBhvr>
-                                        <p:cTn id="6" dur="1" fill="hold">
-                                          <p:stCondLst>
-                                            <p:cond delay="0"/>
-                                          </p:stCondLst>
-                                        </p:cTn>
-                                        <p:tgtEl>
-                                          <p:spTgt spid="2"/>
-                                        </p:tgtEl>
-                                        <p:attrNameLst>
-                                          <p:attrName>style.visibility</p:attrName>
-                                        </p:attrNameLst>
-                                      </p:cBhvr>
-                                      <p:to>
-                                        <p:strVal val="visible"/>
-                                      </p:to>
-                                    </p:set>
-                                    <p:animEffect transition="in" filter="fade">
-                                      <p:cBhvr>
-                                        <p:cTn id="7" dur="400"/>
-                                        <p:tgtEl>
-                                          <p:spTgt spid="2"/>
-                                        </p:tgtEl>
-                                      </p:cBhvr>
-                                    </p:animEffect>
-                                  </p:childTnLst>
-                                </p:cTn>
-                              </p:par>
-                            </p:childTnLst>
-                          </p:cTn>
-                        </p:par>
-                      </p:childTnLst>
-                    </p:cTn>
-                  </p:par>
-                </p:childTnLst>
-              </p:cTn>
-              <p:prevCondLst>
-                <p:cond evt="onPrev" delay="0">
-                  <p:tgtEl>
-                    <p:sldTgt/>
-                  </p:tgtEl>
-                </p:cond>
-              </p:prevCondLst>
-              <p:nextCondLst>
-                <p:cond evt="onNext" delay="0">
-                  <p:tgtEl>
-                    <p:sldTgt/>
-                  </p:tgtEl>
-                </p:cond>
-              </p:nextCondLst>
-            </p:seq>
-          </p:childTnLst>
-        </p:cTn>
-      </p:par>
-    </p:tnLst>
-    <p:bldLst>
-      <p:bldP spid="2" grpId="0"/>
-    </p:bldLst>
-  </p:timing>
-</p:sld>
-</file>
-
-<file path=ppt/slides/slide9.xml><?xml version="1.0" encoding="utf-8"?>
-<p:sld xmlns:a="http://schemas.openxmlformats.org/drawingml/2006/main" xmlns:r="http://schemas.openxmlformats.org/officeDocument/2006/relationships" xmlns:p="http://schemas.openxmlformats.org/presentationml/2006/main">
-  <p:cSld>
-    <p:bg>
-      <p:bgPr>
-        <a:solidFill>
-          <a:schemeClr val="bg1"/>
-        </a:solidFill>
-        <a:effectLst/>
-      </p:bgPr>
-    </p:bg>
-    <p:spTree>
-      <p:nvGrpSpPr>
-        <p:cNvPr id="1" name="">
-          <a:extLst>
-            <a:ext uri="{FF2B5EF4-FFF2-40B4-BE49-F238E27FC236}">
-              <a16:creationId xmlns:a16="http://schemas.microsoft.com/office/drawing/2014/main" id="{E41B61D3-2981-898F-AA17-FC292C33E1BF}"/>
-            </a:ext>
-          </a:extLst>
-        </p:cNvPr>
-        <p:cNvGrpSpPr/>
-        <p:nvPr/>
-      </p:nvGrpSpPr>
-      <p:grpSpPr>
-        <a:xfrm>
-          <a:off x="0" y="0"/>
-          <a:ext cx="0" cy="0"/>
-          <a:chOff x="0" y="0"/>
-          <a:chExt cx="0" cy="0"/>
-        </a:xfrm>
-      </p:grpSpPr>
-      <p:sp useBgFill="1">
-        <p:nvSpPr>
-          <p:cNvPr id="22" name="Rectangle 21">
-            <a:extLst>
-              <a:ext uri="{FF2B5EF4-FFF2-40B4-BE49-F238E27FC236}">
-                <a16:creationId xmlns:a16="http://schemas.microsoft.com/office/drawing/2014/main" id="{BACC6370-2D7E-4714-9D71-7542949D7D5D}"/>
-              </a:ext>
-              <a:ext uri="{C183D7F6-B498-43B3-948B-1728B52AA6E4}">
-                <adec:decorative xmlns:adec="http://schemas.microsoft.com/office/drawing/2017/decorative" val="1"/>
-              </a:ext>
-            </a:extLst>
-          </p:cNvPr>
-          <p:cNvSpPr>
-            <a:spLocks noGrp="1" noRot="1" noChangeAspect="1" noMove="1" noResize="1" noEditPoints="1" noAdjustHandles="1" noChangeArrowheads="1" noChangeShapeType="1" noTextEdit="1"/>
-          </p:cNvSpPr>
-          <p:nvPr>
-            <p:extLst>
-              <p:ext uri="{386F3935-93C4-4BCD-93E2-E3B085C9AB24}">
-                <p16:designElem xmlns:p16="http://schemas.microsoft.com/office/powerpoint/2015/main" val="1"/>
-              </p:ext>
-            </p:extLst>
-          </p:nvPr>
-        </p:nvSpPr>
-        <p:spPr>
-          <a:xfrm>
-            <a:off x="0" y="0"/>
-            <a:ext cx="12192000" cy="6858000"/>
-          </a:xfrm>
-          <a:prstGeom prst="rect">
-            <a:avLst/>
-          </a:prstGeom>
-          <a:ln w="12700" cap="flat" cmpd="sng" algn="ctr">
-            <a:noFill/>
-            <a:prstDash val="solid"/>
-            <a:miter lim="800000"/>
-          </a:ln>
-          <a:effectLst/>
-          <a:extLst>
-            <a:ext uri="{91240B29-F687-4F45-9708-019B960494DF}">
-              <a14:hiddenLine xmlns:a14="http://schemas.microsoft.com/office/drawing/2010/main" w="12700" cap="flat" cmpd="sng" algn="ctr">
-                <a:solidFill>
-                  <a:schemeClr val="accent1">
-                    <a:shade val="50000"/>
-                  </a:schemeClr>
-                </a:solidFill>
-                <a:prstDash val="solid"/>
-                <a:miter lim="800000"/>
-              </a14:hiddenLine>
-            </a:ext>
-          </a:extLst>
-        </p:spPr>
-        <p:style>
-          <a:lnRef idx="2">
-            <a:schemeClr val="accent1">
-              <a:shade val="50000"/>
-            </a:schemeClr>
-          </a:lnRef>
-          <a:fillRef idx="1">
-            <a:schemeClr val="accent1"/>
-          </a:fillRef>
-          <a:effectRef idx="0">
-            <a:schemeClr val="accent1"/>
-          </a:effectRef>
-          <a:fontRef idx="minor">
-            <a:schemeClr val="lt1"/>
-          </a:fontRef>
-        </p:style>
-        <p:txBody>
-          <a:bodyPr rtlCol="0" anchor="ctr"/>
-          <a:lstStyle/>
-          <a:p>
-            <a:pPr algn="ctr"/>
-            <a:endParaRPr lang="en-US"/>
-          </a:p>
-        </p:txBody>
-      </p:sp>
-      <p:sp>
-        <p:nvSpPr>
-          <p:cNvPr id="24" name="Rectangle 23">
-            <a:extLst>
-              <a:ext uri="{FF2B5EF4-FFF2-40B4-BE49-F238E27FC236}">
-                <a16:creationId xmlns:a16="http://schemas.microsoft.com/office/drawing/2014/main" id="{F68B3F68-107C-434F-AA38-110D5EA91B85}"/>
-              </a:ext>
-              <a:ext uri="{C183D7F6-B498-43B3-948B-1728B52AA6E4}">
-                <adec:decorative xmlns:adec="http://schemas.microsoft.com/office/drawing/2017/decorative" val="1"/>
-              </a:ext>
-            </a:extLst>
-          </p:cNvPr>
-          <p:cNvSpPr>
-            <a:spLocks noGrp="1" noRot="1" noChangeAspect="1" noMove="1" noResize="1" noEditPoints="1" noAdjustHandles="1" noChangeArrowheads="1" noChangeShapeType="1" noTextEdit="1"/>
-          </p:cNvSpPr>
-          <p:nvPr>
-            <p:extLst>
-              <p:ext uri="{386F3935-93C4-4BCD-93E2-E3B085C9AB24}">
-                <p16:designElem xmlns:p16="http://schemas.microsoft.com/office/powerpoint/2015/main" val="1"/>
-              </p:ext>
-            </p:extLst>
-          </p:nvPr>
-        </p:nvSpPr>
-        <p:spPr>
-          <a:xfrm flipH="1">
-            <a:off x="2" y="0"/>
-            <a:ext cx="12191998" cy="1575955"/>
-          </a:xfrm>
-          <a:prstGeom prst="rect">
-            <a:avLst/>
-          </a:prstGeom>
-          <a:gradFill>
-            <a:gsLst>
-              <a:gs pos="0">
-                <a:srgbClr val="000000">
-                  <a:alpha val="96000"/>
-                </a:srgbClr>
-              </a:gs>
-              <a:gs pos="100000">
-                <a:schemeClr val="accent1">
-                  <a:lumMod val="75000"/>
-                </a:schemeClr>
-              </a:gs>
-            </a:gsLst>
-            <a:lin ang="8400000" scaled="0"/>
-          </a:gradFill>
-          <a:ln>
-            <a:noFill/>
-          </a:ln>
-        </p:spPr>
-        <p:style>
-          <a:lnRef idx="2">
-            <a:schemeClr val="accent1">
-              <a:shade val="50000"/>
-            </a:schemeClr>
-          </a:lnRef>
-          <a:fillRef idx="1">
-            <a:schemeClr val="accent1"/>
-          </a:fillRef>
-          <a:effectRef idx="0">
-            <a:schemeClr val="accent1"/>
-          </a:effectRef>
-          <a:fontRef idx="minor">
-            <a:schemeClr val="lt1"/>
-          </a:fontRef>
-        </p:style>
-        <p:txBody>
-          <a:bodyPr rtlCol="0" anchor="ctr"/>
-          <a:lstStyle/>
-          <a:p>
-            <a:pPr algn="ctr"/>
-            <a:endParaRPr lang="en-US"/>
-          </a:p>
-        </p:txBody>
-      </p:sp>
-      <p:sp>
-        <p:nvSpPr>
-          <p:cNvPr id="26" name="Rectangle 25">
-            <a:extLst>
-              <a:ext uri="{FF2B5EF4-FFF2-40B4-BE49-F238E27FC236}">
-                <a16:creationId xmlns:a16="http://schemas.microsoft.com/office/drawing/2014/main" id="{AAD0DBB9-1A4B-4391-81D4-CB19F9AB918A}"/>
-              </a:ext>
-              <a:ext uri="{C183D7F6-B498-43B3-948B-1728B52AA6E4}">
-                <adec:decorative xmlns:adec="http://schemas.microsoft.com/office/drawing/2017/decorative" val="1"/>
-              </a:ext>
-            </a:extLst>
-          </p:cNvPr>
-          <p:cNvSpPr>
-            <a:spLocks noGrp="1" noRot="1" noChangeAspect="1" noMove="1" noResize="1" noEditPoints="1" noAdjustHandles="1" noChangeArrowheads="1" noChangeShapeType="1" noTextEdit="1"/>
-          </p:cNvSpPr>
-          <p:nvPr>
-            <p:extLst>
-              <p:ext uri="{386F3935-93C4-4BCD-93E2-E3B085C9AB24}">
-                <p16:designElem xmlns:p16="http://schemas.microsoft.com/office/powerpoint/2015/main" val="1"/>
-              </p:ext>
-            </p:extLst>
-          </p:nvPr>
-        </p:nvSpPr>
-        <p:spPr>
-          <a:xfrm rot="10800000" flipH="1">
-            <a:off x="8128857" y="0"/>
-            <a:ext cx="4063143" cy="1576412"/>
-          </a:xfrm>
-          <a:prstGeom prst="rect">
-            <a:avLst/>
-          </a:prstGeom>
-          <a:gradFill>
-            <a:gsLst>
-              <a:gs pos="19000">
-                <a:schemeClr val="accent1">
-                  <a:lumMod val="50000"/>
-                  <a:alpha val="68000"/>
-                </a:schemeClr>
-              </a:gs>
-              <a:gs pos="100000">
-                <a:schemeClr val="accent1">
-                  <a:alpha val="79000"/>
-                </a:schemeClr>
-              </a:gs>
-            </a:gsLst>
-            <a:lin ang="19200000" scaled="0"/>
-          </a:gradFill>
-          <a:ln>
-            <a:noFill/>
-          </a:ln>
-        </p:spPr>
-        <p:style>
-          <a:lnRef idx="2">
-            <a:schemeClr val="accent1">
-              <a:shade val="50000"/>
-            </a:schemeClr>
-          </a:lnRef>
-          <a:fillRef idx="1">
-            <a:schemeClr val="accent1"/>
-          </a:fillRef>
-          <a:effectRef idx="0">
-            <a:schemeClr val="accent1"/>
-          </a:effectRef>
-          <a:fontRef idx="minor">
-            <a:schemeClr val="lt1"/>
-          </a:fontRef>
-        </p:style>
-        <p:txBody>
-          <a:bodyPr rtlCol="0" anchor="ctr"/>
-          <a:lstStyle/>
-          <a:p>
-            <a:pPr algn="ctr"/>
-            <a:endParaRPr lang="en-US"/>
-          </a:p>
-        </p:txBody>
-      </p:sp>
-      <p:sp>
-        <p:nvSpPr>
-          <p:cNvPr id="28" name="Rectangle 27">
-            <a:extLst>
-              <a:ext uri="{FF2B5EF4-FFF2-40B4-BE49-F238E27FC236}">
-                <a16:creationId xmlns:a16="http://schemas.microsoft.com/office/drawing/2014/main" id="{063BBA22-50EA-4C4D-BE05-F1CE4E63AA56}"/>
-              </a:ext>
-              <a:ext uri="{C183D7F6-B498-43B3-948B-1728B52AA6E4}">
-                <adec:decorative xmlns:adec="http://schemas.microsoft.com/office/drawing/2017/decorative" val="1"/>
-              </a:ext>
-            </a:extLst>
-          </p:cNvPr>
-          <p:cNvSpPr>
-            <a:spLocks noGrp="1" noRot="1" noChangeAspect="1" noMove="1" noResize="1" noEditPoints="1" noAdjustHandles="1" noChangeArrowheads="1" noChangeShapeType="1" noTextEdit="1"/>
-          </p:cNvSpPr>
-          <p:nvPr>
-            <p:extLst>
-              <p:ext uri="{386F3935-93C4-4BCD-93E2-E3B085C9AB24}">
-                <p16:designElem xmlns:p16="http://schemas.microsoft.com/office/powerpoint/2015/main" val="1"/>
-              </p:ext>
-            </p:extLst>
-          </p:nvPr>
-        </p:nvSpPr>
-        <p:spPr>
-          <a:xfrm rot="5400000">
-            <a:off x="5307777" y="-5307778"/>
-            <a:ext cx="1576446" cy="12192002"/>
-          </a:xfrm>
-          <a:prstGeom prst="rect">
-            <a:avLst/>
-          </a:prstGeom>
-          <a:gradFill>
-            <a:gsLst>
-              <a:gs pos="23000">
-                <a:schemeClr val="accent1">
-                  <a:alpha val="0"/>
-                </a:schemeClr>
-              </a:gs>
-              <a:gs pos="99000">
-                <a:srgbClr val="000000">
-                  <a:alpha val="74000"/>
-                </a:srgbClr>
-              </a:gs>
-            </a:gsLst>
-            <a:lin ang="20400000" scaled="0"/>
-          </a:gradFill>
-          <a:ln>
-            <a:noFill/>
-          </a:ln>
-        </p:spPr>
-        <p:style>
-          <a:lnRef idx="2">
-            <a:schemeClr val="accent1">
-              <a:shade val="50000"/>
-            </a:schemeClr>
-          </a:lnRef>
-          <a:fillRef idx="1">
-            <a:schemeClr val="accent1"/>
-          </a:fillRef>
-          <a:effectRef idx="0">
-            <a:schemeClr val="accent1"/>
-          </a:effectRef>
-          <a:fontRef idx="minor">
-            <a:schemeClr val="lt1"/>
-          </a:fontRef>
-        </p:style>
-        <p:txBody>
-          <a:bodyPr rtlCol="0" anchor="ctr"/>
-          <a:lstStyle/>
-          <a:p>
-            <a:pPr algn="ctr"/>
-            <a:endParaRPr lang="en-US" dirty="0"/>
-          </a:p>
-        </p:txBody>
-      </p:sp>
-      <p:sp>
-        <p:nvSpPr>
-          <p:cNvPr id="4" name="Content Placeholder 2">
-            <a:extLst>
-              <a:ext uri="{FF2B5EF4-FFF2-40B4-BE49-F238E27FC236}">
-                <a16:creationId xmlns:a16="http://schemas.microsoft.com/office/drawing/2014/main" id="{AFC934D0-625F-6A4C-F462-A659A43F92C0}"/>
+                <a16:creationId xmlns:a16="http://schemas.microsoft.com/office/drawing/2014/main" id="{3C82460F-8A46-C379-3763-B1935A3D677A}"/>
               </a:ext>
             </a:extLst>
           </p:cNvPr>
@@ -15370,16 +13776,20 @@
         </p:nvSpPr>
         <p:spPr>
           <a:xfrm>
-            <a:off x="990600" y="2241259"/>
-            <a:ext cx="8897224" cy="4088104"/>
+            <a:off x="228600" y="292916"/>
+            <a:ext cx="6868886" cy="5959837"/>
           </a:xfrm>
           <a:prstGeom prst="rect">
             <a:avLst/>
           </a:prstGeom>
+          <a:noFill/>
+          <a:ln>
+            <a:noFill/>
+          </a:ln>
         </p:spPr>
         <p:txBody>
-          <a:bodyPr vert="horz" lIns="91440" tIns="45720" rIns="91440" bIns="45720" rtlCol="0">
-            <a:normAutofit lnSpcReduction="10000"/>
+          <a:bodyPr spcFirstLastPara="1" wrap="square" lIns="91425" tIns="45700" rIns="91425" bIns="45700" anchor="t" anchorCtr="0">
+            <a:normAutofit/>
           </a:bodyPr>
           <a:lstStyle>
             <a:lvl1pPr marL="228600" indent="-228600" algn="l" defTabSz="914400" rtl="0" eaLnBrk="1" latinLnBrk="0" hangingPunct="1">
@@ -15546,126 +13956,682 @@
             </a:lvl9pPr>
           </a:lstStyle>
           <a:p>
-            <a:pPr marL="0" indent="0">
-              <a:buNone/>
+            <a:pPr>
+              <a:spcBef>
+                <a:spcPts val="0"/>
+              </a:spcBef>
+              <a:buSzPts val="2800"/>
             </a:pPr>
             <a:r>
               <a:rPr lang="en-US" dirty="0"/>
-              <a:t>Finished: yes</a:t>
+              <a:t>The client, Mayer Goldberg, has developed a theory of meta-questions and their translation into multiple-choice questions. </a:t>
             </a:r>
           </a:p>
           <a:p>
-            <a:pPr marL="0" indent="0">
-              <a:buNone/>
+            <a:pPr>
+              <a:spcBef>
+                <a:spcPts val="0"/>
+              </a:spcBef>
+              <a:buSzPts val="2800"/>
+            </a:pPr>
+            <a:endParaRPr lang="en-US" dirty="0"/>
+          </a:p>
+          <a:p>
+            <a:pPr>
+              <a:spcBef>
+                <a:spcPts val="0"/>
+              </a:spcBef>
+              <a:buSzPts val="2800"/>
             </a:pPr>
             <a:r>
               <a:rPr lang="en-US" dirty="0"/>
-              <a:t>Hints: yes, explained why he should change the password</a:t>
+              <a:t>A local, scheme-based system was created to synthesize &amp; generate multiple-choice and implement said theory. </a:t>
             </a:r>
           </a:p>
           <a:p>
-            <a:pPr marL="0" indent="0">
-              <a:buNone/>
+            <a:pPr>
+              <a:spcBef>
+                <a:spcPts val="0"/>
+              </a:spcBef>
+              <a:buSzPts val="2800"/>
+            </a:pPr>
+            <a:endParaRPr lang="en-US" dirty="0"/>
+          </a:p>
+          <a:p>
+            <a:pPr>
+              <a:spcBef>
+                <a:spcPts val="0"/>
+              </a:spcBef>
+              <a:buSzPts val="2800"/>
             </a:pPr>
             <a:r>
               <a:rPr lang="en-US" dirty="0"/>
-              <a:t>Time: 40 seconds</a:t>
+              <a:t>The existing system has now been in use for 6-7 years in a large number of courses. </a:t>
             </a:r>
           </a:p>
           <a:p>
-            <a:pPr marL="0" indent="0">
-              <a:buNone/>
+            <a:pPr>
+              <a:spcBef>
+                <a:spcPts val="0"/>
+              </a:spcBef>
+              <a:buSzPts val="2800"/>
+            </a:pPr>
+            <a:endParaRPr lang="en-US" dirty="0"/>
+          </a:p>
+          <a:p>
+            <a:pPr>
+              <a:spcBef>
+                <a:spcPts val="0"/>
+              </a:spcBef>
+              <a:buSzPts val="2800"/>
             </a:pPr>
             <a:r>
               <a:rPr lang="en-US" dirty="0"/>
-              <a:t>Rating: 4</a:t>
+              <a:t>Current system’s low accessibility is too hard for people without deep knowledge and understanding to use comfortably. </a:t>
             </a:r>
           </a:p>
-          <a:p>
-            <a:pPr marL="0" indent="0">
-              <a:buNone/>
-            </a:pPr>
-            <a:r>
-              <a:rPr lang="en-US" dirty="0"/>
-              <a:t>Notes: </a:t>
-            </a:r>
-          </a:p>
-          <a:p>
-            <a:pPr>
-              <a:buFontTx/>
-              <a:buChar char="-"/>
-            </a:pPr>
-            <a:r>
-              <a:rPr lang="en-US" dirty="0"/>
-              <a:t>Didn’t understand why he needed to change the password</a:t>
-            </a:r>
-          </a:p>
-          <a:p>
-            <a:pPr>
-              <a:buFontTx/>
-              <a:buChar char="-"/>
-            </a:pPr>
-            <a:r>
-              <a:rPr lang="en-US" dirty="0"/>
-              <a:t>The system allowed to him to change his password to ‘nothing’, but the system wont allow him to connect without entering a password</a:t>
-            </a:r>
+        </p:txBody>
+      </p:sp>
+    </p:spTree>
+    <p:extLst>
+      <p:ext uri="{BB962C8B-B14F-4D97-AF65-F5344CB8AC3E}">
+        <p14:creationId xmlns:p14="http://schemas.microsoft.com/office/powerpoint/2010/main" val="238108882"/>
+      </p:ext>
+    </p:extLst>
+  </p:cSld>
+  <p:clrMapOvr>
+    <a:masterClrMapping/>
+  </p:clrMapOvr>
+</p:sld>
+</file>
+
+<file path=ppt/slides/slide6.xml><?xml version="1.0" encoding="utf-8"?>
+<p:sld xmlns:a="http://schemas.openxmlformats.org/drawingml/2006/main" xmlns:r="http://schemas.openxmlformats.org/officeDocument/2006/relationships" xmlns:p="http://schemas.openxmlformats.org/presentationml/2006/main">
+  <p:cSld>
+    <p:bg>
+      <p:bgPr>
+        <a:solidFill>
+          <a:schemeClr val="bg1"/>
+        </a:solidFill>
+        <a:effectLst/>
+      </p:bgPr>
+    </p:bg>
+    <p:spTree>
+      <p:nvGrpSpPr>
+        <p:cNvPr id="1" name="">
+          <a:extLst>
+            <a:ext uri="{FF2B5EF4-FFF2-40B4-BE49-F238E27FC236}">
+              <a16:creationId xmlns:a16="http://schemas.microsoft.com/office/drawing/2014/main" id="{756E7152-B363-1C1C-F993-7E61BFD64AB8}"/>
+            </a:ext>
+          </a:extLst>
+        </p:cNvPr>
+        <p:cNvGrpSpPr/>
+        <p:nvPr/>
+      </p:nvGrpSpPr>
+      <p:grpSpPr>
+        <a:xfrm>
+          <a:off x="0" y="0"/>
+          <a:ext cx="0" cy="0"/>
+          <a:chOff x="0" y="0"/>
+          <a:chExt cx="0" cy="0"/>
+        </a:xfrm>
+      </p:grpSpPr>
+      <p:sp useBgFill="1">
+        <p:nvSpPr>
+          <p:cNvPr id="50" name="Rectangle 49">
+            <a:extLst>
+              <a:ext uri="{FF2B5EF4-FFF2-40B4-BE49-F238E27FC236}">
+                <a16:creationId xmlns:a16="http://schemas.microsoft.com/office/drawing/2014/main" id="{6F5A5072-7B47-4D32-B52A-4EBBF590B8A5}"/>
+              </a:ext>
+              <a:ext uri="{C183D7F6-B498-43B3-948B-1728B52AA6E4}">
+                <adec:decorative xmlns:adec="http://schemas.microsoft.com/office/drawing/2017/decorative" val="1"/>
+              </a:ext>
+            </a:extLst>
+          </p:cNvPr>
+          <p:cNvSpPr>
+            <a:spLocks noGrp="1" noRot="1" noChangeAspect="1" noMove="1" noResize="1" noEditPoints="1" noAdjustHandles="1" noChangeArrowheads="1" noChangeShapeType="1" noTextEdit="1"/>
+          </p:cNvSpPr>
+          <p:nvPr>
+            <p:extLst>
+              <p:ext uri="{386F3935-93C4-4BCD-93E2-E3B085C9AB24}">
+                <p16:designElem xmlns:p16="http://schemas.microsoft.com/office/powerpoint/2015/main" val="1"/>
+              </p:ext>
+            </p:extLst>
+          </p:nvPr>
+        </p:nvSpPr>
+        <p:spPr>
+          <a:xfrm>
+            <a:off x="0" y="0"/>
+            <a:ext cx="12192000" cy="6858000"/>
+          </a:xfrm>
+          <a:prstGeom prst="rect">
+            <a:avLst/>
+          </a:prstGeom>
+          <a:ln w="12700" cap="flat" cmpd="sng" algn="ctr">
+            <a:noFill/>
+            <a:prstDash val="solid"/>
+            <a:miter lim="800000"/>
+          </a:ln>
+          <a:effectLst/>
+          <a:extLst>
+            <a:ext uri="{91240B29-F687-4F45-9708-019B960494DF}">
+              <a14:hiddenLine xmlns:a14="http://schemas.microsoft.com/office/drawing/2010/main" w="12700" cap="flat" cmpd="sng" algn="ctr">
+                <a:solidFill>
+                  <a:schemeClr val="accent1">
+                    <a:shade val="50000"/>
+                  </a:schemeClr>
+                </a:solidFill>
+                <a:prstDash val="solid"/>
+                <a:miter lim="800000"/>
+              </a14:hiddenLine>
+            </a:ext>
+          </a:extLst>
+        </p:spPr>
+        <p:style>
+          <a:lnRef idx="2">
+            <a:schemeClr val="accent1">
+              <a:shade val="50000"/>
+            </a:schemeClr>
+          </a:lnRef>
+          <a:fillRef idx="1">
+            <a:schemeClr val="accent1"/>
+          </a:fillRef>
+          <a:effectRef idx="0">
+            <a:schemeClr val="accent1"/>
+          </a:effectRef>
+          <a:fontRef idx="minor">
+            <a:schemeClr val="lt1"/>
+          </a:fontRef>
+        </p:style>
+        <p:txBody>
+          <a:bodyPr rtlCol="0" anchor="ctr"/>
+          <a:lstStyle/>
+          <a:p>
+            <a:pPr algn="ctr"/>
+            <a:endParaRPr lang="en-US"/>
           </a:p>
         </p:txBody>
       </p:sp>
       <p:sp>
         <p:nvSpPr>
-          <p:cNvPr id="7" name="Title 1">
+          <p:cNvPr id="51" name="Rectangle 50">
             <a:extLst>
               <a:ext uri="{FF2B5EF4-FFF2-40B4-BE49-F238E27FC236}">
-                <a16:creationId xmlns:a16="http://schemas.microsoft.com/office/drawing/2014/main" id="{C5A66165-6FC2-DCB7-D069-732603CB4AB8}"/>
+                <a16:creationId xmlns:a16="http://schemas.microsoft.com/office/drawing/2014/main" id="{9715DAF0-AE1B-46C9-8A6B-DB2AA05AB91D}"/>
+              </a:ext>
+              <a:ext uri="{C183D7F6-B498-43B3-948B-1728B52AA6E4}">
+                <adec:decorative xmlns:adec="http://schemas.microsoft.com/office/drawing/2017/decorative" val="1"/>
               </a:ext>
             </a:extLst>
           </p:cNvPr>
-          <p:cNvSpPr txBox="1">
-            <a:spLocks/>
+          <p:cNvSpPr>
+            <a:spLocks noGrp="1" noRot="1" noChangeAspect="1" noMove="1" noResize="1" noEditPoints="1" noAdjustHandles="1" noChangeArrowheads="1" noChangeShapeType="1" noTextEdit="1"/>
           </p:cNvSpPr>
-          <p:nvPr/>
+          <p:nvPr>
+            <p:extLst>
+              <p:ext uri="{386F3935-93C4-4BCD-93E2-E3B085C9AB24}">
+                <p16:designElem xmlns:p16="http://schemas.microsoft.com/office/powerpoint/2015/main" val="1"/>
+              </p:ext>
+            </p:extLst>
+          </p:nvPr>
         </p:nvSpPr>
         <p:spPr>
-          <a:xfrm>
-            <a:off x="838200" y="269517"/>
-            <a:ext cx="10053763" cy="732967"/>
+          <a:xfrm rot="10800000">
+            <a:off x="-2" y="-22693"/>
+            <a:ext cx="12191999" cy="4374129"/>
           </a:xfrm>
           <a:prstGeom prst="rect">
             <a:avLst/>
           </a:prstGeom>
+          <a:gradFill>
+            <a:gsLst>
+              <a:gs pos="0">
+                <a:schemeClr val="accent1">
+                  <a:lumMod val="75000"/>
+                </a:schemeClr>
+              </a:gs>
+              <a:gs pos="100000">
+                <a:srgbClr val="000000"/>
+              </a:gs>
+            </a:gsLst>
+            <a:lin ang="15000000" scaled="0"/>
+          </a:gradFill>
+          <a:ln>
+            <a:noFill/>
+          </a:ln>
+        </p:spPr>
+        <p:style>
+          <a:lnRef idx="2">
+            <a:schemeClr val="accent1">
+              <a:shade val="50000"/>
+            </a:schemeClr>
+          </a:lnRef>
+          <a:fillRef idx="1">
+            <a:schemeClr val="accent1"/>
+          </a:fillRef>
+          <a:effectRef idx="0">
+            <a:schemeClr val="accent1"/>
+          </a:effectRef>
+          <a:fontRef idx="minor">
+            <a:schemeClr val="lt1"/>
+          </a:fontRef>
+        </p:style>
+        <p:txBody>
+          <a:bodyPr rtlCol="0" anchor="ctr"/>
+          <a:lstStyle/>
+          <a:p>
+            <a:pPr algn="ctr"/>
+            <a:endParaRPr lang="en-US"/>
+          </a:p>
+        </p:txBody>
+      </p:sp>
+      <p:sp>
+        <p:nvSpPr>
+          <p:cNvPr id="52" name="Rectangle 51">
+            <a:extLst>
+              <a:ext uri="{FF2B5EF4-FFF2-40B4-BE49-F238E27FC236}">
+                <a16:creationId xmlns:a16="http://schemas.microsoft.com/office/drawing/2014/main" id="{6016219D-510E-4184-9090-6D5578A87BD1}"/>
+              </a:ext>
+              <a:ext uri="{C183D7F6-B498-43B3-948B-1728B52AA6E4}">
+                <adec:decorative xmlns:adec="http://schemas.microsoft.com/office/drawing/2017/decorative" val="1"/>
+              </a:ext>
+            </a:extLst>
+          </p:cNvPr>
+          <p:cNvSpPr>
+            <a:spLocks noGrp="1" noRot="1" noChangeAspect="1" noMove="1" noResize="1" noEditPoints="1" noAdjustHandles="1" noChangeArrowheads="1" noChangeShapeType="1" noTextEdit="1"/>
+          </p:cNvSpPr>
+          <p:nvPr>
+            <p:extLst>
+              <p:ext uri="{386F3935-93C4-4BCD-93E2-E3B085C9AB24}">
+                <p16:designElem xmlns:p16="http://schemas.microsoft.com/office/powerpoint/2015/main" val="1"/>
+              </p:ext>
+            </p:extLst>
+          </p:nvPr>
+        </p:nvSpPr>
+        <p:spPr>
+          <a:xfrm rot="5400000">
+            <a:off x="3908719" y="-3931841"/>
+            <a:ext cx="4374557" cy="12192000"/>
+          </a:xfrm>
+          <a:prstGeom prst="rect">
+            <a:avLst/>
+          </a:prstGeom>
+          <a:gradFill>
+            <a:gsLst>
+              <a:gs pos="40000">
+                <a:schemeClr val="accent1">
+                  <a:alpha val="0"/>
+                </a:schemeClr>
+              </a:gs>
+              <a:gs pos="100000">
+                <a:schemeClr val="accent1">
+                  <a:lumMod val="75000"/>
+                  <a:alpha val="52000"/>
+                </a:schemeClr>
+              </a:gs>
+            </a:gsLst>
+            <a:lin ang="2400000" scaled="0"/>
+          </a:gradFill>
+          <a:ln>
+            <a:noFill/>
+          </a:ln>
+        </p:spPr>
+        <p:style>
+          <a:lnRef idx="2">
+            <a:schemeClr val="accent1">
+              <a:shade val="50000"/>
+            </a:schemeClr>
+          </a:lnRef>
+          <a:fillRef idx="1">
+            <a:schemeClr val="accent1"/>
+          </a:fillRef>
+          <a:effectRef idx="0">
+            <a:schemeClr val="accent1"/>
+          </a:effectRef>
+          <a:fontRef idx="minor">
+            <a:schemeClr val="lt1"/>
+          </a:fontRef>
+        </p:style>
+        <p:txBody>
+          <a:bodyPr rtlCol="0" anchor="ctr"/>
+          <a:lstStyle/>
+          <a:p>
+            <a:pPr algn="ctr"/>
+            <a:endParaRPr lang="en-US"/>
+          </a:p>
+        </p:txBody>
+      </p:sp>
+      <p:sp>
+        <p:nvSpPr>
+          <p:cNvPr id="53" name="Rectangle 52">
+            <a:extLst>
+              <a:ext uri="{FF2B5EF4-FFF2-40B4-BE49-F238E27FC236}">
+                <a16:creationId xmlns:a16="http://schemas.microsoft.com/office/drawing/2014/main" id="{AFF4A713-7B75-4B21-90D7-5AB19547C728}"/>
+              </a:ext>
+              <a:ext uri="{C183D7F6-B498-43B3-948B-1728B52AA6E4}">
+                <adec:decorative xmlns:adec="http://schemas.microsoft.com/office/drawing/2017/decorative" val="1"/>
+              </a:ext>
+            </a:extLst>
+          </p:cNvPr>
+          <p:cNvSpPr>
+            <a:spLocks noGrp="1" noRot="1" noChangeAspect="1" noMove="1" noResize="1" noEditPoints="1" noAdjustHandles="1" noChangeArrowheads="1" noChangeShapeType="1" noTextEdit="1"/>
+          </p:cNvSpPr>
+          <p:nvPr>
+            <p:extLst>
+              <p:ext uri="{386F3935-93C4-4BCD-93E2-E3B085C9AB24}">
+                <p16:designElem xmlns:p16="http://schemas.microsoft.com/office/powerpoint/2015/main" val="1"/>
+              </p:ext>
+            </p:extLst>
+          </p:nvPr>
+        </p:nvSpPr>
+        <p:spPr>
+          <a:xfrm rot="5400000">
+            <a:off x="4136696" y="-3703868"/>
+            <a:ext cx="4374128" cy="11736479"/>
+          </a:xfrm>
+          <a:prstGeom prst="rect">
+            <a:avLst/>
+          </a:prstGeom>
+          <a:gradFill>
+            <a:gsLst>
+              <a:gs pos="17000">
+                <a:schemeClr val="accent1">
+                  <a:alpha val="0"/>
+                </a:schemeClr>
+              </a:gs>
+              <a:gs pos="100000">
+                <a:srgbClr val="000000">
+                  <a:alpha val="37000"/>
+                </a:srgbClr>
+              </a:gs>
+            </a:gsLst>
+            <a:lin ang="7800000" scaled="0"/>
+          </a:gradFill>
+          <a:ln>
+            <a:noFill/>
+          </a:ln>
+        </p:spPr>
+        <p:style>
+          <a:lnRef idx="2">
+            <a:schemeClr val="accent1">
+              <a:shade val="50000"/>
+            </a:schemeClr>
+          </a:lnRef>
+          <a:fillRef idx="1">
+            <a:schemeClr val="accent1"/>
+          </a:fillRef>
+          <a:effectRef idx="0">
+            <a:schemeClr val="accent1"/>
+          </a:effectRef>
+          <a:fontRef idx="minor">
+            <a:schemeClr val="lt1"/>
+          </a:fontRef>
+        </p:style>
+        <p:txBody>
+          <a:bodyPr rtlCol="0" anchor="ctr"/>
+          <a:lstStyle/>
+          <a:p>
+            <a:pPr algn="ctr"/>
+            <a:endParaRPr lang="en-US"/>
+          </a:p>
+        </p:txBody>
+      </p:sp>
+      <p:sp>
+        <p:nvSpPr>
+          <p:cNvPr id="54" name="Rectangle 53">
+            <a:extLst>
+              <a:ext uri="{FF2B5EF4-FFF2-40B4-BE49-F238E27FC236}">
+                <a16:creationId xmlns:a16="http://schemas.microsoft.com/office/drawing/2014/main" id="{DC631C0B-6DA6-4E57-8231-CE32B3434A7E}"/>
+              </a:ext>
+              <a:ext uri="{C183D7F6-B498-43B3-948B-1728B52AA6E4}">
+                <adec:decorative xmlns:adec="http://schemas.microsoft.com/office/drawing/2017/decorative" val="1"/>
+              </a:ext>
+            </a:extLst>
+          </p:cNvPr>
+          <p:cNvSpPr>
+            <a:spLocks noGrp="1" noRot="1" noChangeAspect="1" noMove="1" noResize="1" noEditPoints="1" noAdjustHandles="1" noChangeArrowheads="1" noChangeShapeType="1" noTextEdit="1"/>
+          </p:cNvSpPr>
+          <p:nvPr>
+            <p:extLst>
+              <p:ext uri="{386F3935-93C4-4BCD-93E2-E3B085C9AB24}">
+                <p16:designElem xmlns:p16="http://schemas.microsoft.com/office/powerpoint/2015/main" val="1"/>
+              </p:ext>
+            </p:extLst>
+          </p:nvPr>
+        </p:nvSpPr>
+        <p:spPr>
+          <a:xfrm>
+            <a:off x="-5" y="-22690"/>
+            <a:ext cx="8542485" cy="4374126"/>
+          </a:xfrm>
+          <a:prstGeom prst="rect">
+            <a:avLst/>
+          </a:prstGeom>
+          <a:gradFill>
+            <a:gsLst>
+              <a:gs pos="0">
+                <a:schemeClr val="accent1">
+                  <a:lumMod val="50000"/>
+                  <a:alpha val="0"/>
+                </a:schemeClr>
+              </a:gs>
+              <a:gs pos="100000">
+                <a:srgbClr val="000000">
+                  <a:alpha val="25000"/>
+                </a:srgbClr>
+              </a:gs>
+            </a:gsLst>
+            <a:lin ang="18600000" scaled="0"/>
+          </a:gradFill>
+          <a:ln>
+            <a:noFill/>
+          </a:ln>
+        </p:spPr>
+        <p:style>
+          <a:lnRef idx="2">
+            <a:schemeClr val="accent1">
+              <a:shade val="50000"/>
+            </a:schemeClr>
+          </a:lnRef>
+          <a:fillRef idx="1">
+            <a:schemeClr val="accent1"/>
+          </a:fillRef>
+          <a:effectRef idx="0">
+            <a:schemeClr val="accent1"/>
+          </a:effectRef>
+          <a:fontRef idx="minor">
+            <a:schemeClr val="lt1"/>
+          </a:fontRef>
+        </p:style>
+        <p:txBody>
+          <a:bodyPr rtlCol="0" anchor="ctr"/>
+          <a:lstStyle/>
+          <a:p>
+            <a:pPr algn="ctr"/>
+            <a:endParaRPr lang="en-US"/>
+          </a:p>
+        </p:txBody>
+      </p:sp>
+      <p:sp>
+        <p:nvSpPr>
+          <p:cNvPr id="55" name="Freeform: Shape 54">
+            <a:extLst>
+              <a:ext uri="{FF2B5EF4-FFF2-40B4-BE49-F238E27FC236}">
+                <a16:creationId xmlns:a16="http://schemas.microsoft.com/office/drawing/2014/main" id="{C29501E6-A978-4A61-9689-9085AF97A53A}"/>
+              </a:ext>
+              <a:ext uri="{C183D7F6-B498-43B3-948B-1728B52AA6E4}">
+                <adec:decorative xmlns:adec="http://schemas.microsoft.com/office/drawing/2017/decorative" val="1"/>
+              </a:ext>
+            </a:extLst>
+          </p:cNvPr>
+          <p:cNvSpPr>
+            <a:spLocks noGrp="1" noRot="1" noChangeAspect="1" noMove="1" noResize="1" noEditPoints="1" noAdjustHandles="1" noChangeArrowheads="1" noChangeShapeType="1" noTextEdit="1"/>
+          </p:cNvSpPr>
+          <p:nvPr>
+            <p:extLst>
+              <p:ext uri="{386F3935-93C4-4BCD-93E2-E3B085C9AB24}">
+                <p16:designElem xmlns:p16="http://schemas.microsoft.com/office/powerpoint/2015/main" val="1"/>
+              </p:ext>
+            </p:extLst>
+          </p:nvPr>
+        </p:nvSpPr>
+        <p:spPr>
+          <a:xfrm rot="12508972">
+            <a:off x="5945431" y="-1032053"/>
+            <a:ext cx="4990147" cy="4439131"/>
+          </a:xfrm>
+          <a:custGeom>
+            <a:avLst/>
+            <a:gdLst>
+              <a:gd name="connsiteX0" fmla="*/ 4990147 w 4990147"/>
+              <a:gd name="connsiteY0" fmla="*/ 2229378 h 4439131"/>
+              <a:gd name="connsiteX1" fmla="*/ 917384 w 4990147"/>
+              <a:gd name="connsiteY1" fmla="*/ 4439131 h 4439131"/>
+              <a:gd name="connsiteX2" fmla="*/ 910814 w 4990147"/>
+              <a:gd name="connsiteY2" fmla="*/ 4434219 h 4439131"/>
+              <a:gd name="connsiteX3" fmla="*/ 0 w 4990147"/>
+              <a:gd name="connsiteY3" fmla="*/ 2502877 h 4439131"/>
+              <a:gd name="connsiteX4" fmla="*/ 2502877 w 4990147"/>
+              <a:gd name="connsiteY4" fmla="*/ 0 h 4439131"/>
+              <a:gd name="connsiteX5" fmla="*/ 4954904 w 4990147"/>
+              <a:gd name="connsiteY5" fmla="*/ 1998460 h 4439131"/>
+            </a:gdLst>
+            <a:ahLst/>
+            <a:cxnLst>
+              <a:cxn ang="0">
+                <a:pos x="connsiteX0" y="connsiteY0"/>
+              </a:cxn>
+              <a:cxn ang="0">
+                <a:pos x="connsiteX1" y="connsiteY1"/>
+              </a:cxn>
+              <a:cxn ang="0">
+                <a:pos x="connsiteX2" y="connsiteY2"/>
+              </a:cxn>
+              <a:cxn ang="0">
+                <a:pos x="connsiteX3" y="connsiteY3"/>
+              </a:cxn>
+              <a:cxn ang="0">
+                <a:pos x="connsiteX4" y="connsiteY4"/>
+              </a:cxn>
+              <a:cxn ang="0">
+                <a:pos x="connsiteX5" y="connsiteY5"/>
+              </a:cxn>
+            </a:cxnLst>
+            <a:rect l="l" t="t" r="r" b="b"/>
+            <a:pathLst>
+              <a:path w="4990147" h="4439131">
+                <a:moveTo>
+                  <a:pt x="4990147" y="2229378"/>
+                </a:moveTo>
+                <a:lnTo>
+                  <a:pt x="917384" y="4439131"/>
+                </a:lnTo>
+                <a:lnTo>
+                  <a:pt x="910814" y="4434219"/>
+                </a:lnTo>
+                <a:cubicBezTo>
+                  <a:pt x="354557" y="3975154"/>
+                  <a:pt x="0" y="3280421"/>
+                  <a:pt x="0" y="2502877"/>
+                </a:cubicBezTo>
+                <a:cubicBezTo>
+                  <a:pt x="0" y="1120576"/>
+                  <a:pt x="1120576" y="0"/>
+                  <a:pt x="2502877" y="0"/>
+                </a:cubicBezTo>
+                <a:cubicBezTo>
+                  <a:pt x="3712390" y="0"/>
+                  <a:pt x="4721520" y="857941"/>
+                  <a:pt x="4954904" y="1998460"/>
+                </a:cubicBezTo>
+                <a:close/>
+              </a:path>
+            </a:pathLst>
+          </a:custGeom>
+          <a:gradFill>
+            <a:gsLst>
+              <a:gs pos="0">
+                <a:schemeClr val="accent1">
+                  <a:alpha val="22000"/>
+                </a:schemeClr>
+              </a:gs>
+              <a:gs pos="87000">
+                <a:schemeClr val="accent1">
+                  <a:lumMod val="60000"/>
+                  <a:lumOff val="40000"/>
+                  <a:alpha val="2000"/>
+                </a:schemeClr>
+              </a:gs>
+            </a:gsLst>
+            <a:lin ang="8400000" scaled="0"/>
+          </a:gradFill>
+          <a:ln>
+            <a:noFill/>
+          </a:ln>
+        </p:spPr>
+        <p:style>
+          <a:lnRef idx="2">
+            <a:schemeClr val="accent1">
+              <a:shade val="50000"/>
+            </a:schemeClr>
+          </a:lnRef>
+          <a:fillRef idx="1">
+            <a:schemeClr val="accent1"/>
+          </a:fillRef>
+          <a:effectRef idx="0">
+            <a:schemeClr val="accent1"/>
+          </a:effectRef>
+          <a:fontRef idx="minor">
+            <a:schemeClr val="lt1"/>
+          </a:fontRef>
+        </p:style>
+        <p:txBody>
+          <a:bodyPr wrap="square" rtlCol="0" anchor="ctr">
+            <a:noAutofit/>
+          </a:bodyPr>
+          <a:lstStyle/>
+          <a:p>
+            <a:pPr algn="ctr"/>
+            <a:endParaRPr lang="en-US" dirty="0"/>
+          </a:p>
+        </p:txBody>
+      </p:sp>
+      <p:sp>
+        <p:nvSpPr>
+          <p:cNvPr id="2" name="Title 1">
+            <a:extLst>
+              <a:ext uri="{FF2B5EF4-FFF2-40B4-BE49-F238E27FC236}">
+                <a16:creationId xmlns:a16="http://schemas.microsoft.com/office/drawing/2014/main" id="{287A03DE-1123-91CE-26BE-143108D13665}"/>
+              </a:ext>
+            </a:extLst>
+          </p:cNvPr>
+          <p:cNvSpPr>
+            <a:spLocks noGrp="1"/>
+          </p:cNvSpPr>
+          <p:nvPr>
+            <p:ph type="ctrTitle"/>
+          </p:nvPr>
+        </p:nvSpPr>
+        <p:spPr>
+          <a:xfrm>
+            <a:off x="1314824" y="735106"/>
+            <a:ext cx="10053763" cy="2928470"/>
+          </a:xfrm>
         </p:spPr>
         <p:txBody>
           <a:bodyPr vert="horz" lIns="91440" tIns="45720" rIns="91440" bIns="45720" rtlCol="0" anchor="b">
-            <a:normAutofit fontScale="55000" lnSpcReduction="20000"/>
+            <a:normAutofit/>
           </a:bodyPr>
-          <a:lstStyle>
-            <a:lvl1pPr algn="l" defTabSz="914400" rtl="0" eaLnBrk="1" latinLnBrk="0" hangingPunct="1">
-              <a:lnSpc>
-                <a:spcPct val="90000"/>
-              </a:lnSpc>
-              <a:spcBef>
-                <a:spcPct val="0"/>
-              </a:spcBef>
-              <a:buNone/>
-              <a:defRPr sz="4400" kern="1200">
-                <a:solidFill>
-                  <a:schemeClr val="tx1"/>
-                </a:solidFill>
-                <a:latin typeface="+mj-lt"/>
-                <a:ea typeface="+mj-ea"/>
-                <a:cs typeface="+mj-cs"/>
-              </a:defRPr>
-            </a:lvl1pPr>
-          </a:lstStyle>
-          <a:p>
+          <a:lstStyle/>
+          <a:p>
+            <a:pPr algn="l"/>
             <a:r>
               <a:rPr lang="en-US" sz="4800" dirty="0">
                 <a:solidFill>
                   <a:srgbClr val="FFFFFF"/>
                 </a:solidFill>
               </a:rPr>
-              <a:t>Task: Access the system through the browser and perform a first time login into a ‘lecturer’</a:t>
+              <a:t>Our Vision</a:t>
             </a:r>
           </a:p>
         </p:txBody>
@@ -15673,7 +14639,7 @@
     </p:spTree>
     <p:extLst>
       <p:ext uri="{BB962C8B-B14F-4D97-AF65-F5344CB8AC3E}">
-        <p14:creationId xmlns:p14="http://schemas.microsoft.com/office/powerpoint/2010/main" val="3221945818"/>
+        <p14:creationId xmlns:p14="http://schemas.microsoft.com/office/powerpoint/2010/main" val="908113943"/>
       </p:ext>
     </p:extLst>
   </p:cSld>
@@ -15720,7 +14686,7 @@
                                           </p:stCondLst>
                                         </p:cTn>
                                         <p:tgtEl>
-                                          <p:spTgt spid="7"/>
+                                          <p:spTgt spid="2"/>
                                         </p:tgtEl>
                                         <p:attrNameLst>
                                           <p:attrName>style.visibility</p:attrName>
@@ -15734,7 +14700,7 @@
                                       <p:cBhvr>
                                         <p:cTn id="7" dur="400"/>
                                         <p:tgtEl>
-                                          <p:spTgt spid="7"/>
+                                          <p:spTgt spid="2"/>
                                         </p:tgtEl>
                                       </p:cBhvr>
                                     </p:animEffect>
@@ -15769,9 +14735,1333 @@
       </p:par>
     </p:tnLst>
     <p:bldLst>
-      <p:bldP spid="7" grpId="0"/>
+      <p:bldP spid="2" grpId="0"/>
     </p:bldLst>
   </p:timing>
+</p:sld>
+</file>
+
+<file path=ppt/slides/slide7.xml><?xml version="1.0" encoding="utf-8"?>
+<p:sld xmlns:a="http://schemas.openxmlformats.org/drawingml/2006/main" xmlns:r="http://schemas.openxmlformats.org/officeDocument/2006/relationships" xmlns:p="http://schemas.openxmlformats.org/presentationml/2006/main">
+  <p:cSld>
+    <p:spTree>
+      <p:nvGrpSpPr>
+        <p:cNvPr id="1" name=""/>
+        <p:cNvGrpSpPr/>
+        <p:nvPr/>
+      </p:nvGrpSpPr>
+      <p:grpSpPr>
+        <a:xfrm>
+          <a:off x="0" y="0"/>
+          <a:ext cx="0" cy="0"/>
+          <a:chOff x="0" y="0"/>
+          <a:chExt cx="0" cy="0"/>
+        </a:xfrm>
+      </p:grpSpPr>
+      <p:sp>
+        <p:nvSpPr>
+          <p:cNvPr id="2" name="Google Shape;116;p7">
+            <a:extLst>
+              <a:ext uri="{FF2B5EF4-FFF2-40B4-BE49-F238E27FC236}">
+                <a16:creationId xmlns:a16="http://schemas.microsoft.com/office/drawing/2014/main" id="{3C82460F-8A46-C379-3763-B1935A3D677A}"/>
+              </a:ext>
+            </a:extLst>
+          </p:cNvPr>
+          <p:cNvSpPr txBox="1">
+            <a:spLocks/>
+          </p:cNvSpPr>
+          <p:nvPr/>
+        </p:nvSpPr>
+        <p:spPr>
+          <a:xfrm>
+            <a:off x="228600" y="292916"/>
+            <a:ext cx="6462438" cy="5959837"/>
+          </a:xfrm>
+          <a:prstGeom prst="rect">
+            <a:avLst/>
+          </a:prstGeom>
+          <a:noFill/>
+          <a:ln>
+            <a:noFill/>
+          </a:ln>
+        </p:spPr>
+        <p:txBody>
+          <a:bodyPr spcFirstLastPara="1" wrap="square" lIns="91425" tIns="45700" rIns="91425" bIns="45700" anchor="t" anchorCtr="0">
+            <a:normAutofit/>
+          </a:bodyPr>
+          <a:lstStyle>
+            <a:lvl1pPr marL="228600" indent="-228600" algn="l" defTabSz="914400" rtl="0" eaLnBrk="1" latinLnBrk="0" hangingPunct="1">
+              <a:lnSpc>
+                <a:spcPct val="90000"/>
+              </a:lnSpc>
+              <a:spcBef>
+                <a:spcPts val="1000"/>
+              </a:spcBef>
+              <a:buFont typeface="Arial" panose="020B0604020202020204" pitchFamily="34" charset="0"/>
+              <a:buChar char="•"/>
+              <a:defRPr sz="2800" kern="1200">
+                <a:solidFill>
+                  <a:schemeClr val="tx1"/>
+                </a:solidFill>
+                <a:latin typeface="+mn-lt"/>
+                <a:ea typeface="+mn-ea"/>
+                <a:cs typeface="+mn-cs"/>
+              </a:defRPr>
+            </a:lvl1pPr>
+            <a:lvl2pPr marL="685800" indent="-228600" algn="l" defTabSz="914400" rtl="0" eaLnBrk="1" latinLnBrk="0" hangingPunct="1">
+              <a:lnSpc>
+                <a:spcPct val="90000"/>
+              </a:lnSpc>
+              <a:spcBef>
+                <a:spcPts val="500"/>
+              </a:spcBef>
+              <a:buFont typeface="Arial" panose="020B0604020202020204" pitchFamily="34" charset="0"/>
+              <a:buChar char="•"/>
+              <a:defRPr sz="2400" kern="1200">
+                <a:solidFill>
+                  <a:schemeClr val="tx1"/>
+                </a:solidFill>
+                <a:latin typeface="+mn-lt"/>
+                <a:ea typeface="+mn-ea"/>
+                <a:cs typeface="+mn-cs"/>
+              </a:defRPr>
+            </a:lvl2pPr>
+            <a:lvl3pPr marL="1143000" indent="-228600" algn="l" defTabSz="914400" rtl="0" eaLnBrk="1" latinLnBrk="0" hangingPunct="1">
+              <a:lnSpc>
+                <a:spcPct val="90000"/>
+              </a:lnSpc>
+              <a:spcBef>
+                <a:spcPts val="500"/>
+              </a:spcBef>
+              <a:buFont typeface="Arial" panose="020B0604020202020204" pitchFamily="34" charset="0"/>
+              <a:buChar char="•"/>
+              <a:defRPr sz="2000" kern="1200">
+                <a:solidFill>
+                  <a:schemeClr val="tx1"/>
+                </a:solidFill>
+                <a:latin typeface="+mn-lt"/>
+                <a:ea typeface="+mn-ea"/>
+                <a:cs typeface="+mn-cs"/>
+              </a:defRPr>
+            </a:lvl3pPr>
+            <a:lvl4pPr marL="1600200" indent="-228600" algn="l" defTabSz="914400" rtl="0" eaLnBrk="1" latinLnBrk="0" hangingPunct="1">
+              <a:lnSpc>
+                <a:spcPct val="90000"/>
+              </a:lnSpc>
+              <a:spcBef>
+                <a:spcPts val="500"/>
+              </a:spcBef>
+              <a:buFont typeface="Arial" panose="020B0604020202020204" pitchFamily="34" charset="0"/>
+              <a:buChar char="•"/>
+              <a:defRPr sz="1800" kern="1200">
+                <a:solidFill>
+                  <a:schemeClr val="tx1"/>
+                </a:solidFill>
+                <a:latin typeface="+mn-lt"/>
+                <a:ea typeface="+mn-ea"/>
+                <a:cs typeface="+mn-cs"/>
+              </a:defRPr>
+            </a:lvl4pPr>
+            <a:lvl5pPr marL="2057400" indent="-228600" algn="l" defTabSz="914400" rtl="0" eaLnBrk="1" latinLnBrk="0" hangingPunct="1">
+              <a:lnSpc>
+                <a:spcPct val="90000"/>
+              </a:lnSpc>
+              <a:spcBef>
+                <a:spcPts val="500"/>
+              </a:spcBef>
+              <a:buFont typeface="Arial" panose="020B0604020202020204" pitchFamily="34" charset="0"/>
+              <a:buChar char="•"/>
+              <a:defRPr sz="1800" kern="1200">
+                <a:solidFill>
+                  <a:schemeClr val="tx1"/>
+                </a:solidFill>
+                <a:latin typeface="+mn-lt"/>
+                <a:ea typeface="+mn-ea"/>
+                <a:cs typeface="+mn-cs"/>
+              </a:defRPr>
+            </a:lvl5pPr>
+            <a:lvl6pPr marL="2514600" indent="-228600" algn="l" defTabSz="914400" rtl="0" eaLnBrk="1" latinLnBrk="0" hangingPunct="1">
+              <a:lnSpc>
+                <a:spcPct val="90000"/>
+              </a:lnSpc>
+              <a:spcBef>
+                <a:spcPts val="500"/>
+              </a:spcBef>
+              <a:buFont typeface="Arial" panose="020B0604020202020204" pitchFamily="34" charset="0"/>
+              <a:buChar char="•"/>
+              <a:defRPr sz="1800" kern="1200">
+                <a:solidFill>
+                  <a:schemeClr val="tx1"/>
+                </a:solidFill>
+                <a:latin typeface="+mn-lt"/>
+                <a:ea typeface="+mn-ea"/>
+                <a:cs typeface="+mn-cs"/>
+              </a:defRPr>
+            </a:lvl6pPr>
+            <a:lvl7pPr marL="2971800" indent="-228600" algn="l" defTabSz="914400" rtl="0" eaLnBrk="1" latinLnBrk="0" hangingPunct="1">
+              <a:lnSpc>
+                <a:spcPct val="90000"/>
+              </a:lnSpc>
+              <a:spcBef>
+                <a:spcPts val="500"/>
+              </a:spcBef>
+              <a:buFont typeface="Arial" panose="020B0604020202020204" pitchFamily="34" charset="0"/>
+              <a:buChar char="•"/>
+              <a:defRPr sz="1800" kern="1200">
+                <a:solidFill>
+                  <a:schemeClr val="tx1"/>
+                </a:solidFill>
+                <a:latin typeface="+mn-lt"/>
+                <a:ea typeface="+mn-ea"/>
+                <a:cs typeface="+mn-cs"/>
+              </a:defRPr>
+            </a:lvl7pPr>
+            <a:lvl8pPr marL="3429000" indent="-228600" algn="l" defTabSz="914400" rtl="0" eaLnBrk="1" latinLnBrk="0" hangingPunct="1">
+              <a:lnSpc>
+                <a:spcPct val="90000"/>
+              </a:lnSpc>
+              <a:spcBef>
+                <a:spcPts val="500"/>
+              </a:spcBef>
+              <a:buFont typeface="Arial" panose="020B0604020202020204" pitchFamily="34" charset="0"/>
+              <a:buChar char="•"/>
+              <a:defRPr sz="1800" kern="1200">
+                <a:solidFill>
+                  <a:schemeClr val="tx1"/>
+                </a:solidFill>
+                <a:latin typeface="+mn-lt"/>
+                <a:ea typeface="+mn-ea"/>
+                <a:cs typeface="+mn-cs"/>
+              </a:defRPr>
+            </a:lvl8pPr>
+            <a:lvl9pPr marL="3886200" indent="-228600" algn="l" defTabSz="914400" rtl="0" eaLnBrk="1" latinLnBrk="0" hangingPunct="1">
+              <a:lnSpc>
+                <a:spcPct val="90000"/>
+              </a:lnSpc>
+              <a:spcBef>
+                <a:spcPts val="500"/>
+              </a:spcBef>
+              <a:buFont typeface="Arial" panose="020B0604020202020204" pitchFamily="34" charset="0"/>
+              <a:buChar char="•"/>
+              <a:defRPr sz="1800" kern="1200">
+                <a:solidFill>
+                  <a:schemeClr val="tx1"/>
+                </a:solidFill>
+                <a:latin typeface="+mn-lt"/>
+                <a:ea typeface="+mn-ea"/>
+                <a:cs typeface="+mn-cs"/>
+              </a:defRPr>
+            </a:lvl9pPr>
+          </a:lstStyle>
+          <a:p>
+            <a:pPr>
+              <a:spcBef>
+                <a:spcPts val="0"/>
+              </a:spcBef>
+              <a:buSzPts val="2800"/>
+            </a:pPr>
+            <a:r>
+              <a:rPr lang="en-US" dirty="0"/>
+              <a:t>Recreate the system as a web application</a:t>
+            </a:r>
+            <a:br>
+              <a:rPr lang="en-US" dirty="0"/>
+            </a:br>
+            <a:r>
+              <a:rPr lang="en-US" dirty="0"/>
+              <a:t>to increase accessibility to all staff </a:t>
+            </a:r>
+            <a:br>
+              <a:rPr lang="en-US" dirty="0"/>
+            </a:br>
+            <a:r>
+              <a:rPr lang="en-US" dirty="0"/>
+              <a:t>members.</a:t>
+            </a:r>
+          </a:p>
+          <a:p>
+            <a:pPr>
+              <a:spcBef>
+                <a:spcPts val="0"/>
+              </a:spcBef>
+              <a:buSzPts val="2800"/>
+            </a:pPr>
+            <a:endParaRPr lang="en-US" dirty="0"/>
+          </a:p>
+          <a:p>
+            <a:pPr>
+              <a:spcBef>
+                <a:spcPts val="0"/>
+              </a:spcBef>
+              <a:buSzPts val="2800"/>
+            </a:pPr>
+            <a:r>
+              <a:rPr lang="en-US" dirty="0"/>
+              <a:t>Easy to use UI will decrease mental load</a:t>
+            </a:r>
+            <a:br>
+              <a:rPr lang="en-US" dirty="0"/>
+            </a:br>
+            <a:r>
+              <a:rPr lang="en-US" dirty="0"/>
+              <a:t>when creating all different parts of the</a:t>
+            </a:r>
+            <a:br>
+              <a:rPr lang="en-US" dirty="0"/>
+            </a:br>
+            <a:r>
+              <a:rPr lang="en-US" dirty="0"/>
+              <a:t>questions and exams.</a:t>
+            </a:r>
+          </a:p>
+          <a:p>
+            <a:pPr>
+              <a:spcBef>
+                <a:spcPts val="0"/>
+              </a:spcBef>
+              <a:buSzPts val="2800"/>
+            </a:pPr>
+            <a:endParaRPr lang="en-US" dirty="0"/>
+          </a:p>
+          <a:p>
+            <a:pPr>
+              <a:spcBef>
+                <a:spcPts val="0"/>
+              </a:spcBef>
+              <a:buSzPts val="2800"/>
+            </a:pPr>
+            <a:r>
+              <a:rPr lang="en-US" dirty="0"/>
+              <a:t>Integration of workflow features will </a:t>
+            </a:r>
+            <a:br>
+              <a:rPr lang="en-US" dirty="0"/>
+            </a:br>
+            <a:r>
+              <a:rPr lang="en-US" dirty="0"/>
+              <a:t>allow staff members the tools </a:t>
+            </a:r>
+            <a:br>
+              <a:rPr lang="en-US" dirty="0"/>
+            </a:br>
+            <a:r>
+              <a:rPr lang="en-US" dirty="0"/>
+              <a:t>needed to maintain a strong and correct</a:t>
+            </a:r>
+            <a:br>
+              <a:rPr lang="en-US" dirty="0"/>
+            </a:br>
+            <a:r>
+              <a:rPr lang="en-US" dirty="0"/>
+              <a:t>database of </a:t>
+            </a:r>
+            <a:r>
+              <a:rPr lang="en-US" dirty="0" err="1"/>
+              <a:t>qustions</a:t>
+            </a:r>
+            <a:endParaRPr lang="en-US" dirty="0"/>
+          </a:p>
+          <a:p>
+            <a:pPr>
+              <a:spcBef>
+                <a:spcPts val="0"/>
+              </a:spcBef>
+              <a:buSzPts val="2800"/>
+            </a:pPr>
+            <a:endParaRPr lang="en-US" dirty="0"/>
+          </a:p>
+          <a:p>
+            <a:pPr>
+              <a:spcBef>
+                <a:spcPts val="0"/>
+              </a:spcBef>
+              <a:buSzPts val="2800"/>
+            </a:pPr>
+            <a:r>
+              <a:rPr lang="en-US" dirty="0"/>
+              <a:t>Easy to install an easy to migrate. </a:t>
+            </a:r>
+          </a:p>
+        </p:txBody>
+      </p:sp>
+      <p:pic>
+        <p:nvPicPr>
+          <p:cNvPr id="3" name="Picture 2" descr="A screenshot of a computer&#10;&#10;Description automatically generated">
+            <a:extLst>
+              <a:ext uri="{FF2B5EF4-FFF2-40B4-BE49-F238E27FC236}">
+                <a16:creationId xmlns:a16="http://schemas.microsoft.com/office/drawing/2014/main" id="{41CCB39C-D7DD-C87B-4B82-2DA11D76644A}"/>
+              </a:ext>
+            </a:extLst>
+          </p:cNvPr>
+          <p:cNvPicPr>
+            <a:picLocks noChangeAspect="1"/>
+          </p:cNvPicPr>
+          <p:nvPr/>
+        </p:nvPicPr>
+        <p:blipFill>
+          <a:blip r:embed="rId2">
+            <a:extLst>
+              <a:ext uri="{28A0092B-C50C-407E-A947-70E740481C1C}">
+                <a14:useLocalDpi xmlns:a14="http://schemas.microsoft.com/office/drawing/2010/main" val="0"/>
+              </a:ext>
+            </a:extLst>
+          </a:blip>
+          <a:stretch>
+            <a:fillRect/>
+          </a:stretch>
+        </p:blipFill>
+        <p:spPr>
+          <a:xfrm>
+            <a:off x="6691038" y="228411"/>
+            <a:ext cx="5343690" cy="2544933"/>
+          </a:xfrm>
+          <a:prstGeom prst="rect">
+            <a:avLst/>
+          </a:prstGeom>
+          <a:ln w="127000" cap="sq">
+            <a:solidFill>
+              <a:srgbClr val="000000"/>
+            </a:solidFill>
+            <a:miter lim="800000"/>
+          </a:ln>
+          <a:effectLst>
+            <a:outerShdw blurRad="57150" dist="50800" dir="2700000" algn="tl" rotWithShape="0">
+              <a:srgbClr val="000000">
+                <a:alpha val="40000"/>
+              </a:srgbClr>
+            </a:outerShdw>
+          </a:effectLst>
+        </p:spPr>
+      </p:pic>
+      <p:pic>
+        <p:nvPicPr>
+          <p:cNvPr id="5" name="Picture 4">
+            <a:extLst>
+              <a:ext uri="{FF2B5EF4-FFF2-40B4-BE49-F238E27FC236}">
+                <a16:creationId xmlns:a16="http://schemas.microsoft.com/office/drawing/2014/main" id="{BAA0E363-944A-2DB7-0884-5507A4BF0789}"/>
+              </a:ext>
+            </a:extLst>
+          </p:cNvPr>
+          <p:cNvPicPr>
+            <a:picLocks noChangeAspect="1"/>
+          </p:cNvPicPr>
+          <p:nvPr/>
+        </p:nvPicPr>
+        <p:blipFill>
+          <a:blip r:embed="rId3"/>
+          <a:stretch>
+            <a:fillRect/>
+          </a:stretch>
+        </p:blipFill>
+        <p:spPr>
+          <a:xfrm flipV="1">
+            <a:off x="6430945" y="3697793"/>
+            <a:ext cx="5532456" cy="2712086"/>
+          </a:xfrm>
+          <a:prstGeom prst="rect">
+            <a:avLst/>
+          </a:prstGeom>
+          <a:ln w="127000" cap="sq">
+            <a:solidFill>
+              <a:srgbClr val="000000"/>
+            </a:solidFill>
+            <a:miter lim="800000"/>
+          </a:ln>
+          <a:effectLst>
+            <a:outerShdw blurRad="57150" dist="50800" dir="2700000" algn="tl" rotWithShape="0">
+              <a:srgbClr val="000000">
+                <a:alpha val="40000"/>
+              </a:srgbClr>
+            </a:outerShdw>
+          </a:effectLst>
+        </p:spPr>
+      </p:pic>
+    </p:spTree>
+    <p:extLst>
+      <p:ext uri="{BB962C8B-B14F-4D97-AF65-F5344CB8AC3E}">
+        <p14:creationId xmlns:p14="http://schemas.microsoft.com/office/powerpoint/2010/main" val="4076748493"/>
+      </p:ext>
+    </p:extLst>
+  </p:cSld>
+  <p:clrMapOvr>
+    <a:masterClrMapping/>
+  </p:clrMapOvr>
+</p:sld>
+</file>
+
+<file path=ppt/slides/slide8.xml><?xml version="1.0" encoding="utf-8"?>
+<p:sld xmlns:a="http://schemas.openxmlformats.org/drawingml/2006/main" xmlns:r="http://schemas.openxmlformats.org/officeDocument/2006/relationships" xmlns:p="http://schemas.openxmlformats.org/presentationml/2006/main">
+  <p:cSld>
+    <p:bg>
+      <p:bgPr>
+        <a:solidFill>
+          <a:schemeClr val="bg1"/>
+        </a:solidFill>
+        <a:effectLst/>
+      </p:bgPr>
+    </p:bg>
+    <p:spTree>
+      <p:nvGrpSpPr>
+        <p:cNvPr id="1" name="">
+          <a:extLst>
+            <a:ext uri="{FF2B5EF4-FFF2-40B4-BE49-F238E27FC236}">
+              <a16:creationId xmlns:a16="http://schemas.microsoft.com/office/drawing/2014/main" id="{756E7152-B363-1C1C-F993-7E61BFD64AB8}"/>
+            </a:ext>
+          </a:extLst>
+        </p:cNvPr>
+        <p:cNvGrpSpPr/>
+        <p:nvPr/>
+      </p:nvGrpSpPr>
+      <p:grpSpPr>
+        <a:xfrm>
+          <a:off x="0" y="0"/>
+          <a:ext cx="0" cy="0"/>
+          <a:chOff x="0" y="0"/>
+          <a:chExt cx="0" cy="0"/>
+        </a:xfrm>
+      </p:grpSpPr>
+      <p:sp useBgFill="1">
+        <p:nvSpPr>
+          <p:cNvPr id="50" name="Rectangle 49">
+            <a:extLst>
+              <a:ext uri="{FF2B5EF4-FFF2-40B4-BE49-F238E27FC236}">
+                <a16:creationId xmlns:a16="http://schemas.microsoft.com/office/drawing/2014/main" id="{6F5A5072-7B47-4D32-B52A-4EBBF590B8A5}"/>
+              </a:ext>
+              <a:ext uri="{C183D7F6-B498-43B3-948B-1728B52AA6E4}">
+                <adec:decorative xmlns:adec="http://schemas.microsoft.com/office/drawing/2017/decorative" val="1"/>
+              </a:ext>
+            </a:extLst>
+          </p:cNvPr>
+          <p:cNvSpPr>
+            <a:spLocks noGrp="1" noRot="1" noChangeAspect="1" noMove="1" noResize="1" noEditPoints="1" noAdjustHandles="1" noChangeArrowheads="1" noChangeShapeType="1" noTextEdit="1"/>
+          </p:cNvSpPr>
+          <p:nvPr>
+            <p:extLst>
+              <p:ext uri="{386F3935-93C4-4BCD-93E2-E3B085C9AB24}">
+                <p16:designElem xmlns:p16="http://schemas.microsoft.com/office/powerpoint/2015/main" val="1"/>
+              </p:ext>
+            </p:extLst>
+          </p:nvPr>
+        </p:nvSpPr>
+        <p:spPr>
+          <a:xfrm>
+            <a:off x="0" y="0"/>
+            <a:ext cx="12192000" cy="6858000"/>
+          </a:xfrm>
+          <a:prstGeom prst="rect">
+            <a:avLst/>
+          </a:prstGeom>
+          <a:ln w="12700" cap="flat" cmpd="sng" algn="ctr">
+            <a:noFill/>
+            <a:prstDash val="solid"/>
+            <a:miter lim="800000"/>
+          </a:ln>
+          <a:effectLst/>
+          <a:extLst>
+            <a:ext uri="{91240B29-F687-4F45-9708-019B960494DF}">
+              <a14:hiddenLine xmlns:a14="http://schemas.microsoft.com/office/drawing/2010/main" w="12700" cap="flat" cmpd="sng" algn="ctr">
+                <a:solidFill>
+                  <a:schemeClr val="accent1">
+                    <a:shade val="50000"/>
+                  </a:schemeClr>
+                </a:solidFill>
+                <a:prstDash val="solid"/>
+                <a:miter lim="800000"/>
+              </a14:hiddenLine>
+            </a:ext>
+          </a:extLst>
+        </p:spPr>
+        <p:style>
+          <a:lnRef idx="2">
+            <a:schemeClr val="accent1">
+              <a:shade val="50000"/>
+            </a:schemeClr>
+          </a:lnRef>
+          <a:fillRef idx="1">
+            <a:schemeClr val="accent1"/>
+          </a:fillRef>
+          <a:effectRef idx="0">
+            <a:schemeClr val="accent1"/>
+          </a:effectRef>
+          <a:fontRef idx="minor">
+            <a:schemeClr val="lt1"/>
+          </a:fontRef>
+        </p:style>
+        <p:txBody>
+          <a:bodyPr rtlCol="0" anchor="ctr"/>
+          <a:lstStyle/>
+          <a:p>
+            <a:pPr algn="ctr"/>
+            <a:endParaRPr lang="en-US"/>
+          </a:p>
+        </p:txBody>
+      </p:sp>
+      <p:sp>
+        <p:nvSpPr>
+          <p:cNvPr id="51" name="Rectangle 50">
+            <a:extLst>
+              <a:ext uri="{FF2B5EF4-FFF2-40B4-BE49-F238E27FC236}">
+                <a16:creationId xmlns:a16="http://schemas.microsoft.com/office/drawing/2014/main" id="{9715DAF0-AE1B-46C9-8A6B-DB2AA05AB91D}"/>
+              </a:ext>
+              <a:ext uri="{C183D7F6-B498-43B3-948B-1728B52AA6E4}">
+                <adec:decorative xmlns:adec="http://schemas.microsoft.com/office/drawing/2017/decorative" val="1"/>
+              </a:ext>
+            </a:extLst>
+          </p:cNvPr>
+          <p:cNvSpPr>
+            <a:spLocks noGrp="1" noRot="1" noChangeAspect="1" noMove="1" noResize="1" noEditPoints="1" noAdjustHandles="1" noChangeArrowheads="1" noChangeShapeType="1" noTextEdit="1"/>
+          </p:cNvSpPr>
+          <p:nvPr>
+            <p:extLst>
+              <p:ext uri="{386F3935-93C4-4BCD-93E2-E3B085C9AB24}">
+                <p16:designElem xmlns:p16="http://schemas.microsoft.com/office/powerpoint/2015/main" val="1"/>
+              </p:ext>
+            </p:extLst>
+          </p:nvPr>
+        </p:nvSpPr>
+        <p:spPr>
+          <a:xfrm rot="10800000">
+            <a:off x="-2" y="-22693"/>
+            <a:ext cx="12191999" cy="4374129"/>
+          </a:xfrm>
+          <a:prstGeom prst="rect">
+            <a:avLst/>
+          </a:prstGeom>
+          <a:gradFill>
+            <a:gsLst>
+              <a:gs pos="0">
+                <a:schemeClr val="accent1">
+                  <a:lumMod val="75000"/>
+                </a:schemeClr>
+              </a:gs>
+              <a:gs pos="100000">
+                <a:srgbClr val="000000"/>
+              </a:gs>
+            </a:gsLst>
+            <a:lin ang="15000000" scaled="0"/>
+          </a:gradFill>
+          <a:ln>
+            <a:noFill/>
+          </a:ln>
+        </p:spPr>
+        <p:style>
+          <a:lnRef idx="2">
+            <a:schemeClr val="accent1">
+              <a:shade val="50000"/>
+            </a:schemeClr>
+          </a:lnRef>
+          <a:fillRef idx="1">
+            <a:schemeClr val="accent1"/>
+          </a:fillRef>
+          <a:effectRef idx="0">
+            <a:schemeClr val="accent1"/>
+          </a:effectRef>
+          <a:fontRef idx="minor">
+            <a:schemeClr val="lt1"/>
+          </a:fontRef>
+        </p:style>
+        <p:txBody>
+          <a:bodyPr rtlCol="0" anchor="ctr"/>
+          <a:lstStyle/>
+          <a:p>
+            <a:pPr algn="ctr"/>
+            <a:endParaRPr lang="en-US"/>
+          </a:p>
+        </p:txBody>
+      </p:sp>
+      <p:sp>
+        <p:nvSpPr>
+          <p:cNvPr id="52" name="Rectangle 51">
+            <a:extLst>
+              <a:ext uri="{FF2B5EF4-FFF2-40B4-BE49-F238E27FC236}">
+                <a16:creationId xmlns:a16="http://schemas.microsoft.com/office/drawing/2014/main" id="{6016219D-510E-4184-9090-6D5578A87BD1}"/>
+              </a:ext>
+              <a:ext uri="{C183D7F6-B498-43B3-948B-1728B52AA6E4}">
+                <adec:decorative xmlns:adec="http://schemas.microsoft.com/office/drawing/2017/decorative" val="1"/>
+              </a:ext>
+            </a:extLst>
+          </p:cNvPr>
+          <p:cNvSpPr>
+            <a:spLocks noGrp="1" noRot="1" noChangeAspect="1" noMove="1" noResize="1" noEditPoints="1" noAdjustHandles="1" noChangeArrowheads="1" noChangeShapeType="1" noTextEdit="1"/>
+          </p:cNvSpPr>
+          <p:nvPr>
+            <p:extLst>
+              <p:ext uri="{386F3935-93C4-4BCD-93E2-E3B085C9AB24}">
+                <p16:designElem xmlns:p16="http://schemas.microsoft.com/office/powerpoint/2015/main" val="1"/>
+              </p:ext>
+            </p:extLst>
+          </p:nvPr>
+        </p:nvSpPr>
+        <p:spPr>
+          <a:xfrm rot="5400000">
+            <a:off x="3908719" y="-3931841"/>
+            <a:ext cx="4374557" cy="12192000"/>
+          </a:xfrm>
+          <a:prstGeom prst="rect">
+            <a:avLst/>
+          </a:prstGeom>
+          <a:gradFill>
+            <a:gsLst>
+              <a:gs pos="40000">
+                <a:schemeClr val="accent1">
+                  <a:alpha val="0"/>
+                </a:schemeClr>
+              </a:gs>
+              <a:gs pos="100000">
+                <a:schemeClr val="accent1">
+                  <a:lumMod val="75000"/>
+                  <a:alpha val="52000"/>
+                </a:schemeClr>
+              </a:gs>
+            </a:gsLst>
+            <a:lin ang="2400000" scaled="0"/>
+          </a:gradFill>
+          <a:ln>
+            <a:noFill/>
+          </a:ln>
+        </p:spPr>
+        <p:style>
+          <a:lnRef idx="2">
+            <a:schemeClr val="accent1">
+              <a:shade val="50000"/>
+            </a:schemeClr>
+          </a:lnRef>
+          <a:fillRef idx="1">
+            <a:schemeClr val="accent1"/>
+          </a:fillRef>
+          <a:effectRef idx="0">
+            <a:schemeClr val="accent1"/>
+          </a:effectRef>
+          <a:fontRef idx="minor">
+            <a:schemeClr val="lt1"/>
+          </a:fontRef>
+        </p:style>
+        <p:txBody>
+          <a:bodyPr rtlCol="0" anchor="ctr"/>
+          <a:lstStyle/>
+          <a:p>
+            <a:pPr algn="ctr"/>
+            <a:endParaRPr lang="en-US"/>
+          </a:p>
+        </p:txBody>
+      </p:sp>
+      <p:sp>
+        <p:nvSpPr>
+          <p:cNvPr id="53" name="Rectangle 52">
+            <a:extLst>
+              <a:ext uri="{FF2B5EF4-FFF2-40B4-BE49-F238E27FC236}">
+                <a16:creationId xmlns:a16="http://schemas.microsoft.com/office/drawing/2014/main" id="{AFF4A713-7B75-4B21-90D7-5AB19547C728}"/>
+              </a:ext>
+              <a:ext uri="{C183D7F6-B498-43B3-948B-1728B52AA6E4}">
+                <adec:decorative xmlns:adec="http://schemas.microsoft.com/office/drawing/2017/decorative" val="1"/>
+              </a:ext>
+            </a:extLst>
+          </p:cNvPr>
+          <p:cNvSpPr>
+            <a:spLocks noGrp="1" noRot="1" noChangeAspect="1" noMove="1" noResize="1" noEditPoints="1" noAdjustHandles="1" noChangeArrowheads="1" noChangeShapeType="1" noTextEdit="1"/>
+          </p:cNvSpPr>
+          <p:nvPr>
+            <p:extLst>
+              <p:ext uri="{386F3935-93C4-4BCD-93E2-E3B085C9AB24}">
+                <p16:designElem xmlns:p16="http://schemas.microsoft.com/office/powerpoint/2015/main" val="1"/>
+              </p:ext>
+            </p:extLst>
+          </p:nvPr>
+        </p:nvSpPr>
+        <p:spPr>
+          <a:xfrm rot="5400000">
+            <a:off x="4136696" y="-3703868"/>
+            <a:ext cx="4374128" cy="11736479"/>
+          </a:xfrm>
+          <a:prstGeom prst="rect">
+            <a:avLst/>
+          </a:prstGeom>
+          <a:gradFill>
+            <a:gsLst>
+              <a:gs pos="17000">
+                <a:schemeClr val="accent1">
+                  <a:alpha val="0"/>
+                </a:schemeClr>
+              </a:gs>
+              <a:gs pos="100000">
+                <a:srgbClr val="000000">
+                  <a:alpha val="37000"/>
+                </a:srgbClr>
+              </a:gs>
+            </a:gsLst>
+            <a:lin ang="7800000" scaled="0"/>
+          </a:gradFill>
+          <a:ln>
+            <a:noFill/>
+          </a:ln>
+        </p:spPr>
+        <p:style>
+          <a:lnRef idx="2">
+            <a:schemeClr val="accent1">
+              <a:shade val="50000"/>
+            </a:schemeClr>
+          </a:lnRef>
+          <a:fillRef idx="1">
+            <a:schemeClr val="accent1"/>
+          </a:fillRef>
+          <a:effectRef idx="0">
+            <a:schemeClr val="accent1"/>
+          </a:effectRef>
+          <a:fontRef idx="minor">
+            <a:schemeClr val="lt1"/>
+          </a:fontRef>
+        </p:style>
+        <p:txBody>
+          <a:bodyPr rtlCol="0" anchor="ctr"/>
+          <a:lstStyle/>
+          <a:p>
+            <a:pPr algn="ctr"/>
+            <a:endParaRPr lang="en-US"/>
+          </a:p>
+        </p:txBody>
+      </p:sp>
+      <p:sp>
+        <p:nvSpPr>
+          <p:cNvPr id="54" name="Rectangle 53">
+            <a:extLst>
+              <a:ext uri="{FF2B5EF4-FFF2-40B4-BE49-F238E27FC236}">
+                <a16:creationId xmlns:a16="http://schemas.microsoft.com/office/drawing/2014/main" id="{DC631C0B-6DA6-4E57-8231-CE32B3434A7E}"/>
+              </a:ext>
+              <a:ext uri="{C183D7F6-B498-43B3-948B-1728B52AA6E4}">
+                <adec:decorative xmlns:adec="http://schemas.microsoft.com/office/drawing/2017/decorative" val="1"/>
+              </a:ext>
+            </a:extLst>
+          </p:cNvPr>
+          <p:cNvSpPr>
+            <a:spLocks noGrp="1" noRot="1" noChangeAspect="1" noMove="1" noResize="1" noEditPoints="1" noAdjustHandles="1" noChangeArrowheads="1" noChangeShapeType="1" noTextEdit="1"/>
+          </p:cNvSpPr>
+          <p:nvPr>
+            <p:extLst>
+              <p:ext uri="{386F3935-93C4-4BCD-93E2-E3B085C9AB24}">
+                <p16:designElem xmlns:p16="http://schemas.microsoft.com/office/powerpoint/2015/main" val="1"/>
+              </p:ext>
+            </p:extLst>
+          </p:nvPr>
+        </p:nvSpPr>
+        <p:spPr>
+          <a:xfrm>
+            <a:off x="-5" y="-22690"/>
+            <a:ext cx="8542485" cy="4374126"/>
+          </a:xfrm>
+          <a:prstGeom prst="rect">
+            <a:avLst/>
+          </a:prstGeom>
+          <a:gradFill>
+            <a:gsLst>
+              <a:gs pos="0">
+                <a:schemeClr val="accent1">
+                  <a:lumMod val="50000"/>
+                  <a:alpha val="0"/>
+                </a:schemeClr>
+              </a:gs>
+              <a:gs pos="100000">
+                <a:srgbClr val="000000">
+                  <a:alpha val="25000"/>
+                </a:srgbClr>
+              </a:gs>
+            </a:gsLst>
+            <a:lin ang="18600000" scaled="0"/>
+          </a:gradFill>
+          <a:ln>
+            <a:noFill/>
+          </a:ln>
+        </p:spPr>
+        <p:style>
+          <a:lnRef idx="2">
+            <a:schemeClr val="accent1">
+              <a:shade val="50000"/>
+            </a:schemeClr>
+          </a:lnRef>
+          <a:fillRef idx="1">
+            <a:schemeClr val="accent1"/>
+          </a:fillRef>
+          <a:effectRef idx="0">
+            <a:schemeClr val="accent1"/>
+          </a:effectRef>
+          <a:fontRef idx="minor">
+            <a:schemeClr val="lt1"/>
+          </a:fontRef>
+        </p:style>
+        <p:txBody>
+          <a:bodyPr rtlCol="0" anchor="ctr"/>
+          <a:lstStyle/>
+          <a:p>
+            <a:pPr algn="ctr"/>
+            <a:endParaRPr lang="en-US"/>
+          </a:p>
+        </p:txBody>
+      </p:sp>
+      <p:sp>
+        <p:nvSpPr>
+          <p:cNvPr id="55" name="Freeform: Shape 54">
+            <a:extLst>
+              <a:ext uri="{FF2B5EF4-FFF2-40B4-BE49-F238E27FC236}">
+                <a16:creationId xmlns:a16="http://schemas.microsoft.com/office/drawing/2014/main" id="{C29501E6-A978-4A61-9689-9085AF97A53A}"/>
+              </a:ext>
+              <a:ext uri="{C183D7F6-B498-43B3-948B-1728B52AA6E4}">
+                <adec:decorative xmlns:adec="http://schemas.microsoft.com/office/drawing/2017/decorative" val="1"/>
+              </a:ext>
+            </a:extLst>
+          </p:cNvPr>
+          <p:cNvSpPr>
+            <a:spLocks noGrp="1" noRot="1" noChangeAspect="1" noMove="1" noResize="1" noEditPoints="1" noAdjustHandles="1" noChangeArrowheads="1" noChangeShapeType="1" noTextEdit="1"/>
+          </p:cNvSpPr>
+          <p:nvPr>
+            <p:extLst>
+              <p:ext uri="{386F3935-93C4-4BCD-93E2-E3B085C9AB24}">
+                <p16:designElem xmlns:p16="http://schemas.microsoft.com/office/powerpoint/2015/main" val="1"/>
+              </p:ext>
+            </p:extLst>
+          </p:nvPr>
+        </p:nvSpPr>
+        <p:spPr>
+          <a:xfrm rot="12508972">
+            <a:off x="5945431" y="-1032053"/>
+            <a:ext cx="4990147" cy="4439131"/>
+          </a:xfrm>
+          <a:custGeom>
+            <a:avLst/>
+            <a:gdLst>
+              <a:gd name="connsiteX0" fmla="*/ 4990147 w 4990147"/>
+              <a:gd name="connsiteY0" fmla="*/ 2229378 h 4439131"/>
+              <a:gd name="connsiteX1" fmla="*/ 917384 w 4990147"/>
+              <a:gd name="connsiteY1" fmla="*/ 4439131 h 4439131"/>
+              <a:gd name="connsiteX2" fmla="*/ 910814 w 4990147"/>
+              <a:gd name="connsiteY2" fmla="*/ 4434219 h 4439131"/>
+              <a:gd name="connsiteX3" fmla="*/ 0 w 4990147"/>
+              <a:gd name="connsiteY3" fmla="*/ 2502877 h 4439131"/>
+              <a:gd name="connsiteX4" fmla="*/ 2502877 w 4990147"/>
+              <a:gd name="connsiteY4" fmla="*/ 0 h 4439131"/>
+              <a:gd name="connsiteX5" fmla="*/ 4954904 w 4990147"/>
+              <a:gd name="connsiteY5" fmla="*/ 1998460 h 4439131"/>
+            </a:gdLst>
+            <a:ahLst/>
+            <a:cxnLst>
+              <a:cxn ang="0">
+                <a:pos x="connsiteX0" y="connsiteY0"/>
+              </a:cxn>
+              <a:cxn ang="0">
+                <a:pos x="connsiteX1" y="connsiteY1"/>
+              </a:cxn>
+              <a:cxn ang="0">
+                <a:pos x="connsiteX2" y="connsiteY2"/>
+              </a:cxn>
+              <a:cxn ang="0">
+                <a:pos x="connsiteX3" y="connsiteY3"/>
+              </a:cxn>
+              <a:cxn ang="0">
+                <a:pos x="connsiteX4" y="connsiteY4"/>
+              </a:cxn>
+              <a:cxn ang="0">
+                <a:pos x="connsiteX5" y="connsiteY5"/>
+              </a:cxn>
+            </a:cxnLst>
+            <a:rect l="l" t="t" r="r" b="b"/>
+            <a:pathLst>
+              <a:path w="4990147" h="4439131">
+                <a:moveTo>
+                  <a:pt x="4990147" y="2229378"/>
+                </a:moveTo>
+                <a:lnTo>
+                  <a:pt x="917384" y="4439131"/>
+                </a:lnTo>
+                <a:lnTo>
+                  <a:pt x="910814" y="4434219"/>
+                </a:lnTo>
+                <a:cubicBezTo>
+                  <a:pt x="354557" y="3975154"/>
+                  <a:pt x="0" y="3280421"/>
+                  <a:pt x="0" y="2502877"/>
+                </a:cubicBezTo>
+                <a:cubicBezTo>
+                  <a:pt x="0" y="1120576"/>
+                  <a:pt x="1120576" y="0"/>
+                  <a:pt x="2502877" y="0"/>
+                </a:cubicBezTo>
+                <a:cubicBezTo>
+                  <a:pt x="3712390" y="0"/>
+                  <a:pt x="4721520" y="857941"/>
+                  <a:pt x="4954904" y="1998460"/>
+                </a:cubicBezTo>
+                <a:close/>
+              </a:path>
+            </a:pathLst>
+          </a:custGeom>
+          <a:gradFill>
+            <a:gsLst>
+              <a:gs pos="0">
+                <a:schemeClr val="accent1">
+                  <a:alpha val="22000"/>
+                </a:schemeClr>
+              </a:gs>
+              <a:gs pos="87000">
+                <a:schemeClr val="accent1">
+                  <a:lumMod val="60000"/>
+                  <a:lumOff val="40000"/>
+                  <a:alpha val="2000"/>
+                </a:schemeClr>
+              </a:gs>
+            </a:gsLst>
+            <a:lin ang="8400000" scaled="0"/>
+          </a:gradFill>
+          <a:ln>
+            <a:noFill/>
+          </a:ln>
+        </p:spPr>
+        <p:style>
+          <a:lnRef idx="2">
+            <a:schemeClr val="accent1">
+              <a:shade val="50000"/>
+            </a:schemeClr>
+          </a:lnRef>
+          <a:fillRef idx="1">
+            <a:schemeClr val="accent1"/>
+          </a:fillRef>
+          <a:effectRef idx="0">
+            <a:schemeClr val="accent1"/>
+          </a:effectRef>
+          <a:fontRef idx="minor">
+            <a:schemeClr val="lt1"/>
+          </a:fontRef>
+        </p:style>
+        <p:txBody>
+          <a:bodyPr wrap="square" rtlCol="0" anchor="ctr">
+            <a:noAutofit/>
+          </a:bodyPr>
+          <a:lstStyle/>
+          <a:p>
+            <a:pPr algn="ctr"/>
+            <a:endParaRPr lang="en-US" dirty="0"/>
+          </a:p>
+        </p:txBody>
+      </p:sp>
+      <p:sp>
+        <p:nvSpPr>
+          <p:cNvPr id="2" name="Title 1">
+            <a:extLst>
+              <a:ext uri="{FF2B5EF4-FFF2-40B4-BE49-F238E27FC236}">
+                <a16:creationId xmlns:a16="http://schemas.microsoft.com/office/drawing/2014/main" id="{287A03DE-1123-91CE-26BE-143108D13665}"/>
+              </a:ext>
+            </a:extLst>
+          </p:cNvPr>
+          <p:cNvSpPr>
+            <a:spLocks noGrp="1"/>
+          </p:cNvSpPr>
+          <p:nvPr>
+            <p:ph type="ctrTitle"/>
+          </p:nvPr>
+        </p:nvSpPr>
+        <p:spPr>
+          <a:xfrm>
+            <a:off x="1314824" y="735106"/>
+            <a:ext cx="10053763" cy="2928470"/>
+          </a:xfrm>
+        </p:spPr>
+        <p:txBody>
+          <a:bodyPr vert="horz" lIns="91440" tIns="45720" rIns="91440" bIns="45720" rtlCol="0" anchor="b">
+            <a:normAutofit/>
+          </a:bodyPr>
+          <a:lstStyle/>
+          <a:p>
+            <a:pPr algn="l"/>
+            <a:r>
+              <a:rPr lang="en-US" sz="4800">
+                <a:solidFill>
+                  <a:srgbClr val="FFFFFF"/>
+                </a:solidFill>
+              </a:rPr>
+              <a:t>What’s new</a:t>
+            </a:r>
+          </a:p>
+        </p:txBody>
+      </p:sp>
+    </p:spTree>
+    <p:extLst>
+      <p:ext uri="{BB962C8B-B14F-4D97-AF65-F5344CB8AC3E}">
+        <p14:creationId xmlns:p14="http://schemas.microsoft.com/office/powerpoint/2010/main" val="3847246675"/>
+      </p:ext>
+    </p:extLst>
+  </p:cSld>
+  <p:clrMapOvr>
+    <a:masterClrMapping/>
+  </p:clrMapOvr>
+  <p:timing>
+    <p:tnLst>
+      <p:par>
+        <p:cTn id="1" dur="indefinite" restart="never" nodeType="tmRoot">
+          <p:childTnLst>
+            <p:seq concurrent="1" nextAc="seek">
+              <p:cTn id="2" dur="indefinite" nodeType="mainSeq">
+                <p:childTnLst>
+                  <p:par>
+                    <p:cTn id="3" fill="hold">
+                      <p:stCondLst>
+                        <p:cond delay="indefinite"/>
+                        <p:cond evt="onBegin" delay="0">
+                          <p:tn val="2"/>
+                        </p:cond>
+                      </p:stCondLst>
+                      <p:childTnLst>
+                        <p:par>
+                          <p:cTn id="4" fill="hold">
+                            <p:stCondLst>
+                              <p:cond delay="0"/>
+                            </p:stCondLst>
+                            <p:childTnLst>
+                              <p:par>
+                                <p:cTn id="5" presetID="10" presetClass="entr" presetSubtype="0" fill="hold" grpId="0" nodeType="withEffect">
+                                  <p:stCondLst>
+                                    <p:cond delay="500"/>
+                                  </p:stCondLst>
+                                  <p:iterate type="lt">
+                                    <p:tmPct val="10000"/>
+                                  </p:iterate>
+                                  <p:childTnLst>
+                                    <p:set>
+                                      <p:cBhvr>
+                                        <p:cTn id="6" dur="1" fill="hold">
+                                          <p:stCondLst>
+                                            <p:cond delay="0"/>
+                                          </p:stCondLst>
+                                        </p:cTn>
+                                        <p:tgtEl>
+                                          <p:spTgt spid="2"/>
+                                        </p:tgtEl>
+                                        <p:attrNameLst>
+                                          <p:attrName>style.visibility</p:attrName>
+                                        </p:attrNameLst>
+                                      </p:cBhvr>
+                                      <p:to>
+                                        <p:strVal val="visible"/>
+                                      </p:to>
+                                    </p:set>
+                                    <p:animEffect transition="in" filter="fade">
+                                      <p:cBhvr>
+                                        <p:cTn id="7" dur="400"/>
+                                        <p:tgtEl>
+                                          <p:spTgt spid="2"/>
+                                        </p:tgtEl>
+                                      </p:cBhvr>
+                                    </p:animEffect>
+                                  </p:childTnLst>
+                                </p:cTn>
+                              </p:par>
+                            </p:childTnLst>
+                          </p:cTn>
+                        </p:par>
+                      </p:childTnLst>
+                    </p:cTn>
+                  </p:par>
+                </p:childTnLst>
+              </p:cTn>
+              <p:prevCondLst>
+                <p:cond evt="onPrev" delay="0">
+                  <p:tgtEl>
+                    <p:sldTgt/>
+                  </p:tgtEl>
+                </p:cond>
+              </p:prevCondLst>
+              <p:nextCondLst>
+                <p:cond evt="onNext" delay="0">
+                  <p:tgtEl>
+                    <p:sldTgt/>
+                  </p:tgtEl>
+                </p:cond>
+              </p:nextCondLst>
+            </p:seq>
+          </p:childTnLst>
+        </p:cTn>
+      </p:par>
+    </p:tnLst>
+    <p:bldLst>
+      <p:bldP spid="2" grpId="0"/>
+    </p:bldLst>
+  </p:timing>
+</p:sld>
+</file>
+
+<file path=ppt/slides/slide9.xml><?xml version="1.0" encoding="utf-8"?>
+<p:sld xmlns:a="http://schemas.openxmlformats.org/drawingml/2006/main" xmlns:r="http://schemas.openxmlformats.org/officeDocument/2006/relationships" xmlns:p="http://schemas.openxmlformats.org/presentationml/2006/main">
+  <p:cSld>
+    <p:spTree>
+      <p:nvGrpSpPr>
+        <p:cNvPr id="1" name="">
+          <a:extLst>
+            <a:ext uri="{FF2B5EF4-FFF2-40B4-BE49-F238E27FC236}">
+              <a16:creationId xmlns:a16="http://schemas.microsoft.com/office/drawing/2014/main" id="{E41B61D3-2981-898F-AA17-FC292C33E1BF}"/>
+            </a:ext>
+          </a:extLst>
+        </p:cNvPr>
+        <p:cNvGrpSpPr/>
+        <p:nvPr/>
+      </p:nvGrpSpPr>
+      <p:grpSpPr>
+        <a:xfrm>
+          <a:off x="0" y="0"/>
+          <a:ext cx="0" cy="0"/>
+          <a:chOff x="0" y="0"/>
+          <a:chExt cx="0" cy="0"/>
+        </a:xfrm>
+      </p:grpSpPr>
+      <p:pic>
+        <p:nvPicPr>
+          <p:cNvPr id="5" name="Picture 4">
+            <a:extLst>
+              <a:ext uri="{FF2B5EF4-FFF2-40B4-BE49-F238E27FC236}">
+                <a16:creationId xmlns:a16="http://schemas.microsoft.com/office/drawing/2014/main" id="{BBA13DE5-BCFE-DBF9-3ED1-A65A83933AD7}"/>
+              </a:ext>
+            </a:extLst>
+          </p:cNvPr>
+          <p:cNvPicPr>
+            <a:picLocks noChangeAspect="1"/>
+          </p:cNvPicPr>
+          <p:nvPr/>
+        </p:nvPicPr>
+        <p:blipFill>
+          <a:blip r:embed="rId2">
+            <a:extLst>
+              <a:ext uri="{28A0092B-C50C-407E-A947-70E740481C1C}">
+                <a14:useLocalDpi xmlns:a14="http://schemas.microsoft.com/office/drawing/2010/main" val="0"/>
+              </a:ext>
+            </a:extLst>
+          </a:blip>
+          <a:srcRect/>
+          <a:stretch/>
+        </p:blipFill>
+        <p:spPr>
+          <a:xfrm>
+            <a:off x="184984" y="289216"/>
+            <a:ext cx="6720396" cy="3078979"/>
+          </a:xfrm>
+          <a:prstGeom prst="rect">
+            <a:avLst/>
+          </a:prstGeom>
+          <a:ln w="127000" cap="sq">
+            <a:solidFill>
+              <a:srgbClr val="000000"/>
+            </a:solidFill>
+            <a:miter lim="800000"/>
+          </a:ln>
+          <a:effectLst>
+            <a:outerShdw blurRad="57150" dist="50800" dir="2700000" algn="tl" rotWithShape="0">
+              <a:srgbClr val="000000">
+                <a:alpha val="40000"/>
+              </a:srgbClr>
+            </a:outerShdw>
+          </a:effectLst>
+        </p:spPr>
+      </p:pic>
+      <p:pic>
+        <p:nvPicPr>
+          <p:cNvPr id="9" name="Picture 8">
+            <a:extLst>
+              <a:ext uri="{FF2B5EF4-FFF2-40B4-BE49-F238E27FC236}">
+                <a16:creationId xmlns:a16="http://schemas.microsoft.com/office/drawing/2014/main" id="{08208D1E-350B-1BAF-CA01-F1BC44F9F786}"/>
+              </a:ext>
+            </a:extLst>
+          </p:cNvPr>
+          <p:cNvPicPr>
+            <a:picLocks noChangeAspect="1"/>
+          </p:cNvPicPr>
+          <p:nvPr/>
+        </p:nvPicPr>
+        <p:blipFill>
+          <a:blip r:embed="rId3">
+            <a:extLst>
+              <a:ext uri="{28A0092B-C50C-407E-A947-70E740481C1C}">
+                <a14:useLocalDpi xmlns:a14="http://schemas.microsoft.com/office/drawing/2010/main" val="0"/>
+              </a:ext>
+            </a:extLst>
+          </a:blip>
+          <a:srcRect/>
+          <a:stretch/>
+        </p:blipFill>
+        <p:spPr>
+          <a:xfrm>
+            <a:off x="4902083" y="1294627"/>
+            <a:ext cx="6834223" cy="3108800"/>
+          </a:xfrm>
+          <a:prstGeom prst="rect">
+            <a:avLst/>
+          </a:prstGeom>
+          <a:ln w="127000" cap="sq">
+            <a:solidFill>
+              <a:srgbClr val="000000"/>
+            </a:solidFill>
+            <a:miter lim="800000"/>
+          </a:ln>
+          <a:effectLst>
+            <a:outerShdw blurRad="57150" dist="50800" dir="2700000" algn="tl" rotWithShape="0">
+              <a:srgbClr val="000000">
+                <a:alpha val="40000"/>
+              </a:srgbClr>
+            </a:outerShdw>
+          </a:effectLst>
+        </p:spPr>
+      </p:pic>
+      <p:pic>
+        <p:nvPicPr>
+          <p:cNvPr id="7" name="Picture 6">
+            <a:extLst>
+              <a:ext uri="{FF2B5EF4-FFF2-40B4-BE49-F238E27FC236}">
+                <a16:creationId xmlns:a16="http://schemas.microsoft.com/office/drawing/2014/main" id="{3495348A-BA7D-C3A5-3D06-8CCEA9CB09D0}"/>
+              </a:ext>
+            </a:extLst>
+          </p:cNvPr>
+          <p:cNvPicPr>
+            <a:picLocks noChangeAspect="1"/>
+          </p:cNvPicPr>
+          <p:nvPr/>
+        </p:nvPicPr>
+        <p:blipFill>
+          <a:blip r:embed="rId4">
+            <a:extLst>
+              <a:ext uri="{28A0092B-C50C-407E-A947-70E740481C1C}">
+                <a14:useLocalDpi xmlns:a14="http://schemas.microsoft.com/office/drawing/2010/main" val="0"/>
+              </a:ext>
+            </a:extLst>
+          </a:blip>
+          <a:srcRect/>
+          <a:stretch/>
+        </p:blipFill>
+        <p:spPr>
+          <a:xfrm>
+            <a:off x="834501" y="3832919"/>
+            <a:ext cx="6070879" cy="2767042"/>
+          </a:xfrm>
+          <a:prstGeom prst="rect">
+            <a:avLst/>
+          </a:prstGeom>
+          <a:ln w="127000" cap="sq">
+            <a:solidFill>
+              <a:srgbClr val="000000"/>
+            </a:solidFill>
+            <a:miter lim="800000"/>
+          </a:ln>
+          <a:effectLst>
+            <a:outerShdw blurRad="57150" dist="50800" dir="2700000" algn="tl" rotWithShape="0">
+              <a:srgbClr val="000000">
+                <a:alpha val="40000"/>
+              </a:srgbClr>
+            </a:outerShdw>
+          </a:effectLst>
+        </p:spPr>
+      </p:pic>
+    </p:spTree>
+    <p:extLst>
+      <p:ext uri="{BB962C8B-B14F-4D97-AF65-F5344CB8AC3E}">
+        <p14:creationId xmlns:p14="http://schemas.microsoft.com/office/powerpoint/2010/main" val="94873061"/>
+      </p:ext>
+    </p:extLst>
+  </p:cSld>
+  <p:clrMapOvr>
+    <a:masterClrMapping/>
+  </p:clrMapOvr>
 </p:sld>
 </file>
 
@@ -16386,6 +16676,15 @@
 </file>
 
 <file path=customXml/item1.xml><?xml version="1.0" encoding="utf-8"?>
+<?mso-contentType ?>
+<FormTemplates xmlns="http://schemas.microsoft.com/sharepoint/v3/contenttype/forms">
+  <Display>DocumentLibraryForm</Display>
+  <Edit>DocumentLibraryForm</Edit>
+  <New>DocumentLibraryForm</New>
+</FormTemplates>
+</file>
+
+<file path=customXml/item2.xml><?xml version="1.0" encoding="utf-8"?>
 <ct:contentTypeSchema xmlns:ct="http://schemas.microsoft.com/office/2006/metadata/contentType" xmlns:ma="http://schemas.microsoft.com/office/2006/metadata/properties/metaAttributes" ct:_="" ma:_="" ma:contentTypeName="מסמך" ma:contentTypeID="0x0101001EA59A15987AE144A254FC4106E321C8" ma:contentTypeVersion="0" ma:contentTypeDescription="צור מסמך חדש." ma:contentTypeScope="" ma:versionID="ac5e564299d3b42ba03881e8c53bf074">
   <xsd:schema xmlns:xsd="http://www.w3.org/2001/XMLSchema" xmlns:xs="http://www.w3.org/2001/XMLSchema" xmlns:p="http://schemas.microsoft.com/office/2006/metadata/properties" targetNamespace="http://schemas.microsoft.com/office/2006/metadata/properties" ma:root="true" ma:fieldsID="b37cfc545645a8cf67766586f7122ed1">
     <xsd:element name="properties">
@@ -16499,15 +16798,6 @@
 </ct:contentTypeSchema>
 </file>
 
-<file path=customXml/item2.xml><?xml version="1.0" encoding="utf-8"?>
-<?mso-contentType ?>
-<FormTemplates xmlns="http://schemas.microsoft.com/sharepoint/v3/contenttype/forms">
-  <Display>DocumentLibraryForm</Display>
-  <Edit>DocumentLibraryForm</Edit>
-  <New>DocumentLibraryForm</New>
-</FormTemplates>
-</file>
-
 <file path=customXml/item3.xml><?xml version="1.0" encoding="utf-8"?>
 <p:properties xmlns:p="http://schemas.microsoft.com/office/2006/metadata/properties" xmlns:xsi="http://www.w3.org/2001/XMLSchema-instance" xmlns:pc="http://schemas.microsoft.com/office/infopath/2007/PartnerControls">
   <documentManagement/>
@@ -16515,6 +16805,14 @@
 </file>
 
 <file path=customXml/itemProps1.xml><?xml version="1.0" encoding="utf-8"?>
+<ds:datastoreItem xmlns:ds="http://schemas.openxmlformats.org/officeDocument/2006/customXml" ds:itemID="{78044AE5-62BD-4847-9366-F16F3787C79C}">
+  <ds:schemaRefs>
+    <ds:schemaRef ds:uri="http://schemas.microsoft.com/sharepoint/v3/contenttype/forms"/>
+  </ds:schemaRefs>
+</ds:datastoreItem>
+</file>
+
+<file path=customXml/itemProps2.xml><?xml version="1.0" encoding="utf-8"?>
 <ds:datastoreItem xmlns:ds="http://schemas.openxmlformats.org/officeDocument/2006/customXml" ds:itemID="{AEFC6045-F173-4449-8223-138CC82507B1}">
   <ds:schemaRefs>
     <ds:schemaRef ds:uri="http://schemas.microsoft.com/office/2006/metadata/contentType"/>
@@ -16526,14 +16824,6 @@
     <ds:schemaRef ds:uri="http://purl.org/dc/terms/"/>
     <ds:schemaRef ds:uri="http://schemas.microsoft.com/internal/obd"/>
     <ds:schemaRef ds:uri="http://schemas.microsoft.com/office/infopath/2007/PartnerControls"/>
-  </ds:schemaRefs>
-</ds:datastoreItem>
-</file>
-
-<file path=customXml/itemProps2.xml><?xml version="1.0" encoding="utf-8"?>
-<ds:datastoreItem xmlns:ds="http://schemas.openxmlformats.org/officeDocument/2006/customXml" ds:itemID="{78044AE5-62BD-4847-9366-F16F3787C79C}">
-  <ds:schemaRefs>
-    <ds:schemaRef ds:uri="http://schemas.microsoft.com/sharepoint/v3/contenttype/forms"/>
   </ds:schemaRefs>
 </ds:datastoreItem>
 </file>
